--- a/Presentations/2018-06-05 presentation.pptx
+++ b/Presentations/2018-06-05 presentation.pptx
@@ -1,36 +1,36 @@
 
 <file path=ppt/presentation.xml><?xml version="1.0" encoding="utf-8"?>
-<p:presentation xmlns:a="http://schemas.openxmlformats.org/drawingml/2006/main" xmlns:r="http://schemas.openxmlformats.org/officeDocument/2006/relationships" xmlns:mc="http://schemas.openxmlformats.org/markup-compatibility/2006" xmlns:mv="urn:schemas-microsoft-com:mac:vml" xmlns:p="http://schemas.openxmlformats.org/presentationml/2006/main" xmlns:c="http://schemas.openxmlformats.org/drawingml/2006/chart" xmlns:dgm="http://schemas.openxmlformats.org/drawingml/2006/diagram" xmlns:o="urn:schemas-microsoft-com:office:office" xmlns:v="urn:schemas-microsoft-com:vml" xmlns:pvml="urn:schemas-microsoft-com:office:powerpoint" xmlns:com="http://schemas.openxmlformats.org/drawingml/2006/compatibility" xmlns:p14="http://schemas.microsoft.com/office/powerpoint/2010/main" xmlns:p15="http://schemas.microsoft.com/office/powerpoint/2012/main" autoCompressPictures="0" embedTrueTypeFonts="1" strictFirstAndLastChars="0" saveSubsetFonts="1">
+<p:presentation xmlns:a="http://schemas.openxmlformats.org/drawingml/2006/main" xmlns:r="http://schemas.openxmlformats.org/officeDocument/2006/relationships" xmlns:p="http://schemas.openxmlformats.org/presentationml/2006/main" strictFirstAndLastChars="0" embedTrueTypeFonts="1" saveSubsetFonts="1" autoCompressPictures="0">
   <p:sldMasterIdLst>
-    <p:sldMasterId id="2147483670" r:id="rId4"/>
-    <p:sldMasterId id="2147483671" r:id="rId5"/>
+    <p:sldMasterId id="2147483670" r:id="rId1"/>
+    <p:sldMasterId id="2147483671" r:id="rId2"/>
   </p:sldMasterIdLst>
   <p:notesMasterIdLst>
-    <p:notesMasterId r:id="rId6"/>
+    <p:notesMasterId r:id="rId11"/>
   </p:notesMasterIdLst>
   <p:sldIdLst>
-    <p:sldId id="256" r:id="rId7"/>
-    <p:sldId id="257" r:id="rId8"/>
-    <p:sldId id="258" r:id="rId9"/>
-    <p:sldId id="259" r:id="rId10"/>
-    <p:sldId id="260" r:id="rId11"/>
-    <p:sldId id="261" r:id="rId12"/>
-    <p:sldId id="262" r:id="rId13"/>
-    <p:sldId id="263" r:id="rId14"/>
+    <p:sldId id="256" r:id="rId3"/>
+    <p:sldId id="257" r:id="rId4"/>
+    <p:sldId id="258" r:id="rId5"/>
+    <p:sldId id="259" r:id="rId6"/>
+    <p:sldId id="260" r:id="rId7"/>
+    <p:sldId id="261" r:id="rId8"/>
+    <p:sldId id="262" r:id="rId9"/>
+    <p:sldId id="263" r:id="rId10"/>
   </p:sldIdLst>
-  <p:sldSz cy="5143500" cx="9144000"/>
+  <p:sldSz cx="9144000" cy="5143500" type="screen16x9"/>
   <p:notesSz cx="6858000" cy="9144000"/>
   <p:embeddedFontLst>
     <p:embeddedFont>
-      <p:font typeface="Proxima Nova"/>
-      <p:regular r:id="rId15"/>
-      <p:bold r:id="rId16"/>
-      <p:italic r:id="rId17"/>
-      <p:boldItalic r:id="rId18"/>
+      <p:font typeface="Proxima Nova" panose="020B0604020202020204" charset="0"/>
+      <p:regular r:id="rId12"/>
+      <p:bold r:id="rId13"/>
+      <p:italic r:id="rId14"/>
+      <p:boldItalic r:id="rId15"/>
     </p:embeddedFont>
   </p:embeddedFontLst>
   <p:defaultTextStyle>
-    <a:defPPr lvl="0" marR="0" rtl="0" algn="l">
+    <a:defPPr marR="0" lvl="0" algn="l" rtl="0">
       <a:lnSpc>
         <a:spcPct val="100000"/>
       </a:lnSpc>
@@ -41,7 +41,7 @@
         <a:spcPts val="0"/>
       </a:spcAft>
     </a:defPPr>
-    <a:lvl1pPr lvl="0" marR="0" rtl="0" algn="l">
+    <a:lvl1pPr marR="0" lvl="0" algn="l" rtl="0">
       <a:lnSpc>
         <a:spcPct val="100000"/>
       </a:lnSpc>
@@ -55,7 +55,7 @@
         <a:srgbClr val="000000"/>
       </a:buClr>
       <a:buFont typeface="Arial"/>
-      <a:defRPr b="0" i="0" sz="1400" u="none" cap="none" strike="noStrike">
+      <a:defRPr sz="1400" b="0" i="0" u="none" strike="noStrike" cap="none">
         <a:solidFill>
           <a:srgbClr val="000000"/>
         </a:solidFill>
@@ -65,7 +65,7 @@
         <a:sym typeface="Arial"/>
       </a:defRPr>
     </a:lvl1pPr>
-    <a:lvl2pPr lvl="1" marR="0" rtl="0" algn="l">
+    <a:lvl2pPr marR="0" lvl="1" algn="l" rtl="0">
       <a:lnSpc>
         <a:spcPct val="100000"/>
       </a:lnSpc>
@@ -79,7 +79,7 @@
         <a:srgbClr val="000000"/>
       </a:buClr>
       <a:buFont typeface="Arial"/>
-      <a:defRPr b="0" i="0" sz="1400" u="none" cap="none" strike="noStrike">
+      <a:defRPr sz="1400" b="0" i="0" u="none" strike="noStrike" cap="none">
         <a:solidFill>
           <a:srgbClr val="000000"/>
         </a:solidFill>
@@ -89,7 +89,7 @@
         <a:sym typeface="Arial"/>
       </a:defRPr>
     </a:lvl2pPr>
-    <a:lvl3pPr lvl="2" marR="0" rtl="0" algn="l">
+    <a:lvl3pPr marR="0" lvl="2" algn="l" rtl="0">
       <a:lnSpc>
         <a:spcPct val="100000"/>
       </a:lnSpc>
@@ -103,7 +103,7 @@
         <a:srgbClr val="000000"/>
       </a:buClr>
       <a:buFont typeface="Arial"/>
-      <a:defRPr b="0" i="0" sz="1400" u="none" cap="none" strike="noStrike">
+      <a:defRPr sz="1400" b="0" i="0" u="none" strike="noStrike" cap="none">
         <a:solidFill>
           <a:srgbClr val="000000"/>
         </a:solidFill>
@@ -113,7 +113,7 @@
         <a:sym typeface="Arial"/>
       </a:defRPr>
     </a:lvl3pPr>
-    <a:lvl4pPr lvl="3" marR="0" rtl="0" algn="l">
+    <a:lvl4pPr marR="0" lvl="3" algn="l" rtl="0">
       <a:lnSpc>
         <a:spcPct val="100000"/>
       </a:lnSpc>
@@ -127,7 +127,7 @@
         <a:srgbClr val="000000"/>
       </a:buClr>
       <a:buFont typeface="Arial"/>
-      <a:defRPr b="0" i="0" sz="1400" u="none" cap="none" strike="noStrike">
+      <a:defRPr sz="1400" b="0" i="0" u="none" strike="noStrike" cap="none">
         <a:solidFill>
           <a:srgbClr val="000000"/>
         </a:solidFill>
@@ -137,7 +137,7 @@
         <a:sym typeface="Arial"/>
       </a:defRPr>
     </a:lvl4pPr>
-    <a:lvl5pPr lvl="4" marR="0" rtl="0" algn="l">
+    <a:lvl5pPr marR="0" lvl="4" algn="l" rtl="0">
       <a:lnSpc>
         <a:spcPct val="100000"/>
       </a:lnSpc>
@@ -151,7 +151,7 @@
         <a:srgbClr val="000000"/>
       </a:buClr>
       <a:buFont typeface="Arial"/>
-      <a:defRPr b="0" i="0" sz="1400" u="none" cap="none" strike="noStrike">
+      <a:defRPr sz="1400" b="0" i="0" u="none" strike="noStrike" cap="none">
         <a:solidFill>
           <a:srgbClr val="000000"/>
         </a:solidFill>
@@ -161,7 +161,7 @@
         <a:sym typeface="Arial"/>
       </a:defRPr>
     </a:lvl5pPr>
-    <a:lvl6pPr lvl="5" marR="0" rtl="0" algn="l">
+    <a:lvl6pPr marR="0" lvl="5" algn="l" rtl="0">
       <a:lnSpc>
         <a:spcPct val="100000"/>
       </a:lnSpc>
@@ -175,7 +175,7 @@
         <a:srgbClr val="000000"/>
       </a:buClr>
       <a:buFont typeface="Arial"/>
-      <a:defRPr b="0" i="0" sz="1400" u="none" cap="none" strike="noStrike">
+      <a:defRPr sz="1400" b="0" i="0" u="none" strike="noStrike" cap="none">
         <a:solidFill>
           <a:srgbClr val="000000"/>
         </a:solidFill>
@@ -185,7 +185,7 @@
         <a:sym typeface="Arial"/>
       </a:defRPr>
     </a:lvl6pPr>
-    <a:lvl7pPr lvl="6" marR="0" rtl="0" algn="l">
+    <a:lvl7pPr marR="0" lvl="6" algn="l" rtl="0">
       <a:lnSpc>
         <a:spcPct val="100000"/>
       </a:lnSpc>
@@ -199,7 +199,7 @@
         <a:srgbClr val="000000"/>
       </a:buClr>
       <a:buFont typeface="Arial"/>
-      <a:defRPr b="0" i="0" sz="1400" u="none" cap="none" strike="noStrike">
+      <a:defRPr sz="1400" b="0" i="0" u="none" strike="noStrike" cap="none">
         <a:solidFill>
           <a:srgbClr val="000000"/>
         </a:solidFill>
@@ -209,7 +209,7 @@
         <a:sym typeface="Arial"/>
       </a:defRPr>
     </a:lvl7pPr>
-    <a:lvl8pPr lvl="7" marR="0" rtl="0" algn="l">
+    <a:lvl8pPr marR="0" lvl="7" algn="l" rtl="0">
       <a:lnSpc>
         <a:spcPct val="100000"/>
       </a:lnSpc>
@@ -223,7 +223,7 @@
         <a:srgbClr val="000000"/>
       </a:buClr>
       <a:buFont typeface="Arial"/>
-      <a:defRPr b="0" i="0" sz="1400" u="none" cap="none" strike="noStrike">
+      <a:defRPr sz="1400" b="0" i="0" u="none" strike="noStrike" cap="none">
         <a:solidFill>
           <a:srgbClr val="000000"/>
         </a:solidFill>
@@ -233,7 +233,7 @@
         <a:sym typeface="Arial"/>
       </a:defRPr>
     </a:lvl8pPr>
-    <a:lvl9pPr lvl="8" marR="0" rtl="0" algn="l">
+    <a:lvl9pPr marR="0" lvl="8" algn="l" rtl="0">
       <a:lnSpc>
         <a:spcPct val="100000"/>
       </a:lnSpc>
@@ -247,7 +247,7 @@
         <a:srgbClr val="000000"/>
       </a:buClr>
       <a:buFont typeface="Arial"/>
-      <a:defRPr b="0" i="0" sz="1400" u="none" cap="none" strike="noStrike">
+      <a:defRPr sz="1400" b="0" i="0" u="none" strike="noStrike" cap="none">
         <a:solidFill>
           <a:srgbClr val="000000"/>
         </a:solidFill>
@@ -260,7 +260,7 @@
   </p:defaultTextStyle>
   <p:extLst>
     <p:ext uri="{EFAFB233-063F-42B5-8137-9DF3F51BA10A}">
-      <p15:sldGuideLst>
+      <p15:sldGuideLst xmlns:p15="http://schemas.microsoft.com/office/powerpoint/2012/main">
         <p15:guide id="1" orient="horz" pos="1620">
           <p15:clr>
             <a:srgbClr val="A4A3A4"/>
@@ -278,11 +278,16 @@
 </file>
 
 <file path=ppt/notesMasters/notesMaster1.xml><?xml version="1.0" encoding="utf-8"?>
-<p:notesMaster xmlns:a="http://schemas.openxmlformats.org/drawingml/2006/main" xmlns:r="http://schemas.openxmlformats.org/officeDocument/2006/relationships" xmlns:mc="http://schemas.openxmlformats.org/markup-compatibility/2006" xmlns:mv="urn:schemas-microsoft-com:mac:vml" xmlns:p="http://schemas.openxmlformats.org/presentationml/2006/main" xmlns:c="http://schemas.openxmlformats.org/drawingml/2006/chart" xmlns:dgm="http://schemas.openxmlformats.org/drawingml/2006/diagram" xmlns:o="urn:schemas-microsoft-com:office:office" xmlns:v="urn:schemas-microsoft-com:vml" xmlns:pvml="urn:schemas-microsoft-com:office:powerpoint" xmlns:com="http://schemas.openxmlformats.org/drawingml/2006/compatibility" xmlns:p14="http://schemas.microsoft.com/office/powerpoint/2010/main" xmlns:p15="http://schemas.microsoft.com/office/powerpoint/2012/main">
+<p:notesMaster xmlns:a="http://schemas.openxmlformats.org/drawingml/2006/main" xmlns:r="http://schemas.openxmlformats.org/officeDocument/2006/relationships" xmlns:p="http://schemas.openxmlformats.org/presentationml/2006/main">
   <p:cSld>
+    <p:bg>
+      <p:bgRef idx="1001">
+        <a:schemeClr val="bg1"/>
+      </p:bgRef>
+    </p:bg>
     <p:spTree>
       <p:nvGrpSpPr>
-        <p:cNvPr id="2" name="Shape 2"/>
+        <p:cNvPr id="1" name="Shape 2"/>
         <p:cNvGrpSpPr/>
         <p:nvPr/>
       </p:nvGrpSpPr>
@@ -297,9 +302,11 @@
       <p:sp>
         <p:nvSpPr>
           <p:cNvPr id="3" name="Shape 3"/>
-          <p:cNvSpPr/>
+          <p:cNvSpPr>
+            <a:spLocks noGrp="1" noRot="1" noChangeAspect="1"/>
+          </p:cNvSpPr>
           <p:nvPr>
-            <p:ph idx="2" type="sldImg"/>
+            <p:ph type="sldImg" idx="2"/>
           </p:nvPr>
         </p:nvSpPr>
         <p:spPr>
@@ -308,8 +315,13 @@
             <a:ext cx="6096075" cy="3429000"/>
           </a:xfrm>
           <a:custGeom>
+            <a:avLst/>
+            <a:gdLst/>
+            <a:ahLst/>
+            <a:cxnLst/>
+            <a:rect l="0" t="0" r="0" b="0"/>
             <a:pathLst>
-              <a:path extrusionOk="0" h="120000" w="120000">
+              <a:path w="120000" h="120000" extrusionOk="0">
                 <a:moveTo>
                   <a:pt x="0" y="0"/>
                 </a:moveTo>
@@ -327,23 +339,25 @@
             </a:pathLst>
           </a:custGeom>
           <a:noFill/>
-          <a:ln cap="flat" cmpd="sng" w="9525">
+          <a:ln w="9525" cap="flat" cmpd="sng">
             <a:solidFill>
               <a:srgbClr val="000000"/>
             </a:solidFill>
             <a:prstDash val="solid"/>
             <a:round/>
-            <a:headEnd len="sm" w="sm" type="none"/>
-            <a:tailEnd len="sm" w="sm" type="none"/>
+            <a:headEnd type="none" w="sm" len="sm"/>
+            <a:tailEnd type="none" w="sm" len="sm"/>
           </a:ln>
         </p:spPr>
       </p:sp>
       <p:sp>
         <p:nvSpPr>
           <p:cNvPr id="4" name="Shape 4"/>
-          <p:cNvSpPr txBox="1"/>
+          <p:cNvSpPr txBox="1">
+            <a:spLocks noGrp="1"/>
+          </p:cNvSpPr>
           <p:nvPr>
-            <p:ph idx="1" type="body"/>
+            <p:ph type="body" idx="1"/>
           </p:nvPr>
         </p:nvSpPr>
         <p:spPr>
@@ -360,9 +374,9 @@
           </a:ln>
         </p:spPr>
         <p:txBody>
-          <a:bodyPr anchorCtr="0" anchor="t" bIns="91425" lIns="91425" spcFirstLastPara="1" rIns="91425" wrap="square" tIns="91425"/>
+          <a:bodyPr spcFirstLastPara="1" wrap="square" lIns="91425" tIns="91425" rIns="91425" bIns="91425" anchor="t" anchorCtr="0"/>
           <a:lstStyle>
-            <a:lvl1pPr indent="-317500" lvl="0" marL="457200">
+            <a:lvl1pPr marL="457200" lvl="0" indent="-317500">
               <a:spcBef>
                 <a:spcPts val="0"/>
               </a:spcBef>
@@ -373,7 +387,7 @@
               <a:buChar char="●"/>
               <a:defRPr sz="1100"/>
             </a:lvl1pPr>
-            <a:lvl2pPr indent="-317500" lvl="1" marL="914400">
+            <a:lvl2pPr marL="914400" lvl="1" indent="-317500">
               <a:spcBef>
                 <a:spcPts val="0"/>
               </a:spcBef>
@@ -384,7 +398,7 @@
               <a:buChar char="○"/>
               <a:defRPr sz="1100"/>
             </a:lvl2pPr>
-            <a:lvl3pPr indent="-317500" lvl="2" marL="1371600">
+            <a:lvl3pPr marL="1371600" lvl="2" indent="-317500">
               <a:spcBef>
                 <a:spcPts val="0"/>
               </a:spcBef>
@@ -395,7 +409,7 @@
               <a:buChar char="■"/>
               <a:defRPr sz="1100"/>
             </a:lvl3pPr>
-            <a:lvl4pPr indent="-317500" lvl="3" marL="1828800">
+            <a:lvl4pPr marL="1828800" lvl="3" indent="-317500">
               <a:spcBef>
                 <a:spcPts val="0"/>
               </a:spcBef>
@@ -406,7 +420,7 @@
               <a:buChar char="●"/>
               <a:defRPr sz="1100"/>
             </a:lvl4pPr>
-            <a:lvl5pPr indent="-317500" lvl="4" marL="2286000">
+            <a:lvl5pPr marL="2286000" lvl="4" indent="-317500">
               <a:spcBef>
                 <a:spcPts val="0"/>
               </a:spcBef>
@@ -417,7 +431,7 @@
               <a:buChar char="○"/>
               <a:defRPr sz="1100"/>
             </a:lvl5pPr>
-            <a:lvl6pPr indent="-317500" lvl="5" marL="2743200">
+            <a:lvl6pPr marL="2743200" lvl="5" indent="-317500">
               <a:spcBef>
                 <a:spcPts val="0"/>
               </a:spcBef>
@@ -428,7 +442,7 @@
               <a:buChar char="■"/>
               <a:defRPr sz="1100"/>
             </a:lvl6pPr>
-            <a:lvl7pPr indent="-317500" lvl="6" marL="3200400">
+            <a:lvl7pPr marL="3200400" lvl="6" indent="-317500">
               <a:spcBef>
                 <a:spcPts val="0"/>
               </a:spcBef>
@@ -439,7 +453,7 @@
               <a:buChar char="●"/>
               <a:defRPr sz="1100"/>
             </a:lvl7pPr>
-            <a:lvl8pPr indent="-317500" lvl="7" marL="3657600">
+            <a:lvl8pPr marL="3657600" lvl="7" indent="-317500">
               <a:spcBef>
                 <a:spcPts val="0"/>
               </a:spcBef>
@@ -450,7 +464,7 @@
               <a:buChar char="○"/>
               <a:defRPr sz="1100"/>
             </a:lvl8pPr>
-            <a:lvl9pPr indent="-317500" lvl="8" marL="4114800">
+            <a:lvl9pPr marL="4114800" lvl="8" indent="-317500">
               <a:spcBef>
                 <a:spcPts val="0"/>
               </a:spcBef>
@@ -462,14 +476,16 @@
               <a:defRPr sz="1100"/>
             </a:lvl9pPr>
           </a:lstStyle>
-          <a:p/>
+          <a:p>
+            <a:endParaRPr/>
+          </a:p>
         </p:txBody>
       </p:sp>
     </p:spTree>
   </p:cSld>
-  <p:clrMap accent1="accent1" accent2="accent2" accent3="accent3" accent4="accent4" accent5="accent5" accent6="accent6" bg1="lt1" bg2="dk2" tx1="dk1" tx2="lt2" folHlink="folHlink" hlink="hlink"/>
+  <p:clrMap bg1="lt1" tx1="dk1" bg2="dk2" tx2="lt2" accent1="accent1" accent2="accent2" accent3="accent3" accent4="accent4" accent5="accent5" accent6="accent6" hlink="hlink" folHlink="folHlink"/>
   <p:notesStyle>
-    <a:defPPr lvl="0" marR="0" rtl="0" algn="l">
+    <a:defPPr marR="0" lvl="0" algn="l" rtl="0">
       <a:lnSpc>
         <a:spcPct val="100000"/>
       </a:lnSpc>
@@ -480,7 +496,7 @@
         <a:spcPts val="0"/>
       </a:spcAft>
     </a:defPPr>
-    <a:lvl1pPr lvl="0" marR="0" rtl="0" algn="l">
+    <a:lvl1pPr marR="0" lvl="0" algn="l" rtl="0">
       <a:lnSpc>
         <a:spcPct val="100000"/>
       </a:lnSpc>
@@ -494,7 +510,7 @@
         <a:srgbClr val="000000"/>
       </a:buClr>
       <a:buFont typeface="Arial"/>
-      <a:defRPr b="0" i="0" sz="1400" u="none" cap="none" strike="noStrike">
+      <a:defRPr sz="1400" b="0" i="0" u="none" strike="noStrike" cap="none">
         <a:solidFill>
           <a:srgbClr val="000000"/>
         </a:solidFill>
@@ -504,7 +520,7 @@
         <a:sym typeface="Arial"/>
       </a:defRPr>
     </a:lvl1pPr>
-    <a:lvl2pPr lvl="1" marR="0" rtl="0" algn="l">
+    <a:lvl2pPr marR="0" lvl="1" algn="l" rtl="0">
       <a:lnSpc>
         <a:spcPct val="100000"/>
       </a:lnSpc>
@@ -518,7 +534,7 @@
         <a:srgbClr val="000000"/>
       </a:buClr>
       <a:buFont typeface="Arial"/>
-      <a:defRPr b="0" i="0" sz="1400" u="none" cap="none" strike="noStrike">
+      <a:defRPr sz="1400" b="0" i="0" u="none" strike="noStrike" cap="none">
         <a:solidFill>
           <a:srgbClr val="000000"/>
         </a:solidFill>
@@ -528,7 +544,7 @@
         <a:sym typeface="Arial"/>
       </a:defRPr>
     </a:lvl2pPr>
-    <a:lvl3pPr lvl="2" marR="0" rtl="0" algn="l">
+    <a:lvl3pPr marR="0" lvl="2" algn="l" rtl="0">
       <a:lnSpc>
         <a:spcPct val="100000"/>
       </a:lnSpc>
@@ -542,7 +558,7 @@
         <a:srgbClr val="000000"/>
       </a:buClr>
       <a:buFont typeface="Arial"/>
-      <a:defRPr b="0" i="0" sz="1400" u="none" cap="none" strike="noStrike">
+      <a:defRPr sz="1400" b="0" i="0" u="none" strike="noStrike" cap="none">
         <a:solidFill>
           <a:srgbClr val="000000"/>
         </a:solidFill>
@@ -552,7 +568,7 @@
         <a:sym typeface="Arial"/>
       </a:defRPr>
     </a:lvl3pPr>
-    <a:lvl4pPr lvl="3" marR="0" rtl="0" algn="l">
+    <a:lvl4pPr marR="0" lvl="3" algn="l" rtl="0">
       <a:lnSpc>
         <a:spcPct val="100000"/>
       </a:lnSpc>
@@ -566,7 +582,7 @@
         <a:srgbClr val="000000"/>
       </a:buClr>
       <a:buFont typeface="Arial"/>
-      <a:defRPr b="0" i="0" sz="1400" u="none" cap="none" strike="noStrike">
+      <a:defRPr sz="1400" b="0" i="0" u="none" strike="noStrike" cap="none">
         <a:solidFill>
           <a:srgbClr val="000000"/>
         </a:solidFill>
@@ -576,7 +592,7 @@
         <a:sym typeface="Arial"/>
       </a:defRPr>
     </a:lvl4pPr>
-    <a:lvl5pPr lvl="4" marR="0" rtl="0" algn="l">
+    <a:lvl5pPr marR="0" lvl="4" algn="l" rtl="0">
       <a:lnSpc>
         <a:spcPct val="100000"/>
       </a:lnSpc>
@@ -590,7 +606,7 @@
         <a:srgbClr val="000000"/>
       </a:buClr>
       <a:buFont typeface="Arial"/>
-      <a:defRPr b="0" i="0" sz="1400" u="none" cap="none" strike="noStrike">
+      <a:defRPr sz="1400" b="0" i="0" u="none" strike="noStrike" cap="none">
         <a:solidFill>
           <a:srgbClr val="000000"/>
         </a:solidFill>
@@ -600,7 +616,7 @@
         <a:sym typeface="Arial"/>
       </a:defRPr>
     </a:lvl5pPr>
-    <a:lvl6pPr lvl="5" marR="0" rtl="0" algn="l">
+    <a:lvl6pPr marR="0" lvl="5" algn="l" rtl="0">
       <a:lnSpc>
         <a:spcPct val="100000"/>
       </a:lnSpc>
@@ -614,7 +630,7 @@
         <a:srgbClr val="000000"/>
       </a:buClr>
       <a:buFont typeface="Arial"/>
-      <a:defRPr b="0" i="0" sz="1400" u="none" cap="none" strike="noStrike">
+      <a:defRPr sz="1400" b="0" i="0" u="none" strike="noStrike" cap="none">
         <a:solidFill>
           <a:srgbClr val="000000"/>
         </a:solidFill>
@@ -624,7 +640,7 @@
         <a:sym typeface="Arial"/>
       </a:defRPr>
     </a:lvl6pPr>
-    <a:lvl7pPr lvl="6" marR="0" rtl="0" algn="l">
+    <a:lvl7pPr marR="0" lvl="6" algn="l" rtl="0">
       <a:lnSpc>
         <a:spcPct val="100000"/>
       </a:lnSpc>
@@ -638,7 +654,7 @@
         <a:srgbClr val="000000"/>
       </a:buClr>
       <a:buFont typeface="Arial"/>
-      <a:defRPr b="0" i="0" sz="1400" u="none" cap="none" strike="noStrike">
+      <a:defRPr sz="1400" b="0" i="0" u="none" strike="noStrike" cap="none">
         <a:solidFill>
           <a:srgbClr val="000000"/>
         </a:solidFill>
@@ -648,7 +664,7 @@
         <a:sym typeface="Arial"/>
       </a:defRPr>
     </a:lvl7pPr>
-    <a:lvl8pPr lvl="7" marR="0" rtl="0" algn="l">
+    <a:lvl8pPr marR="0" lvl="7" algn="l" rtl="0">
       <a:lnSpc>
         <a:spcPct val="100000"/>
       </a:lnSpc>
@@ -662,7 +678,7 @@
         <a:srgbClr val="000000"/>
       </a:buClr>
       <a:buFont typeface="Arial"/>
-      <a:defRPr b="0" i="0" sz="1400" u="none" cap="none" strike="noStrike">
+      <a:defRPr sz="1400" b="0" i="0" u="none" strike="noStrike" cap="none">
         <a:solidFill>
           <a:srgbClr val="000000"/>
         </a:solidFill>
@@ -672,7 +688,7 @@
         <a:sym typeface="Arial"/>
       </a:defRPr>
     </a:lvl8pPr>
-    <a:lvl9pPr lvl="8" marR="0" rtl="0" algn="l">
+    <a:lvl9pPr marR="0" lvl="8" algn="l" rtl="0">
       <a:lnSpc>
         <a:spcPct val="100000"/>
       </a:lnSpc>
@@ -686,7 +702,7 @@
         <a:srgbClr val="000000"/>
       </a:buClr>
       <a:buFont typeface="Arial"/>
-      <a:defRPr b="0" i="0" sz="1400" u="none" cap="none" strike="noStrike">
+      <a:defRPr sz="1400" b="0" i="0" u="none" strike="noStrike" cap="none">
         <a:solidFill>
           <a:srgbClr val="000000"/>
         </a:solidFill>
@@ -701,11 +717,11 @@
 </file>
 
 <file path=ppt/notesSlides/notesSlide1.xml><?xml version="1.0" encoding="utf-8"?>
-<p:notes xmlns:a="http://schemas.openxmlformats.org/drawingml/2006/main" xmlns:r="http://schemas.openxmlformats.org/officeDocument/2006/relationships" xmlns:mc="http://schemas.openxmlformats.org/markup-compatibility/2006" xmlns:mv="urn:schemas-microsoft-com:mac:vml" xmlns:p="http://schemas.openxmlformats.org/presentationml/2006/main" xmlns:c="http://schemas.openxmlformats.org/drawingml/2006/chart" xmlns:dgm="http://schemas.openxmlformats.org/drawingml/2006/diagram" xmlns:o="urn:schemas-microsoft-com:office:office" xmlns:v="urn:schemas-microsoft-com:vml" xmlns:pvml="urn:schemas-microsoft-com:office:powerpoint" xmlns:com="http://schemas.openxmlformats.org/drawingml/2006/compatibility" xmlns:p14="http://schemas.microsoft.com/office/powerpoint/2010/main" xmlns:p15="http://schemas.microsoft.com/office/powerpoint/2012/main" showMasterPhAnim="0" showMasterSp="0">
+<p:notes xmlns:a="http://schemas.openxmlformats.org/drawingml/2006/main" xmlns:r="http://schemas.openxmlformats.org/officeDocument/2006/relationships" xmlns:p="http://schemas.openxmlformats.org/presentationml/2006/main" showMasterSp="0" showMasterPhAnim="0">
   <p:cSld>
     <p:spTree>
       <p:nvGrpSpPr>
-        <p:cNvPr id="100" name="Shape 100"/>
+        <p:cNvPr id="1" name="Shape 100"/>
         <p:cNvGrpSpPr/>
         <p:nvPr/>
       </p:nvGrpSpPr>
@@ -720,9 +736,11 @@
       <p:sp>
         <p:nvSpPr>
           <p:cNvPr id="101" name="Shape 101"/>
-          <p:cNvSpPr/>
+          <p:cNvSpPr>
+            <a:spLocks noGrp="1" noRot="1" noChangeAspect="1"/>
+          </p:cNvSpPr>
           <p:nvPr>
-            <p:ph idx="2" type="sldImg"/>
+            <p:ph type="sldImg" idx="2"/>
           </p:nvPr>
         </p:nvSpPr>
         <p:spPr>
@@ -731,8 +749,13 @@
             <a:ext cx="6096300" cy="3429000"/>
           </a:xfrm>
           <a:custGeom>
+            <a:avLst/>
+            <a:gdLst/>
+            <a:ahLst/>
+            <a:cxnLst/>
+            <a:rect l="0" t="0" r="0" b="0"/>
             <a:pathLst>
-              <a:path extrusionOk="0" h="120000" w="120000">
+              <a:path w="120000" h="120000" extrusionOk="0">
                 <a:moveTo>
                   <a:pt x="0" y="0"/>
                 </a:moveTo>
@@ -754,9 +777,11 @@
       <p:sp>
         <p:nvSpPr>
           <p:cNvPr id="102" name="Shape 102"/>
-          <p:cNvSpPr txBox="1"/>
+          <p:cNvSpPr txBox="1">
+            <a:spLocks noGrp="1"/>
+          </p:cNvSpPr>
           <p:nvPr>
-            <p:ph idx="1" type="body"/>
+            <p:ph type="body" idx="1"/>
           </p:nvPr>
         </p:nvSpPr>
         <p:spPr>
@@ -769,12 +794,12 @@
           </a:prstGeom>
         </p:spPr>
         <p:txBody>
-          <a:bodyPr anchorCtr="0" anchor="t" bIns="91425" lIns="91425" spcFirstLastPara="1" rIns="91425" wrap="square" tIns="91425">
+          <a:bodyPr spcFirstLastPara="1" wrap="square" lIns="91425" tIns="91425" rIns="91425" bIns="91425" anchor="t" anchorCtr="0">
             <a:noAutofit/>
           </a:bodyPr>
           <a:lstStyle/>
           <a:p>
-            <a:pPr indent="0" lvl="0" marL="0" rtl="0">
+            <a:pPr marL="0" lvl="0" indent="0" rtl="0">
               <a:spcBef>
                 <a:spcPts val="0"/>
               </a:spcBef>
@@ -783,9 +808,6 @@
               </a:spcAft>
               <a:buNone/>
             </a:pPr>
-            <a:r>
-              <a:t/>
-            </a:r>
             <a:endParaRPr/>
           </a:p>
         </p:txBody>
@@ -799,11 +821,11 @@
 </file>
 
 <file path=ppt/notesSlides/notesSlide2.xml><?xml version="1.0" encoding="utf-8"?>
-<p:notes xmlns:a="http://schemas.openxmlformats.org/drawingml/2006/main" xmlns:r="http://schemas.openxmlformats.org/officeDocument/2006/relationships" xmlns:mc="http://schemas.openxmlformats.org/markup-compatibility/2006" xmlns:mv="urn:schemas-microsoft-com:mac:vml" xmlns:p="http://schemas.openxmlformats.org/presentationml/2006/main" xmlns:c="http://schemas.openxmlformats.org/drawingml/2006/chart" xmlns:dgm="http://schemas.openxmlformats.org/drawingml/2006/diagram" xmlns:o="urn:schemas-microsoft-com:office:office" xmlns:v="urn:schemas-microsoft-com:vml" xmlns:pvml="urn:schemas-microsoft-com:office:powerpoint" xmlns:com="http://schemas.openxmlformats.org/drawingml/2006/compatibility" xmlns:p14="http://schemas.microsoft.com/office/powerpoint/2010/main" xmlns:p15="http://schemas.microsoft.com/office/powerpoint/2012/main" showMasterPhAnim="0" showMasterSp="0">
+<p:notes xmlns:a="http://schemas.openxmlformats.org/drawingml/2006/main" xmlns:r="http://schemas.openxmlformats.org/officeDocument/2006/relationships" xmlns:p="http://schemas.openxmlformats.org/presentationml/2006/main" showMasterSp="0" showMasterPhAnim="0">
   <p:cSld>
     <p:spTree>
       <p:nvGrpSpPr>
-        <p:cNvPr id="108" name="Shape 108"/>
+        <p:cNvPr id="1" name="Shape 108"/>
         <p:cNvGrpSpPr/>
         <p:nvPr/>
       </p:nvGrpSpPr>
@@ -818,9 +840,11 @@
       <p:sp>
         <p:nvSpPr>
           <p:cNvPr id="109" name="Shape 109"/>
-          <p:cNvSpPr/>
+          <p:cNvSpPr>
+            <a:spLocks noGrp="1" noRot="1" noChangeAspect="1"/>
+          </p:cNvSpPr>
           <p:nvPr>
-            <p:ph idx="2" type="sldImg"/>
+            <p:ph type="sldImg" idx="2"/>
           </p:nvPr>
         </p:nvSpPr>
         <p:spPr>
@@ -829,8 +853,13 @@
             <a:ext cx="6096000" cy="3429000"/>
           </a:xfrm>
           <a:custGeom>
+            <a:avLst/>
+            <a:gdLst/>
+            <a:ahLst/>
+            <a:cxnLst/>
+            <a:rect l="0" t="0" r="0" b="0"/>
             <a:pathLst>
-              <a:path extrusionOk="0" h="120000" w="120000">
+              <a:path w="120000" h="120000" extrusionOk="0">
                 <a:moveTo>
                   <a:pt x="0" y="0"/>
                 </a:moveTo>
@@ -852,9 +881,11 @@
       <p:sp>
         <p:nvSpPr>
           <p:cNvPr id="110" name="Shape 110"/>
-          <p:cNvSpPr txBox="1"/>
+          <p:cNvSpPr txBox="1">
+            <a:spLocks noGrp="1"/>
+          </p:cNvSpPr>
           <p:nvPr>
-            <p:ph idx="1" type="body"/>
+            <p:ph type="body" idx="1"/>
           </p:nvPr>
         </p:nvSpPr>
         <p:spPr>
@@ -867,12 +898,12 @@
           </a:prstGeom>
         </p:spPr>
         <p:txBody>
-          <a:bodyPr anchorCtr="0" anchor="t" bIns="91425" lIns="91425" spcFirstLastPara="1" rIns="91425" wrap="square" tIns="91425">
+          <a:bodyPr spcFirstLastPara="1" wrap="square" lIns="91425" tIns="91425" rIns="91425" bIns="91425" anchor="t" anchorCtr="0">
             <a:noAutofit/>
           </a:bodyPr>
           <a:lstStyle/>
           <a:p>
-            <a:pPr indent="0" lvl="0" marL="0">
+            <a:pPr marL="0" lvl="0" indent="0">
               <a:spcBef>
                 <a:spcPts val="0"/>
               </a:spcBef>
@@ -881,9 +912,6 @@
               </a:spcAft>
               <a:buNone/>
             </a:pPr>
-            <a:r>
-              <a:t/>
-            </a:r>
             <a:endParaRPr/>
           </a:p>
         </p:txBody>
@@ -897,11 +925,11 @@
 </file>
 
 <file path=ppt/notesSlides/notesSlide3.xml><?xml version="1.0" encoding="utf-8"?>
-<p:notes xmlns:a="http://schemas.openxmlformats.org/drawingml/2006/main" xmlns:r="http://schemas.openxmlformats.org/officeDocument/2006/relationships" xmlns:mc="http://schemas.openxmlformats.org/markup-compatibility/2006" xmlns:mv="urn:schemas-microsoft-com:mac:vml" xmlns:p="http://schemas.openxmlformats.org/presentationml/2006/main" xmlns:c="http://schemas.openxmlformats.org/drawingml/2006/chart" xmlns:dgm="http://schemas.openxmlformats.org/drawingml/2006/diagram" xmlns:o="urn:schemas-microsoft-com:office:office" xmlns:v="urn:schemas-microsoft-com:vml" xmlns:pvml="urn:schemas-microsoft-com:office:powerpoint" xmlns:com="http://schemas.openxmlformats.org/drawingml/2006/compatibility" xmlns:p14="http://schemas.microsoft.com/office/powerpoint/2010/main" xmlns:p15="http://schemas.microsoft.com/office/powerpoint/2012/main" showMasterPhAnim="0" showMasterSp="0">
+<p:notes xmlns:a="http://schemas.openxmlformats.org/drawingml/2006/main" xmlns:r="http://schemas.openxmlformats.org/officeDocument/2006/relationships" xmlns:p="http://schemas.openxmlformats.org/presentationml/2006/main" showMasterSp="0" showMasterPhAnim="0">
   <p:cSld>
     <p:spTree>
       <p:nvGrpSpPr>
-        <p:cNvPr id="114" name="Shape 114"/>
+        <p:cNvPr id="1" name="Shape 114"/>
         <p:cNvGrpSpPr/>
         <p:nvPr/>
       </p:nvGrpSpPr>
@@ -916,9 +944,11 @@
       <p:sp>
         <p:nvSpPr>
           <p:cNvPr id="115" name="Shape 115"/>
-          <p:cNvSpPr/>
+          <p:cNvSpPr>
+            <a:spLocks noGrp="1" noRot="1" noChangeAspect="1"/>
+          </p:cNvSpPr>
           <p:nvPr>
-            <p:ph idx="2" type="sldImg"/>
+            <p:ph type="sldImg" idx="2"/>
           </p:nvPr>
         </p:nvSpPr>
         <p:spPr>
@@ -927,8 +957,13 @@
             <a:ext cx="6096000" cy="3429000"/>
           </a:xfrm>
           <a:custGeom>
+            <a:avLst/>
+            <a:gdLst/>
+            <a:ahLst/>
+            <a:cxnLst/>
+            <a:rect l="0" t="0" r="0" b="0"/>
             <a:pathLst>
-              <a:path extrusionOk="0" h="120000" w="120000">
+              <a:path w="120000" h="120000" extrusionOk="0">
                 <a:moveTo>
                   <a:pt x="0" y="0"/>
                 </a:moveTo>
@@ -950,9 +985,11 @@
       <p:sp>
         <p:nvSpPr>
           <p:cNvPr id="116" name="Shape 116"/>
-          <p:cNvSpPr txBox="1"/>
+          <p:cNvSpPr txBox="1">
+            <a:spLocks noGrp="1"/>
+          </p:cNvSpPr>
           <p:nvPr>
-            <p:ph idx="1" type="body"/>
+            <p:ph type="body" idx="1"/>
           </p:nvPr>
         </p:nvSpPr>
         <p:spPr>
@@ -965,12 +1002,12 @@
           </a:prstGeom>
         </p:spPr>
         <p:txBody>
-          <a:bodyPr anchorCtr="0" anchor="t" bIns="91425" lIns="91425" spcFirstLastPara="1" rIns="91425" wrap="square" tIns="91425">
+          <a:bodyPr spcFirstLastPara="1" wrap="square" lIns="91425" tIns="91425" rIns="91425" bIns="91425" anchor="t" anchorCtr="0">
             <a:noAutofit/>
           </a:bodyPr>
           <a:lstStyle/>
           <a:p>
-            <a:pPr indent="0" lvl="0" marL="0" rtl="0">
+            <a:pPr marL="0" lvl="0" indent="0" rtl="0">
               <a:spcBef>
                 <a:spcPts val="0"/>
               </a:spcBef>
@@ -979,9 +1016,6 @@
               </a:spcAft>
               <a:buNone/>
             </a:pPr>
-            <a:r>
-              <a:t/>
-            </a:r>
             <a:endParaRPr/>
           </a:p>
         </p:txBody>
@@ -995,11 +1029,11 @@
 </file>
 
 <file path=ppt/notesSlides/notesSlide4.xml><?xml version="1.0" encoding="utf-8"?>
-<p:notes xmlns:a="http://schemas.openxmlformats.org/drawingml/2006/main" xmlns:r="http://schemas.openxmlformats.org/officeDocument/2006/relationships" xmlns:mc="http://schemas.openxmlformats.org/markup-compatibility/2006" xmlns:mv="urn:schemas-microsoft-com:mac:vml" xmlns:p="http://schemas.openxmlformats.org/presentationml/2006/main" xmlns:c="http://schemas.openxmlformats.org/drawingml/2006/chart" xmlns:dgm="http://schemas.openxmlformats.org/drawingml/2006/diagram" xmlns:o="urn:schemas-microsoft-com:office:office" xmlns:v="urn:schemas-microsoft-com:vml" xmlns:pvml="urn:schemas-microsoft-com:office:powerpoint" xmlns:com="http://schemas.openxmlformats.org/drawingml/2006/compatibility" xmlns:p14="http://schemas.microsoft.com/office/powerpoint/2010/main" xmlns:p15="http://schemas.microsoft.com/office/powerpoint/2012/main" showMasterPhAnim="0" showMasterSp="0">
+<p:notes xmlns:a="http://schemas.openxmlformats.org/drawingml/2006/main" xmlns:r="http://schemas.openxmlformats.org/officeDocument/2006/relationships" xmlns:p="http://schemas.openxmlformats.org/presentationml/2006/main" showMasterSp="0" showMasterPhAnim="0">
   <p:cSld>
     <p:spTree>
       <p:nvGrpSpPr>
-        <p:cNvPr id="120" name="Shape 120"/>
+        <p:cNvPr id="1" name="Shape 120"/>
         <p:cNvGrpSpPr/>
         <p:nvPr/>
       </p:nvGrpSpPr>
@@ -1014,9 +1048,11 @@
       <p:sp>
         <p:nvSpPr>
           <p:cNvPr id="121" name="Shape 121"/>
-          <p:cNvSpPr/>
+          <p:cNvSpPr>
+            <a:spLocks noGrp="1" noRot="1" noChangeAspect="1"/>
+          </p:cNvSpPr>
           <p:nvPr>
-            <p:ph idx="2" type="sldImg"/>
+            <p:ph type="sldImg" idx="2"/>
           </p:nvPr>
         </p:nvSpPr>
         <p:spPr>
@@ -1025,8 +1061,13 @@
             <a:ext cx="6096300" cy="3429000"/>
           </a:xfrm>
           <a:custGeom>
+            <a:avLst/>
+            <a:gdLst/>
+            <a:ahLst/>
+            <a:cxnLst/>
+            <a:rect l="0" t="0" r="0" b="0"/>
             <a:pathLst>
-              <a:path extrusionOk="0" h="120000" w="120000">
+              <a:path w="120000" h="120000" extrusionOk="0">
                 <a:moveTo>
                   <a:pt x="0" y="0"/>
                 </a:moveTo>
@@ -1048,9 +1089,11 @@
       <p:sp>
         <p:nvSpPr>
           <p:cNvPr id="122" name="Shape 122"/>
-          <p:cNvSpPr txBox="1"/>
+          <p:cNvSpPr txBox="1">
+            <a:spLocks noGrp="1"/>
+          </p:cNvSpPr>
           <p:nvPr>
-            <p:ph idx="1" type="body"/>
+            <p:ph type="body" idx="1"/>
           </p:nvPr>
         </p:nvSpPr>
         <p:spPr>
@@ -1063,12 +1106,12 @@
           </a:prstGeom>
         </p:spPr>
         <p:txBody>
-          <a:bodyPr anchorCtr="0" anchor="t" bIns="91425" lIns="91425" spcFirstLastPara="1" rIns="91425" wrap="square" tIns="91425">
+          <a:bodyPr spcFirstLastPara="1" wrap="square" lIns="91425" tIns="91425" rIns="91425" bIns="91425" anchor="t" anchorCtr="0">
             <a:noAutofit/>
           </a:bodyPr>
           <a:lstStyle/>
           <a:p>
-            <a:pPr indent="0" lvl="0" marL="0" rtl="0">
+            <a:pPr marL="0" lvl="0" indent="0" rtl="0">
               <a:spcBef>
                 <a:spcPts val="0"/>
               </a:spcBef>
@@ -1077,9 +1120,6 @@
               </a:spcAft>
               <a:buNone/>
             </a:pPr>
-            <a:r>
-              <a:t/>
-            </a:r>
             <a:endParaRPr/>
           </a:p>
         </p:txBody>
@@ -1093,11 +1133,11 @@
 </file>
 
 <file path=ppt/notesSlides/notesSlide5.xml><?xml version="1.0" encoding="utf-8"?>
-<p:notes xmlns:a="http://schemas.openxmlformats.org/drawingml/2006/main" xmlns:r="http://schemas.openxmlformats.org/officeDocument/2006/relationships" xmlns:mc="http://schemas.openxmlformats.org/markup-compatibility/2006" xmlns:mv="urn:schemas-microsoft-com:mac:vml" xmlns:p="http://schemas.openxmlformats.org/presentationml/2006/main" xmlns:c="http://schemas.openxmlformats.org/drawingml/2006/chart" xmlns:dgm="http://schemas.openxmlformats.org/drawingml/2006/diagram" xmlns:o="urn:schemas-microsoft-com:office:office" xmlns:v="urn:schemas-microsoft-com:vml" xmlns:pvml="urn:schemas-microsoft-com:office:powerpoint" xmlns:com="http://schemas.openxmlformats.org/drawingml/2006/compatibility" xmlns:p14="http://schemas.microsoft.com/office/powerpoint/2010/main" xmlns:p15="http://schemas.microsoft.com/office/powerpoint/2012/main" showMasterPhAnim="0" showMasterSp="0">
+<p:notes xmlns:a="http://schemas.openxmlformats.org/drawingml/2006/main" xmlns:r="http://schemas.openxmlformats.org/officeDocument/2006/relationships" xmlns:p="http://schemas.openxmlformats.org/presentationml/2006/main" showMasterSp="0" showMasterPhAnim="0">
   <p:cSld>
     <p:spTree>
       <p:nvGrpSpPr>
-        <p:cNvPr id="125" name="Shape 125"/>
+        <p:cNvPr id="1" name="Shape 125"/>
         <p:cNvGrpSpPr/>
         <p:nvPr/>
       </p:nvGrpSpPr>
@@ -1112,9 +1152,11 @@
       <p:sp>
         <p:nvSpPr>
           <p:cNvPr id="126" name="Shape 126"/>
-          <p:cNvSpPr/>
+          <p:cNvSpPr>
+            <a:spLocks noGrp="1" noRot="1" noChangeAspect="1"/>
+          </p:cNvSpPr>
           <p:nvPr>
-            <p:ph idx="2" type="sldImg"/>
+            <p:ph type="sldImg" idx="2"/>
           </p:nvPr>
         </p:nvSpPr>
         <p:spPr>
@@ -1123,8 +1165,13 @@
             <a:ext cx="6096000" cy="3429000"/>
           </a:xfrm>
           <a:custGeom>
+            <a:avLst/>
+            <a:gdLst/>
+            <a:ahLst/>
+            <a:cxnLst/>
+            <a:rect l="0" t="0" r="0" b="0"/>
             <a:pathLst>
-              <a:path extrusionOk="0" h="120000" w="120000">
+              <a:path w="120000" h="120000" extrusionOk="0">
                 <a:moveTo>
                   <a:pt x="0" y="0"/>
                 </a:moveTo>
@@ -1146,9 +1193,11 @@
       <p:sp>
         <p:nvSpPr>
           <p:cNvPr id="127" name="Shape 127"/>
-          <p:cNvSpPr txBox="1"/>
+          <p:cNvSpPr txBox="1">
+            <a:spLocks noGrp="1"/>
+          </p:cNvSpPr>
           <p:nvPr>
-            <p:ph idx="1" type="body"/>
+            <p:ph type="body" idx="1"/>
           </p:nvPr>
         </p:nvSpPr>
         <p:spPr>
@@ -1161,12 +1210,12 @@
           </a:prstGeom>
         </p:spPr>
         <p:txBody>
-          <a:bodyPr anchorCtr="0" anchor="t" bIns="91425" lIns="91425" spcFirstLastPara="1" rIns="91425" wrap="square" tIns="91425">
+          <a:bodyPr spcFirstLastPara="1" wrap="square" lIns="91425" tIns="91425" rIns="91425" bIns="91425" anchor="t" anchorCtr="0">
             <a:noAutofit/>
           </a:bodyPr>
           <a:lstStyle/>
           <a:p>
-            <a:pPr indent="0" lvl="0" marL="0" rtl="0">
+            <a:pPr marL="0" lvl="0" indent="0" rtl="0">
               <a:spcBef>
                 <a:spcPts val="0"/>
               </a:spcBef>
@@ -1175,9 +1224,6 @@
               </a:spcAft>
               <a:buNone/>
             </a:pPr>
-            <a:r>
-              <a:t/>
-            </a:r>
             <a:endParaRPr/>
           </a:p>
         </p:txBody>
@@ -1191,11 +1237,11 @@
 </file>
 
 <file path=ppt/notesSlides/notesSlide6.xml><?xml version="1.0" encoding="utf-8"?>
-<p:notes xmlns:a="http://schemas.openxmlformats.org/drawingml/2006/main" xmlns:r="http://schemas.openxmlformats.org/officeDocument/2006/relationships" xmlns:mc="http://schemas.openxmlformats.org/markup-compatibility/2006" xmlns:mv="urn:schemas-microsoft-com:mac:vml" xmlns:p="http://schemas.openxmlformats.org/presentationml/2006/main" xmlns:c="http://schemas.openxmlformats.org/drawingml/2006/chart" xmlns:dgm="http://schemas.openxmlformats.org/drawingml/2006/diagram" xmlns:o="urn:schemas-microsoft-com:office:office" xmlns:v="urn:schemas-microsoft-com:vml" xmlns:pvml="urn:schemas-microsoft-com:office:powerpoint" xmlns:com="http://schemas.openxmlformats.org/drawingml/2006/compatibility" xmlns:p14="http://schemas.microsoft.com/office/powerpoint/2010/main" xmlns:p15="http://schemas.microsoft.com/office/powerpoint/2012/main" showMasterPhAnim="0" showMasterSp="0">
+<p:notes xmlns:a="http://schemas.openxmlformats.org/drawingml/2006/main" xmlns:r="http://schemas.openxmlformats.org/officeDocument/2006/relationships" xmlns:p="http://schemas.openxmlformats.org/presentationml/2006/main" showMasterSp="0" showMasterPhAnim="0">
   <p:cSld>
     <p:spTree>
       <p:nvGrpSpPr>
-        <p:cNvPr id="132" name="Shape 132"/>
+        <p:cNvPr id="1" name="Shape 132"/>
         <p:cNvGrpSpPr/>
         <p:nvPr/>
       </p:nvGrpSpPr>
@@ -1210,9 +1256,11 @@
       <p:sp>
         <p:nvSpPr>
           <p:cNvPr id="133" name="Shape 133"/>
-          <p:cNvSpPr/>
+          <p:cNvSpPr>
+            <a:spLocks noGrp="1" noRot="1" noChangeAspect="1"/>
+          </p:cNvSpPr>
           <p:nvPr>
-            <p:ph idx="2" type="sldImg"/>
+            <p:ph type="sldImg" idx="2"/>
           </p:nvPr>
         </p:nvSpPr>
         <p:spPr>
@@ -1221,8 +1269,13 @@
             <a:ext cx="6096000" cy="3429000"/>
           </a:xfrm>
           <a:custGeom>
+            <a:avLst/>
+            <a:gdLst/>
+            <a:ahLst/>
+            <a:cxnLst/>
+            <a:rect l="0" t="0" r="0" b="0"/>
             <a:pathLst>
-              <a:path extrusionOk="0" h="120000" w="120000">
+              <a:path w="120000" h="120000" extrusionOk="0">
                 <a:moveTo>
                   <a:pt x="0" y="0"/>
                 </a:moveTo>
@@ -1244,9 +1297,11 @@
       <p:sp>
         <p:nvSpPr>
           <p:cNvPr id="134" name="Shape 134"/>
-          <p:cNvSpPr txBox="1"/>
+          <p:cNvSpPr txBox="1">
+            <a:spLocks noGrp="1"/>
+          </p:cNvSpPr>
           <p:nvPr>
-            <p:ph idx="1" type="body"/>
+            <p:ph type="body" idx="1"/>
           </p:nvPr>
         </p:nvSpPr>
         <p:spPr>
@@ -1259,12 +1314,12 @@
           </a:prstGeom>
         </p:spPr>
         <p:txBody>
-          <a:bodyPr anchorCtr="0" anchor="t" bIns="91425" lIns="91425" spcFirstLastPara="1" rIns="91425" wrap="square" tIns="91425">
+          <a:bodyPr spcFirstLastPara="1" wrap="square" lIns="91425" tIns="91425" rIns="91425" bIns="91425" anchor="t" anchorCtr="0">
             <a:noAutofit/>
           </a:bodyPr>
           <a:lstStyle/>
           <a:p>
-            <a:pPr indent="0" lvl="0" marL="0" rtl="0">
+            <a:pPr marL="0" lvl="0" indent="0" rtl="0">
               <a:spcBef>
                 <a:spcPts val="0"/>
               </a:spcBef>
@@ -1273,9 +1328,6 @@
               </a:spcAft>
               <a:buNone/>
             </a:pPr>
-            <a:r>
-              <a:t/>
-            </a:r>
             <a:endParaRPr/>
           </a:p>
         </p:txBody>
@@ -1289,11 +1341,11 @@
 </file>
 
 <file path=ppt/notesSlides/notesSlide7.xml><?xml version="1.0" encoding="utf-8"?>
-<p:notes xmlns:a="http://schemas.openxmlformats.org/drawingml/2006/main" xmlns:r="http://schemas.openxmlformats.org/officeDocument/2006/relationships" xmlns:mc="http://schemas.openxmlformats.org/markup-compatibility/2006" xmlns:mv="urn:schemas-microsoft-com:mac:vml" xmlns:p="http://schemas.openxmlformats.org/presentationml/2006/main" xmlns:c="http://schemas.openxmlformats.org/drawingml/2006/chart" xmlns:dgm="http://schemas.openxmlformats.org/drawingml/2006/diagram" xmlns:o="urn:schemas-microsoft-com:office:office" xmlns:v="urn:schemas-microsoft-com:vml" xmlns:pvml="urn:schemas-microsoft-com:office:powerpoint" xmlns:com="http://schemas.openxmlformats.org/drawingml/2006/compatibility" xmlns:p14="http://schemas.microsoft.com/office/powerpoint/2010/main" xmlns:p15="http://schemas.microsoft.com/office/powerpoint/2012/main" showMasterPhAnim="0" showMasterSp="0">
+<p:notes xmlns:a="http://schemas.openxmlformats.org/drawingml/2006/main" xmlns:r="http://schemas.openxmlformats.org/officeDocument/2006/relationships" xmlns:p="http://schemas.openxmlformats.org/presentationml/2006/main" showMasterSp="0" showMasterPhAnim="0">
   <p:cSld>
     <p:spTree>
       <p:nvGrpSpPr>
-        <p:cNvPr id="139" name="Shape 139"/>
+        <p:cNvPr id="1" name="Shape 139"/>
         <p:cNvGrpSpPr/>
         <p:nvPr/>
       </p:nvGrpSpPr>
@@ -1308,9 +1360,11 @@
       <p:sp>
         <p:nvSpPr>
           <p:cNvPr id="140" name="Shape 140"/>
-          <p:cNvSpPr/>
+          <p:cNvSpPr>
+            <a:spLocks noGrp="1" noRot="1" noChangeAspect="1"/>
+          </p:cNvSpPr>
           <p:nvPr>
-            <p:ph idx="2" type="sldImg"/>
+            <p:ph type="sldImg" idx="2"/>
           </p:nvPr>
         </p:nvSpPr>
         <p:spPr>
@@ -1319,8 +1373,13 @@
             <a:ext cx="6096000" cy="3429000"/>
           </a:xfrm>
           <a:custGeom>
+            <a:avLst/>
+            <a:gdLst/>
+            <a:ahLst/>
+            <a:cxnLst/>
+            <a:rect l="0" t="0" r="0" b="0"/>
             <a:pathLst>
-              <a:path extrusionOk="0" h="120000" w="120000">
+              <a:path w="120000" h="120000" extrusionOk="0">
                 <a:moveTo>
                   <a:pt x="0" y="0"/>
                 </a:moveTo>
@@ -1342,9 +1401,11 @@
       <p:sp>
         <p:nvSpPr>
           <p:cNvPr id="141" name="Shape 141"/>
-          <p:cNvSpPr txBox="1"/>
+          <p:cNvSpPr txBox="1">
+            <a:spLocks noGrp="1"/>
+          </p:cNvSpPr>
           <p:nvPr>
-            <p:ph idx="1" type="body"/>
+            <p:ph type="body" idx="1"/>
           </p:nvPr>
         </p:nvSpPr>
         <p:spPr>
@@ -1357,12 +1418,12 @@
           </a:prstGeom>
         </p:spPr>
         <p:txBody>
-          <a:bodyPr anchorCtr="0" anchor="t" bIns="91425" lIns="91425" spcFirstLastPara="1" rIns="91425" wrap="square" tIns="91425">
+          <a:bodyPr spcFirstLastPara="1" wrap="square" lIns="91425" tIns="91425" rIns="91425" bIns="91425" anchor="t" anchorCtr="0">
             <a:noAutofit/>
           </a:bodyPr>
           <a:lstStyle/>
           <a:p>
-            <a:pPr indent="0" lvl="0" marL="0" rtl="0">
+            <a:pPr marL="0" lvl="0" indent="0" rtl="0">
               <a:spcBef>
                 <a:spcPts val="0"/>
               </a:spcBef>
@@ -1371,9 +1432,6 @@
               </a:spcAft>
               <a:buNone/>
             </a:pPr>
-            <a:r>
-              <a:t/>
-            </a:r>
             <a:endParaRPr/>
           </a:p>
         </p:txBody>
@@ -1387,11 +1445,11 @@
 </file>
 
 <file path=ppt/notesSlides/notesSlide8.xml><?xml version="1.0" encoding="utf-8"?>
-<p:notes xmlns:a="http://schemas.openxmlformats.org/drawingml/2006/main" xmlns:r="http://schemas.openxmlformats.org/officeDocument/2006/relationships" xmlns:mc="http://schemas.openxmlformats.org/markup-compatibility/2006" xmlns:mv="urn:schemas-microsoft-com:mac:vml" xmlns:p="http://schemas.openxmlformats.org/presentationml/2006/main" xmlns:c="http://schemas.openxmlformats.org/drawingml/2006/chart" xmlns:dgm="http://schemas.openxmlformats.org/drawingml/2006/diagram" xmlns:o="urn:schemas-microsoft-com:office:office" xmlns:v="urn:schemas-microsoft-com:vml" xmlns:pvml="urn:schemas-microsoft-com:office:powerpoint" xmlns:com="http://schemas.openxmlformats.org/drawingml/2006/compatibility" xmlns:p14="http://schemas.microsoft.com/office/powerpoint/2010/main" xmlns:p15="http://schemas.microsoft.com/office/powerpoint/2012/main" showMasterPhAnim="0" showMasterSp="0">
+<p:notes xmlns:a="http://schemas.openxmlformats.org/drawingml/2006/main" xmlns:r="http://schemas.openxmlformats.org/officeDocument/2006/relationships" xmlns:p="http://schemas.openxmlformats.org/presentationml/2006/main" showMasterSp="0" showMasterPhAnim="0">
   <p:cSld>
     <p:spTree>
       <p:nvGrpSpPr>
-        <p:cNvPr id="146" name="Shape 146"/>
+        <p:cNvPr id="1" name="Shape 146"/>
         <p:cNvGrpSpPr/>
         <p:nvPr/>
       </p:nvGrpSpPr>
@@ -1406,19 +1464,26 @@
       <p:sp>
         <p:nvSpPr>
           <p:cNvPr id="147" name="Shape 147"/>
-          <p:cNvSpPr/>
+          <p:cNvSpPr>
+            <a:spLocks noGrp="1" noRot="1" noChangeAspect="1"/>
+          </p:cNvSpPr>
           <p:nvPr>
-            <p:ph idx="2" type="sldImg"/>
+            <p:ph type="sldImg" idx="2"/>
           </p:nvPr>
         </p:nvSpPr>
         <p:spPr>
           <a:xfrm>
-            <a:off x="381300" y="685800"/>
+            <a:off x="381000" y="685800"/>
             <a:ext cx="6096000" cy="3429000"/>
           </a:xfrm>
           <a:custGeom>
+            <a:avLst/>
+            <a:gdLst/>
+            <a:ahLst/>
+            <a:cxnLst/>
+            <a:rect l="0" t="0" r="0" b="0"/>
             <a:pathLst>
-              <a:path extrusionOk="0" h="120000" w="120000">
+              <a:path w="120000" h="120000" extrusionOk="0">
                 <a:moveTo>
                   <a:pt x="0" y="0"/>
                 </a:moveTo>
@@ -1440,9 +1505,11 @@
       <p:sp>
         <p:nvSpPr>
           <p:cNvPr id="148" name="Shape 148"/>
-          <p:cNvSpPr txBox="1"/>
+          <p:cNvSpPr txBox="1">
+            <a:spLocks noGrp="1"/>
+          </p:cNvSpPr>
           <p:nvPr>
-            <p:ph idx="1" type="body"/>
+            <p:ph type="body" idx="1"/>
           </p:nvPr>
         </p:nvSpPr>
         <p:spPr>
@@ -1455,12 +1522,12 @@
           </a:prstGeom>
         </p:spPr>
         <p:txBody>
-          <a:bodyPr anchorCtr="0" anchor="t" bIns="91425" lIns="91425" spcFirstLastPara="1" rIns="91425" wrap="square" tIns="91425">
+          <a:bodyPr spcFirstLastPara="1" wrap="square" lIns="91425" tIns="91425" rIns="91425" bIns="91425" anchor="t" anchorCtr="0">
             <a:noAutofit/>
           </a:bodyPr>
           <a:lstStyle/>
           <a:p>
-            <a:pPr indent="0" lvl="0" marL="0" rtl="0">
+            <a:pPr marL="0" lvl="0" indent="0" rtl="0">
               <a:spcBef>
                 <a:spcPts val="0"/>
               </a:spcBef>
@@ -1469,9 +1536,6 @@
               </a:spcAft>
               <a:buNone/>
             </a:pPr>
-            <a:r>
-              <a:t/>
-            </a:r>
             <a:endParaRPr/>
           </a:p>
         </p:txBody>
@@ -1485,11 +1549,11 @@
 </file>
 
 <file path=ppt/slideLayouts/slideLayout1.xml><?xml version="1.0" encoding="utf-8"?>
-<p:sldLayout xmlns:a="http://schemas.openxmlformats.org/drawingml/2006/main" xmlns:r="http://schemas.openxmlformats.org/officeDocument/2006/relationships" xmlns:mc="http://schemas.openxmlformats.org/markup-compatibility/2006" xmlns:mv="urn:schemas-microsoft-com:mac:vml" xmlns:p="http://schemas.openxmlformats.org/presentationml/2006/main" xmlns:c="http://schemas.openxmlformats.org/drawingml/2006/chart" xmlns:dgm="http://schemas.openxmlformats.org/drawingml/2006/diagram" xmlns:o="urn:schemas-microsoft-com:office:office" xmlns:v="urn:schemas-microsoft-com:vml" xmlns:pvml="urn:schemas-microsoft-com:office:powerpoint" xmlns:com="http://schemas.openxmlformats.org/drawingml/2006/compatibility" xmlns:p14="http://schemas.microsoft.com/office/powerpoint/2010/main" xmlns:p15="http://schemas.microsoft.com/office/powerpoint/2012/main" matchingName="Title slide" type="title">
+<p:sldLayout xmlns:a="http://schemas.openxmlformats.org/drawingml/2006/main" xmlns:r="http://schemas.openxmlformats.org/officeDocument/2006/relationships" xmlns:p="http://schemas.openxmlformats.org/presentationml/2006/main" matchingName="Title slide" type="title">
   <p:cSld name="TITLE">
     <p:spTree>
       <p:nvGrpSpPr>
-        <p:cNvPr id="9" name="Shape 9"/>
+        <p:cNvPr id="1" name="Shape 9"/>
         <p:cNvGrpSpPr/>
         <p:nvPr/>
       </p:nvGrpSpPr>
@@ -1504,7 +1568,9 @@
       <p:sp>
         <p:nvSpPr>
           <p:cNvPr id="10" name="Shape 10"/>
-          <p:cNvSpPr txBox="1"/>
+          <p:cNvSpPr txBox="1">
+            <a:spLocks noGrp="1"/>
+          </p:cNvSpPr>
           <p:nvPr>
             <p:ph type="ctrTitle"/>
           </p:nvPr>
@@ -1519,9 +1585,9 @@
           </a:prstGeom>
         </p:spPr>
         <p:txBody>
-          <a:bodyPr anchorCtr="0" anchor="b" bIns="91425" lIns="91425" spcFirstLastPara="1" rIns="91425" wrap="square" tIns="91425"/>
+          <a:bodyPr spcFirstLastPara="1" wrap="square" lIns="91425" tIns="91425" rIns="91425" bIns="91425" anchor="b" anchorCtr="0"/>
           <a:lstStyle>
-            <a:lvl1pPr lvl="0" rtl="0" algn="ctr">
+            <a:lvl1pPr lvl="0" algn="ctr" rtl="0">
               <a:spcBef>
                 <a:spcPts val="0"/>
               </a:spcBef>
@@ -1532,7 +1598,7 @@
               <a:buNone/>
               <a:defRPr sz="5200"/>
             </a:lvl1pPr>
-            <a:lvl2pPr lvl="1" rtl="0" algn="ctr">
+            <a:lvl2pPr lvl="1" algn="ctr" rtl="0">
               <a:spcBef>
                 <a:spcPts val="0"/>
               </a:spcBef>
@@ -1543,7 +1609,7 @@
               <a:buNone/>
               <a:defRPr sz="5200"/>
             </a:lvl2pPr>
-            <a:lvl3pPr lvl="2" rtl="0" algn="ctr">
+            <a:lvl3pPr lvl="2" algn="ctr" rtl="0">
               <a:spcBef>
                 <a:spcPts val="0"/>
               </a:spcBef>
@@ -1554,7 +1620,7 @@
               <a:buNone/>
               <a:defRPr sz="5200"/>
             </a:lvl3pPr>
-            <a:lvl4pPr lvl="3" rtl="0" algn="ctr">
+            <a:lvl4pPr lvl="3" algn="ctr" rtl="0">
               <a:spcBef>
                 <a:spcPts val="0"/>
               </a:spcBef>
@@ -1565,7 +1631,7 @@
               <a:buNone/>
               <a:defRPr sz="5200"/>
             </a:lvl4pPr>
-            <a:lvl5pPr lvl="4" rtl="0" algn="ctr">
+            <a:lvl5pPr lvl="4" algn="ctr" rtl="0">
               <a:spcBef>
                 <a:spcPts val="0"/>
               </a:spcBef>
@@ -1576,7 +1642,7 @@
               <a:buNone/>
               <a:defRPr sz="5200"/>
             </a:lvl5pPr>
-            <a:lvl6pPr lvl="5" rtl="0" algn="ctr">
+            <a:lvl6pPr lvl="5" algn="ctr" rtl="0">
               <a:spcBef>
                 <a:spcPts val="0"/>
               </a:spcBef>
@@ -1587,7 +1653,7 @@
               <a:buNone/>
               <a:defRPr sz="5200"/>
             </a:lvl6pPr>
-            <a:lvl7pPr lvl="6" rtl="0" algn="ctr">
+            <a:lvl7pPr lvl="6" algn="ctr" rtl="0">
               <a:spcBef>
                 <a:spcPts val="0"/>
               </a:spcBef>
@@ -1598,7 +1664,7 @@
               <a:buNone/>
               <a:defRPr sz="5200"/>
             </a:lvl7pPr>
-            <a:lvl8pPr lvl="7" rtl="0" algn="ctr">
+            <a:lvl8pPr lvl="7" algn="ctr" rtl="0">
               <a:spcBef>
                 <a:spcPts val="0"/>
               </a:spcBef>
@@ -1609,7 +1675,7 @@
               <a:buNone/>
               <a:defRPr sz="5200"/>
             </a:lvl8pPr>
-            <a:lvl9pPr lvl="8" rtl="0" algn="ctr">
+            <a:lvl9pPr lvl="8" algn="ctr" rtl="0">
               <a:spcBef>
                 <a:spcPts val="0"/>
               </a:spcBef>
@@ -1621,15 +1687,19 @@
               <a:defRPr sz="5200"/>
             </a:lvl9pPr>
           </a:lstStyle>
-          <a:p/>
+          <a:p>
+            <a:endParaRPr/>
+          </a:p>
         </p:txBody>
       </p:sp>
       <p:sp>
         <p:nvSpPr>
           <p:cNvPr id="11" name="Shape 11"/>
-          <p:cNvSpPr txBox="1"/>
+          <p:cNvSpPr txBox="1">
+            <a:spLocks noGrp="1"/>
+          </p:cNvSpPr>
           <p:nvPr>
-            <p:ph idx="1" type="subTitle"/>
+            <p:ph type="subTitle" idx="1"/>
           </p:nvPr>
         </p:nvSpPr>
         <p:spPr>
@@ -1642,9 +1712,9 @@
           </a:prstGeom>
         </p:spPr>
         <p:txBody>
-          <a:bodyPr anchorCtr="0" anchor="t" bIns="91425" lIns="91425" spcFirstLastPara="1" rIns="91425" wrap="square" tIns="91425"/>
+          <a:bodyPr spcFirstLastPara="1" wrap="square" lIns="91425" tIns="91425" rIns="91425" bIns="91425" anchor="t" anchorCtr="0"/>
           <a:lstStyle>
-            <a:lvl1pPr lvl="0" rtl="0" algn="ctr">
+            <a:lvl1pPr lvl="0" algn="ctr" rtl="0">
               <a:lnSpc>
                 <a:spcPct val="100000"/>
               </a:lnSpc>
@@ -1658,7 +1728,7 @@
               <a:buNone/>
               <a:defRPr sz="2800"/>
             </a:lvl1pPr>
-            <a:lvl2pPr lvl="1" rtl="0" algn="ctr">
+            <a:lvl2pPr lvl="1" algn="ctr" rtl="0">
               <a:lnSpc>
                 <a:spcPct val="100000"/>
               </a:lnSpc>
@@ -1672,7 +1742,7 @@
               <a:buNone/>
               <a:defRPr sz="2800"/>
             </a:lvl2pPr>
-            <a:lvl3pPr lvl="2" rtl="0" algn="ctr">
+            <a:lvl3pPr lvl="2" algn="ctr" rtl="0">
               <a:lnSpc>
                 <a:spcPct val="100000"/>
               </a:lnSpc>
@@ -1686,7 +1756,7 @@
               <a:buNone/>
               <a:defRPr sz="2800"/>
             </a:lvl3pPr>
-            <a:lvl4pPr lvl="3" rtl="0" algn="ctr">
+            <a:lvl4pPr lvl="3" algn="ctr" rtl="0">
               <a:lnSpc>
                 <a:spcPct val="100000"/>
               </a:lnSpc>
@@ -1700,7 +1770,7 @@
               <a:buNone/>
               <a:defRPr sz="2800"/>
             </a:lvl4pPr>
-            <a:lvl5pPr lvl="4" rtl="0" algn="ctr">
+            <a:lvl5pPr lvl="4" algn="ctr" rtl="0">
               <a:lnSpc>
                 <a:spcPct val="100000"/>
               </a:lnSpc>
@@ -1714,7 +1784,7 @@
               <a:buNone/>
               <a:defRPr sz="2800"/>
             </a:lvl5pPr>
-            <a:lvl6pPr lvl="5" rtl="0" algn="ctr">
+            <a:lvl6pPr lvl="5" algn="ctr" rtl="0">
               <a:lnSpc>
                 <a:spcPct val="100000"/>
               </a:lnSpc>
@@ -1728,7 +1798,7 @@
               <a:buNone/>
               <a:defRPr sz="2800"/>
             </a:lvl6pPr>
-            <a:lvl7pPr lvl="6" rtl="0" algn="ctr">
+            <a:lvl7pPr lvl="6" algn="ctr" rtl="0">
               <a:lnSpc>
                 <a:spcPct val="100000"/>
               </a:lnSpc>
@@ -1742,7 +1812,7 @@
               <a:buNone/>
               <a:defRPr sz="2800"/>
             </a:lvl7pPr>
-            <a:lvl8pPr lvl="7" rtl="0" algn="ctr">
+            <a:lvl8pPr lvl="7" algn="ctr" rtl="0">
               <a:lnSpc>
                 <a:spcPct val="100000"/>
               </a:lnSpc>
@@ -1756,7 +1826,7 @@
               <a:buNone/>
               <a:defRPr sz="2800"/>
             </a:lvl8pPr>
-            <a:lvl9pPr lvl="8" rtl="0" algn="ctr">
+            <a:lvl9pPr lvl="8" algn="ctr" rtl="0">
               <a:lnSpc>
                 <a:spcPct val="100000"/>
               </a:lnSpc>
@@ -1771,15 +1841,19 @@
               <a:defRPr sz="2800"/>
             </a:lvl9pPr>
           </a:lstStyle>
-          <a:p/>
+          <a:p>
+            <a:endParaRPr/>
+          </a:p>
         </p:txBody>
       </p:sp>
       <p:sp>
         <p:nvSpPr>
           <p:cNvPr id="12" name="Shape 12"/>
-          <p:cNvSpPr txBox="1"/>
+          <p:cNvSpPr txBox="1">
+            <a:spLocks noGrp="1"/>
+          </p:cNvSpPr>
           <p:nvPr>
-            <p:ph idx="12" type="sldNum"/>
+            <p:ph type="sldNum" idx="12"/>
           </p:nvPr>
         </p:nvSpPr>
         <p:spPr>
@@ -1792,7 +1866,7 @@
           </a:prstGeom>
         </p:spPr>
         <p:txBody>
-          <a:bodyPr anchorCtr="0" anchor="ctr" bIns="91425" lIns="91425" spcFirstLastPara="1" rIns="91425" wrap="square" tIns="91425">
+          <a:bodyPr spcFirstLastPara="1" wrap="square" lIns="91425" tIns="91425" rIns="91425" bIns="91425" anchor="ctr" anchorCtr="0">
             <a:noAutofit/>
           </a:bodyPr>
           <a:lstStyle>
@@ -1834,7 +1908,7 @@
             </a:lvl9pPr>
           </a:lstStyle>
           <a:p>
-            <a:pPr indent="0" lvl="0" marL="0">
+            <a:pPr marL="0" lvl="0" indent="0">
               <a:spcBef>
                 <a:spcPts val="0"/>
               </a:spcBef>
@@ -1845,7 +1919,7 @@
             </a:pPr>
             <a:fld id="{00000000-1234-1234-1234-123412341234}" type="slidenum">
               <a:rPr lang="pt-BR"/>
-              <a:t>‹#›</a:t>
+              <a:t>‹nº›</a:t>
             </a:fld>
             <a:endParaRPr/>
           </a:p>
@@ -1860,11 +1934,11 @@
 </file>
 
 <file path=ppt/slideLayouts/slideLayout10.xml><?xml version="1.0" encoding="utf-8"?>
-<p:sldLayout xmlns:a="http://schemas.openxmlformats.org/drawingml/2006/main" xmlns:r="http://schemas.openxmlformats.org/officeDocument/2006/relationships" xmlns:mc="http://schemas.openxmlformats.org/markup-compatibility/2006" xmlns:mv="urn:schemas-microsoft-com:mac:vml" xmlns:p="http://schemas.openxmlformats.org/presentationml/2006/main" xmlns:c="http://schemas.openxmlformats.org/drawingml/2006/chart" xmlns:dgm="http://schemas.openxmlformats.org/drawingml/2006/diagram" xmlns:o="urn:schemas-microsoft-com:office:office" xmlns:v="urn:schemas-microsoft-com:vml" xmlns:pvml="urn:schemas-microsoft-com:office:powerpoint" xmlns:com="http://schemas.openxmlformats.org/drawingml/2006/compatibility" xmlns:p14="http://schemas.microsoft.com/office/powerpoint/2010/main" xmlns:p15="http://schemas.microsoft.com/office/powerpoint/2012/main" matchingName="Big number">
+<p:sldLayout xmlns:a="http://schemas.openxmlformats.org/drawingml/2006/main" xmlns:r="http://schemas.openxmlformats.org/officeDocument/2006/relationships" xmlns:p="http://schemas.openxmlformats.org/presentationml/2006/main" matchingName="Big number">
   <p:cSld name="BIG_NUMBER">
     <p:spTree>
       <p:nvGrpSpPr>
-        <p:cNvPr id="44" name="Shape 44"/>
+        <p:cNvPr id="1" name="Shape 44"/>
         <p:cNvGrpSpPr/>
         <p:nvPr/>
       </p:nvGrpSpPr>
@@ -1879,9 +1953,11 @@
       <p:sp>
         <p:nvSpPr>
           <p:cNvPr id="45" name="Shape 45"/>
-          <p:cNvSpPr txBox="1"/>
+          <p:cNvSpPr txBox="1">
+            <a:spLocks noGrp="1"/>
+          </p:cNvSpPr>
           <p:nvPr>
-            <p:ph hasCustomPrompt="1" type="title"/>
+            <p:ph type="title" hasCustomPrompt="1"/>
           </p:nvPr>
         </p:nvSpPr>
         <p:spPr>
@@ -1894,9 +1970,9 @@
           </a:prstGeom>
         </p:spPr>
         <p:txBody>
-          <a:bodyPr anchorCtr="0" anchor="b" bIns="91425" lIns="91425" spcFirstLastPara="1" rIns="91425" wrap="square" tIns="91425"/>
+          <a:bodyPr spcFirstLastPara="1" wrap="square" lIns="91425" tIns="91425" rIns="91425" bIns="91425" anchor="b" anchorCtr="0"/>
           <a:lstStyle>
-            <a:lvl1pPr lvl="0" rtl="0" algn="ctr">
+            <a:lvl1pPr lvl="0" algn="ctr" rtl="0">
               <a:spcBef>
                 <a:spcPts val="0"/>
               </a:spcBef>
@@ -1907,7 +1983,7 @@
               <a:buNone/>
               <a:defRPr sz="12000"/>
             </a:lvl1pPr>
-            <a:lvl2pPr lvl="1" rtl="0" algn="ctr">
+            <a:lvl2pPr lvl="1" algn="ctr" rtl="0">
               <a:spcBef>
                 <a:spcPts val="0"/>
               </a:spcBef>
@@ -1918,7 +1994,7 @@
               <a:buNone/>
               <a:defRPr sz="12000"/>
             </a:lvl2pPr>
-            <a:lvl3pPr lvl="2" rtl="0" algn="ctr">
+            <a:lvl3pPr lvl="2" algn="ctr" rtl="0">
               <a:spcBef>
                 <a:spcPts val="0"/>
               </a:spcBef>
@@ -1929,7 +2005,7 @@
               <a:buNone/>
               <a:defRPr sz="12000"/>
             </a:lvl3pPr>
-            <a:lvl4pPr lvl="3" rtl="0" algn="ctr">
+            <a:lvl4pPr lvl="3" algn="ctr" rtl="0">
               <a:spcBef>
                 <a:spcPts val="0"/>
               </a:spcBef>
@@ -1940,7 +2016,7 @@
               <a:buNone/>
               <a:defRPr sz="12000"/>
             </a:lvl4pPr>
-            <a:lvl5pPr lvl="4" rtl="0" algn="ctr">
+            <a:lvl5pPr lvl="4" algn="ctr" rtl="0">
               <a:spcBef>
                 <a:spcPts val="0"/>
               </a:spcBef>
@@ -1951,7 +2027,7 @@
               <a:buNone/>
               <a:defRPr sz="12000"/>
             </a:lvl5pPr>
-            <a:lvl6pPr lvl="5" rtl="0" algn="ctr">
+            <a:lvl6pPr lvl="5" algn="ctr" rtl="0">
               <a:spcBef>
                 <a:spcPts val="0"/>
               </a:spcBef>
@@ -1962,7 +2038,7 @@
               <a:buNone/>
               <a:defRPr sz="12000"/>
             </a:lvl6pPr>
-            <a:lvl7pPr lvl="6" rtl="0" algn="ctr">
+            <a:lvl7pPr lvl="6" algn="ctr" rtl="0">
               <a:spcBef>
                 <a:spcPts val="0"/>
               </a:spcBef>
@@ -1973,7 +2049,7 @@
               <a:buNone/>
               <a:defRPr sz="12000"/>
             </a:lvl7pPr>
-            <a:lvl8pPr lvl="7" rtl="0" algn="ctr">
+            <a:lvl8pPr lvl="7" algn="ctr" rtl="0">
               <a:spcBef>
                 <a:spcPts val="0"/>
               </a:spcBef>
@@ -1984,7 +2060,7 @@
               <a:buNone/>
               <a:defRPr sz="12000"/>
             </a:lvl8pPr>
-            <a:lvl9pPr lvl="8" rtl="0" algn="ctr">
+            <a:lvl9pPr lvl="8" algn="ctr" rtl="0">
               <a:spcBef>
                 <a:spcPts val="0"/>
               </a:spcBef>
@@ -2006,9 +2082,11 @@
       <p:sp>
         <p:nvSpPr>
           <p:cNvPr id="46" name="Shape 46"/>
-          <p:cNvSpPr txBox="1"/>
+          <p:cNvSpPr txBox="1">
+            <a:spLocks noGrp="1"/>
+          </p:cNvSpPr>
           <p:nvPr>
-            <p:ph idx="1" type="body"/>
+            <p:ph type="body" idx="1"/>
           </p:nvPr>
         </p:nvSpPr>
         <p:spPr>
@@ -2021,9 +2099,9 @@
           </a:prstGeom>
         </p:spPr>
         <p:txBody>
-          <a:bodyPr anchorCtr="0" anchor="t" bIns="91425" lIns="91425" spcFirstLastPara="1" rIns="91425" wrap="square" tIns="91425"/>
+          <a:bodyPr spcFirstLastPara="1" wrap="square" lIns="91425" tIns="91425" rIns="91425" bIns="91425" anchor="t" anchorCtr="0"/>
           <a:lstStyle>
-            <a:lvl1pPr indent="-342900" lvl="0" marL="457200" rtl="0" algn="ctr">
+            <a:lvl1pPr marL="457200" lvl="0" indent="-342900" algn="ctr" rtl="0">
               <a:spcBef>
                 <a:spcPts val="0"/>
               </a:spcBef>
@@ -2034,7 +2112,7 @@
               <a:buChar char="●"/>
               <a:defRPr/>
             </a:lvl1pPr>
-            <a:lvl2pPr indent="-317500" lvl="1" marL="914400" rtl="0" algn="ctr">
+            <a:lvl2pPr marL="914400" lvl="1" indent="-317500" algn="ctr" rtl="0">
               <a:spcBef>
                 <a:spcPts val="1600"/>
               </a:spcBef>
@@ -2045,7 +2123,7 @@
               <a:buChar char="○"/>
               <a:defRPr/>
             </a:lvl2pPr>
-            <a:lvl3pPr indent="-317500" lvl="2" marL="1371600" rtl="0" algn="ctr">
+            <a:lvl3pPr marL="1371600" lvl="2" indent="-317500" algn="ctr" rtl="0">
               <a:spcBef>
                 <a:spcPts val="1600"/>
               </a:spcBef>
@@ -2056,7 +2134,7 @@
               <a:buChar char="■"/>
               <a:defRPr/>
             </a:lvl3pPr>
-            <a:lvl4pPr indent="-317500" lvl="3" marL="1828800" rtl="0" algn="ctr">
+            <a:lvl4pPr marL="1828800" lvl="3" indent="-317500" algn="ctr" rtl="0">
               <a:spcBef>
                 <a:spcPts val="1600"/>
               </a:spcBef>
@@ -2067,7 +2145,7 @@
               <a:buChar char="●"/>
               <a:defRPr/>
             </a:lvl4pPr>
-            <a:lvl5pPr indent="-317500" lvl="4" marL="2286000" rtl="0" algn="ctr">
+            <a:lvl5pPr marL="2286000" lvl="4" indent="-317500" algn="ctr" rtl="0">
               <a:spcBef>
                 <a:spcPts val="1600"/>
               </a:spcBef>
@@ -2078,7 +2156,7 @@
               <a:buChar char="○"/>
               <a:defRPr/>
             </a:lvl5pPr>
-            <a:lvl6pPr indent="-317500" lvl="5" marL="2743200" rtl="0" algn="ctr">
+            <a:lvl6pPr marL="2743200" lvl="5" indent="-317500" algn="ctr" rtl="0">
               <a:spcBef>
                 <a:spcPts val="1600"/>
               </a:spcBef>
@@ -2089,7 +2167,7 @@
               <a:buChar char="■"/>
               <a:defRPr/>
             </a:lvl6pPr>
-            <a:lvl7pPr indent="-317500" lvl="6" marL="3200400" rtl="0" algn="ctr">
+            <a:lvl7pPr marL="3200400" lvl="6" indent="-317500" algn="ctr" rtl="0">
               <a:spcBef>
                 <a:spcPts val="1600"/>
               </a:spcBef>
@@ -2100,7 +2178,7 @@
               <a:buChar char="●"/>
               <a:defRPr/>
             </a:lvl7pPr>
-            <a:lvl8pPr indent="-317500" lvl="7" marL="3657600" rtl="0" algn="ctr">
+            <a:lvl8pPr marL="3657600" lvl="7" indent="-317500" algn="ctr" rtl="0">
               <a:spcBef>
                 <a:spcPts val="1600"/>
               </a:spcBef>
@@ -2111,7 +2189,7 @@
               <a:buChar char="○"/>
               <a:defRPr/>
             </a:lvl8pPr>
-            <a:lvl9pPr indent="-317500" lvl="8" marL="4114800" rtl="0" algn="ctr">
+            <a:lvl9pPr marL="4114800" lvl="8" indent="-317500" algn="ctr" rtl="0">
               <a:spcBef>
                 <a:spcPts val="1600"/>
               </a:spcBef>
@@ -2123,15 +2201,19 @@
               <a:defRPr/>
             </a:lvl9pPr>
           </a:lstStyle>
-          <a:p/>
+          <a:p>
+            <a:endParaRPr/>
+          </a:p>
         </p:txBody>
       </p:sp>
       <p:sp>
         <p:nvSpPr>
           <p:cNvPr id="47" name="Shape 47"/>
-          <p:cNvSpPr txBox="1"/>
+          <p:cNvSpPr txBox="1">
+            <a:spLocks noGrp="1"/>
+          </p:cNvSpPr>
           <p:nvPr>
-            <p:ph idx="12" type="sldNum"/>
+            <p:ph type="sldNum" idx="12"/>
           </p:nvPr>
         </p:nvSpPr>
         <p:spPr>
@@ -2144,7 +2226,7 @@
           </a:prstGeom>
         </p:spPr>
         <p:txBody>
-          <a:bodyPr anchorCtr="0" anchor="ctr" bIns="91425" lIns="91425" spcFirstLastPara="1" rIns="91425" wrap="square" tIns="91425">
+          <a:bodyPr spcFirstLastPara="1" wrap="square" lIns="91425" tIns="91425" rIns="91425" bIns="91425" anchor="ctr" anchorCtr="0">
             <a:noAutofit/>
           </a:bodyPr>
           <a:lstStyle>
@@ -2186,7 +2268,7 @@
             </a:lvl9pPr>
           </a:lstStyle>
           <a:p>
-            <a:pPr indent="0" lvl="0" marL="0">
+            <a:pPr marL="0" lvl="0" indent="0">
               <a:spcBef>
                 <a:spcPts val="0"/>
               </a:spcBef>
@@ -2197,7 +2279,7 @@
             </a:pPr>
             <a:fld id="{00000000-1234-1234-1234-123412341234}" type="slidenum">
               <a:rPr lang="pt-BR"/>
-              <a:t>‹#›</a:t>
+              <a:t>‹nº›</a:t>
             </a:fld>
             <a:endParaRPr/>
           </a:p>
@@ -2212,11 +2294,11 @@
 </file>
 
 <file path=ppt/slideLayouts/slideLayout11.xml><?xml version="1.0" encoding="utf-8"?>
-<p:sldLayout xmlns:a="http://schemas.openxmlformats.org/drawingml/2006/main" xmlns:r="http://schemas.openxmlformats.org/officeDocument/2006/relationships" xmlns:mc="http://schemas.openxmlformats.org/markup-compatibility/2006" xmlns:mv="urn:schemas-microsoft-com:mac:vml" xmlns:p="http://schemas.openxmlformats.org/presentationml/2006/main" xmlns:c="http://schemas.openxmlformats.org/drawingml/2006/chart" xmlns:dgm="http://schemas.openxmlformats.org/drawingml/2006/diagram" xmlns:o="urn:schemas-microsoft-com:office:office" xmlns:v="urn:schemas-microsoft-com:vml" xmlns:pvml="urn:schemas-microsoft-com:office:powerpoint" xmlns:com="http://schemas.openxmlformats.org/drawingml/2006/compatibility" xmlns:p14="http://schemas.microsoft.com/office/powerpoint/2010/main" xmlns:p15="http://schemas.microsoft.com/office/powerpoint/2012/main" matchingName="Blank" type="blank">
+<p:sldLayout xmlns:a="http://schemas.openxmlformats.org/drawingml/2006/main" xmlns:r="http://schemas.openxmlformats.org/officeDocument/2006/relationships" xmlns:p="http://schemas.openxmlformats.org/presentationml/2006/main" matchingName="Blank" type="blank">
   <p:cSld name="BLANK">
     <p:spTree>
       <p:nvGrpSpPr>
-        <p:cNvPr id="48" name="Shape 48"/>
+        <p:cNvPr id="1" name="Shape 48"/>
         <p:cNvGrpSpPr/>
         <p:nvPr/>
       </p:nvGrpSpPr>
@@ -2231,9 +2313,11 @@
       <p:sp>
         <p:nvSpPr>
           <p:cNvPr id="49" name="Shape 49"/>
-          <p:cNvSpPr txBox="1"/>
+          <p:cNvSpPr txBox="1">
+            <a:spLocks noGrp="1"/>
+          </p:cNvSpPr>
           <p:nvPr>
-            <p:ph idx="12" type="sldNum"/>
+            <p:ph type="sldNum" idx="12"/>
           </p:nvPr>
         </p:nvSpPr>
         <p:spPr>
@@ -2246,7 +2330,7 @@
           </a:prstGeom>
         </p:spPr>
         <p:txBody>
-          <a:bodyPr anchorCtr="0" anchor="ctr" bIns="91425" lIns="91425" spcFirstLastPara="1" rIns="91425" wrap="square" tIns="91425">
+          <a:bodyPr spcFirstLastPara="1" wrap="square" lIns="91425" tIns="91425" rIns="91425" bIns="91425" anchor="ctr" anchorCtr="0">
             <a:noAutofit/>
           </a:bodyPr>
           <a:lstStyle>
@@ -2288,7 +2372,7 @@
             </a:lvl9pPr>
           </a:lstStyle>
           <a:p>
-            <a:pPr indent="0" lvl="0" marL="0">
+            <a:pPr marL="0" lvl="0" indent="0">
               <a:spcBef>
                 <a:spcPts val="0"/>
               </a:spcBef>
@@ -2299,7 +2383,7 @@
             </a:pPr>
             <a:fld id="{00000000-1234-1234-1234-123412341234}" type="slidenum">
               <a:rPr lang="pt-BR"/>
-              <a:t>‹#›</a:t>
+              <a:t>‹nº›</a:t>
             </a:fld>
             <a:endParaRPr/>
           </a:p>
@@ -2314,18 +2398,19 @@
 </file>
 
 <file path=ppt/slideLayouts/slideLayout12.xml><?xml version="1.0" encoding="utf-8"?>
-<p:sldLayout xmlns:a="http://schemas.openxmlformats.org/drawingml/2006/main" xmlns:r="http://schemas.openxmlformats.org/officeDocument/2006/relationships" xmlns:mc="http://schemas.openxmlformats.org/markup-compatibility/2006" xmlns:mv="urn:schemas-microsoft-com:mac:vml" xmlns:p="http://schemas.openxmlformats.org/presentationml/2006/main" xmlns:c="http://schemas.openxmlformats.org/drawingml/2006/chart" xmlns:dgm="http://schemas.openxmlformats.org/drawingml/2006/diagram" xmlns:o="urn:schemas-microsoft-com:office:office" xmlns:v="urn:schemas-microsoft-com:vml" xmlns:pvml="urn:schemas-microsoft-com:office:powerpoint" xmlns:com="http://schemas.openxmlformats.org/drawingml/2006/compatibility" xmlns:p14="http://schemas.microsoft.com/office/powerpoint/2010/main" xmlns:p15="http://schemas.microsoft.com/office/powerpoint/2012/main" matchingName="Title slide" type="title">
+<p:sldLayout xmlns:a="http://schemas.openxmlformats.org/drawingml/2006/main" xmlns:r="http://schemas.openxmlformats.org/officeDocument/2006/relationships" xmlns:p="http://schemas.openxmlformats.org/presentationml/2006/main" matchingName="Title slide" type="title">
   <p:cSld name="TITLE">
     <p:bg>
       <p:bgPr>
         <a:solidFill>
           <a:schemeClr val="dk1"/>
         </a:solidFill>
+        <a:effectLst/>
       </p:bgPr>
     </p:bg>
     <p:spTree>
       <p:nvGrpSpPr>
-        <p:cNvPr id="54" name="Shape 54"/>
+        <p:cNvPr id="1" name="Shape 54"/>
         <p:cNvGrpSpPr/>
         <p:nvPr/>
       </p:nvGrpSpPr>
@@ -2352,21 +2437,23 @@
             <a:avLst/>
           </a:prstGeom>
           <a:noFill/>
-          <a:ln cap="flat" cmpd="sng" w="19050">
+          <a:ln w="19050" cap="flat" cmpd="sng">
             <a:solidFill>
               <a:schemeClr val="lt2"/>
             </a:solidFill>
             <a:prstDash val="solid"/>
             <a:round/>
-            <a:headEnd len="sm" w="sm" type="none"/>
-            <a:tailEnd len="sm" w="sm" type="none"/>
+            <a:headEnd type="none" w="sm" len="sm"/>
+            <a:tailEnd type="none" w="sm" len="sm"/>
           </a:ln>
         </p:spPr>
       </p:cxnSp>
       <p:sp>
         <p:nvSpPr>
           <p:cNvPr id="56" name="Shape 56"/>
-          <p:cNvSpPr txBox="1"/>
+          <p:cNvSpPr txBox="1">
+            <a:spLocks noGrp="1"/>
+          </p:cNvSpPr>
           <p:nvPr>
             <p:ph type="ctrTitle"/>
           </p:nvPr>
@@ -2381,7 +2468,7 @@
           </a:prstGeom>
         </p:spPr>
         <p:txBody>
-          <a:bodyPr anchorCtr="0" anchor="b" bIns="91425" lIns="91425" spcFirstLastPara="1" rIns="91425" wrap="square" tIns="91425"/>
+          <a:bodyPr spcFirstLastPara="1" wrap="square" lIns="91425" tIns="91425" rIns="91425" bIns="91425" anchor="b" anchorCtr="0"/>
           <a:lstStyle>
             <a:lvl1pPr lvl="0" rtl="0">
               <a:spcBef>
@@ -2546,15 +2633,19 @@
               </a:defRPr>
             </a:lvl9pPr>
           </a:lstStyle>
-          <a:p/>
+          <a:p>
+            <a:endParaRPr/>
+          </a:p>
         </p:txBody>
       </p:sp>
       <p:sp>
         <p:nvSpPr>
           <p:cNvPr id="57" name="Shape 57"/>
-          <p:cNvSpPr txBox="1"/>
+          <p:cNvSpPr txBox="1">
+            <a:spLocks noGrp="1"/>
+          </p:cNvSpPr>
           <p:nvPr>
-            <p:ph idx="1" type="subTitle"/>
+            <p:ph type="subTitle" idx="1"/>
           </p:nvPr>
         </p:nvSpPr>
         <p:spPr>
@@ -2567,7 +2658,7 @@
           </a:prstGeom>
         </p:spPr>
         <p:txBody>
-          <a:bodyPr anchorCtr="0" anchor="t" bIns="91425" lIns="91425" spcFirstLastPara="1" rIns="91425" wrap="square" tIns="91425"/>
+          <a:bodyPr spcFirstLastPara="1" wrap="square" lIns="91425" tIns="91425" rIns="91425" bIns="91425" anchor="t" anchorCtr="0"/>
           <a:lstStyle>
             <a:lvl1pPr lvl="0" rtl="0">
               <a:lnSpc>
@@ -2759,15 +2850,19 @@
               </a:defRPr>
             </a:lvl9pPr>
           </a:lstStyle>
-          <a:p/>
+          <a:p>
+            <a:endParaRPr/>
+          </a:p>
         </p:txBody>
       </p:sp>
       <p:sp>
         <p:nvSpPr>
           <p:cNvPr id="58" name="Shape 58"/>
-          <p:cNvSpPr txBox="1"/>
+          <p:cNvSpPr txBox="1">
+            <a:spLocks noGrp="1"/>
+          </p:cNvSpPr>
           <p:nvPr>
-            <p:ph idx="12" type="sldNum"/>
+            <p:ph type="sldNum" idx="12"/>
           </p:nvPr>
         </p:nvSpPr>
         <p:spPr>
@@ -2780,7 +2875,7 @@
           </a:prstGeom>
         </p:spPr>
         <p:txBody>
-          <a:bodyPr anchorCtr="0" anchor="ctr" bIns="91425" lIns="91425" spcFirstLastPara="1" rIns="91425" wrap="square" tIns="91425">
+          <a:bodyPr spcFirstLastPara="1" wrap="square" lIns="91425" tIns="91425" rIns="91425" bIns="91425" anchor="ctr" anchorCtr="0">
             <a:noAutofit/>
           </a:bodyPr>
           <a:lstStyle>
@@ -2858,7 +2953,7 @@
             </a:lvl9pPr>
           </a:lstStyle>
           <a:p>
-            <a:pPr indent="0" lvl="0" marL="0">
+            <a:pPr marL="0" lvl="0" indent="0">
               <a:spcBef>
                 <a:spcPts val="0"/>
               </a:spcBef>
@@ -2869,7 +2964,7 @@
             </a:pPr>
             <a:fld id="{00000000-1234-1234-1234-123412341234}" type="slidenum">
               <a:rPr lang="pt-BR"/>
-              <a:t>‹#›</a:t>
+              <a:t>‹nº›</a:t>
             </a:fld>
             <a:endParaRPr/>
           </a:p>
@@ -2884,18 +2979,19 @@
 </file>
 
 <file path=ppt/slideLayouts/slideLayout13.xml><?xml version="1.0" encoding="utf-8"?>
-<p:sldLayout xmlns:a="http://schemas.openxmlformats.org/drawingml/2006/main" xmlns:r="http://schemas.openxmlformats.org/officeDocument/2006/relationships" xmlns:mc="http://schemas.openxmlformats.org/markup-compatibility/2006" xmlns:mv="urn:schemas-microsoft-com:mac:vml" xmlns:p="http://schemas.openxmlformats.org/presentationml/2006/main" xmlns:c="http://schemas.openxmlformats.org/drawingml/2006/chart" xmlns:dgm="http://schemas.openxmlformats.org/drawingml/2006/diagram" xmlns:o="urn:schemas-microsoft-com:office:office" xmlns:v="urn:schemas-microsoft-com:vml" xmlns:pvml="urn:schemas-microsoft-com:office:powerpoint" xmlns:com="http://schemas.openxmlformats.org/drawingml/2006/compatibility" xmlns:p14="http://schemas.microsoft.com/office/powerpoint/2010/main" xmlns:p15="http://schemas.microsoft.com/office/powerpoint/2012/main" matchingName="Section header" type="secHead">
+<p:sldLayout xmlns:a="http://schemas.openxmlformats.org/drawingml/2006/main" xmlns:r="http://schemas.openxmlformats.org/officeDocument/2006/relationships" xmlns:p="http://schemas.openxmlformats.org/presentationml/2006/main" matchingName="Section header" type="secHead">
   <p:cSld name="SECTION_HEADER">
     <p:bg>
       <p:bgPr>
         <a:solidFill>
           <a:schemeClr val="dk1"/>
         </a:solidFill>
+        <a:effectLst/>
       </p:bgPr>
     </p:bg>
     <p:spTree>
       <p:nvGrpSpPr>
-        <p:cNvPr id="59" name="Shape 59"/>
+        <p:cNvPr id="1" name="Shape 59"/>
         <p:cNvGrpSpPr/>
         <p:nvPr/>
       </p:nvGrpSpPr>
@@ -2922,21 +3018,23 @@
             <a:avLst/>
           </a:prstGeom>
           <a:noFill/>
-          <a:ln cap="flat" cmpd="sng" w="19050">
+          <a:ln w="19050" cap="flat" cmpd="sng">
             <a:solidFill>
               <a:schemeClr val="lt2"/>
             </a:solidFill>
             <a:prstDash val="solid"/>
             <a:round/>
-            <a:headEnd len="sm" w="sm" type="none"/>
-            <a:tailEnd len="sm" w="sm" type="none"/>
+            <a:headEnd type="none" w="sm" len="sm"/>
+            <a:tailEnd type="none" w="sm" len="sm"/>
           </a:ln>
         </p:spPr>
       </p:cxnSp>
       <p:sp>
         <p:nvSpPr>
           <p:cNvPr id="61" name="Shape 61"/>
-          <p:cNvSpPr txBox="1"/>
+          <p:cNvSpPr txBox="1">
+            <a:spLocks noGrp="1"/>
+          </p:cNvSpPr>
           <p:nvPr>
             <p:ph type="title"/>
           </p:nvPr>
@@ -2951,7 +3049,7 @@
           </a:prstGeom>
         </p:spPr>
         <p:txBody>
-          <a:bodyPr anchorCtr="0" anchor="b" bIns="91425" lIns="91425" spcFirstLastPara="1" rIns="91425" wrap="square" tIns="91425"/>
+          <a:bodyPr spcFirstLastPara="1" wrap="square" lIns="91425" tIns="91425" rIns="91425" bIns="91425" anchor="b" anchorCtr="0"/>
           <a:lstStyle>
             <a:lvl1pPr lvl="0" rtl="0">
               <a:spcBef>
@@ -3116,15 +3214,19 @@
               </a:defRPr>
             </a:lvl9pPr>
           </a:lstStyle>
-          <a:p/>
+          <a:p>
+            <a:endParaRPr/>
+          </a:p>
         </p:txBody>
       </p:sp>
       <p:sp>
         <p:nvSpPr>
           <p:cNvPr id="62" name="Shape 62"/>
-          <p:cNvSpPr txBox="1"/>
+          <p:cNvSpPr txBox="1">
+            <a:spLocks noGrp="1"/>
+          </p:cNvSpPr>
           <p:nvPr>
-            <p:ph idx="12" type="sldNum"/>
+            <p:ph type="sldNum" idx="12"/>
           </p:nvPr>
         </p:nvSpPr>
         <p:spPr>
@@ -3137,7 +3239,7 @@
           </a:prstGeom>
         </p:spPr>
         <p:txBody>
-          <a:bodyPr anchorCtr="0" anchor="ctr" bIns="91425" lIns="91425" spcFirstLastPara="1" rIns="91425" wrap="square" tIns="91425">
+          <a:bodyPr spcFirstLastPara="1" wrap="square" lIns="91425" tIns="91425" rIns="91425" bIns="91425" anchor="ctr" anchorCtr="0">
             <a:noAutofit/>
           </a:bodyPr>
           <a:lstStyle>
@@ -3215,7 +3317,7 @@
             </a:lvl9pPr>
           </a:lstStyle>
           <a:p>
-            <a:pPr indent="0" lvl="0" marL="0">
+            <a:pPr marL="0" lvl="0" indent="0">
               <a:spcBef>
                 <a:spcPts val="0"/>
               </a:spcBef>
@@ -3226,7 +3328,7 @@
             </a:pPr>
             <a:fld id="{00000000-1234-1234-1234-123412341234}" type="slidenum">
               <a:rPr lang="pt-BR"/>
-              <a:t>‹#›</a:t>
+              <a:t>‹nº›</a:t>
             </a:fld>
             <a:endParaRPr/>
           </a:p>
@@ -3241,11 +3343,11 @@
 </file>
 
 <file path=ppt/slideLayouts/slideLayout14.xml><?xml version="1.0" encoding="utf-8"?>
-<p:sldLayout xmlns:a="http://schemas.openxmlformats.org/drawingml/2006/main" xmlns:r="http://schemas.openxmlformats.org/officeDocument/2006/relationships" xmlns:mc="http://schemas.openxmlformats.org/markup-compatibility/2006" xmlns:mv="urn:schemas-microsoft-com:mac:vml" xmlns:p="http://schemas.openxmlformats.org/presentationml/2006/main" xmlns:c="http://schemas.openxmlformats.org/drawingml/2006/chart" xmlns:dgm="http://schemas.openxmlformats.org/drawingml/2006/diagram" xmlns:o="urn:schemas-microsoft-com:office:office" xmlns:v="urn:schemas-microsoft-com:vml" xmlns:pvml="urn:schemas-microsoft-com:office:powerpoint" xmlns:com="http://schemas.openxmlformats.org/drawingml/2006/compatibility" xmlns:p14="http://schemas.microsoft.com/office/powerpoint/2010/main" xmlns:p15="http://schemas.microsoft.com/office/powerpoint/2012/main" matchingName="Title and body" type="tx">
+<p:sldLayout xmlns:a="http://schemas.openxmlformats.org/drawingml/2006/main" xmlns:r="http://schemas.openxmlformats.org/officeDocument/2006/relationships" xmlns:p="http://schemas.openxmlformats.org/presentationml/2006/main" matchingName="Title and body" type="tx">
   <p:cSld name="TITLE_AND_BODY">
     <p:spTree>
       <p:nvGrpSpPr>
-        <p:cNvPr id="63" name="Shape 63"/>
+        <p:cNvPr id="1" name="Shape 63"/>
         <p:cNvGrpSpPr/>
         <p:nvPr/>
       </p:nvGrpSpPr>
@@ -3279,12 +3381,12 @@
           </a:ln>
         </p:spPr>
         <p:txBody>
-          <a:bodyPr anchorCtr="0" anchor="ctr" bIns="91425" lIns="91425" spcFirstLastPara="1" rIns="91425" wrap="square" tIns="91425">
+          <a:bodyPr spcFirstLastPara="1" wrap="square" lIns="91425" tIns="91425" rIns="91425" bIns="91425" anchor="ctr" anchorCtr="0">
             <a:noAutofit/>
           </a:bodyPr>
           <a:lstStyle/>
           <a:p>
-            <a:pPr indent="0" lvl="0" marL="0">
+            <a:pPr marL="0" lvl="0" indent="0">
               <a:spcBef>
                 <a:spcPts val="0"/>
               </a:spcBef>
@@ -3293,9 +3395,6 @@
               </a:spcAft>
               <a:buNone/>
             </a:pPr>
-            <a:r>
-              <a:t/>
-            </a:r>
             <a:endParaRPr/>
           </a:p>
         </p:txBody>
@@ -3303,7 +3402,9 @@
       <p:sp>
         <p:nvSpPr>
           <p:cNvPr id="65" name="Shape 65"/>
-          <p:cNvSpPr txBox="1"/>
+          <p:cNvSpPr txBox="1">
+            <a:spLocks noGrp="1"/>
+          </p:cNvSpPr>
           <p:nvPr>
             <p:ph type="title"/>
           </p:nvPr>
@@ -3318,7 +3419,7 @@
           </a:prstGeom>
         </p:spPr>
         <p:txBody>
-          <a:bodyPr anchorCtr="0" anchor="t" bIns="91425" lIns="91425" spcFirstLastPara="1" rIns="91425" wrap="square" tIns="91425"/>
+          <a:bodyPr spcFirstLastPara="1" wrap="square" lIns="91425" tIns="91425" rIns="91425" bIns="91425" anchor="t" anchorCtr="0"/>
           <a:lstStyle>
             <a:lvl1pPr lvl="0" rtl="0">
               <a:spcBef>
@@ -3420,15 +3521,19 @@
               <a:defRPr/>
             </a:lvl9pPr>
           </a:lstStyle>
-          <a:p/>
+          <a:p>
+            <a:endParaRPr/>
+          </a:p>
         </p:txBody>
       </p:sp>
       <p:sp>
         <p:nvSpPr>
           <p:cNvPr id="66" name="Shape 66"/>
-          <p:cNvSpPr txBox="1"/>
+          <p:cNvSpPr txBox="1">
+            <a:spLocks noGrp="1"/>
+          </p:cNvSpPr>
           <p:nvPr>
-            <p:ph idx="1" type="body"/>
+            <p:ph type="body" idx="1"/>
           </p:nvPr>
         </p:nvSpPr>
         <p:spPr>
@@ -3441,9 +3546,9 @@
           </a:prstGeom>
         </p:spPr>
         <p:txBody>
-          <a:bodyPr anchorCtr="0" anchor="t" bIns="91425" lIns="91425" spcFirstLastPara="1" rIns="91425" wrap="square" tIns="91425"/>
+          <a:bodyPr spcFirstLastPara="1" wrap="square" lIns="91425" tIns="91425" rIns="91425" bIns="91425" anchor="t" anchorCtr="0"/>
           <a:lstStyle>
-            <a:lvl1pPr indent="-342900" lvl="0" marL="457200" rtl="0">
+            <a:lvl1pPr marL="457200" lvl="0" indent="-342900" rtl="0">
               <a:spcBef>
                 <a:spcPts val="0"/>
               </a:spcBef>
@@ -3454,7 +3559,7 @@
               <a:buChar char="●"/>
               <a:defRPr/>
             </a:lvl1pPr>
-            <a:lvl2pPr indent="-317500" lvl="1" marL="914400" rtl="0">
+            <a:lvl2pPr marL="914400" lvl="1" indent="-317500" rtl="0">
               <a:spcBef>
                 <a:spcPts val="1600"/>
               </a:spcBef>
@@ -3465,7 +3570,7 @@
               <a:buChar char="○"/>
               <a:defRPr/>
             </a:lvl2pPr>
-            <a:lvl3pPr indent="-317500" lvl="2" marL="1371600" rtl="0">
+            <a:lvl3pPr marL="1371600" lvl="2" indent="-317500" rtl="0">
               <a:spcBef>
                 <a:spcPts val="1600"/>
               </a:spcBef>
@@ -3476,7 +3581,7 @@
               <a:buChar char="■"/>
               <a:defRPr/>
             </a:lvl3pPr>
-            <a:lvl4pPr indent="-317500" lvl="3" marL="1828800" rtl="0">
+            <a:lvl4pPr marL="1828800" lvl="3" indent="-317500" rtl="0">
               <a:spcBef>
                 <a:spcPts val="1600"/>
               </a:spcBef>
@@ -3487,7 +3592,7 @@
               <a:buChar char="●"/>
               <a:defRPr/>
             </a:lvl4pPr>
-            <a:lvl5pPr indent="-317500" lvl="4" marL="2286000" rtl="0">
+            <a:lvl5pPr marL="2286000" lvl="4" indent="-317500" rtl="0">
               <a:spcBef>
                 <a:spcPts val="1600"/>
               </a:spcBef>
@@ -3498,7 +3603,7 @@
               <a:buChar char="○"/>
               <a:defRPr/>
             </a:lvl5pPr>
-            <a:lvl6pPr indent="-317500" lvl="5" marL="2743200" rtl="0">
+            <a:lvl6pPr marL="2743200" lvl="5" indent="-317500" rtl="0">
               <a:spcBef>
                 <a:spcPts val="1600"/>
               </a:spcBef>
@@ -3509,7 +3614,7 @@
               <a:buChar char="■"/>
               <a:defRPr/>
             </a:lvl6pPr>
-            <a:lvl7pPr indent="-317500" lvl="6" marL="3200400" rtl="0">
+            <a:lvl7pPr marL="3200400" lvl="6" indent="-317500" rtl="0">
               <a:spcBef>
                 <a:spcPts val="1600"/>
               </a:spcBef>
@@ -3520,7 +3625,7 @@
               <a:buChar char="●"/>
               <a:defRPr/>
             </a:lvl7pPr>
-            <a:lvl8pPr indent="-317500" lvl="7" marL="3657600" rtl="0">
+            <a:lvl8pPr marL="3657600" lvl="7" indent="-317500" rtl="0">
               <a:spcBef>
                 <a:spcPts val="1600"/>
               </a:spcBef>
@@ -3531,7 +3636,7 @@
               <a:buChar char="○"/>
               <a:defRPr/>
             </a:lvl8pPr>
-            <a:lvl9pPr indent="-317500" lvl="8" marL="4114800" rtl="0">
+            <a:lvl9pPr marL="4114800" lvl="8" indent="-317500" rtl="0">
               <a:spcBef>
                 <a:spcPts val="1600"/>
               </a:spcBef>
@@ -3543,15 +3648,19 @@
               <a:defRPr/>
             </a:lvl9pPr>
           </a:lstStyle>
-          <a:p/>
+          <a:p>
+            <a:endParaRPr/>
+          </a:p>
         </p:txBody>
       </p:sp>
       <p:sp>
         <p:nvSpPr>
           <p:cNvPr id="67" name="Shape 67"/>
-          <p:cNvSpPr txBox="1"/>
+          <p:cNvSpPr txBox="1">
+            <a:spLocks noGrp="1"/>
+          </p:cNvSpPr>
           <p:nvPr>
-            <p:ph idx="12" type="sldNum"/>
+            <p:ph type="sldNum" idx="12"/>
           </p:nvPr>
         </p:nvSpPr>
         <p:spPr>
@@ -3564,7 +3673,7 @@
           </a:prstGeom>
         </p:spPr>
         <p:txBody>
-          <a:bodyPr anchorCtr="0" anchor="ctr" bIns="91425" lIns="91425" spcFirstLastPara="1" rIns="91425" wrap="square" tIns="91425">
+          <a:bodyPr spcFirstLastPara="1" wrap="square" lIns="91425" tIns="91425" rIns="91425" bIns="91425" anchor="ctr" anchorCtr="0">
             <a:noAutofit/>
           </a:bodyPr>
           <a:lstStyle>
@@ -3606,7 +3715,7 @@
             </a:lvl9pPr>
           </a:lstStyle>
           <a:p>
-            <a:pPr indent="0" lvl="0" marL="0">
+            <a:pPr marL="0" lvl="0" indent="0">
               <a:spcBef>
                 <a:spcPts val="0"/>
               </a:spcBef>
@@ -3617,7 +3726,7 @@
             </a:pPr>
             <a:fld id="{00000000-1234-1234-1234-123412341234}" type="slidenum">
               <a:rPr lang="pt-BR"/>
-              <a:t>‹#›</a:t>
+              <a:t>‹nº›</a:t>
             </a:fld>
             <a:endParaRPr/>
           </a:p>
@@ -3632,11 +3741,11 @@
 </file>
 
 <file path=ppt/slideLayouts/slideLayout15.xml><?xml version="1.0" encoding="utf-8"?>
-<p:sldLayout xmlns:a="http://schemas.openxmlformats.org/drawingml/2006/main" xmlns:r="http://schemas.openxmlformats.org/officeDocument/2006/relationships" xmlns:mc="http://schemas.openxmlformats.org/markup-compatibility/2006" xmlns:mv="urn:schemas-microsoft-com:mac:vml" xmlns:p="http://schemas.openxmlformats.org/presentationml/2006/main" xmlns:c="http://schemas.openxmlformats.org/drawingml/2006/chart" xmlns:dgm="http://schemas.openxmlformats.org/drawingml/2006/diagram" xmlns:o="urn:schemas-microsoft-com:office:office" xmlns:v="urn:schemas-microsoft-com:vml" xmlns:pvml="urn:schemas-microsoft-com:office:powerpoint" xmlns:com="http://schemas.openxmlformats.org/drawingml/2006/compatibility" xmlns:p14="http://schemas.microsoft.com/office/powerpoint/2010/main" xmlns:p15="http://schemas.microsoft.com/office/powerpoint/2012/main" matchingName="Title and two columns" type="twoColTx">
+<p:sldLayout xmlns:a="http://schemas.openxmlformats.org/drawingml/2006/main" xmlns:r="http://schemas.openxmlformats.org/officeDocument/2006/relationships" xmlns:p="http://schemas.openxmlformats.org/presentationml/2006/main" matchingName="Title and two columns" type="twoColTx">
   <p:cSld name="TITLE_AND_TWO_COLUMNS">
     <p:spTree>
       <p:nvGrpSpPr>
-        <p:cNvPr id="68" name="Shape 68"/>
+        <p:cNvPr id="1" name="Shape 68"/>
         <p:cNvGrpSpPr/>
         <p:nvPr/>
       </p:nvGrpSpPr>
@@ -3651,7 +3760,9 @@
       <p:sp>
         <p:nvSpPr>
           <p:cNvPr id="69" name="Shape 69"/>
-          <p:cNvSpPr txBox="1"/>
+          <p:cNvSpPr txBox="1">
+            <a:spLocks noGrp="1"/>
+          </p:cNvSpPr>
           <p:nvPr>
             <p:ph type="title"/>
           </p:nvPr>
@@ -3666,7 +3777,7 @@
           </a:prstGeom>
         </p:spPr>
         <p:txBody>
-          <a:bodyPr anchorCtr="0" anchor="t" bIns="91425" lIns="91425" spcFirstLastPara="1" rIns="91425" wrap="square" tIns="91425"/>
+          <a:bodyPr spcFirstLastPara="1" wrap="square" lIns="91425" tIns="91425" rIns="91425" bIns="91425" anchor="t" anchorCtr="0"/>
           <a:lstStyle>
             <a:lvl1pPr lvl="0" rtl="0">
               <a:spcBef>
@@ -3768,15 +3879,19 @@
               <a:defRPr/>
             </a:lvl9pPr>
           </a:lstStyle>
-          <a:p/>
+          <a:p>
+            <a:endParaRPr/>
+          </a:p>
         </p:txBody>
       </p:sp>
       <p:sp>
         <p:nvSpPr>
           <p:cNvPr id="70" name="Shape 70"/>
-          <p:cNvSpPr txBox="1"/>
+          <p:cNvSpPr txBox="1">
+            <a:spLocks noGrp="1"/>
+          </p:cNvSpPr>
           <p:nvPr>
-            <p:ph idx="1" type="body"/>
+            <p:ph type="body" idx="1"/>
           </p:nvPr>
         </p:nvSpPr>
         <p:spPr>
@@ -3789,9 +3904,9 @@
           </a:prstGeom>
         </p:spPr>
         <p:txBody>
-          <a:bodyPr anchorCtr="0" anchor="t" bIns="91425" lIns="91425" spcFirstLastPara="1" rIns="91425" wrap="square" tIns="91425"/>
+          <a:bodyPr spcFirstLastPara="1" wrap="square" lIns="91425" tIns="91425" rIns="91425" bIns="91425" anchor="t" anchorCtr="0"/>
           <a:lstStyle>
-            <a:lvl1pPr indent="-317500" lvl="0" marL="457200" rtl="0">
+            <a:lvl1pPr marL="457200" lvl="0" indent="-317500" rtl="0">
               <a:spcBef>
                 <a:spcPts val="0"/>
               </a:spcBef>
@@ -3802,7 +3917,7 @@
               <a:buChar char="●"/>
               <a:defRPr sz="1400"/>
             </a:lvl1pPr>
-            <a:lvl2pPr indent="-304800" lvl="1" marL="914400" rtl="0">
+            <a:lvl2pPr marL="914400" lvl="1" indent="-304800" rtl="0">
               <a:spcBef>
                 <a:spcPts val="1600"/>
               </a:spcBef>
@@ -3813,7 +3928,7 @@
               <a:buChar char="○"/>
               <a:defRPr sz="1200"/>
             </a:lvl2pPr>
-            <a:lvl3pPr indent="-304800" lvl="2" marL="1371600" rtl="0">
+            <a:lvl3pPr marL="1371600" lvl="2" indent="-304800" rtl="0">
               <a:spcBef>
                 <a:spcPts val="1600"/>
               </a:spcBef>
@@ -3824,7 +3939,7 @@
               <a:buChar char="■"/>
               <a:defRPr sz="1200"/>
             </a:lvl3pPr>
-            <a:lvl4pPr indent="-304800" lvl="3" marL="1828800" rtl="0">
+            <a:lvl4pPr marL="1828800" lvl="3" indent="-304800" rtl="0">
               <a:spcBef>
                 <a:spcPts val="1600"/>
               </a:spcBef>
@@ -3835,7 +3950,7 @@
               <a:buChar char="●"/>
               <a:defRPr sz="1200"/>
             </a:lvl4pPr>
-            <a:lvl5pPr indent="-304800" lvl="4" marL="2286000" rtl="0">
+            <a:lvl5pPr marL="2286000" lvl="4" indent="-304800" rtl="0">
               <a:spcBef>
                 <a:spcPts val="1600"/>
               </a:spcBef>
@@ -3846,7 +3961,7 @@
               <a:buChar char="○"/>
               <a:defRPr sz="1200"/>
             </a:lvl5pPr>
-            <a:lvl6pPr indent="-304800" lvl="5" marL="2743200" rtl="0">
+            <a:lvl6pPr marL="2743200" lvl="5" indent="-304800" rtl="0">
               <a:spcBef>
                 <a:spcPts val="1600"/>
               </a:spcBef>
@@ -3857,7 +3972,7 @@
               <a:buChar char="■"/>
               <a:defRPr sz="1200"/>
             </a:lvl6pPr>
-            <a:lvl7pPr indent="-304800" lvl="6" marL="3200400" rtl="0">
+            <a:lvl7pPr marL="3200400" lvl="6" indent="-304800" rtl="0">
               <a:spcBef>
                 <a:spcPts val="1600"/>
               </a:spcBef>
@@ -3868,7 +3983,7 @@
               <a:buChar char="●"/>
               <a:defRPr sz="1200"/>
             </a:lvl7pPr>
-            <a:lvl8pPr indent="-304800" lvl="7" marL="3657600" rtl="0">
+            <a:lvl8pPr marL="3657600" lvl="7" indent="-304800" rtl="0">
               <a:spcBef>
                 <a:spcPts val="1600"/>
               </a:spcBef>
@@ -3879,7 +3994,7 @@
               <a:buChar char="○"/>
               <a:defRPr sz="1200"/>
             </a:lvl8pPr>
-            <a:lvl9pPr indent="-304800" lvl="8" marL="4114800" rtl="0">
+            <a:lvl9pPr marL="4114800" lvl="8" indent="-304800" rtl="0">
               <a:spcBef>
                 <a:spcPts val="1600"/>
               </a:spcBef>
@@ -3891,15 +4006,19 @@
               <a:defRPr sz="1200"/>
             </a:lvl9pPr>
           </a:lstStyle>
-          <a:p/>
+          <a:p>
+            <a:endParaRPr/>
+          </a:p>
         </p:txBody>
       </p:sp>
       <p:sp>
         <p:nvSpPr>
           <p:cNvPr id="71" name="Shape 71"/>
-          <p:cNvSpPr txBox="1"/>
+          <p:cNvSpPr txBox="1">
+            <a:spLocks noGrp="1"/>
+          </p:cNvSpPr>
           <p:nvPr>
-            <p:ph idx="2" type="body"/>
+            <p:ph type="body" idx="2"/>
           </p:nvPr>
         </p:nvSpPr>
         <p:spPr>
@@ -3912,9 +4031,9 @@
           </a:prstGeom>
         </p:spPr>
         <p:txBody>
-          <a:bodyPr anchorCtr="0" anchor="t" bIns="91425" lIns="91425" spcFirstLastPara="1" rIns="91425" wrap="square" tIns="91425"/>
+          <a:bodyPr spcFirstLastPara="1" wrap="square" lIns="91425" tIns="91425" rIns="91425" bIns="91425" anchor="t" anchorCtr="0"/>
           <a:lstStyle>
-            <a:lvl1pPr indent="-317500" lvl="0" marL="457200" rtl="0">
+            <a:lvl1pPr marL="457200" lvl="0" indent="-317500" rtl="0">
               <a:spcBef>
                 <a:spcPts val="0"/>
               </a:spcBef>
@@ -3925,7 +4044,7 @@
               <a:buChar char="●"/>
               <a:defRPr sz="1400"/>
             </a:lvl1pPr>
-            <a:lvl2pPr indent="-304800" lvl="1" marL="914400" rtl="0">
+            <a:lvl2pPr marL="914400" lvl="1" indent="-304800" rtl="0">
               <a:spcBef>
                 <a:spcPts val="1600"/>
               </a:spcBef>
@@ -3936,7 +4055,7 @@
               <a:buChar char="○"/>
               <a:defRPr sz="1200"/>
             </a:lvl2pPr>
-            <a:lvl3pPr indent="-304800" lvl="2" marL="1371600" rtl="0">
+            <a:lvl3pPr marL="1371600" lvl="2" indent="-304800" rtl="0">
               <a:spcBef>
                 <a:spcPts val="1600"/>
               </a:spcBef>
@@ -3947,7 +4066,7 @@
               <a:buChar char="■"/>
               <a:defRPr sz="1200"/>
             </a:lvl3pPr>
-            <a:lvl4pPr indent="-304800" lvl="3" marL="1828800" rtl="0">
+            <a:lvl4pPr marL="1828800" lvl="3" indent="-304800" rtl="0">
               <a:spcBef>
                 <a:spcPts val="1600"/>
               </a:spcBef>
@@ -3958,7 +4077,7 @@
               <a:buChar char="●"/>
               <a:defRPr sz="1200"/>
             </a:lvl4pPr>
-            <a:lvl5pPr indent="-304800" lvl="4" marL="2286000" rtl="0">
+            <a:lvl5pPr marL="2286000" lvl="4" indent="-304800" rtl="0">
               <a:spcBef>
                 <a:spcPts val="1600"/>
               </a:spcBef>
@@ -3969,7 +4088,7 @@
               <a:buChar char="○"/>
               <a:defRPr sz="1200"/>
             </a:lvl5pPr>
-            <a:lvl6pPr indent="-304800" lvl="5" marL="2743200" rtl="0">
+            <a:lvl6pPr marL="2743200" lvl="5" indent="-304800" rtl="0">
               <a:spcBef>
                 <a:spcPts val="1600"/>
               </a:spcBef>
@@ -3980,7 +4099,7 @@
               <a:buChar char="■"/>
               <a:defRPr sz="1200"/>
             </a:lvl6pPr>
-            <a:lvl7pPr indent="-304800" lvl="6" marL="3200400" rtl="0">
+            <a:lvl7pPr marL="3200400" lvl="6" indent="-304800" rtl="0">
               <a:spcBef>
                 <a:spcPts val="1600"/>
               </a:spcBef>
@@ -3991,7 +4110,7 @@
               <a:buChar char="●"/>
               <a:defRPr sz="1200"/>
             </a:lvl7pPr>
-            <a:lvl8pPr indent="-304800" lvl="7" marL="3657600" rtl="0">
+            <a:lvl8pPr marL="3657600" lvl="7" indent="-304800" rtl="0">
               <a:spcBef>
                 <a:spcPts val="1600"/>
               </a:spcBef>
@@ -4002,7 +4121,7 @@
               <a:buChar char="○"/>
               <a:defRPr sz="1200"/>
             </a:lvl8pPr>
-            <a:lvl9pPr indent="-304800" lvl="8" marL="4114800" rtl="0">
+            <a:lvl9pPr marL="4114800" lvl="8" indent="-304800" rtl="0">
               <a:spcBef>
                 <a:spcPts val="1600"/>
               </a:spcBef>
@@ -4014,15 +4133,19 @@
               <a:defRPr sz="1200"/>
             </a:lvl9pPr>
           </a:lstStyle>
-          <a:p/>
+          <a:p>
+            <a:endParaRPr/>
+          </a:p>
         </p:txBody>
       </p:sp>
       <p:sp>
         <p:nvSpPr>
           <p:cNvPr id="72" name="Shape 72"/>
-          <p:cNvSpPr txBox="1"/>
+          <p:cNvSpPr txBox="1">
+            <a:spLocks noGrp="1"/>
+          </p:cNvSpPr>
           <p:nvPr>
-            <p:ph idx="12" type="sldNum"/>
+            <p:ph type="sldNum" idx="12"/>
           </p:nvPr>
         </p:nvSpPr>
         <p:spPr>
@@ -4035,7 +4158,7 @@
           </a:prstGeom>
         </p:spPr>
         <p:txBody>
-          <a:bodyPr anchorCtr="0" anchor="ctr" bIns="91425" lIns="91425" spcFirstLastPara="1" rIns="91425" wrap="square" tIns="91425">
+          <a:bodyPr spcFirstLastPara="1" wrap="square" lIns="91425" tIns="91425" rIns="91425" bIns="91425" anchor="ctr" anchorCtr="0">
             <a:noAutofit/>
           </a:bodyPr>
           <a:lstStyle>
@@ -4077,7 +4200,7 @@
             </a:lvl9pPr>
           </a:lstStyle>
           <a:p>
-            <a:pPr indent="0" lvl="0" marL="0">
+            <a:pPr marL="0" lvl="0" indent="0">
               <a:spcBef>
                 <a:spcPts val="0"/>
               </a:spcBef>
@@ -4088,7 +4211,7 @@
             </a:pPr>
             <a:fld id="{00000000-1234-1234-1234-123412341234}" type="slidenum">
               <a:rPr lang="pt-BR"/>
-              <a:t>‹#›</a:t>
+              <a:t>‹nº›</a:t>
             </a:fld>
             <a:endParaRPr/>
           </a:p>
@@ -4103,11 +4226,11 @@
 </file>
 
 <file path=ppt/slideLayouts/slideLayout16.xml><?xml version="1.0" encoding="utf-8"?>
-<p:sldLayout xmlns:a="http://schemas.openxmlformats.org/drawingml/2006/main" xmlns:r="http://schemas.openxmlformats.org/officeDocument/2006/relationships" xmlns:mc="http://schemas.openxmlformats.org/markup-compatibility/2006" xmlns:mv="urn:schemas-microsoft-com:mac:vml" xmlns:p="http://schemas.openxmlformats.org/presentationml/2006/main" xmlns:c="http://schemas.openxmlformats.org/drawingml/2006/chart" xmlns:dgm="http://schemas.openxmlformats.org/drawingml/2006/diagram" xmlns:o="urn:schemas-microsoft-com:office:office" xmlns:v="urn:schemas-microsoft-com:vml" xmlns:pvml="urn:schemas-microsoft-com:office:powerpoint" xmlns:com="http://schemas.openxmlformats.org/drawingml/2006/compatibility" xmlns:p14="http://schemas.microsoft.com/office/powerpoint/2010/main" xmlns:p15="http://schemas.microsoft.com/office/powerpoint/2012/main" matchingName="Title only" type="titleOnly">
+<p:sldLayout xmlns:a="http://schemas.openxmlformats.org/drawingml/2006/main" xmlns:r="http://schemas.openxmlformats.org/officeDocument/2006/relationships" xmlns:p="http://schemas.openxmlformats.org/presentationml/2006/main" matchingName="Title only" type="titleOnly">
   <p:cSld name="TITLE_ONLY">
     <p:spTree>
       <p:nvGrpSpPr>
-        <p:cNvPr id="73" name="Shape 73"/>
+        <p:cNvPr id="1" name="Shape 73"/>
         <p:cNvGrpSpPr/>
         <p:nvPr/>
       </p:nvGrpSpPr>
@@ -4122,7 +4245,9 @@
       <p:sp>
         <p:nvSpPr>
           <p:cNvPr id="74" name="Shape 74"/>
-          <p:cNvSpPr txBox="1"/>
+          <p:cNvSpPr txBox="1">
+            <a:spLocks noGrp="1"/>
+          </p:cNvSpPr>
           <p:nvPr>
             <p:ph type="title"/>
           </p:nvPr>
@@ -4137,7 +4262,7 @@
           </a:prstGeom>
         </p:spPr>
         <p:txBody>
-          <a:bodyPr anchorCtr="0" anchor="t" bIns="91425" lIns="91425" spcFirstLastPara="1" rIns="91425" wrap="square" tIns="91425"/>
+          <a:bodyPr spcFirstLastPara="1" wrap="square" lIns="91425" tIns="91425" rIns="91425" bIns="91425" anchor="t" anchorCtr="0"/>
           <a:lstStyle>
             <a:lvl1pPr lvl="0" rtl="0">
               <a:spcBef>
@@ -4239,15 +4364,19 @@
               <a:defRPr/>
             </a:lvl9pPr>
           </a:lstStyle>
-          <a:p/>
+          <a:p>
+            <a:endParaRPr/>
+          </a:p>
         </p:txBody>
       </p:sp>
       <p:sp>
         <p:nvSpPr>
           <p:cNvPr id="75" name="Shape 75"/>
-          <p:cNvSpPr txBox="1"/>
+          <p:cNvSpPr txBox="1">
+            <a:spLocks noGrp="1"/>
+          </p:cNvSpPr>
           <p:nvPr>
-            <p:ph idx="12" type="sldNum"/>
+            <p:ph type="sldNum" idx="12"/>
           </p:nvPr>
         </p:nvSpPr>
         <p:spPr>
@@ -4260,7 +4389,7 @@
           </a:prstGeom>
         </p:spPr>
         <p:txBody>
-          <a:bodyPr anchorCtr="0" anchor="ctr" bIns="91425" lIns="91425" spcFirstLastPara="1" rIns="91425" wrap="square" tIns="91425">
+          <a:bodyPr spcFirstLastPara="1" wrap="square" lIns="91425" tIns="91425" rIns="91425" bIns="91425" anchor="ctr" anchorCtr="0">
             <a:noAutofit/>
           </a:bodyPr>
           <a:lstStyle>
@@ -4302,7 +4431,7 @@
             </a:lvl9pPr>
           </a:lstStyle>
           <a:p>
-            <a:pPr indent="0" lvl="0" marL="0">
+            <a:pPr marL="0" lvl="0" indent="0">
               <a:spcBef>
                 <a:spcPts val="0"/>
               </a:spcBef>
@@ -4313,7 +4442,7 @@
             </a:pPr>
             <a:fld id="{00000000-1234-1234-1234-123412341234}" type="slidenum">
               <a:rPr lang="pt-BR"/>
-              <a:t>‹#›</a:t>
+              <a:t>‹nº›</a:t>
             </a:fld>
             <a:endParaRPr/>
           </a:p>
@@ -4328,11 +4457,11 @@
 </file>
 
 <file path=ppt/slideLayouts/slideLayout17.xml><?xml version="1.0" encoding="utf-8"?>
-<p:sldLayout xmlns:a="http://schemas.openxmlformats.org/drawingml/2006/main" xmlns:r="http://schemas.openxmlformats.org/officeDocument/2006/relationships" xmlns:mc="http://schemas.openxmlformats.org/markup-compatibility/2006" xmlns:mv="urn:schemas-microsoft-com:mac:vml" xmlns:p="http://schemas.openxmlformats.org/presentationml/2006/main" xmlns:c="http://schemas.openxmlformats.org/drawingml/2006/chart" xmlns:dgm="http://schemas.openxmlformats.org/drawingml/2006/diagram" xmlns:o="urn:schemas-microsoft-com:office:office" xmlns:v="urn:schemas-microsoft-com:vml" xmlns:pvml="urn:schemas-microsoft-com:office:powerpoint" xmlns:com="http://schemas.openxmlformats.org/drawingml/2006/compatibility" xmlns:p14="http://schemas.microsoft.com/office/powerpoint/2010/main" xmlns:p15="http://schemas.microsoft.com/office/powerpoint/2012/main" matchingName="One column text">
+<p:sldLayout xmlns:a="http://schemas.openxmlformats.org/drawingml/2006/main" xmlns:r="http://schemas.openxmlformats.org/officeDocument/2006/relationships" xmlns:p="http://schemas.openxmlformats.org/presentationml/2006/main" matchingName="One column text">
   <p:cSld name="ONE_COLUMN_TEXT">
     <p:spTree>
       <p:nvGrpSpPr>
-        <p:cNvPr id="76" name="Shape 76"/>
+        <p:cNvPr id="1" name="Shape 76"/>
         <p:cNvGrpSpPr/>
         <p:nvPr/>
       </p:nvGrpSpPr>
@@ -4347,7 +4476,9 @@
       <p:sp>
         <p:nvSpPr>
           <p:cNvPr id="77" name="Shape 77"/>
-          <p:cNvSpPr txBox="1"/>
+          <p:cNvSpPr txBox="1">
+            <a:spLocks noGrp="1"/>
+          </p:cNvSpPr>
           <p:nvPr>
             <p:ph type="title"/>
           </p:nvPr>
@@ -4362,7 +4493,7 @@
           </a:prstGeom>
         </p:spPr>
         <p:txBody>
-          <a:bodyPr anchorCtr="0" anchor="b" bIns="91425" lIns="91425" spcFirstLastPara="1" rIns="91425" wrap="square" tIns="91425"/>
+          <a:bodyPr spcFirstLastPara="1" wrap="square" lIns="91425" tIns="91425" rIns="91425" bIns="91425" anchor="b" anchorCtr="0"/>
           <a:lstStyle>
             <a:lvl1pPr lvl="0" rtl="0">
               <a:spcBef>
@@ -4464,15 +4595,19 @@
               <a:defRPr sz="2400"/>
             </a:lvl9pPr>
           </a:lstStyle>
-          <a:p/>
+          <a:p>
+            <a:endParaRPr/>
+          </a:p>
         </p:txBody>
       </p:sp>
       <p:sp>
         <p:nvSpPr>
           <p:cNvPr id="78" name="Shape 78"/>
-          <p:cNvSpPr txBox="1"/>
+          <p:cNvSpPr txBox="1">
+            <a:spLocks noGrp="1"/>
+          </p:cNvSpPr>
           <p:nvPr>
-            <p:ph idx="1" type="body"/>
+            <p:ph type="body" idx="1"/>
           </p:nvPr>
         </p:nvSpPr>
         <p:spPr>
@@ -4485,9 +4620,9 @@
           </a:prstGeom>
         </p:spPr>
         <p:txBody>
-          <a:bodyPr anchorCtr="0" anchor="t" bIns="91425" lIns="91425" spcFirstLastPara="1" rIns="91425" wrap="square" tIns="91425"/>
+          <a:bodyPr spcFirstLastPara="1" wrap="square" lIns="91425" tIns="91425" rIns="91425" bIns="91425" anchor="t" anchorCtr="0"/>
           <a:lstStyle>
-            <a:lvl1pPr indent="-304800" lvl="0" marL="457200" rtl="0">
+            <a:lvl1pPr marL="457200" lvl="0" indent="-304800" rtl="0">
               <a:spcBef>
                 <a:spcPts val="0"/>
               </a:spcBef>
@@ -4498,7 +4633,7 @@
               <a:buChar char="●"/>
               <a:defRPr sz="1200"/>
             </a:lvl1pPr>
-            <a:lvl2pPr indent="-304800" lvl="1" marL="914400" rtl="0">
+            <a:lvl2pPr marL="914400" lvl="1" indent="-304800" rtl="0">
               <a:spcBef>
                 <a:spcPts val="1600"/>
               </a:spcBef>
@@ -4509,7 +4644,7 @@
               <a:buChar char="○"/>
               <a:defRPr sz="1200"/>
             </a:lvl2pPr>
-            <a:lvl3pPr indent="-304800" lvl="2" marL="1371600" rtl="0">
+            <a:lvl3pPr marL="1371600" lvl="2" indent="-304800" rtl="0">
               <a:spcBef>
                 <a:spcPts val="1600"/>
               </a:spcBef>
@@ -4520,7 +4655,7 @@
               <a:buChar char="■"/>
               <a:defRPr sz="1200"/>
             </a:lvl3pPr>
-            <a:lvl4pPr indent="-304800" lvl="3" marL="1828800" rtl="0">
+            <a:lvl4pPr marL="1828800" lvl="3" indent="-304800" rtl="0">
               <a:spcBef>
                 <a:spcPts val="1600"/>
               </a:spcBef>
@@ -4531,7 +4666,7 @@
               <a:buChar char="●"/>
               <a:defRPr sz="1200"/>
             </a:lvl4pPr>
-            <a:lvl5pPr indent="-304800" lvl="4" marL="2286000" rtl="0">
+            <a:lvl5pPr marL="2286000" lvl="4" indent="-304800" rtl="0">
               <a:spcBef>
                 <a:spcPts val="1600"/>
               </a:spcBef>
@@ -4542,7 +4677,7 @@
               <a:buChar char="○"/>
               <a:defRPr sz="1200"/>
             </a:lvl5pPr>
-            <a:lvl6pPr indent="-304800" lvl="5" marL="2743200" rtl="0">
+            <a:lvl6pPr marL="2743200" lvl="5" indent="-304800" rtl="0">
               <a:spcBef>
                 <a:spcPts val="1600"/>
               </a:spcBef>
@@ -4553,7 +4688,7 @@
               <a:buChar char="■"/>
               <a:defRPr sz="1200"/>
             </a:lvl6pPr>
-            <a:lvl7pPr indent="-304800" lvl="6" marL="3200400" rtl="0">
+            <a:lvl7pPr marL="3200400" lvl="6" indent="-304800" rtl="0">
               <a:spcBef>
                 <a:spcPts val="1600"/>
               </a:spcBef>
@@ -4564,7 +4699,7 @@
               <a:buChar char="●"/>
               <a:defRPr sz="1200"/>
             </a:lvl7pPr>
-            <a:lvl8pPr indent="-304800" lvl="7" marL="3657600" rtl="0">
+            <a:lvl8pPr marL="3657600" lvl="7" indent="-304800" rtl="0">
               <a:spcBef>
                 <a:spcPts val="1600"/>
               </a:spcBef>
@@ -4575,7 +4710,7 @@
               <a:buChar char="○"/>
               <a:defRPr sz="1200"/>
             </a:lvl8pPr>
-            <a:lvl9pPr indent="-304800" lvl="8" marL="4114800" rtl="0">
+            <a:lvl9pPr marL="4114800" lvl="8" indent="-304800" rtl="0">
               <a:spcBef>
                 <a:spcPts val="1600"/>
               </a:spcBef>
@@ -4587,15 +4722,19 @@
               <a:defRPr sz="1200"/>
             </a:lvl9pPr>
           </a:lstStyle>
-          <a:p/>
+          <a:p>
+            <a:endParaRPr/>
+          </a:p>
         </p:txBody>
       </p:sp>
       <p:sp>
         <p:nvSpPr>
           <p:cNvPr id="79" name="Shape 79"/>
-          <p:cNvSpPr txBox="1"/>
+          <p:cNvSpPr txBox="1">
+            <a:spLocks noGrp="1"/>
+          </p:cNvSpPr>
           <p:nvPr>
-            <p:ph idx="12" type="sldNum"/>
+            <p:ph type="sldNum" idx="12"/>
           </p:nvPr>
         </p:nvSpPr>
         <p:spPr>
@@ -4608,7 +4747,7 @@
           </a:prstGeom>
         </p:spPr>
         <p:txBody>
-          <a:bodyPr anchorCtr="0" anchor="ctr" bIns="91425" lIns="91425" spcFirstLastPara="1" rIns="91425" wrap="square" tIns="91425">
+          <a:bodyPr spcFirstLastPara="1" wrap="square" lIns="91425" tIns="91425" rIns="91425" bIns="91425" anchor="ctr" anchorCtr="0">
             <a:noAutofit/>
           </a:bodyPr>
           <a:lstStyle>
@@ -4650,7 +4789,7 @@
             </a:lvl9pPr>
           </a:lstStyle>
           <a:p>
-            <a:pPr indent="0" lvl="0" marL="0">
+            <a:pPr marL="0" lvl="0" indent="0">
               <a:spcBef>
                 <a:spcPts val="0"/>
               </a:spcBef>
@@ -4661,7 +4800,7 @@
             </a:pPr>
             <a:fld id="{00000000-1234-1234-1234-123412341234}" type="slidenum">
               <a:rPr lang="pt-BR"/>
-              <a:t>‹#›</a:t>
+              <a:t>‹nº›</a:t>
             </a:fld>
             <a:endParaRPr/>
           </a:p>
@@ -4676,18 +4815,19 @@
 </file>
 
 <file path=ppt/slideLayouts/slideLayout18.xml><?xml version="1.0" encoding="utf-8"?>
-<p:sldLayout xmlns:a="http://schemas.openxmlformats.org/drawingml/2006/main" xmlns:r="http://schemas.openxmlformats.org/officeDocument/2006/relationships" xmlns:mc="http://schemas.openxmlformats.org/markup-compatibility/2006" xmlns:mv="urn:schemas-microsoft-com:mac:vml" xmlns:p="http://schemas.openxmlformats.org/presentationml/2006/main" xmlns:c="http://schemas.openxmlformats.org/drawingml/2006/chart" xmlns:dgm="http://schemas.openxmlformats.org/drawingml/2006/diagram" xmlns:o="urn:schemas-microsoft-com:office:office" xmlns:v="urn:schemas-microsoft-com:vml" xmlns:pvml="urn:schemas-microsoft-com:office:powerpoint" xmlns:com="http://schemas.openxmlformats.org/drawingml/2006/compatibility" xmlns:p14="http://schemas.microsoft.com/office/powerpoint/2010/main" xmlns:p15="http://schemas.microsoft.com/office/powerpoint/2012/main" matchingName="Main point">
+<p:sldLayout xmlns:a="http://schemas.openxmlformats.org/drawingml/2006/main" xmlns:r="http://schemas.openxmlformats.org/officeDocument/2006/relationships" xmlns:p="http://schemas.openxmlformats.org/presentationml/2006/main" matchingName="Main point">
   <p:cSld name="MAIN_POINT">
     <p:bg>
       <p:bgPr>
         <a:solidFill>
           <a:schemeClr val="lt2"/>
         </a:solidFill>
+        <a:effectLst/>
       </p:bgPr>
     </p:bg>
     <p:spTree>
       <p:nvGrpSpPr>
-        <p:cNvPr id="80" name="Shape 80"/>
+        <p:cNvPr id="1" name="Shape 80"/>
         <p:cNvGrpSpPr/>
         <p:nvPr/>
       </p:nvGrpSpPr>
@@ -4702,7 +4842,9 @@
       <p:sp>
         <p:nvSpPr>
           <p:cNvPr id="81" name="Shape 81"/>
-          <p:cNvSpPr txBox="1"/>
+          <p:cNvSpPr txBox="1">
+            <a:spLocks noGrp="1"/>
+          </p:cNvSpPr>
           <p:nvPr>
             <p:ph type="title"/>
           </p:nvPr>
@@ -4717,7 +4859,7 @@
           </a:prstGeom>
         </p:spPr>
         <p:txBody>
-          <a:bodyPr anchorCtr="0" anchor="ctr" bIns="91425" lIns="91425" spcFirstLastPara="1" rIns="91425" wrap="square" tIns="91425"/>
+          <a:bodyPr spcFirstLastPara="1" wrap="square" lIns="91425" tIns="91425" rIns="91425" bIns="91425" anchor="ctr" anchorCtr="0"/>
           <a:lstStyle>
             <a:lvl1pPr lvl="0" rtl="0">
               <a:spcBef>
@@ -4819,15 +4961,19 @@
               <a:defRPr sz="4800"/>
             </a:lvl9pPr>
           </a:lstStyle>
-          <a:p/>
+          <a:p>
+            <a:endParaRPr/>
+          </a:p>
         </p:txBody>
       </p:sp>
       <p:sp>
         <p:nvSpPr>
           <p:cNvPr id="82" name="Shape 82"/>
-          <p:cNvSpPr txBox="1"/>
+          <p:cNvSpPr txBox="1">
+            <a:spLocks noGrp="1"/>
+          </p:cNvSpPr>
           <p:nvPr>
-            <p:ph idx="12" type="sldNum"/>
+            <p:ph type="sldNum" idx="12"/>
           </p:nvPr>
         </p:nvSpPr>
         <p:spPr>
@@ -4840,7 +4986,7 @@
           </a:prstGeom>
         </p:spPr>
         <p:txBody>
-          <a:bodyPr anchorCtr="0" anchor="ctr" bIns="91425" lIns="91425" spcFirstLastPara="1" rIns="91425" wrap="square" tIns="91425">
+          <a:bodyPr spcFirstLastPara="1" wrap="square" lIns="91425" tIns="91425" rIns="91425" bIns="91425" anchor="ctr" anchorCtr="0">
             <a:noAutofit/>
           </a:bodyPr>
           <a:lstStyle>
@@ -4882,7 +5028,7 @@
             </a:lvl9pPr>
           </a:lstStyle>
           <a:p>
-            <a:pPr indent="0" lvl="0" marL="0">
+            <a:pPr marL="0" lvl="0" indent="0">
               <a:spcBef>
                 <a:spcPts val="0"/>
               </a:spcBef>
@@ -4893,7 +5039,7 @@
             </a:pPr>
             <a:fld id="{00000000-1234-1234-1234-123412341234}" type="slidenum">
               <a:rPr lang="pt-BR"/>
-              <a:t>‹#›</a:t>
+              <a:t>‹nº›</a:t>
             </a:fld>
             <a:endParaRPr/>
           </a:p>
@@ -4908,11 +5054,11 @@
 </file>
 
 <file path=ppt/slideLayouts/slideLayout19.xml><?xml version="1.0" encoding="utf-8"?>
-<p:sldLayout xmlns:a="http://schemas.openxmlformats.org/drawingml/2006/main" xmlns:r="http://schemas.openxmlformats.org/officeDocument/2006/relationships" xmlns:mc="http://schemas.openxmlformats.org/markup-compatibility/2006" xmlns:mv="urn:schemas-microsoft-com:mac:vml" xmlns:p="http://schemas.openxmlformats.org/presentationml/2006/main" xmlns:c="http://schemas.openxmlformats.org/drawingml/2006/chart" xmlns:dgm="http://schemas.openxmlformats.org/drawingml/2006/diagram" xmlns:o="urn:schemas-microsoft-com:office:office" xmlns:v="urn:schemas-microsoft-com:vml" xmlns:pvml="urn:schemas-microsoft-com:office:powerpoint" xmlns:com="http://schemas.openxmlformats.org/drawingml/2006/compatibility" xmlns:p14="http://schemas.microsoft.com/office/powerpoint/2010/main" xmlns:p15="http://schemas.microsoft.com/office/powerpoint/2012/main" matchingName="Section title and description">
+<p:sldLayout xmlns:a="http://schemas.openxmlformats.org/drawingml/2006/main" xmlns:r="http://schemas.openxmlformats.org/officeDocument/2006/relationships" xmlns:p="http://schemas.openxmlformats.org/presentationml/2006/main" matchingName="Section title and description">
   <p:cSld name="SECTION_TITLE_AND_DESCRIPTION">
     <p:spTree>
       <p:nvGrpSpPr>
-        <p:cNvPr id="83" name="Shape 83"/>
+        <p:cNvPr id="1" name="Shape 83"/>
         <p:cNvGrpSpPr/>
         <p:nvPr/>
       </p:nvGrpSpPr>
@@ -4946,12 +5092,12 @@
           </a:ln>
         </p:spPr>
         <p:txBody>
-          <a:bodyPr anchorCtr="0" anchor="ctr" bIns="91425" lIns="91425" spcFirstLastPara="1" rIns="91425" wrap="square" tIns="91425">
+          <a:bodyPr spcFirstLastPara="1" wrap="square" lIns="91425" tIns="91425" rIns="91425" bIns="91425" anchor="ctr" anchorCtr="0">
             <a:noAutofit/>
           </a:bodyPr>
           <a:lstStyle/>
           <a:p>
-            <a:pPr indent="0" lvl="0" marL="0">
+            <a:pPr marL="0" lvl="0" indent="0">
               <a:spcBef>
                 <a:spcPts val="0"/>
               </a:spcBef>
@@ -4960,9 +5106,6 @@
               </a:spcAft>
               <a:buNone/>
             </a:pPr>
-            <a:r>
-              <a:t/>
-            </a:r>
             <a:endParaRPr/>
           </a:p>
         </p:txBody>
@@ -4982,21 +5125,23 @@
             <a:avLst/>
           </a:prstGeom>
           <a:noFill/>
-          <a:ln cap="flat" cmpd="sng" w="19050">
+          <a:ln w="19050" cap="flat" cmpd="sng">
             <a:solidFill>
               <a:schemeClr val="lt2"/>
             </a:solidFill>
             <a:prstDash val="solid"/>
             <a:round/>
-            <a:headEnd len="sm" w="sm" type="none"/>
-            <a:tailEnd len="sm" w="sm" type="none"/>
+            <a:headEnd type="none" w="sm" len="sm"/>
+            <a:tailEnd type="none" w="sm" len="sm"/>
           </a:ln>
         </p:spPr>
       </p:cxnSp>
       <p:sp>
         <p:nvSpPr>
           <p:cNvPr id="86" name="Shape 86"/>
-          <p:cNvSpPr txBox="1"/>
+          <p:cNvSpPr txBox="1">
+            <a:spLocks noGrp="1"/>
+          </p:cNvSpPr>
           <p:nvPr>
             <p:ph type="title"/>
           </p:nvPr>
@@ -5011,9 +5156,9 @@
           </a:prstGeom>
         </p:spPr>
         <p:txBody>
-          <a:bodyPr anchorCtr="0" anchor="b" bIns="91425" lIns="91425" spcFirstLastPara="1" rIns="91425" wrap="square" tIns="91425"/>
+          <a:bodyPr spcFirstLastPara="1" wrap="square" lIns="91425" tIns="91425" rIns="91425" bIns="91425" anchor="b" anchorCtr="0"/>
           <a:lstStyle>
-            <a:lvl1pPr lvl="0" rtl="0" algn="ctr">
+            <a:lvl1pPr lvl="0" algn="ctr" rtl="0">
               <a:spcBef>
                 <a:spcPts val="0"/>
               </a:spcBef>
@@ -5024,7 +5169,7 @@
               <a:buNone/>
               <a:defRPr sz="4200"/>
             </a:lvl1pPr>
-            <a:lvl2pPr lvl="1" rtl="0" algn="ctr">
+            <a:lvl2pPr lvl="1" algn="ctr" rtl="0">
               <a:spcBef>
                 <a:spcPts val="0"/>
               </a:spcBef>
@@ -5035,7 +5180,7 @@
               <a:buNone/>
               <a:defRPr sz="4200"/>
             </a:lvl2pPr>
-            <a:lvl3pPr lvl="2" rtl="0" algn="ctr">
+            <a:lvl3pPr lvl="2" algn="ctr" rtl="0">
               <a:spcBef>
                 <a:spcPts val="0"/>
               </a:spcBef>
@@ -5046,7 +5191,7 @@
               <a:buNone/>
               <a:defRPr sz="4200"/>
             </a:lvl3pPr>
-            <a:lvl4pPr lvl="3" rtl="0" algn="ctr">
+            <a:lvl4pPr lvl="3" algn="ctr" rtl="0">
               <a:spcBef>
                 <a:spcPts val="0"/>
               </a:spcBef>
@@ -5057,7 +5202,7 @@
               <a:buNone/>
               <a:defRPr sz="4200"/>
             </a:lvl4pPr>
-            <a:lvl5pPr lvl="4" rtl="0" algn="ctr">
+            <a:lvl5pPr lvl="4" algn="ctr" rtl="0">
               <a:spcBef>
                 <a:spcPts val="0"/>
               </a:spcBef>
@@ -5068,7 +5213,7 @@
               <a:buNone/>
               <a:defRPr sz="4200"/>
             </a:lvl5pPr>
-            <a:lvl6pPr lvl="5" rtl="0" algn="ctr">
+            <a:lvl6pPr lvl="5" algn="ctr" rtl="0">
               <a:spcBef>
                 <a:spcPts val="0"/>
               </a:spcBef>
@@ -5079,7 +5224,7 @@
               <a:buNone/>
               <a:defRPr sz="4200"/>
             </a:lvl6pPr>
-            <a:lvl7pPr lvl="6" rtl="0" algn="ctr">
+            <a:lvl7pPr lvl="6" algn="ctr" rtl="0">
               <a:spcBef>
                 <a:spcPts val="0"/>
               </a:spcBef>
@@ -5090,7 +5235,7 @@
               <a:buNone/>
               <a:defRPr sz="4200"/>
             </a:lvl7pPr>
-            <a:lvl8pPr lvl="7" rtl="0" algn="ctr">
+            <a:lvl8pPr lvl="7" algn="ctr" rtl="0">
               <a:spcBef>
                 <a:spcPts val="0"/>
               </a:spcBef>
@@ -5101,7 +5246,7 @@
               <a:buNone/>
               <a:defRPr sz="4200"/>
             </a:lvl8pPr>
-            <a:lvl9pPr lvl="8" rtl="0" algn="ctr">
+            <a:lvl9pPr lvl="8" algn="ctr" rtl="0">
               <a:spcBef>
                 <a:spcPts val="0"/>
               </a:spcBef>
@@ -5113,15 +5258,19 @@
               <a:defRPr sz="4200"/>
             </a:lvl9pPr>
           </a:lstStyle>
-          <a:p/>
+          <a:p>
+            <a:endParaRPr/>
+          </a:p>
         </p:txBody>
       </p:sp>
       <p:sp>
         <p:nvSpPr>
           <p:cNvPr id="87" name="Shape 87"/>
-          <p:cNvSpPr txBox="1"/>
+          <p:cNvSpPr txBox="1">
+            <a:spLocks noGrp="1"/>
+          </p:cNvSpPr>
           <p:nvPr>
-            <p:ph idx="1" type="subTitle"/>
+            <p:ph type="subTitle" idx="1"/>
           </p:nvPr>
         </p:nvSpPr>
         <p:spPr>
@@ -5134,9 +5283,9 @@
           </a:prstGeom>
         </p:spPr>
         <p:txBody>
-          <a:bodyPr anchorCtr="0" anchor="t" bIns="91425" lIns="91425" spcFirstLastPara="1" rIns="91425" wrap="square" tIns="91425"/>
+          <a:bodyPr spcFirstLastPara="1" wrap="square" lIns="91425" tIns="91425" rIns="91425" bIns="91425" anchor="t" anchorCtr="0"/>
           <a:lstStyle>
-            <a:lvl1pPr lvl="0" rtl="0" algn="ctr">
+            <a:lvl1pPr lvl="0" algn="ctr" rtl="0">
               <a:lnSpc>
                 <a:spcPct val="100000"/>
               </a:lnSpc>
@@ -5150,7 +5299,7 @@
               <a:buNone/>
               <a:defRPr sz="2100"/>
             </a:lvl1pPr>
-            <a:lvl2pPr lvl="1" rtl="0" algn="ctr">
+            <a:lvl2pPr lvl="1" algn="ctr" rtl="0">
               <a:lnSpc>
                 <a:spcPct val="100000"/>
               </a:lnSpc>
@@ -5164,7 +5313,7 @@
               <a:buNone/>
               <a:defRPr sz="2100"/>
             </a:lvl2pPr>
-            <a:lvl3pPr lvl="2" rtl="0" algn="ctr">
+            <a:lvl3pPr lvl="2" algn="ctr" rtl="0">
               <a:lnSpc>
                 <a:spcPct val="100000"/>
               </a:lnSpc>
@@ -5178,7 +5327,7 @@
               <a:buNone/>
               <a:defRPr sz="2100"/>
             </a:lvl3pPr>
-            <a:lvl4pPr lvl="3" rtl="0" algn="ctr">
+            <a:lvl4pPr lvl="3" algn="ctr" rtl="0">
               <a:lnSpc>
                 <a:spcPct val="100000"/>
               </a:lnSpc>
@@ -5192,7 +5341,7 @@
               <a:buNone/>
               <a:defRPr sz="2100"/>
             </a:lvl4pPr>
-            <a:lvl5pPr lvl="4" rtl="0" algn="ctr">
+            <a:lvl5pPr lvl="4" algn="ctr" rtl="0">
               <a:lnSpc>
                 <a:spcPct val="100000"/>
               </a:lnSpc>
@@ -5206,7 +5355,7 @@
               <a:buNone/>
               <a:defRPr sz="2100"/>
             </a:lvl5pPr>
-            <a:lvl6pPr lvl="5" rtl="0" algn="ctr">
+            <a:lvl6pPr lvl="5" algn="ctr" rtl="0">
               <a:lnSpc>
                 <a:spcPct val="100000"/>
               </a:lnSpc>
@@ -5220,7 +5369,7 @@
               <a:buNone/>
               <a:defRPr sz="2100"/>
             </a:lvl6pPr>
-            <a:lvl7pPr lvl="6" rtl="0" algn="ctr">
+            <a:lvl7pPr lvl="6" algn="ctr" rtl="0">
               <a:lnSpc>
                 <a:spcPct val="100000"/>
               </a:lnSpc>
@@ -5234,7 +5383,7 @@
               <a:buNone/>
               <a:defRPr sz="2100"/>
             </a:lvl7pPr>
-            <a:lvl8pPr lvl="7" rtl="0" algn="ctr">
+            <a:lvl8pPr lvl="7" algn="ctr" rtl="0">
               <a:lnSpc>
                 <a:spcPct val="100000"/>
               </a:lnSpc>
@@ -5248,7 +5397,7 @@
               <a:buNone/>
               <a:defRPr sz="2100"/>
             </a:lvl8pPr>
-            <a:lvl9pPr lvl="8" rtl="0" algn="ctr">
+            <a:lvl9pPr lvl="8" algn="ctr" rtl="0">
               <a:lnSpc>
                 <a:spcPct val="100000"/>
               </a:lnSpc>
@@ -5263,15 +5412,19 @@
               <a:defRPr sz="2100"/>
             </a:lvl9pPr>
           </a:lstStyle>
-          <a:p/>
+          <a:p>
+            <a:endParaRPr/>
+          </a:p>
         </p:txBody>
       </p:sp>
       <p:sp>
         <p:nvSpPr>
           <p:cNvPr id="88" name="Shape 88"/>
-          <p:cNvSpPr txBox="1"/>
+          <p:cNvSpPr txBox="1">
+            <a:spLocks noGrp="1"/>
+          </p:cNvSpPr>
           <p:nvPr>
-            <p:ph idx="2" type="body"/>
+            <p:ph type="body" idx="2"/>
           </p:nvPr>
         </p:nvSpPr>
         <p:spPr>
@@ -5284,9 +5437,9 @@
           </a:prstGeom>
         </p:spPr>
         <p:txBody>
-          <a:bodyPr anchorCtr="0" anchor="ctr" bIns="91425" lIns="91425" spcFirstLastPara="1" rIns="91425" wrap="square" tIns="91425"/>
+          <a:bodyPr spcFirstLastPara="1" wrap="square" lIns="91425" tIns="91425" rIns="91425" bIns="91425" anchor="ctr" anchorCtr="0"/>
           <a:lstStyle>
-            <a:lvl1pPr indent="-342900" lvl="0" marL="457200" rtl="0">
+            <a:lvl1pPr marL="457200" lvl="0" indent="-342900" rtl="0">
               <a:spcBef>
                 <a:spcPts val="0"/>
               </a:spcBef>
@@ -5304,7 +5457,7 @@
                 </a:solidFill>
               </a:defRPr>
             </a:lvl1pPr>
-            <a:lvl2pPr indent="-317500" lvl="1" marL="914400" rtl="0">
+            <a:lvl2pPr marL="914400" lvl="1" indent="-317500" rtl="0">
               <a:spcBef>
                 <a:spcPts val="1600"/>
               </a:spcBef>
@@ -5322,7 +5475,7 @@
                 </a:solidFill>
               </a:defRPr>
             </a:lvl2pPr>
-            <a:lvl3pPr indent="-317500" lvl="2" marL="1371600" rtl="0">
+            <a:lvl3pPr marL="1371600" lvl="2" indent="-317500" rtl="0">
               <a:spcBef>
                 <a:spcPts val="1600"/>
               </a:spcBef>
@@ -5340,7 +5493,7 @@
                 </a:solidFill>
               </a:defRPr>
             </a:lvl3pPr>
-            <a:lvl4pPr indent="-317500" lvl="3" marL="1828800" rtl="0">
+            <a:lvl4pPr marL="1828800" lvl="3" indent="-317500" rtl="0">
               <a:spcBef>
                 <a:spcPts val="1600"/>
               </a:spcBef>
@@ -5358,7 +5511,7 @@
                 </a:solidFill>
               </a:defRPr>
             </a:lvl4pPr>
-            <a:lvl5pPr indent="-317500" lvl="4" marL="2286000" rtl="0">
+            <a:lvl5pPr marL="2286000" lvl="4" indent="-317500" rtl="0">
               <a:spcBef>
                 <a:spcPts val="1600"/>
               </a:spcBef>
@@ -5376,7 +5529,7 @@
                 </a:solidFill>
               </a:defRPr>
             </a:lvl5pPr>
-            <a:lvl6pPr indent="-317500" lvl="5" marL="2743200" rtl="0">
+            <a:lvl6pPr marL="2743200" lvl="5" indent="-317500" rtl="0">
               <a:spcBef>
                 <a:spcPts val="1600"/>
               </a:spcBef>
@@ -5394,7 +5547,7 @@
                 </a:solidFill>
               </a:defRPr>
             </a:lvl6pPr>
-            <a:lvl7pPr indent="-317500" lvl="6" marL="3200400" rtl="0">
+            <a:lvl7pPr marL="3200400" lvl="6" indent="-317500" rtl="0">
               <a:spcBef>
                 <a:spcPts val="1600"/>
               </a:spcBef>
@@ -5412,7 +5565,7 @@
                 </a:solidFill>
               </a:defRPr>
             </a:lvl7pPr>
-            <a:lvl8pPr indent="-317500" lvl="7" marL="3657600" rtl="0">
+            <a:lvl8pPr marL="3657600" lvl="7" indent="-317500" rtl="0">
               <a:spcBef>
                 <a:spcPts val="1600"/>
               </a:spcBef>
@@ -5430,7 +5583,7 @@
                 </a:solidFill>
               </a:defRPr>
             </a:lvl8pPr>
-            <a:lvl9pPr indent="-317500" lvl="8" marL="4114800" rtl="0">
+            <a:lvl9pPr marL="4114800" lvl="8" indent="-317500" rtl="0">
               <a:spcBef>
                 <a:spcPts val="1600"/>
               </a:spcBef>
@@ -5449,15 +5602,19 @@
               </a:defRPr>
             </a:lvl9pPr>
           </a:lstStyle>
-          <a:p/>
+          <a:p>
+            <a:endParaRPr/>
+          </a:p>
         </p:txBody>
       </p:sp>
       <p:sp>
         <p:nvSpPr>
           <p:cNvPr id="89" name="Shape 89"/>
-          <p:cNvSpPr txBox="1"/>
+          <p:cNvSpPr txBox="1">
+            <a:spLocks noGrp="1"/>
+          </p:cNvSpPr>
           <p:nvPr>
-            <p:ph idx="12" type="sldNum"/>
+            <p:ph type="sldNum" idx="12"/>
           </p:nvPr>
         </p:nvSpPr>
         <p:spPr>
@@ -5470,7 +5627,7 @@
           </a:prstGeom>
         </p:spPr>
         <p:txBody>
-          <a:bodyPr anchorCtr="0" anchor="ctr" bIns="91425" lIns="91425" spcFirstLastPara="1" rIns="91425" wrap="square" tIns="91425">
+          <a:bodyPr spcFirstLastPara="1" wrap="square" lIns="91425" tIns="91425" rIns="91425" bIns="91425" anchor="ctr" anchorCtr="0">
             <a:noAutofit/>
           </a:bodyPr>
           <a:lstStyle>
@@ -5548,7 +5705,7 @@
             </a:lvl9pPr>
           </a:lstStyle>
           <a:p>
-            <a:pPr indent="0" lvl="0" marL="0">
+            <a:pPr marL="0" lvl="0" indent="0">
               <a:spcBef>
                 <a:spcPts val="0"/>
               </a:spcBef>
@@ -5559,7 +5716,7 @@
             </a:pPr>
             <a:fld id="{00000000-1234-1234-1234-123412341234}" type="slidenum">
               <a:rPr lang="pt-BR"/>
-              <a:t>‹#›</a:t>
+              <a:t>‹nº›</a:t>
             </a:fld>
             <a:endParaRPr/>
           </a:p>
@@ -5574,11 +5731,11 @@
 </file>
 
 <file path=ppt/slideLayouts/slideLayout2.xml><?xml version="1.0" encoding="utf-8"?>
-<p:sldLayout xmlns:a="http://schemas.openxmlformats.org/drawingml/2006/main" xmlns:r="http://schemas.openxmlformats.org/officeDocument/2006/relationships" xmlns:mc="http://schemas.openxmlformats.org/markup-compatibility/2006" xmlns:mv="urn:schemas-microsoft-com:mac:vml" xmlns:p="http://schemas.openxmlformats.org/presentationml/2006/main" xmlns:c="http://schemas.openxmlformats.org/drawingml/2006/chart" xmlns:dgm="http://schemas.openxmlformats.org/drawingml/2006/diagram" xmlns:o="urn:schemas-microsoft-com:office:office" xmlns:v="urn:schemas-microsoft-com:vml" xmlns:pvml="urn:schemas-microsoft-com:office:powerpoint" xmlns:com="http://schemas.openxmlformats.org/drawingml/2006/compatibility" xmlns:p14="http://schemas.microsoft.com/office/powerpoint/2010/main" xmlns:p15="http://schemas.microsoft.com/office/powerpoint/2012/main" matchingName="Section header" type="secHead">
+<p:sldLayout xmlns:a="http://schemas.openxmlformats.org/drawingml/2006/main" xmlns:r="http://schemas.openxmlformats.org/officeDocument/2006/relationships" xmlns:p="http://schemas.openxmlformats.org/presentationml/2006/main" matchingName="Section header" type="secHead">
   <p:cSld name="SECTION_HEADER">
     <p:spTree>
       <p:nvGrpSpPr>
-        <p:cNvPr id="13" name="Shape 13"/>
+        <p:cNvPr id="1" name="Shape 13"/>
         <p:cNvGrpSpPr/>
         <p:nvPr/>
       </p:nvGrpSpPr>
@@ -5593,7 +5750,9 @@
       <p:sp>
         <p:nvSpPr>
           <p:cNvPr id="14" name="Shape 14"/>
-          <p:cNvSpPr txBox="1"/>
+          <p:cNvSpPr txBox="1">
+            <a:spLocks noGrp="1"/>
+          </p:cNvSpPr>
           <p:nvPr>
             <p:ph type="title"/>
           </p:nvPr>
@@ -5608,9 +5767,9 @@
           </a:prstGeom>
         </p:spPr>
         <p:txBody>
-          <a:bodyPr anchorCtr="0" anchor="ctr" bIns="91425" lIns="91425" spcFirstLastPara="1" rIns="91425" wrap="square" tIns="91425"/>
+          <a:bodyPr spcFirstLastPara="1" wrap="square" lIns="91425" tIns="91425" rIns="91425" bIns="91425" anchor="ctr" anchorCtr="0"/>
           <a:lstStyle>
-            <a:lvl1pPr lvl="0" rtl="0" algn="ctr">
+            <a:lvl1pPr lvl="0" algn="ctr" rtl="0">
               <a:spcBef>
                 <a:spcPts val="0"/>
               </a:spcBef>
@@ -5621,7 +5780,7 @@
               <a:buNone/>
               <a:defRPr sz="3600"/>
             </a:lvl1pPr>
-            <a:lvl2pPr lvl="1" rtl="0" algn="ctr">
+            <a:lvl2pPr lvl="1" algn="ctr" rtl="0">
               <a:spcBef>
                 <a:spcPts val="0"/>
               </a:spcBef>
@@ -5632,7 +5791,7 @@
               <a:buNone/>
               <a:defRPr sz="3600"/>
             </a:lvl2pPr>
-            <a:lvl3pPr lvl="2" rtl="0" algn="ctr">
+            <a:lvl3pPr lvl="2" algn="ctr" rtl="0">
               <a:spcBef>
                 <a:spcPts val="0"/>
               </a:spcBef>
@@ -5643,7 +5802,7 @@
               <a:buNone/>
               <a:defRPr sz="3600"/>
             </a:lvl3pPr>
-            <a:lvl4pPr lvl="3" rtl="0" algn="ctr">
+            <a:lvl4pPr lvl="3" algn="ctr" rtl="0">
               <a:spcBef>
                 <a:spcPts val="0"/>
               </a:spcBef>
@@ -5654,7 +5813,7 @@
               <a:buNone/>
               <a:defRPr sz="3600"/>
             </a:lvl4pPr>
-            <a:lvl5pPr lvl="4" rtl="0" algn="ctr">
+            <a:lvl5pPr lvl="4" algn="ctr" rtl="0">
               <a:spcBef>
                 <a:spcPts val="0"/>
               </a:spcBef>
@@ -5665,7 +5824,7 @@
               <a:buNone/>
               <a:defRPr sz="3600"/>
             </a:lvl5pPr>
-            <a:lvl6pPr lvl="5" rtl="0" algn="ctr">
+            <a:lvl6pPr lvl="5" algn="ctr" rtl="0">
               <a:spcBef>
                 <a:spcPts val="0"/>
               </a:spcBef>
@@ -5676,7 +5835,7 @@
               <a:buNone/>
               <a:defRPr sz="3600"/>
             </a:lvl6pPr>
-            <a:lvl7pPr lvl="6" rtl="0" algn="ctr">
+            <a:lvl7pPr lvl="6" algn="ctr" rtl="0">
               <a:spcBef>
                 <a:spcPts val="0"/>
               </a:spcBef>
@@ -5687,7 +5846,7 @@
               <a:buNone/>
               <a:defRPr sz="3600"/>
             </a:lvl7pPr>
-            <a:lvl8pPr lvl="7" rtl="0" algn="ctr">
+            <a:lvl8pPr lvl="7" algn="ctr" rtl="0">
               <a:spcBef>
                 <a:spcPts val="0"/>
               </a:spcBef>
@@ -5698,7 +5857,7 @@
               <a:buNone/>
               <a:defRPr sz="3600"/>
             </a:lvl8pPr>
-            <a:lvl9pPr lvl="8" rtl="0" algn="ctr">
+            <a:lvl9pPr lvl="8" algn="ctr" rtl="0">
               <a:spcBef>
                 <a:spcPts val="0"/>
               </a:spcBef>
@@ -5710,15 +5869,19 @@
               <a:defRPr sz="3600"/>
             </a:lvl9pPr>
           </a:lstStyle>
-          <a:p/>
+          <a:p>
+            <a:endParaRPr/>
+          </a:p>
         </p:txBody>
       </p:sp>
       <p:sp>
         <p:nvSpPr>
           <p:cNvPr id="15" name="Shape 15"/>
-          <p:cNvSpPr txBox="1"/>
+          <p:cNvSpPr txBox="1">
+            <a:spLocks noGrp="1"/>
+          </p:cNvSpPr>
           <p:nvPr>
-            <p:ph idx="12" type="sldNum"/>
+            <p:ph type="sldNum" idx="12"/>
           </p:nvPr>
         </p:nvSpPr>
         <p:spPr>
@@ -5731,7 +5894,7 @@
           </a:prstGeom>
         </p:spPr>
         <p:txBody>
-          <a:bodyPr anchorCtr="0" anchor="ctr" bIns="91425" lIns="91425" spcFirstLastPara="1" rIns="91425" wrap="square" tIns="91425">
+          <a:bodyPr spcFirstLastPara="1" wrap="square" lIns="91425" tIns="91425" rIns="91425" bIns="91425" anchor="ctr" anchorCtr="0">
             <a:noAutofit/>
           </a:bodyPr>
           <a:lstStyle>
@@ -5773,7 +5936,7 @@
             </a:lvl9pPr>
           </a:lstStyle>
           <a:p>
-            <a:pPr indent="0" lvl="0" marL="0">
+            <a:pPr marL="0" lvl="0" indent="0">
               <a:spcBef>
                 <a:spcPts val="0"/>
               </a:spcBef>
@@ -5784,7 +5947,7 @@
             </a:pPr>
             <a:fld id="{00000000-1234-1234-1234-123412341234}" type="slidenum">
               <a:rPr lang="pt-BR"/>
-              <a:t>‹#›</a:t>
+              <a:t>‹nº›</a:t>
             </a:fld>
             <a:endParaRPr/>
           </a:p>
@@ -5799,11 +5962,11 @@
 </file>
 
 <file path=ppt/slideLayouts/slideLayout20.xml><?xml version="1.0" encoding="utf-8"?>
-<p:sldLayout xmlns:a="http://schemas.openxmlformats.org/drawingml/2006/main" xmlns:r="http://schemas.openxmlformats.org/officeDocument/2006/relationships" xmlns:mc="http://schemas.openxmlformats.org/markup-compatibility/2006" xmlns:mv="urn:schemas-microsoft-com:mac:vml" xmlns:p="http://schemas.openxmlformats.org/presentationml/2006/main" xmlns:c="http://schemas.openxmlformats.org/drawingml/2006/chart" xmlns:dgm="http://schemas.openxmlformats.org/drawingml/2006/diagram" xmlns:o="urn:schemas-microsoft-com:office:office" xmlns:v="urn:schemas-microsoft-com:vml" xmlns:pvml="urn:schemas-microsoft-com:office:powerpoint" xmlns:com="http://schemas.openxmlformats.org/drawingml/2006/compatibility" xmlns:p14="http://schemas.microsoft.com/office/powerpoint/2010/main" xmlns:p15="http://schemas.microsoft.com/office/powerpoint/2012/main" matchingName="Caption">
+<p:sldLayout xmlns:a="http://schemas.openxmlformats.org/drawingml/2006/main" xmlns:r="http://schemas.openxmlformats.org/officeDocument/2006/relationships" xmlns:p="http://schemas.openxmlformats.org/presentationml/2006/main" matchingName="Caption">
   <p:cSld name="CAPTION_ONLY">
     <p:spTree>
       <p:nvGrpSpPr>
-        <p:cNvPr id="90" name="Shape 90"/>
+        <p:cNvPr id="1" name="Shape 90"/>
         <p:cNvGrpSpPr/>
         <p:nvPr/>
       </p:nvGrpSpPr>
@@ -5818,9 +5981,11 @@
       <p:sp>
         <p:nvSpPr>
           <p:cNvPr id="91" name="Shape 91"/>
-          <p:cNvSpPr txBox="1"/>
+          <p:cNvSpPr txBox="1">
+            <a:spLocks noGrp="1"/>
+          </p:cNvSpPr>
           <p:nvPr>
-            <p:ph idx="1" type="body"/>
+            <p:ph type="body" idx="1"/>
           </p:nvPr>
         </p:nvSpPr>
         <p:spPr>
@@ -5833,9 +5998,9 @@
           </a:prstGeom>
         </p:spPr>
         <p:txBody>
-          <a:bodyPr anchorCtr="0" anchor="ctr" bIns="91425" lIns="91425" spcFirstLastPara="1" rIns="91425" wrap="square" tIns="91425"/>
+          <a:bodyPr spcFirstLastPara="1" wrap="square" lIns="91425" tIns="91425" rIns="91425" bIns="91425" anchor="ctr" anchorCtr="0"/>
           <a:lstStyle>
-            <a:lvl1pPr indent="-228600" lvl="0" marL="457200" rtl="0">
+            <a:lvl1pPr marL="457200" lvl="0" indent="-228600" rtl="0">
               <a:lnSpc>
                 <a:spcPct val="100000"/>
               </a:lnSpc>
@@ -5850,15 +6015,19 @@
               <a:defRPr sz="2100"/>
             </a:lvl1pPr>
           </a:lstStyle>
-          <a:p/>
+          <a:p>
+            <a:endParaRPr/>
+          </a:p>
         </p:txBody>
       </p:sp>
       <p:sp>
         <p:nvSpPr>
           <p:cNvPr id="92" name="Shape 92"/>
-          <p:cNvSpPr txBox="1"/>
+          <p:cNvSpPr txBox="1">
+            <a:spLocks noGrp="1"/>
+          </p:cNvSpPr>
           <p:nvPr>
-            <p:ph idx="12" type="sldNum"/>
+            <p:ph type="sldNum" idx="12"/>
           </p:nvPr>
         </p:nvSpPr>
         <p:spPr>
@@ -5871,7 +6040,7 @@
           </a:prstGeom>
         </p:spPr>
         <p:txBody>
-          <a:bodyPr anchorCtr="0" anchor="ctr" bIns="91425" lIns="91425" spcFirstLastPara="1" rIns="91425" wrap="square" tIns="91425">
+          <a:bodyPr spcFirstLastPara="1" wrap="square" lIns="91425" tIns="91425" rIns="91425" bIns="91425" anchor="ctr" anchorCtr="0">
             <a:noAutofit/>
           </a:bodyPr>
           <a:lstStyle>
@@ -5913,7 +6082,7 @@
             </a:lvl9pPr>
           </a:lstStyle>
           <a:p>
-            <a:pPr indent="0" lvl="0" marL="0">
+            <a:pPr marL="0" lvl="0" indent="0">
               <a:spcBef>
                 <a:spcPts val="0"/>
               </a:spcBef>
@@ -5924,7 +6093,7 @@
             </a:pPr>
             <a:fld id="{00000000-1234-1234-1234-123412341234}" type="slidenum">
               <a:rPr lang="pt-BR"/>
-              <a:t>‹#›</a:t>
+              <a:t>‹nº›</a:t>
             </a:fld>
             <a:endParaRPr/>
           </a:p>
@@ -5939,11 +6108,11 @@
 </file>
 
 <file path=ppt/slideLayouts/slideLayout21.xml><?xml version="1.0" encoding="utf-8"?>
-<p:sldLayout xmlns:a="http://schemas.openxmlformats.org/drawingml/2006/main" xmlns:r="http://schemas.openxmlformats.org/officeDocument/2006/relationships" xmlns:mc="http://schemas.openxmlformats.org/markup-compatibility/2006" xmlns:mv="urn:schemas-microsoft-com:mac:vml" xmlns:p="http://schemas.openxmlformats.org/presentationml/2006/main" xmlns:c="http://schemas.openxmlformats.org/drawingml/2006/chart" xmlns:dgm="http://schemas.openxmlformats.org/drawingml/2006/diagram" xmlns:o="urn:schemas-microsoft-com:office:office" xmlns:v="urn:schemas-microsoft-com:vml" xmlns:pvml="urn:schemas-microsoft-com:office:powerpoint" xmlns:com="http://schemas.openxmlformats.org/drawingml/2006/compatibility" xmlns:p14="http://schemas.microsoft.com/office/powerpoint/2010/main" xmlns:p15="http://schemas.microsoft.com/office/powerpoint/2012/main" matchingName="Big number">
+<p:sldLayout xmlns:a="http://schemas.openxmlformats.org/drawingml/2006/main" xmlns:r="http://schemas.openxmlformats.org/officeDocument/2006/relationships" xmlns:p="http://schemas.openxmlformats.org/presentationml/2006/main" matchingName="Big number">
   <p:cSld name="BIG_NUMBER">
     <p:spTree>
       <p:nvGrpSpPr>
-        <p:cNvPr id="93" name="Shape 93"/>
+        <p:cNvPr id="1" name="Shape 93"/>
         <p:cNvGrpSpPr/>
         <p:nvPr/>
       </p:nvGrpSpPr>
@@ -5977,12 +6146,12 @@
           </a:ln>
         </p:spPr>
         <p:txBody>
-          <a:bodyPr anchorCtr="0" anchor="ctr" bIns="91425" lIns="91425" spcFirstLastPara="1" rIns="91425" wrap="square" tIns="91425">
+          <a:bodyPr spcFirstLastPara="1" wrap="square" lIns="91425" tIns="91425" rIns="91425" bIns="91425" anchor="ctr" anchorCtr="0">
             <a:noAutofit/>
           </a:bodyPr>
           <a:lstStyle/>
           <a:p>
-            <a:pPr indent="0" lvl="0" marL="0">
+            <a:pPr marL="0" lvl="0" indent="0">
               <a:spcBef>
                 <a:spcPts val="0"/>
               </a:spcBef>
@@ -5991,9 +6160,6 @@
               </a:spcAft>
               <a:buNone/>
             </a:pPr>
-            <a:r>
-              <a:t/>
-            </a:r>
             <a:endParaRPr/>
           </a:p>
         </p:txBody>
@@ -6001,9 +6167,11 @@
       <p:sp>
         <p:nvSpPr>
           <p:cNvPr id="95" name="Shape 95"/>
-          <p:cNvSpPr txBox="1"/>
+          <p:cNvSpPr txBox="1">
+            <a:spLocks noGrp="1"/>
+          </p:cNvSpPr>
           <p:nvPr>
-            <p:ph hasCustomPrompt="1" type="title"/>
+            <p:ph type="title" hasCustomPrompt="1"/>
           </p:nvPr>
         </p:nvSpPr>
         <p:spPr>
@@ -6016,9 +6184,9 @@
           </a:prstGeom>
         </p:spPr>
         <p:txBody>
-          <a:bodyPr anchorCtr="0" anchor="ctr" bIns="91425" lIns="91425" spcFirstLastPara="1" rIns="91425" wrap="square" tIns="91425"/>
+          <a:bodyPr spcFirstLastPara="1" wrap="square" lIns="91425" tIns="91425" rIns="91425" bIns="91425" anchor="ctr" anchorCtr="0"/>
           <a:lstStyle>
-            <a:lvl1pPr lvl="0" rtl="0" algn="ctr">
+            <a:lvl1pPr lvl="0" algn="ctr" rtl="0">
               <a:spcBef>
                 <a:spcPts val="0"/>
               </a:spcBef>
@@ -6027,9 +6195,9 @@
               </a:spcAft>
               <a:buSzPts val="14000"/>
               <a:buNone/>
-              <a:defRPr b="1" sz="14000"/>
+              <a:defRPr sz="14000" b="1"/>
             </a:lvl1pPr>
-            <a:lvl2pPr lvl="1" rtl="0" algn="ctr">
+            <a:lvl2pPr lvl="1" algn="ctr" rtl="0">
               <a:spcBef>
                 <a:spcPts val="0"/>
               </a:spcBef>
@@ -6038,9 +6206,9 @@
               </a:spcAft>
               <a:buSzPts val="14000"/>
               <a:buNone/>
-              <a:defRPr b="1" sz="14000"/>
+              <a:defRPr sz="14000" b="1"/>
             </a:lvl2pPr>
-            <a:lvl3pPr lvl="2" rtl="0" algn="ctr">
+            <a:lvl3pPr lvl="2" algn="ctr" rtl="0">
               <a:spcBef>
                 <a:spcPts val="0"/>
               </a:spcBef>
@@ -6049,9 +6217,9 @@
               </a:spcAft>
               <a:buSzPts val="14000"/>
               <a:buNone/>
-              <a:defRPr b="1" sz="14000"/>
+              <a:defRPr sz="14000" b="1"/>
             </a:lvl3pPr>
-            <a:lvl4pPr lvl="3" rtl="0" algn="ctr">
+            <a:lvl4pPr lvl="3" algn="ctr" rtl="0">
               <a:spcBef>
                 <a:spcPts val="0"/>
               </a:spcBef>
@@ -6060,9 +6228,9 @@
               </a:spcAft>
               <a:buSzPts val="14000"/>
               <a:buNone/>
-              <a:defRPr b="1" sz="14000"/>
+              <a:defRPr sz="14000" b="1"/>
             </a:lvl4pPr>
-            <a:lvl5pPr lvl="4" rtl="0" algn="ctr">
+            <a:lvl5pPr lvl="4" algn="ctr" rtl="0">
               <a:spcBef>
                 <a:spcPts val="0"/>
               </a:spcBef>
@@ -6071,9 +6239,9 @@
               </a:spcAft>
               <a:buSzPts val="14000"/>
               <a:buNone/>
-              <a:defRPr b="1" sz="14000"/>
+              <a:defRPr sz="14000" b="1"/>
             </a:lvl5pPr>
-            <a:lvl6pPr lvl="5" rtl="0" algn="ctr">
+            <a:lvl6pPr lvl="5" algn="ctr" rtl="0">
               <a:spcBef>
                 <a:spcPts val="0"/>
               </a:spcBef>
@@ -6082,9 +6250,9 @@
               </a:spcAft>
               <a:buSzPts val="14000"/>
               <a:buNone/>
-              <a:defRPr b="1" sz="14000"/>
+              <a:defRPr sz="14000" b="1"/>
             </a:lvl6pPr>
-            <a:lvl7pPr lvl="6" rtl="0" algn="ctr">
+            <a:lvl7pPr lvl="6" algn="ctr" rtl="0">
               <a:spcBef>
                 <a:spcPts val="0"/>
               </a:spcBef>
@@ -6093,9 +6261,9 @@
               </a:spcAft>
               <a:buSzPts val="14000"/>
               <a:buNone/>
-              <a:defRPr b="1" sz="14000"/>
+              <a:defRPr sz="14000" b="1"/>
             </a:lvl7pPr>
-            <a:lvl8pPr lvl="7" rtl="0" algn="ctr">
+            <a:lvl8pPr lvl="7" algn="ctr" rtl="0">
               <a:spcBef>
                 <a:spcPts val="0"/>
               </a:spcBef>
@@ -6104,9 +6272,9 @@
               </a:spcAft>
               <a:buSzPts val="14000"/>
               <a:buNone/>
-              <a:defRPr b="1" sz="14000"/>
+              <a:defRPr sz="14000" b="1"/>
             </a:lvl8pPr>
-            <a:lvl9pPr lvl="8" rtl="0" algn="ctr">
+            <a:lvl9pPr lvl="8" algn="ctr" rtl="0">
               <a:spcBef>
                 <a:spcPts val="0"/>
               </a:spcBef>
@@ -6115,7 +6283,7 @@
               </a:spcAft>
               <a:buSzPts val="14000"/>
               <a:buNone/>
-              <a:defRPr b="1" sz="14000"/>
+              <a:defRPr sz="14000" b="1"/>
             </a:lvl9pPr>
           </a:lstStyle>
           <a:p>
@@ -6128,9 +6296,11 @@
       <p:sp>
         <p:nvSpPr>
           <p:cNvPr id="96" name="Shape 96"/>
-          <p:cNvSpPr txBox="1"/>
+          <p:cNvSpPr txBox="1">
+            <a:spLocks noGrp="1"/>
+          </p:cNvSpPr>
           <p:nvPr>
-            <p:ph idx="1" type="body"/>
+            <p:ph type="body" idx="1"/>
           </p:nvPr>
         </p:nvSpPr>
         <p:spPr>
@@ -6143,9 +6313,9 @@
           </a:prstGeom>
         </p:spPr>
         <p:txBody>
-          <a:bodyPr anchorCtr="0" anchor="t" bIns="91425" lIns="91425" spcFirstLastPara="1" rIns="91425" wrap="square" tIns="91425"/>
+          <a:bodyPr spcFirstLastPara="1" wrap="square" lIns="91425" tIns="91425" rIns="91425" bIns="91425" anchor="t" anchorCtr="0"/>
           <a:lstStyle>
-            <a:lvl1pPr indent="-342900" lvl="0" marL="457200" rtl="0" algn="ctr">
+            <a:lvl1pPr marL="457200" lvl="0" indent="-342900" algn="ctr" rtl="0">
               <a:spcBef>
                 <a:spcPts val="0"/>
               </a:spcBef>
@@ -6156,7 +6326,7 @@
               <a:buChar char="●"/>
               <a:defRPr/>
             </a:lvl1pPr>
-            <a:lvl2pPr indent="-317500" lvl="1" marL="914400" rtl="0" algn="ctr">
+            <a:lvl2pPr marL="914400" lvl="1" indent="-317500" algn="ctr" rtl="0">
               <a:spcBef>
                 <a:spcPts val="1600"/>
               </a:spcBef>
@@ -6167,7 +6337,7 @@
               <a:buChar char="○"/>
               <a:defRPr/>
             </a:lvl2pPr>
-            <a:lvl3pPr indent="-317500" lvl="2" marL="1371600" rtl="0" algn="ctr">
+            <a:lvl3pPr marL="1371600" lvl="2" indent="-317500" algn="ctr" rtl="0">
               <a:spcBef>
                 <a:spcPts val="1600"/>
               </a:spcBef>
@@ -6178,7 +6348,7 @@
               <a:buChar char="■"/>
               <a:defRPr/>
             </a:lvl3pPr>
-            <a:lvl4pPr indent="-317500" lvl="3" marL="1828800" rtl="0" algn="ctr">
+            <a:lvl4pPr marL="1828800" lvl="3" indent="-317500" algn="ctr" rtl="0">
               <a:spcBef>
                 <a:spcPts val="1600"/>
               </a:spcBef>
@@ -6189,7 +6359,7 @@
               <a:buChar char="●"/>
               <a:defRPr/>
             </a:lvl4pPr>
-            <a:lvl5pPr indent="-317500" lvl="4" marL="2286000" rtl="0" algn="ctr">
+            <a:lvl5pPr marL="2286000" lvl="4" indent="-317500" algn="ctr" rtl="0">
               <a:spcBef>
                 <a:spcPts val="1600"/>
               </a:spcBef>
@@ -6200,7 +6370,7 @@
               <a:buChar char="○"/>
               <a:defRPr/>
             </a:lvl5pPr>
-            <a:lvl6pPr indent="-317500" lvl="5" marL="2743200" rtl="0" algn="ctr">
+            <a:lvl6pPr marL="2743200" lvl="5" indent="-317500" algn="ctr" rtl="0">
               <a:spcBef>
                 <a:spcPts val="1600"/>
               </a:spcBef>
@@ -6211,7 +6381,7 @@
               <a:buChar char="■"/>
               <a:defRPr/>
             </a:lvl6pPr>
-            <a:lvl7pPr indent="-317500" lvl="6" marL="3200400" rtl="0" algn="ctr">
+            <a:lvl7pPr marL="3200400" lvl="6" indent="-317500" algn="ctr" rtl="0">
               <a:spcBef>
                 <a:spcPts val="1600"/>
               </a:spcBef>
@@ -6222,7 +6392,7 @@
               <a:buChar char="●"/>
               <a:defRPr/>
             </a:lvl7pPr>
-            <a:lvl8pPr indent="-317500" lvl="7" marL="3657600" rtl="0" algn="ctr">
+            <a:lvl8pPr marL="3657600" lvl="7" indent="-317500" algn="ctr" rtl="0">
               <a:spcBef>
                 <a:spcPts val="1600"/>
               </a:spcBef>
@@ -6233,7 +6403,7 @@
               <a:buChar char="○"/>
               <a:defRPr/>
             </a:lvl8pPr>
-            <a:lvl9pPr indent="-317500" lvl="8" marL="4114800" rtl="0" algn="ctr">
+            <a:lvl9pPr marL="4114800" lvl="8" indent="-317500" algn="ctr" rtl="0">
               <a:spcBef>
                 <a:spcPts val="1600"/>
               </a:spcBef>
@@ -6245,15 +6415,19 @@
               <a:defRPr/>
             </a:lvl9pPr>
           </a:lstStyle>
-          <a:p/>
+          <a:p>
+            <a:endParaRPr/>
+          </a:p>
         </p:txBody>
       </p:sp>
       <p:sp>
         <p:nvSpPr>
           <p:cNvPr id="97" name="Shape 97"/>
-          <p:cNvSpPr txBox="1"/>
+          <p:cNvSpPr txBox="1">
+            <a:spLocks noGrp="1"/>
+          </p:cNvSpPr>
           <p:nvPr>
-            <p:ph idx="12" type="sldNum"/>
+            <p:ph type="sldNum" idx="12"/>
           </p:nvPr>
         </p:nvSpPr>
         <p:spPr>
@@ -6266,7 +6440,7 @@
           </a:prstGeom>
         </p:spPr>
         <p:txBody>
-          <a:bodyPr anchorCtr="0" anchor="ctr" bIns="91425" lIns="91425" spcFirstLastPara="1" rIns="91425" wrap="square" tIns="91425">
+          <a:bodyPr spcFirstLastPara="1" wrap="square" lIns="91425" tIns="91425" rIns="91425" bIns="91425" anchor="ctr" anchorCtr="0">
             <a:noAutofit/>
           </a:bodyPr>
           <a:lstStyle>
@@ -6308,7 +6482,7 @@
             </a:lvl9pPr>
           </a:lstStyle>
           <a:p>
-            <a:pPr indent="0" lvl="0" marL="0">
+            <a:pPr marL="0" lvl="0" indent="0">
               <a:spcBef>
                 <a:spcPts val="0"/>
               </a:spcBef>
@@ -6319,7 +6493,7 @@
             </a:pPr>
             <a:fld id="{00000000-1234-1234-1234-123412341234}" type="slidenum">
               <a:rPr lang="pt-BR"/>
-              <a:t>‹#›</a:t>
+              <a:t>‹nº›</a:t>
             </a:fld>
             <a:endParaRPr/>
           </a:p>
@@ -6334,11 +6508,11 @@
 </file>
 
 <file path=ppt/slideLayouts/slideLayout22.xml><?xml version="1.0" encoding="utf-8"?>
-<p:sldLayout xmlns:a="http://schemas.openxmlformats.org/drawingml/2006/main" xmlns:r="http://schemas.openxmlformats.org/officeDocument/2006/relationships" xmlns:mc="http://schemas.openxmlformats.org/markup-compatibility/2006" xmlns:mv="urn:schemas-microsoft-com:mac:vml" xmlns:p="http://schemas.openxmlformats.org/presentationml/2006/main" xmlns:c="http://schemas.openxmlformats.org/drawingml/2006/chart" xmlns:dgm="http://schemas.openxmlformats.org/drawingml/2006/diagram" xmlns:o="urn:schemas-microsoft-com:office:office" xmlns:v="urn:schemas-microsoft-com:vml" xmlns:pvml="urn:schemas-microsoft-com:office:powerpoint" xmlns:com="http://schemas.openxmlformats.org/drawingml/2006/compatibility" xmlns:p14="http://schemas.microsoft.com/office/powerpoint/2010/main" xmlns:p15="http://schemas.microsoft.com/office/powerpoint/2012/main" matchingName="Blank" type="blank">
+<p:sldLayout xmlns:a="http://schemas.openxmlformats.org/drawingml/2006/main" xmlns:r="http://schemas.openxmlformats.org/officeDocument/2006/relationships" xmlns:p="http://schemas.openxmlformats.org/presentationml/2006/main" matchingName="Blank" type="blank">
   <p:cSld name="BLANK">
     <p:spTree>
       <p:nvGrpSpPr>
-        <p:cNvPr id="98" name="Shape 98"/>
+        <p:cNvPr id="1" name="Shape 98"/>
         <p:cNvGrpSpPr/>
         <p:nvPr/>
       </p:nvGrpSpPr>
@@ -6353,9 +6527,11 @@
       <p:sp>
         <p:nvSpPr>
           <p:cNvPr id="99" name="Shape 99"/>
-          <p:cNvSpPr txBox="1"/>
+          <p:cNvSpPr txBox="1">
+            <a:spLocks noGrp="1"/>
+          </p:cNvSpPr>
           <p:nvPr>
-            <p:ph idx="12" type="sldNum"/>
+            <p:ph type="sldNum" idx="12"/>
           </p:nvPr>
         </p:nvSpPr>
         <p:spPr>
@@ -6368,7 +6544,7 @@
           </a:prstGeom>
         </p:spPr>
         <p:txBody>
-          <a:bodyPr anchorCtr="0" anchor="ctr" bIns="91425" lIns="91425" spcFirstLastPara="1" rIns="91425" wrap="square" tIns="91425">
+          <a:bodyPr spcFirstLastPara="1" wrap="square" lIns="91425" tIns="91425" rIns="91425" bIns="91425" anchor="ctr" anchorCtr="0">
             <a:noAutofit/>
           </a:bodyPr>
           <a:lstStyle>
@@ -6410,7 +6586,7 @@
             </a:lvl9pPr>
           </a:lstStyle>
           <a:p>
-            <a:pPr indent="0" lvl="0" marL="0">
+            <a:pPr marL="0" lvl="0" indent="0">
               <a:spcBef>
                 <a:spcPts val="0"/>
               </a:spcBef>
@@ -6421,7 +6597,7 @@
             </a:pPr>
             <a:fld id="{00000000-1234-1234-1234-123412341234}" type="slidenum">
               <a:rPr lang="pt-BR"/>
-              <a:t>‹#›</a:t>
+              <a:t>‹nº›</a:t>
             </a:fld>
             <a:endParaRPr/>
           </a:p>
@@ -6436,11 +6612,11 @@
 </file>
 
 <file path=ppt/slideLayouts/slideLayout3.xml><?xml version="1.0" encoding="utf-8"?>
-<p:sldLayout xmlns:a="http://schemas.openxmlformats.org/drawingml/2006/main" xmlns:r="http://schemas.openxmlformats.org/officeDocument/2006/relationships" xmlns:mc="http://schemas.openxmlformats.org/markup-compatibility/2006" xmlns:mv="urn:schemas-microsoft-com:mac:vml" xmlns:p="http://schemas.openxmlformats.org/presentationml/2006/main" xmlns:c="http://schemas.openxmlformats.org/drawingml/2006/chart" xmlns:dgm="http://schemas.openxmlformats.org/drawingml/2006/diagram" xmlns:o="urn:schemas-microsoft-com:office:office" xmlns:v="urn:schemas-microsoft-com:vml" xmlns:pvml="urn:schemas-microsoft-com:office:powerpoint" xmlns:com="http://schemas.openxmlformats.org/drawingml/2006/compatibility" xmlns:p14="http://schemas.microsoft.com/office/powerpoint/2010/main" xmlns:p15="http://schemas.microsoft.com/office/powerpoint/2012/main" matchingName="Title and body" type="tx">
+<p:sldLayout xmlns:a="http://schemas.openxmlformats.org/drawingml/2006/main" xmlns:r="http://schemas.openxmlformats.org/officeDocument/2006/relationships" xmlns:p="http://schemas.openxmlformats.org/presentationml/2006/main" matchingName="Title and body" type="tx">
   <p:cSld name="TITLE_AND_BODY">
     <p:spTree>
       <p:nvGrpSpPr>
-        <p:cNvPr id="16" name="Shape 16"/>
+        <p:cNvPr id="1" name="Shape 16"/>
         <p:cNvGrpSpPr/>
         <p:nvPr/>
       </p:nvGrpSpPr>
@@ -6455,7 +6631,9 @@
       <p:sp>
         <p:nvSpPr>
           <p:cNvPr id="17" name="Shape 17"/>
-          <p:cNvSpPr txBox="1"/>
+          <p:cNvSpPr txBox="1">
+            <a:spLocks noGrp="1"/>
+          </p:cNvSpPr>
           <p:nvPr>
             <p:ph type="title"/>
           </p:nvPr>
@@ -6470,7 +6648,7 @@
           </a:prstGeom>
         </p:spPr>
         <p:txBody>
-          <a:bodyPr anchorCtr="0" anchor="t" bIns="91425" lIns="91425" spcFirstLastPara="1" rIns="91425" wrap="square" tIns="91425"/>
+          <a:bodyPr spcFirstLastPara="1" wrap="square" lIns="91425" tIns="91425" rIns="91425" bIns="91425" anchor="t" anchorCtr="0"/>
           <a:lstStyle>
             <a:lvl1pPr lvl="0" rtl="0">
               <a:spcBef>
@@ -6572,15 +6750,19 @@
               <a:defRPr/>
             </a:lvl9pPr>
           </a:lstStyle>
-          <a:p/>
+          <a:p>
+            <a:endParaRPr/>
+          </a:p>
         </p:txBody>
       </p:sp>
       <p:sp>
         <p:nvSpPr>
           <p:cNvPr id="18" name="Shape 18"/>
-          <p:cNvSpPr txBox="1"/>
+          <p:cNvSpPr txBox="1">
+            <a:spLocks noGrp="1"/>
+          </p:cNvSpPr>
           <p:nvPr>
-            <p:ph idx="1" type="body"/>
+            <p:ph type="body" idx="1"/>
           </p:nvPr>
         </p:nvSpPr>
         <p:spPr>
@@ -6593,9 +6775,9 @@
           </a:prstGeom>
         </p:spPr>
         <p:txBody>
-          <a:bodyPr anchorCtr="0" anchor="t" bIns="91425" lIns="91425" spcFirstLastPara="1" rIns="91425" wrap="square" tIns="91425"/>
+          <a:bodyPr spcFirstLastPara="1" wrap="square" lIns="91425" tIns="91425" rIns="91425" bIns="91425" anchor="t" anchorCtr="0"/>
           <a:lstStyle>
-            <a:lvl1pPr indent="-342900" lvl="0" marL="457200" rtl="0">
+            <a:lvl1pPr marL="457200" lvl="0" indent="-342900" rtl="0">
               <a:spcBef>
                 <a:spcPts val="0"/>
               </a:spcBef>
@@ -6606,7 +6788,7 @@
               <a:buChar char="●"/>
               <a:defRPr/>
             </a:lvl1pPr>
-            <a:lvl2pPr indent="-317500" lvl="1" marL="914400" rtl="0">
+            <a:lvl2pPr marL="914400" lvl="1" indent="-317500" rtl="0">
               <a:spcBef>
                 <a:spcPts val="1600"/>
               </a:spcBef>
@@ -6617,7 +6799,7 @@
               <a:buChar char="○"/>
               <a:defRPr/>
             </a:lvl2pPr>
-            <a:lvl3pPr indent="-317500" lvl="2" marL="1371600" rtl="0">
+            <a:lvl3pPr marL="1371600" lvl="2" indent="-317500" rtl="0">
               <a:spcBef>
                 <a:spcPts val="1600"/>
               </a:spcBef>
@@ -6628,7 +6810,7 @@
               <a:buChar char="■"/>
               <a:defRPr/>
             </a:lvl3pPr>
-            <a:lvl4pPr indent="-317500" lvl="3" marL="1828800" rtl="0">
+            <a:lvl4pPr marL="1828800" lvl="3" indent="-317500" rtl="0">
               <a:spcBef>
                 <a:spcPts val="1600"/>
               </a:spcBef>
@@ -6639,7 +6821,7 @@
               <a:buChar char="●"/>
               <a:defRPr/>
             </a:lvl4pPr>
-            <a:lvl5pPr indent="-317500" lvl="4" marL="2286000" rtl="0">
+            <a:lvl5pPr marL="2286000" lvl="4" indent="-317500" rtl="0">
               <a:spcBef>
                 <a:spcPts val="1600"/>
               </a:spcBef>
@@ -6650,7 +6832,7 @@
               <a:buChar char="○"/>
               <a:defRPr/>
             </a:lvl5pPr>
-            <a:lvl6pPr indent="-317500" lvl="5" marL="2743200" rtl="0">
+            <a:lvl6pPr marL="2743200" lvl="5" indent="-317500" rtl="0">
               <a:spcBef>
                 <a:spcPts val="1600"/>
               </a:spcBef>
@@ -6661,7 +6843,7 @@
               <a:buChar char="■"/>
               <a:defRPr/>
             </a:lvl6pPr>
-            <a:lvl7pPr indent="-317500" lvl="6" marL="3200400" rtl="0">
+            <a:lvl7pPr marL="3200400" lvl="6" indent="-317500" rtl="0">
               <a:spcBef>
                 <a:spcPts val="1600"/>
               </a:spcBef>
@@ -6672,7 +6854,7 @@
               <a:buChar char="●"/>
               <a:defRPr/>
             </a:lvl7pPr>
-            <a:lvl8pPr indent="-317500" lvl="7" marL="3657600" rtl="0">
+            <a:lvl8pPr marL="3657600" lvl="7" indent="-317500" rtl="0">
               <a:spcBef>
                 <a:spcPts val="1600"/>
               </a:spcBef>
@@ -6683,7 +6865,7 @@
               <a:buChar char="○"/>
               <a:defRPr/>
             </a:lvl8pPr>
-            <a:lvl9pPr indent="-317500" lvl="8" marL="4114800" rtl="0">
+            <a:lvl9pPr marL="4114800" lvl="8" indent="-317500" rtl="0">
               <a:spcBef>
                 <a:spcPts val="1600"/>
               </a:spcBef>
@@ -6695,15 +6877,19 @@
               <a:defRPr/>
             </a:lvl9pPr>
           </a:lstStyle>
-          <a:p/>
+          <a:p>
+            <a:endParaRPr/>
+          </a:p>
         </p:txBody>
       </p:sp>
       <p:sp>
         <p:nvSpPr>
           <p:cNvPr id="19" name="Shape 19"/>
-          <p:cNvSpPr txBox="1"/>
+          <p:cNvSpPr txBox="1">
+            <a:spLocks noGrp="1"/>
+          </p:cNvSpPr>
           <p:nvPr>
-            <p:ph idx="12" type="sldNum"/>
+            <p:ph type="sldNum" idx="12"/>
           </p:nvPr>
         </p:nvSpPr>
         <p:spPr>
@@ -6716,7 +6902,7 @@
           </a:prstGeom>
         </p:spPr>
         <p:txBody>
-          <a:bodyPr anchorCtr="0" anchor="ctr" bIns="91425" lIns="91425" spcFirstLastPara="1" rIns="91425" wrap="square" tIns="91425">
+          <a:bodyPr spcFirstLastPara="1" wrap="square" lIns="91425" tIns="91425" rIns="91425" bIns="91425" anchor="ctr" anchorCtr="0">
             <a:noAutofit/>
           </a:bodyPr>
           <a:lstStyle>
@@ -6758,7 +6944,7 @@
             </a:lvl9pPr>
           </a:lstStyle>
           <a:p>
-            <a:pPr indent="0" lvl="0" marL="0">
+            <a:pPr marL="0" lvl="0" indent="0">
               <a:spcBef>
                 <a:spcPts val="0"/>
               </a:spcBef>
@@ -6769,7 +6955,7 @@
             </a:pPr>
             <a:fld id="{00000000-1234-1234-1234-123412341234}" type="slidenum">
               <a:rPr lang="pt-BR"/>
-              <a:t>‹#›</a:t>
+              <a:t>‹nº›</a:t>
             </a:fld>
             <a:endParaRPr/>
           </a:p>
@@ -6784,11 +6970,11 @@
 </file>
 
 <file path=ppt/slideLayouts/slideLayout4.xml><?xml version="1.0" encoding="utf-8"?>
-<p:sldLayout xmlns:a="http://schemas.openxmlformats.org/drawingml/2006/main" xmlns:r="http://schemas.openxmlformats.org/officeDocument/2006/relationships" xmlns:mc="http://schemas.openxmlformats.org/markup-compatibility/2006" xmlns:mv="urn:schemas-microsoft-com:mac:vml" xmlns:p="http://schemas.openxmlformats.org/presentationml/2006/main" xmlns:c="http://schemas.openxmlformats.org/drawingml/2006/chart" xmlns:dgm="http://schemas.openxmlformats.org/drawingml/2006/diagram" xmlns:o="urn:schemas-microsoft-com:office:office" xmlns:v="urn:schemas-microsoft-com:vml" xmlns:pvml="urn:schemas-microsoft-com:office:powerpoint" xmlns:com="http://schemas.openxmlformats.org/drawingml/2006/compatibility" xmlns:p14="http://schemas.microsoft.com/office/powerpoint/2010/main" xmlns:p15="http://schemas.microsoft.com/office/powerpoint/2012/main" matchingName="Title and two columns" type="twoColTx">
+<p:sldLayout xmlns:a="http://schemas.openxmlformats.org/drawingml/2006/main" xmlns:r="http://schemas.openxmlformats.org/officeDocument/2006/relationships" xmlns:p="http://schemas.openxmlformats.org/presentationml/2006/main" matchingName="Title and two columns" type="twoColTx">
   <p:cSld name="TITLE_AND_TWO_COLUMNS">
     <p:spTree>
       <p:nvGrpSpPr>
-        <p:cNvPr id="20" name="Shape 20"/>
+        <p:cNvPr id="1" name="Shape 20"/>
         <p:cNvGrpSpPr/>
         <p:nvPr/>
       </p:nvGrpSpPr>
@@ -6803,7 +6989,9 @@
       <p:sp>
         <p:nvSpPr>
           <p:cNvPr id="21" name="Shape 21"/>
-          <p:cNvSpPr txBox="1"/>
+          <p:cNvSpPr txBox="1">
+            <a:spLocks noGrp="1"/>
+          </p:cNvSpPr>
           <p:nvPr>
             <p:ph type="title"/>
           </p:nvPr>
@@ -6818,7 +7006,7 @@
           </a:prstGeom>
         </p:spPr>
         <p:txBody>
-          <a:bodyPr anchorCtr="0" anchor="t" bIns="91425" lIns="91425" spcFirstLastPara="1" rIns="91425" wrap="square" tIns="91425"/>
+          <a:bodyPr spcFirstLastPara="1" wrap="square" lIns="91425" tIns="91425" rIns="91425" bIns="91425" anchor="t" anchorCtr="0"/>
           <a:lstStyle>
             <a:lvl1pPr lvl="0" rtl="0">
               <a:spcBef>
@@ -6920,15 +7108,19 @@
               <a:defRPr/>
             </a:lvl9pPr>
           </a:lstStyle>
-          <a:p/>
+          <a:p>
+            <a:endParaRPr/>
+          </a:p>
         </p:txBody>
       </p:sp>
       <p:sp>
         <p:nvSpPr>
           <p:cNvPr id="22" name="Shape 22"/>
-          <p:cNvSpPr txBox="1"/>
+          <p:cNvSpPr txBox="1">
+            <a:spLocks noGrp="1"/>
+          </p:cNvSpPr>
           <p:nvPr>
-            <p:ph idx="1" type="body"/>
+            <p:ph type="body" idx="1"/>
           </p:nvPr>
         </p:nvSpPr>
         <p:spPr>
@@ -6941,9 +7133,9 @@
           </a:prstGeom>
         </p:spPr>
         <p:txBody>
-          <a:bodyPr anchorCtr="0" anchor="t" bIns="91425" lIns="91425" spcFirstLastPara="1" rIns="91425" wrap="square" tIns="91425"/>
+          <a:bodyPr spcFirstLastPara="1" wrap="square" lIns="91425" tIns="91425" rIns="91425" bIns="91425" anchor="t" anchorCtr="0"/>
           <a:lstStyle>
-            <a:lvl1pPr indent="-317500" lvl="0" marL="457200" rtl="0">
+            <a:lvl1pPr marL="457200" lvl="0" indent="-317500" rtl="0">
               <a:spcBef>
                 <a:spcPts val="0"/>
               </a:spcBef>
@@ -6954,7 +7146,7 @@
               <a:buChar char="●"/>
               <a:defRPr sz="1400"/>
             </a:lvl1pPr>
-            <a:lvl2pPr indent="-304800" lvl="1" marL="914400" rtl="0">
+            <a:lvl2pPr marL="914400" lvl="1" indent="-304800" rtl="0">
               <a:spcBef>
                 <a:spcPts val="1600"/>
               </a:spcBef>
@@ -6965,7 +7157,7 @@
               <a:buChar char="○"/>
               <a:defRPr sz="1200"/>
             </a:lvl2pPr>
-            <a:lvl3pPr indent="-304800" lvl="2" marL="1371600" rtl="0">
+            <a:lvl3pPr marL="1371600" lvl="2" indent="-304800" rtl="0">
               <a:spcBef>
                 <a:spcPts val="1600"/>
               </a:spcBef>
@@ -6976,7 +7168,7 @@
               <a:buChar char="■"/>
               <a:defRPr sz="1200"/>
             </a:lvl3pPr>
-            <a:lvl4pPr indent="-304800" lvl="3" marL="1828800" rtl="0">
+            <a:lvl4pPr marL="1828800" lvl="3" indent="-304800" rtl="0">
               <a:spcBef>
                 <a:spcPts val="1600"/>
               </a:spcBef>
@@ -6987,7 +7179,7 @@
               <a:buChar char="●"/>
               <a:defRPr sz="1200"/>
             </a:lvl4pPr>
-            <a:lvl5pPr indent="-304800" lvl="4" marL="2286000" rtl="0">
+            <a:lvl5pPr marL="2286000" lvl="4" indent="-304800" rtl="0">
               <a:spcBef>
                 <a:spcPts val="1600"/>
               </a:spcBef>
@@ -6998,7 +7190,7 @@
               <a:buChar char="○"/>
               <a:defRPr sz="1200"/>
             </a:lvl5pPr>
-            <a:lvl6pPr indent="-304800" lvl="5" marL="2743200" rtl="0">
+            <a:lvl6pPr marL="2743200" lvl="5" indent="-304800" rtl="0">
               <a:spcBef>
                 <a:spcPts val="1600"/>
               </a:spcBef>
@@ -7009,7 +7201,7 @@
               <a:buChar char="■"/>
               <a:defRPr sz="1200"/>
             </a:lvl6pPr>
-            <a:lvl7pPr indent="-304800" lvl="6" marL="3200400" rtl="0">
+            <a:lvl7pPr marL="3200400" lvl="6" indent="-304800" rtl="0">
               <a:spcBef>
                 <a:spcPts val="1600"/>
               </a:spcBef>
@@ -7020,7 +7212,7 @@
               <a:buChar char="●"/>
               <a:defRPr sz="1200"/>
             </a:lvl7pPr>
-            <a:lvl8pPr indent="-304800" lvl="7" marL="3657600" rtl="0">
+            <a:lvl8pPr marL="3657600" lvl="7" indent="-304800" rtl="0">
               <a:spcBef>
                 <a:spcPts val="1600"/>
               </a:spcBef>
@@ -7031,7 +7223,7 @@
               <a:buChar char="○"/>
               <a:defRPr sz="1200"/>
             </a:lvl8pPr>
-            <a:lvl9pPr indent="-304800" lvl="8" marL="4114800" rtl="0">
+            <a:lvl9pPr marL="4114800" lvl="8" indent="-304800" rtl="0">
               <a:spcBef>
                 <a:spcPts val="1600"/>
               </a:spcBef>
@@ -7043,15 +7235,19 @@
               <a:defRPr sz="1200"/>
             </a:lvl9pPr>
           </a:lstStyle>
-          <a:p/>
+          <a:p>
+            <a:endParaRPr/>
+          </a:p>
         </p:txBody>
       </p:sp>
       <p:sp>
         <p:nvSpPr>
           <p:cNvPr id="23" name="Shape 23"/>
-          <p:cNvSpPr txBox="1"/>
+          <p:cNvSpPr txBox="1">
+            <a:spLocks noGrp="1"/>
+          </p:cNvSpPr>
           <p:nvPr>
-            <p:ph idx="2" type="body"/>
+            <p:ph type="body" idx="2"/>
           </p:nvPr>
         </p:nvSpPr>
         <p:spPr>
@@ -7064,9 +7260,9 @@
           </a:prstGeom>
         </p:spPr>
         <p:txBody>
-          <a:bodyPr anchorCtr="0" anchor="t" bIns="91425" lIns="91425" spcFirstLastPara="1" rIns="91425" wrap="square" tIns="91425"/>
+          <a:bodyPr spcFirstLastPara="1" wrap="square" lIns="91425" tIns="91425" rIns="91425" bIns="91425" anchor="t" anchorCtr="0"/>
           <a:lstStyle>
-            <a:lvl1pPr indent="-317500" lvl="0" marL="457200" rtl="0">
+            <a:lvl1pPr marL="457200" lvl="0" indent="-317500" rtl="0">
               <a:spcBef>
                 <a:spcPts val="0"/>
               </a:spcBef>
@@ -7077,7 +7273,7 @@
               <a:buChar char="●"/>
               <a:defRPr sz="1400"/>
             </a:lvl1pPr>
-            <a:lvl2pPr indent="-304800" lvl="1" marL="914400" rtl="0">
+            <a:lvl2pPr marL="914400" lvl="1" indent="-304800" rtl="0">
               <a:spcBef>
                 <a:spcPts val="1600"/>
               </a:spcBef>
@@ -7088,7 +7284,7 @@
               <a:buChar char="○"/>
               <a:defRPr sz="1200"/>
             </a:lvl2pPr>
-            <a:lvl3pPr indent="-304800" lvl="2" marL="1371600" rtl="0">
+            <a:lvl3pPr marL="1371600" lvl="2" indent="-304800" rtl="0">
               <a:spcBef>
                 <a:spcPts val="1600"/>
               </a:spcBef>
@@ -7099,7 +7295,7 @@
               <a:buChar char="■"/>
               <a:defRPr sz="1200"/>
             </a:lvl3pPr>
-            <a:lvl4pPr indent="-304800" lvl="3" marL="1828800" rtl="0">
+            <a:lvl4pPr marL="1828800" lvl="3" indent="-304800" rtl="0">
               <a:spcBef>
                 <a:spcPts val="1600"/>
               </a:spcBef>
@@ -7110,7 +7306,7 @@
               <a:buChar char="●"/>
               <a:defRPr sz="1200"/>
             </a:lvl4pPr>
-            <a:lvl5pPr indent="-304800" lvl="4" marL="2286000" rtl="0">
+            <a:lvl5pPr marL="2286000" lvl="4" indent="-304800" rtl="0">
               <a:spcBef>
                 <a:spcPts val="1600"/>
               </a:spcBef>
@@ -7121,7 +7317,7 @@
               <a:buChar char="○"/>
               <a:defRPr sz="1200"/>
             </a:lvl5pPr>
-            <a:lvl6pPr indent="-304800" lvl="5" marL="2743200" rtl="0">
+            <a:lvl6pPr marL="2743200" lvl="5" indent="-304800" rtl="0">
               <a:spcBef>
                 <a:spcPts val="1600"/>
               </a:spcBef>
@@ -7132,7 +7328,7 @@
               <a:buChar char="■"/>
               <a:defRPr sz="1200"/>
             </a:lvl6pPr>
-            <a:lvl7pPr indent="-304800" lvl="6" marL="3200400" rtl="0">
+            <a:lvl7pPr marL="3200400" lvl="6" indent="-304800" rtl="0">
               <a:spcBef>
                 <a:spcPts val="1600"/>
               </a:spcBef>
@@ -7143,7 +7339,7 @@
               <a:buChar char="●"/>
               <a:defRPr sz="1200"/>
             </a:lvl7pPr>
-            <a:lvl8pPr indent="-304800" lvl="7" marL="3657600" rtl="0">
+            <a:lvl8pPr marL="3657600" lvl="7" indent="-304800" rtl="0">
               <a:spcBef>
                 <a:spcPts val="1600"/>
               </a:spcBef>
@@ -7154,7 +7350,7 @@
               <a:buChar char="○"/>
               <a:defRPr sz="1200"/>
             </a:lvl8pPr>
-            <a:lvl9pPr indent="-304800" lvl="8" marL="4114800" rtl="0">
+            <a:lvl9pPr marL="4114800" lvl="8" indent="-304800" rtl="0">
               <a:spcBef>
                 <a:spcPts val="1600"/>
               </a:spcBef>
@@ -7166,15 +7362,19 @@
               <a:defRPr sz="1200"/>
             </a:lvl9pPr>
           </a:lstStyle>
-          <a:p/>
+          <a:p>
+            <a:endParaRPr/>
+          </a:p>
         </p:txBody>
       </p:sp>
       <p:sp>
         <p:nvSpPr>
           <p:cNvPr id="24" name="Shape 24"/>
-          <p:cNvSpPr txBox="1"/>
+          <p:cNvSpPr txBox="1">
+            <a:spLocks noGrp="1"/>
+          </p:cNvSpPr>
           <p:nvPr>
-            <p:ph idx="12" type="sldNum"/>
+            <p:ph type="sldNum" idx="12"/>
           </p:nvPr>
         </p:nvSpPr>
         <p:spPr>
@@ -7187,7 +7387,7 @@
           </a:prstGeom>
         </p:spPr>
         <p:txBody>
-          <a:bodyPr anchorCtr="0" anchor="ctr" bIns="91425" lIns="91425" spcFirstLastPara="1" rIns="91425" wrap="square" tIns="91425">
+          <a:bodyPr spcFirstLastPara="1" wrap="square" lIns="91425" tIns="91425" rIns="91425" bIns="91425" anchor="ctr" anchorCtr="0">
             <a:noAutofit/>
           </a:bodyPr>
           <a:lstStyle>
@@ -7229,7 +7429,7 @@
             </a:lvl9pPr>
           </a:lstStyle>
           <a:p>
-            <a:pPr indent="0" lvl="0" marL="0">
+            <a:pPr marL="0" lvl="0" indent="0">
               <a:spcBef>
                 <a:spcPts val="0"/>
               </a:spcBef>
@@ -7240,7 +7440,7 @@
             </a:pPr>
             <a:fld id="{00000000-1234-1234-1234-123412341234}" type="slidenum">
               <a:rPr lang="pt-BR"/>
-              <a:t>‹#›</a:t>
+              <a:t>‹nº›</a:t>
             </a:fld>
             <a:endParaRPr/>
           </a:p>
@@ -7255,11 +7455,11 @@
 </file>
 
 <file path=ppt/slideLayouts/slideLayout5.xml><?xml version="1.0" encoding="utf-8"?>
-<p:sldLayout xmlns:a="http://schemas.openxmlformats.org/drawingml/2006/main" xmlns:r="http://schemas.openxmlformats.org/officeDocument/2006/relationships" xmlns:mc="http://schemas.openxmlformats.org/markup-compatibility/2006" xmlns:mv="urn:schemas-microsoft-com:mac:vml" xmlns:p="http://schemas.openxmlformats.org/presentationml/2006/main" xmlns:c="http://schemas.openxmlformats.org/drawingml/2006/chart" xmlns:dgm="http://schemas.openxmlformats.org/drawingml/2006/diagram" xmlns:o="urn:schemas-microsoft-com:office:office" xmlns:v="urn:schemas-microsoft-com:vml" xmlns:pvml="urn:schemas-microsoft-com:office:powerpoint" xmlns:com="http://schemas.openxmlformats.org/drawingml/2006/compatibility" xmlns:p14="http://schemas.microsoft.com/office/powerpoint/2010/main" xmlns:p15="http://schemas.microsoft.com/office/powerpoint/2012/main" matchingName="Title only" type="titleOnly">
+<p:sldLayout xmlns:a="http://schemas.openxmlformats.org/drawingml/2006/main" xmlns:r="http://schemas.openxmlformats.org/officeDocument/2006/relationships" xmlns:p="http://schemas.openxmlformats.org/presentationml/2006/main" matchingName="Title only" type="titleOnly">
   <p:cSld name="TITLE_ONLY">
     <p:spTree>
       <p:nvGrpSpPr>
-        <p:cNvPr id="25" name="Shape 25"/>
+        <p:cNvPr id="1" name="Shape 25"/>
         <p:cNvGrpSpPr/>
         <p:nvPr/>
       </p:nvGrpSpPr>
@@ -7274,7 +7474,9 @@
       <p:sp>
         <p:nvSpPr>
           <p:cNvPr id="26" name="Shape 26"/>
-          <p:cNvSpPr txBox="1"/>
+          <p:cNvSpPr txBox="1">
+            <a:spLocks noGrp="1"/>
+          </p:cNvSpPr>
           <p:nvPr>
             <p:ph type="title"/>
           </p:nvPr>
@@ -7289,7 +7491,7 @@
           </a:prstGeom>
         </p:spPr>
         <p:txBody>
-          <a:bodyPr anchorCtr="0" anchor="t" bIns="91425" lIns="91425" spcFirstLastPara="1" rIns="91425" wrap="square" tIns="91425"/>
+          <a:bodyPr spcFirstLastPara="1" wrap="square" lIns="91425" tIns="91425" rIns="91425" bIns="91425" anchor="t" anchorCtr="0"/>
           <a:lstStyle>
             <a:lvl1pPr lvl="0" rtl="0">
               <a:spcBef>
@@ -7391,15 +7593,19 @@
               <a:defRPr/>
             </a:lvl9pPr>
           </a:lstStyle>
-          <a:p/>
+          <a:p>
+            <a:endParaRPr/>
+          </a:p>
         </p:txBody>
       </p:sp>
       <p:sp>
         <p:nvSpPr>
           <p:cNvPr id="27" name="Shape 27"/>
-          <p:cNvSpPr txBox="1"/>
+          <p:cNvSpPr txBox="1">
+            <a:spLocks noGrp="1"/>
+          </p:cNvSpPr>
           <p:nvPr>
-            <p:ph idx="12" type="sldNum"/>
+            <p:ph type="sldNum" idx="12"/>
           </p:nvPr>
         </p:nvSpPr>
         <p:spPr>
@@ -7412,7 +7618,7 @@
           </a:prstGeom>
         </p:spPr>
         <p:txBody>
-          <a:bodyPr anchorCtr="0" anchor="ctr" bIns="91425" lIns="91425" spcFirstLastPara="1" rIns="91425" wrap="square" tIns="91425">
+          <a:bodyPr spcFirstLastPara="1" wrap="square" lIns="91425" tIns="91425" rIns="91425" bIns="91425" anchor="ctr" anchorCtr="0">
             <a:noAutofit/>
           </a:bodyPr>
           <a:lstStyle>
@@ -7454,7 +7660,7 @@
             </a:lvl9pPr>
           </a:lstStyle>
           <a:p>
-            <a:pPr indent="0" lvl="0" marL="0">
+            <a:pPr marL="0" lvl="0" indent="0">
               <a:spcBef>
                 <a:spcPts val="0"/>
               </a:spcBef>
@@ -7465,7 +7671,7 @@
             </a:pPr>
             <a:fld id="{00000000-1234-1234-1234-123412341234}" type="slidenum">
               <a:rPr lang="pt-BR"/>
-              <a:t>‹#›</a:t>
+              <a:t>‹nº›</a:t>
             </a:fld>
             <a:endParaRPr/>
           </a:p>
@@ -7480,11 +7686,11 @@
 </file>
 
 <file path=ppt/slideLayouts/slideLayout6.xml><?xml version="1.0" encoding="utf-8"?>
-<p:sldLayout xmlns:a="http://schemas.openxmlformats.org/drawingml/2006/main" xmlns:r="http://schemas.openxmlformats.org/officeDocument/2006/relationships" xmlns:mc="http://schemas.openxmlformats.org/markup-compatibility/2006" xmlns:mv="urn:schemas-microsoft-com:mac:vml" xmlns:p="http://schemas.openxmlformats.org/presentationml/2006/main" xmlns:c="http://schemas.openxmlformats.org/drawingml/2006/chart" xmlns:dgm="http://schemas.openxmlformats.org/drawingml/2006/diagram" xmlns:o="urn:schemas-microsoft-com:office:office" xmlns:v="urn:schemas-microsoft-com:vml" xmlns:pvml="urn:schemas-microsoft-com:office:powerpoint" xmlns:com="http://schemas.openxmlformats.org/drawingml/2006/compatibility" xmlns:p14="http://schemas.microsoft.com/office/powerpoint/2010/main" xmlns:p15="http://schemas.microsoft.com/office/powerpoint/2012/main" matchingName="One column text">
+<p:sldLayout xmlns:a="http://schemas.openxmlformats.org/drawingml/2006/main" xmlns:r="http://schemas.openxmlformats.org/officeDocument/2006/relationships" xmlns:p="http://schemas.openxmlformats.org/presentationml/2006/main" matchingName="One column text">
   <p:cSld name="ONE_COLUMN_TEXT">
     <p:spTree>
       <p:nvGrpSpPr>
-        <p:cNvPr id="28" name="Shape 28"/>
+        <p:cNvPr id="1" name="Shape 28"/>
         <p:cNvGrpSpPr/>
         <p:nvPr/>
       </p:nvGrpSpPr>
@@ -7499,7 +7705,9 @@
       <p:sp>
         <p:nvSpPr>
           <p:cNvPr id="29" name="Shape 29"/>
-          <p:cNvSpPr txBox="1"/>
+          <p:cNvSpPr txBox="1">
+            <a:spLocks noGrp="1"/>
+          </p:cNvSpPr>
           <p:nvPr>
             <p:ph type="title"/>
           </p:nvPr>
@@ -7514,7 +7722,7 @@
           </a:prstGeom>
         </p:spPr>
         <p:txBody>
-          <a:bodyPr anchorCtr="0" anchor="b" bIns="91425" lIns="91425" spcFirstLastPara="1" rIns="91425" wrap="square" tIns="91425"/>
+          <a:bodyPr spcFirstLastPara="1" wrap="square" lIns="91425" tIns="91425" rIns="91425" bIns="91425" anchor="b" anchorCtr="0"/>
           <a:lstStyle>
             <a:lvl1pPr lvl="0" rtl="0">
               <a:spcBef>
@@ -7616,15 +7824,19 @@
               <a:defRPr sz="2400"/>
             </a:lvl9pPr>
           </a:lstStyle>
-          <a:p/>
+          <a:p>
+            <a:endParaRPr/>
+          </a:p>
         </p:txBody>
       </p:sp>
       <p:sp>
         <p:nvSpPr>
           <p:cNvPr id="30" name="Shape 30"/>
-          <p:cNvSpPr txBox="1"/>
+          <p:cNvSpPr txBox="1">
+            <a:spLocks noGrp="1"/>
+          </p:cNvSpPr>
           <p:nvPr>
-            <p:ph idx="1" type="body"/>
+            <p:ph type="body" idx="1"/>
           </p:nvPr>
         </p:nvSpPr>
         <p:spPr>
@@ -7637,9 +7849,9 @@
           </a:prstGeom>
         </p:spPr>
         <p:txBody>
-          <a:bodyPr anchorCtr="0" anchor="t" bIns="91425" lIns="91425" spcFirstLastPara="1" rIns="91425" wrap="square" tIns="91425"/>
+          <a:bodyPr spcFirstLastPara="1" wrap="square" lIns="91425" tIns="91425" rIns="91425" bIns="91425" anchor="t" anchorCtr="0"/>
           <a:lstStyle>
-            <a:lvl1pPr indent="-304800" lvl="0" marL="457200" rtl="0">
+            <a:lvl1pPr marL="457200" lvl="0" indent="-304800" rtl="0">
               <a:spcBef>
                 <a:spcPts val="0"/>
               </a:spcBef>
@@ -7650,7 +7862,7 @@
               <a:buChar char="●"/>
               <a:defRPr sz="1200"/>
             </a:lvl1pPr>
-            <a:lvl2pPr indent="-304800" lvl="1" marL="914400" rtl="0">
+            <a:lvl2pPr marL="914400" lvl="1" indent="-304800" rtl="0">
               <a:spcBef>
                 <a:spcPts val="1600"/>
               </a:spcBef>
@@ -7661,7 +7873,7 @@
               <a:buChar char="○"/>
               <a:defRPr sz="1200"/>
             </a:lvl2pPr>
-            <a:lvl3pPr indent="-304800" lvl="2" marL="1371600" rtl="0">
+            <a:lvl3pPr marL="1371600" lvl="2" indent="-304800" rtl="0">
               <a:spcBef>
                 <a:spcPts val="1600"/>
               </a:spcBef>
@@ -7672,7 +7884,7 @@
               <a:buChar char="■"/>
               <a:defRPr sz="1200"/>
             </a:lvl3pPr>
-            <a:lvl4pPr indent="-304800" lvl="3" marL="1828800" rtl="0">
+            <a:lvl4pPr marL="1828800" lvl="3" indent="-304800" rtl="0">
               <a:spcBef>
                 <a:spcPts val="1600"/>
               </a:spcBef>
@@ -7683,7 +7895,7 @@
               <a:buChar char="●"/>
               <a:defRPr sz="1200"/>
             </a:lvl4pPr>
-            <a:lvl5pPr indent="-304800" lvl="4" marL="2286000" rtl="0">
+            <a:lvl5pPr marL="2286000" lvl="4" indent="-304800" rtl="0">
               <a:spcBef>
                 <a:spcPts val="1600"/>
               </a:spcBef>
@@ -7694,7 +7906,7 @@
               <a:buChar char="○"/>
               <a:defRPr sz="1200"/>
             </a:lvl5pPr>
-            <a:lvl6pPr indent="-304800" lvl="5" marL="2743200" rtl="0">
+            <a:lvl6pPr marL="2743200" lvl="5" indent="-304800" rtl="0">
               <a:spcBef>
                 <a:spcPts val="1600"/>
               </a:spcBef>
@@ -7705,7 +7917,7 @@
               <a:buChar char="■"/>
               <a:defRPr sz="1200"/>
             </a:lvl6pPr>
-            <a:lvl7pPr indent="-304800" lvl="6" marL="3200400" rtl="0">
+            <a:lvl7pPr marL="3200400" lvl="6" indent="-304800" rtl="0">
               <a:spcBef>
                 <a:spcPts val="1600"/>
               </a:spcBef>
@@ -7716,7 +7928,7 @@
               <a:buChar char="●"/>
               <a:defRPr sz="1200"/>
             </a:lvl7pPr>
-            <a:lvl8pPr indent="-304800" lvl="7" marL="3657600" rtl="0">
+            <a:lvl8pPr marL="3657600" lvl="7" indent="-304800" rtl="0">
               <a:spcBef>
                 <a:spcPts val="1600"/>
               </a:spcBef>
@@ -7727,7 +7939,7 @@
               <a:buChar char="○"/>
               <a:defRPr sz="1200"/>
             </a:lvl8pPr>
-            <a:lvl9pPr indent="-304800" lvl="8" marL="4114800" rtl="0">
+            <a:lvl9pPr marL="4114800" lvl="8" indent="-304800" rtl="0">
               <a:spcBef>
                 <a:spcPts val="1600"/>
               </a:spcBef>
@@ -7739,15 +7951,19 @@
               <a:defRPr sz="1200"/>
             </a:lvl9pPr>
           </a:lstStyle>
-          <a:p/>
+          <a:p>
+            <a:endParaRPr/>
+          </a:p>
         </p:txBody>
       </p:sp>
       <p:sp>
         <p:nvSpPr>
           <p:cNvPr id="31" name="Shape 31"/>
-          <p:cNvSpPr txBox="1"/>
+          <p:cNvSpPr txBox="1">
+            <a:spLocks noGrp="1"/>
+          </p:cNvSpPr>
           <p:nvPr>
-            <p:ph idx="12" type="sldNum"/>
+            <p:ph type="sldNum" idx="12"/>
           </p:nvPr>
         </p:nvSpPr>
         <p:spPr>
@@ -7760,7 +7976,7 @@
           </a:prstGeom>
         </p:spPr>
         <p:txBody>
-          <a:bodyPr anchorCtr="0" anchor="ctr" bIns="91425" lIns="91425" spcFirstLastPara="1" rIns="91425" wrap="square" tIns="91425">
+          <a:bodyPr spcFirstLastPara="1" wrap="square" lIns="91425" tIns="91425" rIns="91425" bIns="91425" anchor="ctr" anchorCtr="0">
             <a:noAutofit/>
           </a:bodyPr>
           <a:lstStyle>
@@ -7802,7 +8018,7 @@
             </a:lvl9pPr>
           </a:lstStyle>
           <a:p>
-            <a:pPr indent="0" lvl="0" marL="0">
+            <a:pPr marL="0" lvl="0" indent="0">
               <a:spcBef>
                 <a:spcPts val="0"/>
               </a:spcBef>
@@ -7813,7 +8029,7 @@
             </a:pPr>
             <a:fld id="{00000000-1234-1234-1234-123412341234}" type="slidenum">
               <a:rPr lang="pt-BR"/>
-              <a:t>‹#›</a:t>
+              <a:t>‹nº›</a:t>
             </a:fld>
             <a:endParaRPr/>
           </a:p>
@@ -7828,11 +8044,11 @@
 </file>
 
 <file path=ppt/slideLayouts/slideLayout7.xml><?xml version="1.0" encoding="utf-8"?>
-<p:sldLayout xmlns:a="http://schemas.openxmlformats.org/drawingml/2006/main" xmlns:r="http://schemas.openxmlformats.org/officeDocument/2006/relationships" xmlns:mc="http://schemas.openxmlformats.org/markup-compatibility/2006" xmlns:mv="urn:schemas-microsoft-com:mac:vml" xmlns:p="http://schemas.openxmlformats.org/presentationml/2006/main" xmlns:c="http://schemas.openxmlformats.org/drawingml/2006/chart" xmlns:dgm="http://schemas.openxmlformats.org/drawingml/2006/diagram" xmlns:o="urn:schemas-microsoft-com:office:office" xmlns:v="urn:schemas-microsoft-com:vml" xmlns:pvml="urn:schemas-microsoft-com:office:powerpoint" xmlns:com="http://schemas.openxmlformats.org/drawingml/2006/compatibility" xmlns:p14="http://schemas.microsoft.com/office/powerpoint/2010/main" xmlns:p15="http://schemas.microsoft.com/office/powerpoint/2012/main" matchingName="Main point">
+<p:sldLayout xmlns:a="http://schemas.openxmlformats.org/drawingml/2006/main" xmlns:r="http://schemas.openxmlformats.org/officeDocument/2006/relationships" xmlns:p="http://schemas.openxmlformats.org/presentationml/2006/main" matchingName="Main point">
   <p:cSld name="MAIN_POINT">
     <p:spTree>
       <p:nvGrpSpPr>
-        <p:cNvPr id="32" name="Shape 32"/>
+        <p:cNvPr id="1" name="Shape 32"/>
         <p:cNvGrpSpPr/>
         <p:nvPr/>
       </p:nvGrpSpPr>
@@ -7847,7 +8063,9 @@
       <p:sp>
         <p:nvSpPr>
           <p:cNvPr id="33" name="Shape 33"/>
-          <p:cNvSpPr txBox="1"/>
+          <p:cNvSpPr txBox="1">
+            <a:spLocks noGrp="1"/>
+          </p:cNvSpPr>
           <p:nvPr>
             <p:ph type="title"/>
           </p:nvPr>
@@ -7862,7 +8080,7 @@
           </a:prstGeom>
         </p:spPr>
         <p:txBody>
-          <a:bodyPr anchorCtr="0" anchor="ctr" bIns="91425" lIns="91425" spcFirstLastPara="1" rIns="91425" wrap="square" tIns="91425"/>
+          <a:bodyPr spcFirstLastPara="1" wrap="square" lIns="91425" tIns="91425" rIns="91425" bIns="91425" anchor="ctr" anchorCtr="0"/>
           <a:lstStyle>
             <a:lvl1pPr lvl="0" rtl="0">
               <a:spcBef>
@@ -7964,15 +8182,19 @@
               <a:defRPr sz="4800"/>
             </a:lvl9pPr>
           </a:lstStyle>
-          <a:p/>
+          <a:p>
+            <a:endParaRPr/>
+          </a:p>
         </p:txBody>
       </p:sp>
       <p:sp>
         <p:nvSpPr>
           <p:cNvPr id="34" name="Shape 34"/>
-          <p:cNvSpPr txBox="1"/>
+          <p:cNvSpPr txBox="1">
+            <a:spLocks noGrp="1"/>
+          </p:cNvSpPr>
           <p:nvPr>
-            <p:ph idx="12" type="sldNum"/>
+            <p:ph type="sldNum" idx="12"/>
           </p:nvPr>
         </p:nvSpPr>
         <p:spPr>
@@ -7985,7 +8207,7 @@
           </a:prstGeom>
         </p:spPr>
         <p:txBody>
-          <a:bodyPr anchorCtr="0" anchor="ctr" bIns="91425" lIns="91425" spcFirstLastPara="1" rIns="91425" wrap="square" tIns="91425">
+          <a:bodyPr spcFirstLastPara="1" wrap="square" lIns="91425" tIns="91425" rIns="91425" bIns="91425" anchor="ctr" anchorCtr="0">
             <a:noAutofit/>
           </a:bodyPr>
           <a:lstStyle>
@@ -8027,7 +8249,7 @@
             </a:lvl9pPr>
           </a:lstStyle>
           <a:p>
-            <a:pPr indent="0" lvl="0" marL="0">
+            <a:pPr marL="0" lvl="0" indent="0">
               <a:spcBef>
                 <a:spcPts val="0"/>
               </a:spcBef>
@@ -8038,7 +8260,7 @@
             </a:pPr>
             <a:fld id="{00000000-1234-1234-1234-123412341234}" type="slidenum">
               <a:rPr lang="pt-BR"/>
-              <a:t>‹#›</a:t>
+              <a:t>‹nº›</a:t>
             </a:fld>
             <a:endParaRPr/>
           </a:p>
@@ -8053,11 +8275,11 @@
 </file>
 
 <file path=ppt/slideLayouts/slideLayout8.xml><?xml version="1.0" encoding="utf-8"?>
-<p:sldLayout xmlns:a="http://schemas.openxmlformats.org/drawingml/2006/main" xmlns:r="http://schemas.openxmlformats.org/officeDocument/2006/relationships" xmlns:mc="http://schemas.openxmlformats.org/markup-compatibility/2006" xmlns:mv="urn:schemas-microsoft-com:mac:vml" xmlns:p="http://schemas.openxmlformats.org/presentationml/2006/main" xmlns:c="http://schemas.openxmlformats.org/drawingml/2006/chart" xmlns:dgm="http://schemas.openxmlformats.org/drawingml/2006/diagram" xmlns:o="urn:schemas-microsoft-com:office:office" xmlns:v="urn:schemas-microsoft-com:vml" xmlns:pvml="urn:schemas-microsoft-com:office:powerpoint" xmlns:com="http://schemas.openxmlformats.org/drawingml/2006/compatibility" xmlns:p14="http://schemas.microsoft.com/office/powerpoint/2010/main" xmlns:p15="http://schemas.microsoft.com/office/powerpoint/2012/main" matchingName="Section title and description">
+<p:sldLayout xmlns:a="http://schemas.openxmlformats.org/drawingml/2006/main" xmlns:r="http://schemas.openxmlformats.org/officeDocument/2006/relationships" xmlns:p="http://schemas.openxmlformats.org/presentationml/2006/main" matchingName="Section title and description">
   <p:cSld name="SECTION_TITLE_AND_DESCRIPTION">
     <p:spTree>
       <p:nvGrpSpPr>
-        <p:cNvPr id="35" name="Shape 35"/>
+        <p:cNvPr id="1" name="Shape 35"/>
         <p:cNvGrpSpPr/>
         <p:nvPr/>
       </p:nvGrpSpPr>
@@ -8091,12 +8313,12 @@
           </a:ln>
         </p:spPr>
         <p:txBody>
-          <a:bodyPr anchorCtr="0" anchor="ctr" bIns="91425" lIns="91425" spcFirstLastPara="1" rIns="91425" wrap="square" tIns="91425">
+          <a:bodyPr spcFirstLastPara="1" wrap="square" lIns="91425" tIns="91425" rIns="91425" bIns="91425" anchor="ctr" anchorCtr="0">
             <a:noAutofit/>
           </a:bodyPr>
           <a:lstStyle/>
           <a:p>
-            <a:pPr indent="0" lvl="0" marL="0">
+            <a:pPr marL="0" lvl="0" indent="0">
               <a:spcBef>
                 <a:spcPts val="0"/>
               </a:spcBef>
@@ -8105,9 +8327,6 @@
               </a:spcAft>
               <a:buNone/>
             </a:pPr>
-            <a:r>
-              <a:t/>
-            </a:r>
             <a:endParaRPr/>
           </a:p>
         </p:txBody>
@@ -8115,7 +8334,9 @@
       <p:sp>
         <p:nvSpPr>
           <p:cNvPr id="37" name="Shape 37"/>
-          <p:cNvSpPr txBox="1"/>
+          <p:cNvSpPr txBox="1">
+            <a:spLocks noGrp="1"/>
+          </p:cNvSpPr>
           <p:nvPr>
             <p:ph type="title"/>
           </p:nvPr>
@@ -8130,9 +8351,9 @@
           </a:prstGeom>
         </p:spPr>
         <p:txBody>
-          <a:bodyPr anchorCtr="0" anchor="b" bIns="91425" lIns="91425" spcFirstLastPara="1" rIns="91425" wrap="square" tIns="91425"/>
+          <a:bodyPr spcFirstLastPara="1" wrap="square" lIns="91425" tIns="91425" rIns="91425" bIns="91425" anchor="b" anchorCtr="0"/>
           <a:lstStyle>
-            <a:lvl1pPr lvl="0" rtl="0" algn="ctr">
+            <a:lvl1pPr lvl="0" algn="ctr" rtl="0">
               <a:spcBef>
                 <a:spcPts val="0"/>
               </a:spcBef>
@@ -8143,7 +8364,7 @@
               <a:buNone/>
               <a:defRPr sz="4200"/>
             </a:lvl1pPr>
-            <a:lvl2pPr lvl="1" rtl="0" algn="ctr">
+            <a:lvl2pPr lvl="1" algn="ctr" rtl="0">
               <a:spcBef>
                 <a:spcPts val="0"/>
               </a:spcBef>
@@ -8154,7 +8375,7 @@
               <a:buNone/>
               <a:defRPr sz="4200"/>
             </a:lvl2pPr>
-            <a:lvl3pPr lvl="2" rtl="0" algn="ctr">
+            <a:lvl3pPr lvl="2" algn="ctr" rtl="0">
               <a:spcBef>
                 <a:spcPts val="0"/>
               </a:spcBef>
@@ -8165,7 +8386,7 @@
               <a:buNone/>
               <a:defRPr sz="4200"/>
             </a:lvl3pPr>
-            <a:lvl4pPr lvl="3" rtl="0" algn="ctr">
+            <a:lvl4pPr lvl="3" algn="ctr" rtl="0">
               <a:spcBef>
                 <a:spcPts val="0"/>
               </a:spcBef>
@@ -8176,7 +8397,7 @@
               <a:buNone/>
               <a:defRPr sz="4200"/>
             </a:lvl4pPr>
-            <a:lvl5pPr lvl="4" rtl="0" algn="ctr">
+            <a:lvl5pPr lvl="4" algn="ctr" rtl="0">
               <a:spcBef>
                 <a:spcPts val="0"/>
               </a:spcBef>
@@ -8187,7 +8408,7 @@
               <a:buNone/>
               <a:defRPr sz="4200"/>
             </a:lvl5pPr>
-            <a:lvl6pPr lvl="5" rtl="0" algn="ctr">
+            <a:lvl6pPr lvl="5" algn="ctr" rtl="0">
               <a:spcBef>
                 <a:spcPts val="0"/>
               </a:spcBef>
@@ -8198,7 +8419,7 @@
               <a:buNone/>
               <a:defRPr sz="4200"/>
             </a:lvl6pPr>
-            <a:lvl7pPr lvl="6" rtl="0" algn="ctr">
+            <a:lvl7pPr lvl="6" algn="ctr" rtl="0">
               <a:spcBef>
                 <a:spcPts val="0"/>
               </a:spcBef>
@@ -8209,7 +8430,7 @@
               <a:buNone/>
               <a:defRPr sz="4200"/>
             </a:lvl7pPr>
-            <a:lvl8pPr lvl="7" rtl="0" algn="ctr">
+            <a:lvl8pPr lvl="7" algn="ctr" rtl="0">
               <a:spcBef>
                 <a:spcPts val="0"/>
               </a:spcBef>
@@ -8220,7 +8441,7 @@
               <a:buNone/>
               <a:defRPr sz="4200"/>
             </a:lvl8pPr>
-            <a:lvl9pPr lvl="8" rtl="0" algn="ctr">
+            <a:lvl9pPr lvl="8" algn="ctr" rtl="0">
               <a:spcBef>
                 <a:spcPts val="0"/>
               </a:spcBef>
@@ -8232,15 +8453,19 @@
               <a:defRPr sz="4200"/>
             </a:lvl9pPr>
           </a:lstStyle>
-          <a:p/>
+          <a:p>
+            <a:endParaRPr/>
+          </a:p>
         </p:txBody>
       </p:sp>
       <p:sp>
         <p:nvSpPr>
           <p:cNvPr id="38" name="Shape 38"/>
-          <p:cNvSpPr txBox="1"/>
+          <p:cNvSpPr txBox="1">
+            <a:spLocks noGrp="1"/>
+          </p:cNvSpPr>
           <p:nvPr>
-            <p:ph idx="1" type="subTitle"/>
+            <p:ph type="subTitle" idx="1"/>
           </p:nvPr>
         </p:nvSpPr>
         <p:spPr>
@@ -8253,9 +8478,9 @@
           </a:prstGeom>
         </p:spPr>
         <p:txBody>
-          <a:bodyPr anchorCtr="0" anchor="t" bIns="91425" lIns="91425" spcFirstLastPara="1" rIns="91425" wrap="square" tIns="91425"/>
+          <a:bodyPr spcFirstLastPara="1" wrap="square" lIns="91425" tIns="91425" rIns="91425" bIns="91425" anchor="t" anchorCtr="0"/>
           <a:lstStyle>
-            <a:lvl1pPr lvl="0" rtl="0" algn="ctr">
+            <a:lvl1pPr lvl="0" algn="ctr" rtl="0">
               <a:lnSpc>
                 <a:spcPct val="100000"/>
               </a:lnSpc>
@@ -8269,7 +8494,7 @@
               <a:buNone/>
               <a:defRPr sz="2100"/>
             </a:lvl1pPr>
-            <a:lvl2pPr lvl="1" rtl="0" algn="ctr">
+            <a:lvl2pPr lvl="1" algn="ctr" rtl="0">
               <a:lnSpc>
                 <a:spcPct val="100000"/>
               </a:lnSpc>
@@ -8283,7 +8508,7 @@
               <a:buNone/>
               <a:defRPr sz="2100"/>
             </a:lvl2pPr>
-            <a:lvl3pPr lvl="2" rtl="0" algn="ctr">
+            <a:lvl3pPr lvl="2" algn="ctr" rtl="0">
               <a:lnSpc>
                 <a:spcPct val="100000"/>
               </a:lnSpc>
@@ -8297,7 +8522,7 @@
               <a:buNone/>
               <a:defRPr sz="2100"/>
             </a:lvl3pPr>
-            <a:lvl4pPr lvl="3" rtl="0" algn="ctr">
+            <a:lvl4pPr lvl="3" algn="ctr" rtl="0">
               <a:lnSpc>
                 <a:spcPct val="100000"/>
               </a:lnSpc>
@@ -8311,7 +8536,7 @@
               <a:buNone/>
               <a:defRPr sz="2100"/>
             </a:lvl4pPr>
-            <a:lvl5pPr lvl="4" rtl="0" algn="ctr">
+            <a:lvl5pPr lvl="4" algn="ctr" rtl="0">
               <a:lnSpc>
                 <a:spcPct val="100000"/>
               </a:lnSpc>
@@ -8325,7 +8550,7 @@
               <a:buNone/>
               <a:defRPr sz="2100"/>
             </a:lvl5pPr>
-            <a:lvl6pPr lvl="5" rtl="0" algn="ctr">
+            <a:lvl6pPr lvl="5" algn="ctr" rtl="0">
               <a:lnSpc>
                 <a:spcPct val="100000"/>
               </a:lnSpc>
@@ -8339,7 +8564,7 @@
               <a:buNone/>
               <a:defRPr sz="2100"/>
             </a:lvl6pPr>
-            <a:lvl7pPr lvl="6" rtl="0" algn="ctr">
+            <a:lvl7pPr lvl="6" algn="ctr" rtl="0">
               <a:lnSpc>
                 <a:spcPct val="100000"/>
               </a:lnSpc>
@@ -8353,7 +8578,7 @@
               <a:buNone/>
               <a:defRPr sz="2100"/>
             </a:lvl7pPr>
-            <a:lvl8pPr lvl="7" rtl="0" algn="ctr">
+            <a:lvl8pPr lvl="7" algn="ctr" rtl="0">
               <a:lnSpc>
                 <a:spcPct val="100000"/>
               </a:lnSpc>
@@ -8367,7 +8592,7 @@
               <a:buNone/>
               <a:defRPr sz="2100"/>
             </a:lvl8pPr>
-            <a:lvl9pPr lvl="8" rtl="0" algn="ctr">
+            <a:lvl9pPr lvl="8" algn="ctr" rtl="0">
               <a:lnSpc>
                 <a:spcPct val="100000"/>
               </a:lnSpc>
@@ -8382,15 +8607,19 @@
               <a:defRPr sz="2100"/>
             </a:lvl9pPr>
           </a:lstStyle>
-          <a:p/>
+          <a:p>
+            <a:endParaRPr/>
+          </a:p>
         </p:txBody>
       </p:sp>
       <p:sp>
         <p:nvSpPr>
           <p:cNvPr id="39" name="Shape 39"/>
-          <p:cNvSpPr txBox="1"/>
+          <p:cNvSpPr txBox="1">
+            <a:spLocks noGrp="1"/>
+          </p:cNvSpPr>
           <p:nvPr>
-            <p:ph idx="2" type="body"/>
+            <p:ph type="body" idx="2"/>
           </p:nvPr>
         </p:nvSpPr>
         <p:spPr>
@@ -8403,9 +8632,9 @@
           </a:prstGeom>
         </p:spPr>
         <p:txBody>
-          <a:bodyPr anchorCtr="0" anchor="ctr" bIns="91425" lIns="91425" spcFirstLastPara="1" rIns="91425" wrap="square" tIns="91425"/>
+          <a:bodyPr spcFirstLastPara="1" wrap="square" lIns="91425" tIns="91425" rIns="91425" bIns="91425" anchor="ctr" anchorCtr="0"/>
           <a:lstStyle>
-            <a:lvl1pPr indent="-342900" lvl="0" marL="457200" rtl="0">
+            <a:lvl1pPr marL="457200" lvl="0" indent="-342900" rtl="0">
               <a:spcBef>
                 <a:spcPts val="0"/>
               </a:spcBef>
@@ -8416,7 +8645,7 @@
               <a:buChar char="●"/>
               <a:defRPr/>
             </a:lvl1pPr>
-            <a:lvl2pPr indent="-317500" lvl="1" marL="914400" rtl="0">
+            <a:lvl2pPr marL="914400" lvl="1" indent="-317500" rtl="0">
               <a:spcBef>
                 <a:spcPts val="1600"/>
               </a:spcBef>
@@ -8427,7 +8656,7 @@
               <a:buChar char="○"/>
               <a:defRPr/>
             </a:lvl2pPr>
-            <a:lvl3pPr indent="-317500" lvl="2" marL="1371600" rtl="0">
+            <a:lvl3pPr marL="1371600" lvl="2" indent="-317500" rtl="0">
               <a:spcBef>
                 <a:spcPts val="1600"/>
               </a:spcBef>
@@ -8438,7 +8667,7 @@
               <a:buChar char="■"/>
               <a:defRPr/>
             </a:lvl3pPr>
-            <a:lvl4pPr indent="-317500" lvl="3" marL="1828800" rtl="0">
+            <a:lvl4pPr marL="1828800" lvl="3" indent="-317500" rtl="0">
               <a:spcBef>
                 <a:spcPts val="1600"/>
               </a:spcBef>
@@ -8449,7 +8678,7 @@
               <a:buChar char="●"/>
               <a:defRPr/>
             </a:lvl4pPr>
-            <a:lvl5pPr indent="-317500" lvl="4" marL="2286000" rtl="0">
+            <a:lvl5pPr marL="2286000" lvl="4" indent="-317500" rtl="0">
               <a:spcBef>
                 <a:spcPts val="1600"/>
               </a:spcBef>
@@ -8460,7 +8689,7 @@
               <a:buChar char="○"/>
               <a:defRPr/>
             </a:lvl5pPr>
-            <a:lvl6pPr indent="-317500" lvl="5" marL="2743200" rtl="0">
+            <a:lvl6pPr marL="2743200" lvl="5" indent="-317500" rtl="0">
               <a:spcBef>
                 <a:spcPts val="1600"/>
               </a:spcBef>
@@ -8471,7 +8700,7 @@
               <a:buChar char="■"/>
               <a:defRPr/>
             </a:lvl6pPr>
-            <a:lvl7pPr indent="-317500" lvl="6" marL="3200400" rtl="0">
+            <a:lvl7pPr marL="3200400" lvl="6" indent="-317500" rtl="0">
               <a:spcBef>
                 <a:spcPts val="1600"/>
               </a:spcBef>
@@ -8482,7 +8711,7 @@
               <a:buChar char="●"/>
               <a:defRPr/>
             </a:lvl7pPr>
-            <a:lvl8pPr indent="-317500" lvl="7" marL="3657600" rtl="0">
+            <a:lvl8pPr marL="3657600" lvl="7" indent="-317500" rtl="0">
               <a:spcBef>
                 <a:spcPts val="1600"/>
               </a:spcBef>
@@ -8493,7 +8722,7 @@
               <a:buChar char="○"/>
               <a:defRPr/>
             </a:lvl8pPr>
-            <a:lvl9pPr indent="-317500" lvl="8" marL="4114800" rtl="0">
+            <a:lvl9pPr marL="4114800" lvl="8" indent="-317500" rtl="0">
               <a:spcBef>
                 <a:spcPts val="1600"/>
               </a:spcBef>
@@ -8505,15 +8734,19 @@
               <a:defRPr/>
             </a:lvl9pPr>
           </a:lstStyle>
-          <a:p/>
+          <a:p>
+            <a:endParaRPr/>
+          </a:p>
         </p:txBody>
       </p:sp>
       <p:sp>
         <p:nvSpPr>
           <p:cNvPr id="40" name="Shape 40"/>
-          <p:cNvSpPr txBox="1"/>
+          <p:cNvSpPr txBox="1">
+            <a:spLocks noGrp="1"/>
+          </p:cNvSpPr>
           <p:nvPr>
-            <p:ph idx="12" type="sldNum"/>
+            <p:ph type="sldNum" idx="12"/>
           </p:nvPr>
         </p:nvSpPr>
         <p:spPr>
@@ -8526,7 +8759,7 @@
           </a:prstGeom>
         </p:spPr>
         <p:txBody>
-          <a:bodyPr anchorCtr="0" anchor="ctr" bIns="91425" lIns="91425" spcFirstLastPara="1" rIns="91425" wrap="square" tIns="91425">
+          <a:bodyPr spcFirstLastPara="1" wrap="square" lIns="91425" tIns="91425" rIns="91425" bIns="91425" anchor="ctr" anchorCtr="0">
             <a:noAutofit/>
           </a:bodyPr>
           <a:lstStyle>
@@ -8568,7 +8801,7 @@
             </a:lvl9pPr>
           </a:lstStyle>
           <a:p>
-            <a:pPr indent="0" lvl="0" marL="0">
+            <a:pPr marL="0" lvl="0" indent="0">
               <a:spcBef>
                 <a:spcPts val="0"/>
               </a:spcBef>
@@ -8579,7 +8812,7 @@
             </a:pPr>
             <a:fld id="{00000000-1234-1234-1234-123412341234}" type="slidenum">
               <a:rPr lang="pt-BR"/>
-              <a:t>‹#›</a:t>
+              <a:t>‹nº›</a:t>
             </a:fld>
             <a:endParaRPr/>
           </a:p>
@@ -8594,11 +8827,11 @@
 </file>
 
 <file path=ppt/slideLayouts/slideLayout9.xml><?xml version="1.0" encoding="utf-8"?>
-<p:sldLayout xmlns:a="http://schemas.openxmlformats.org/drawingml/2006/main" xmlns:r="http://schemas.openxmlformats.org/officeDocument/2006/relationships" xmlns:mc="http://schemas.openxmlformats.org/markup-compatibility/2006" xmlns:mv="urn:schemas-microsoft-com:mac:vml" xmlns:p="http://schemas.openxmlformats.org/presentationml/2006/main" xmlns:c="http://schemas.openxmlformats.org/drawingml/2006/chart" xmlns:dgm="http://schemas.openxmlformats.org/drawingml/2006/diagram" xmlns:o="urn:schemas-microsoft-com:office:office" xmlns:v="urn:schemas-microsoft-com:vml" xmlns:pvml="urn:schemas-microsoft-com:office:powerpoint" xmlns:com="http://schemas.openxmlformats.org/drawingml/2006/compatibility" xmlns:p14="http://schemas.microsoft.com/office/powerpoint/2010/main" xmlns:p15="http://schemas.microsoft.com/office/powerpoint/2012/main" matchingName="Caption">
+<p:sldLayout xmlns:a="http://schemas.openxmlformats.org/drawingml/2006/main" xmlns:r="http://schemas.openxmlformats.org/officeDocument/2006/relationships" xmlns:p="http://schemas.openxmlformats.org/presentationml/2006/main" matchingName="Caption">
   <p:cSld name="CAPTION_ONLY">
     <p:spTree>
       <p:nvGrpSpPr>
-        <p:cNvPr id="41" name="Shape 41"/>
+        <p:cNvPr id="1" name="Shape 41"/>
         <p:cNvGrpSpPr/>
         <p:nvPr/>
       </p:nvGrpSpPr>
@@ -8613,9 +8846,11 @@
       <p:sp>
         <p:nvSpPr>
           <p:cNvPr id="42" name="Shape 42"/>
-          <p:cNvSpPr txBox="1"/>
+          <p:cNvSpPr txBox="1">
+            <a:spLocks noGrp="1"/>
+          </p:cNvSpPr>
           <p:nvPr>
-            <p:ph idx="1" type="body"/>
+            <p:ph type="body" idx="1"/>
           </p:nvPr>
         </p:nvSpPr>
         <p:spPr>
@@ -8628,9 +8863,9 @@
           </a:prstGeom>
         </p:spPr>
         <p:txBody>
-          <a:bodyPr anchorCtr="0" anchor="ctr" bIns="91425" lIns="91425" spcFirstLastPara="1" rIns="91425" wrap="square" tIns="91425"/>
+          <a:bodyPr spcFirstLastPara="1" wrap="square" lIns="91425" tIns="91425" rIns="91425" bIns="91425" anchor="ctr" anchorCtr="0"/>
           <a:lstStyle>
-            <a:lvl1pPr indent="-228600" lvl="0" marL="457200" rtl="0">
+            <a:lvl1pPr marL="457200" lvl="0" indent="-228600" rtl="0">
               <a:lnSpc>
                 <a:spcPct val="100000"/>
               </a:lnSpc>
@@ -8645,15 +8880,19 @@
               <a:defRPr/>
             </a:lvl1pPr>
           </a:lstStyle>
-          <a:p/>
+          <a:p>
+            <a:endParaRPr/>
+          </a:p>
         </p:txBody>
       </p:sp>
       <p:sp>
         <p:nvSpPr>
           <p:cNvPr id="43" name="Shape 43"/>
-          <p:cNvSpPr txBox="1"/>
+          <p:cNvSpPr txBox="1">
+            <a:spLocks noGrp="1"/>
+          </p:cNvSpPr>
           <p:nvPr>
-            <p:ph idx="12" type="sldNum"/>
+            <p:ph type="sldNum" idx="12"/>
           </p:nvPr>
         </p:nvSpPr>
         <p:spPr>
@@ -8666,7 +8905,7 @@
           </a:prstGeom>
         </p:spPr>
         <p:txBody>
-          <a:bodyPr anchorCtr="0" anchor="ctr" bIns="91425" lIns="91425" spcFirstLastPara="1" rIns="91425" wrap="square" tIns="91425">
+          <a:bodyPr spcFirstLastPara="1" wrap="square" lIns="91425" tIns="91425" rIns="91425" bIns="91425" anchor="ctr" anchorCtr="0">
             <a:noAutofit/>
           </a:bodyPr>
           <a:lstStyle>
@@ -8708,7 +8947,7 @@
             </a:lvl9pPr>
           </a:lstStyle>
           <a:p>
-            <a:pPr indent="0" lvl="0" marL="0">
+            <a:pPr marL="0" lvl="0" indent="0">
               <a:spcBef>
                 <a:spcPts val="0"/>
               </a:spcBef>
@@ -8719,7 +8958,7 @@
             </a:pPr>
             <a:fld id="{00000000-1234-1234-1234-123412341234}" type="slidenum">
               <a:rPr lang="pt-BR"/>
-              <a:t>‹#›</a:t>
+              <a:t>‹nº›</a:t>
             </a:fld>
             <a:endParaRPr/>
           </a:p>
@@ -8734,18 +8973,19 @@
 </file>
 
 <file path=ppt/slideMasters/slideMaster1.xml><?xml version="1.0" encoding="utf-8"?>
-<p:sldMaster xmlns:a="http://schemas.openxmlformats.org/drawingml/2006/main" xmlns:r="http://schemas.openxmlformats.org/officeDocument/2006/relationships" xmlns:mc="http://schemas.openxmlformats.org/markup-compatibility/2006" xmlns:mv="urn:schemas-microsoft-com:mac:vml" xmlns:p="http://schemas.openxmlformats.org/presentationml/2006/main" xmlns:c="http://schemas.openxmlformats.org/drawingml/2006/chart" xmlns:dgm="http://schemas.openxmlformats.org/drawingml/2006/diagram" xmlns:o="urn:schemas-microsoft-com:office:office" xmlns:v="urn:schemas-microsoft-com:vml" xmlns:pvml="urn:schemas-microsoft-com:office:powerpoint" xmlns:com="http://schemas.openxmlformats.org/drawingml/2006/compatibility" xmlns:p14="http://schemas.microsoft.com/office/powerpoint/2010/main" xmlns:p15="http://schemas.microsoft.com/office/powerpoint/2012/main">
+<p:sldMaster xmlns:a="http://schemas.openxmlformats.org/drawingml/2006/main" xmlns:r="http://schemas.openxmlformats.org/officeDocument/2006/relationships" xmlns:p="http://schemas.openxmlformats.org/presentationml/2006/main">
   <p:cSld name="simple-light-2">
     <p:bg>
       <p:bgPr>
         <a:solidFill>
           <a:schemeClr val="lt1"/>
         </a:solidFill>
+        <a:effectLst/>
       </p:bgPr>
     </p:bg>
     <p:spTree>
       <p:nvGrpSpPr>
-        <p:cNvPr id="5" name="Shape 5"/>
+        <p:cNvPr id="1" name="Shape 5"/>
         <p:cNvGrpSpPr/>
         <p:nvPr/>
       </p:nvGrpSpPr>
@@ -8760,7 +9000,9 @@
       <p:sp>
         <p:nvSpPr>
           <p:cNvPr id="6" name="Shape 6"/>
-          <p:cNvSpPr txBox="1"/>
+          <p:cNvSpPr txBox="1">
+            <a:spLocks noGrp="1"/>
+          </p:cNvSpPr>
           <p:nvPr>
             <p:ph type="title"/>
           </p:nvPr>
@@ -8779,7 +9021,7 @@
           </a:ln>
         </p:spPr>
         <p:txBody>
-          <a:bodyPr anchorCtr="0" anchor="t" bIns="91425" lIns="91425" spcFirstLastPara="1" rIns="91425" wrap="square" tIns="91425"/>
+          <a:bodyPr spcFirstLastPara="1" wrap="square" lIns="91425" tIns="91425" rIns="91425" bIns="91425" anchor="t" anchorCtr="0"/>
           <a:lstStyle>
             <a:lvl1pPr lvl="0" rtl="0">
               <a:spcBef>
@@ -8944,15 +9186,19 @@
               </a:defRPr>
             </a:lvl9pPr>
           </a:lstStyle>
-          <a:p/>
+          <a:p>
+            <a:endParaRPr/>
+          </a:p>
         </p:txBody>
       </p:sp>
       <p:sp>
         <p:nvSpPr>
           <p:cNvPr id="7" name="Shape 7"/>
-          <p:cNvSpPr txBox="1"/>
+          <p:cNvSpPr txBox="1">
+            <a:spLocks noGrp="1"/>
+          </p:cNvSpPr>
           <p:nvPr>
-            <p:ph idx="1" type="body"/>
+            <p:ph type="body" idx="1"/>
           </p:nvPr>
         </p:nvSpPr>
         <p:spPr>
@@ -8969,9 +9215,9 @@
           </a:ln>
         </p:spPr>
         <p:txBody>
-          <a:bodyPr anchorCtr="0" anchor="t" bIns="91425" lIns="91425" spcFirstLastPara="1" rIns="91425" wrap="square" tIns="91425"/>
+          <a:bodyPr spcFirstLastPara="1" wrap="square" lIns="91425" tIns="91425" rIns="91425" bIns="91425" anchor="t" anchorCtr="0"/>
           <a:lstStyle>
-            <a:lvl1pPr indent="-342900" lvl="0" marL="457200" rtl="0">
+            <a:lvl1pPr marL="457200" lvl="0" indent="-342900" rtl="0">
               <a:lnSpc>
                 <a:spcPct val="115000"/>
               </a:lnSpc>
@@ -8992,7 +9238,7 @@
                 </a:solidFill>
               </a:defRPr>
             </a:lvl1pPr>
-            <a:lvl2pPr indent="-317500" lvl="1" marL="914400" rtl="0">
+            <a:lvl2pPr marL="914400" lvl="1" indent="-317500" rtl="0">
               <a:lnSpc>
                 <a:spcPct val="115000"/>
               </a:lnSpc>
@@ -9013,7 +9259,7 @@
                 </a:solidFill>
               </a:defRPr>
             </a:lvl2pPr>
-            <a:lvl3pPr indent="-317500" lvl="2" marL="1371600" rtl="0">
+            <a:lvl3pPr marL="1371600" lvl="2" indent="-317500" rtl="0">
               <a:lnSpc>
                 <a:spcPct val="115000"/>
               </a:lnSpc>
@@ -9034,7 +9280,7 @@
                 </a:solidFill>
               </a:defRPr>
             </a:lvl3pPr>
-            <a:lvl4pPr indent="-317500" lvl="3" marL="1828800" rtl="0">
+            <a:lvl4pPr marL="1828800" lvl="3" indent="-317500" rtl="0">
               <a:lnSpc>
                 <a:spcPct val="115000"/>
               </a:lnSpc>
@@ -9055,7 +9301,7 @@
                 </a:solidFill>
               </a:defRPr>
             </a:lvl4pPr>
-            <a:lvl5pPr indent="-317500" lvl="4" marL="2286000" rtl="0">
+            <a:lvl5pPr marL="2286000" lvl="4" indent="-317500" rtl="0">
               <a:lnSpc>
                 <a:spcPct val="115000"/>
               </a:lnSpc>
@@ -9076,7 +9322,7 @@
                 </a:solidFill>
               </a:defRPr>
             </a:lvl5pPr>
-            <a:lvl6pPr indent="-317500" lvl="5" marL="2743200" rtl="0">
+            <a:lvl6pPr marL="2743200" lvl="5" indent="-317500" rtl="0">
               <a:lnSpc>
                 <a:spcPct val="115000"/>
               </a:lnSpc>
@@ -9097,7 +9343,7 @@
                 </a:solidFill>
               </a:defRPr>
             </a:lvl6pPr>
-            <a:lvl7pPr indent="-317500" lvl="6" marL="3200400" rtl="0">
+            <a:lvl7pPr marL="3200400" lvl="6" indent="-317500" rtl="0">
               <a:lnSpc>
                 <a:spcPct val="115000"/>
               </a:lnSpc>
@@ -9118,7 +9364,7 @@
                 </a:solidFill>
               </a:defRPr>
             </a:lvl7pPr>
-            <a:lvl8pPr indent="-317500" lvl="7" marL="3657600" rtl="0">
+            <a:lvl8pPr marL="3657600" lvl="7" indent="-317500" rtl="0">
               <a:lnSpc>
                 <a:spcPct val="115000"/>
               </a:lnSpc>
@@ -9139,7 +9385,7 @@
                 </a:solidFill>
               </a:defRPr>
             </a:lvl8pPr>
-            <a:lvl9pPr indent="-317500" lvl="8" marL="4114800" rtl="0">
+            <a:lvl9pPr marL="4114800" lvl="8" indent="-317500" rtl="0">
               <a:lnSpc>
                 <a:spcPct val="115000"/>
               </a:lnSpc>
@@ -9161,15 +9407,19 @@
               </a:defRPr>
             </a:lvl9pPr>
           </a:lstStyle>
-          <a:p/>
+          <a:p>
+            <a:endParaRPr/>
+          </a:p>
         </p:txBody>
       </p:sp>
       <p:sp>
         <p:nvSpPr>
           <p:cNvPr id="8" name="Shape 8"/>
-          <p:cNvSpPr txBox="1"/>
+          <p:cNvSpPr txBox="1">
+            <a:spLocks noGrp="1"/>
+          </p:cNvSpPr>
           <p:nvPr>
-            <p:ph idx="12" type="sldNum"/>
+            <p:ph type="sldNum" idx="12"/>
           </p:nvPr>
         </p:nvSpPr>
         <p:spPr>
@@ -9186,11 +9436,11 @@
           </a:ln>
         </p:spPr>
         <p:txBody>
-          <a:bodyPr anchorCtr="0" anchor="ctr" bIns="91425" lIns="91425" spcFirstLastPara="1" rIns="91425" wrap="square" tIns="91425">
+          <a:bodyPr spcFirstLastPara="1" wrap="square" lIns="91425" tIns="91425" rIns="91425" bIns="91425" anchor="ctr" anchorCtr="0">
             <a:noAutofit/>
           </a:bodyPr>
           <a:lstStyle>
-            <a:lvl1pPr lvl="0" rtl="0" algn="r">
+            <a:lvl1pPr lvl="0" algn="r" rtl="0">
               <a:buNone/>
               <a:defRPr sz="1000">
                 <a:solidFill>
@@ -9198,7 +9448,7 @@
                 </a:solidFill>
               </a:defRPr>
             </a:lvl1pPr>
-            <a:lvl2pPr lvl="1" rtl="0" algn="r">
+            <a:lvl2pPr lvl="1" algn="r" rtl="0">
               <a:buNone/>
               <a:defRPr sz="1000">
                 <a:solidFill>
@@ -9206,7 +9456,7 @@
                 </a:solidFill>
               </a:defRPr>
             </a:lvl2pPr>
-            <a:lvl3pPr lvl="2" rtl="0" algn="r">
+            <a:lvl3pPr lvl="2" algn="r" rtl="0">
               <a:buNone/>
               <a:defRPr sz="1000">
                 <a:solidFill>
@@ -9214,7 +9464,7 @@
                 </a:solidFill>
               </a:defRPr>
             </a:lvl3pPr>
-            <a:lvl4pPr lvl="3" rtl="0" algn="r">
+            <a:lvl4pPr lvl="3" algn="r" rtl="0">
               <a:buNone/>
               <a:defRPr sz="1000">
                 <a:solidFill>
@@ -9222,7 +9472,7 @@
                 </a:solidFill>
               </a:defRPr>
             </a:lvl4pPr>
-            <a:lvl5pPr lvl="4" rtl="0" algn="r">
+            <a:lvl5pPr lvl="4" algn="r" rtl="0">
               <a:buNone/>
               <a:defRPr sz="1000">
                 <a:solidFill>
@@ -9230,7 +9480,7 @@
                 </a:solidFill>
               </a:defRPr>
             </a:lvl5pPr>
-            <a:lvl6pPr lvl="5" rtl="0" algn="r">
+            <a:lvl6pPr lvl="5" algn="r" rtl="0">
               <a:buNone/>
               <a:defRPr sz="1000">
                 <a:solidFill>
@@ -9238,7 +9488,7 @@
                 </a:solidFill>
               </a:defRPr>
             </a:lvl6pPr>
-            <a:lvl7pPr lvl="6" rtl="0" algn="r">
+            <a:lvl7pPr lvl="6" algn="r" rtl="0">
               <a:buNone/>
               <a:defRPr sz="1000">
                 <a:solidFill>
@@ -9246,7 +9496,7 @@
                 </a:solidFill>
               </a:defRPr>
             </a:lvl7pPr>
-            <a:lvl8pPr lvl="7" rtl="0" algn="r">
+            <a:lvl8pPr lvl="7" algn="r" rtl="0">
               <a:buNone/>
               <a:defRPr sz="1000">
                 <a:solidFill>
@@ -9254,7 +9504,7 @@
                 </a:solidFill>
               </a:defRPr>
             </a:lvl8pPr>
-            <a:lvl9pPr lvl="8" rtl="0" algn="r">
+            <a:lvl9pPr lvl="8" algn="r" rtl="0">
               <a:buNone/>
               <a:defRPr sz="1000">
                 <a:solidFill>
@@ -9264,7 +9514,7 @@
             </a:lvl9pPr>
           </a:lstStyle>
           <a:p>
-            <a:pPr indent="0" lvl="0" marL="0">
+            <a:pPr marL="0" lvl="0" indent="0">
               <a:spcBef>
                 <a:spcPts val="0"/>
               </a:spcBef>
@@ -9275,7 +9525,7 @@
             </a:pPr>
             <a:fld id="{00000000-1234-1234-1234-123412341234}" type="slidenum">
               <a:rPr lang="pt-BR"/>
-              <a:t>‹#›</a:t>
+              <a:t>‹nº›</a:t>
             </a:fld>
             <a:endParaRPr/>
           </a:p>
@@ -9283,7 +9533,7 @@
       </p:sp>
     </p:spTree>
   </p:cSld>
-  <p:clrMap accent1="accent1" accent2="accent2" accent3="accent3" accent4="accent4" accent5="accent5" accent6="accent6" bg1="lt1" bg2="dk2" tx1="dk1" tx2="lt2" folHlink="folHlink" hlink="hlink"/>
+  <p:clrMap bg1="lt1" tx1="dk1" bg2="dk2" tx2="lt2" accent1="accent1" accent2="accent2" accent3="accent3" accent4="accent4" accent5="accent5" accent6="accent6" hlink="hlink" folHlink="folHlink"/>
   <p:sldLayoutIdLst>
     <p:sldLayoutId id="2147483648" r:id="rId1"/>
     <p:sldLayoutId id="2147483649" r:id="rId2"/>
@@ -9297,10 +9547,10 @@
     <p:sldLayoutId id="2147483657" r:id="rId10"/>
     <p:sldLayoutId id="2147483658" r:id="rId11"/>
   </p:sldLayoutIdLst>
-  <p:hf dt="0" ftr="0" hdr="0" sldNum="0"/>
+  <p:hf sldNum="0" hdr="0" ftr="0" dt="0"/>
   <p:txStyles>
     <p:titleStyle>
-      <a:defPPr lvl="0" marR="0" rtl="0" algn="l">
+      <a:defPPr marR="0" lvl="0" algn="l" rtl="0">
         <a:lnSpc>
           <a:spcPct val="100000"/>
         </a:lnSpc>
@@ -9311,7 +9561,7 @@
           <a:spcPts val="0"/>
         </a:spcAft>
       </a:defPPr>
-      <a:lvl1pPr lvl="0" marR="0" rtl="0" algn="l">
+      <a:lvl1pPr marR="0" lvl="0" algn="l" rtl="0">
         <a:lnSpc>
           <a:spcPct val="100000"/>
         </a:lnSpc>
@@ -9325,7 +9575,7 @@
           <a:srgbClr val="000000"/>
         </a:buClr>
         <a:buFont typeface="Arial"/>
-        <a:defRPr b="0" i="0" sz="1400" u="none" cap="none" strike="noStrike">
+        <a:defRPr sz="1400" b="0" i="0" u="none" strike="noStrike" cap="none">
           <a:solidFill>
             <a:srgbClr val="000000"/>
           </a:solidFill>
@@ -9335,7 +9585,7 @@
           <a:sym typeface="Arial"/>
         </a:defRPr>
       </a:lvl1pPr>
-      <a:lvl2pPr lvl="1" marR="0" rtl="0" algn="l">
+      <a:lvl2pPr marR="0" lvl="1" algn="l" rtl="0">
         <a:lnSpc>
           <a:spcPct val="100000"/>
         </a:lnSpc>
@@ -9349,7 +9599,7 @@
           <a:srgbClr val="000000"/>
         </a:buClr>
         <a:buFont typeface="Arial"/>
-        <a:defRPr b="0" i="0" sz="1400" u="none" cap="none" strike="noStrike">
+        <a:defRPr sz="1400" b="0" i="0" u="none" strike="noStrike" cap="none">
           <a:solidFill>
             <a:srgbClr val="000000"/>
           </a:solidFill>
@@ -9359,7 +9609,7 @@
           <a:sym typeface="Arial"/>
         </a:defRPr>
       </a:lvl2pPr>
-      <a:lvl3pPr lvl="2" marR="0" rtl="0" algn="l">
+      <a:lvl3pPr marR="0" lvl="2" algn="l" rtl="0">
         <a:lnSpc>
           <a:spcPct val="100000"/>
         </a:lnSpc>
@@ -9373,7 +9623,7 @@
           <a:srgbClr val="000000"/>
         </a:buClr>
         <a:buFont typeface="Arial"/>
-        <a:defRPr b="0" i="0" sz="1400" u="none" cap="none" strike="noStrike">
+        <a:defRPr sz="1400" b="0" i="0" u="none" strike="noStrike" cap="none">
           <a:solidFill>
             <a:srgbClr val="000000"/>
           </a:solidFill>
@@ -9383,7 +9633,7 @@
           <a:sym typeface="Arial"/>
         </a:defRPr>
       </a:lvl3pPr>
-      <a:lvl4pPr lvl="3" marR="0" rtl="0" algn="l">
+      <a:lvl4pPr marR="0" lvl="3" algn="l" rtl="0">
         <a:lnSpc>
           <a:spcPct val="100000"/>
         </a:lnSpc>
@@ -9397,7 +9647,7 @@
           <a:srgbClr val="000000"/>
         </a:buClr>
         <a:buFont typeface="Arial"/>
-        <a:defRPr b="0" i="0" sz="1400" u="none" cap="none" strike="noStrike">
+        <a:defRPr sz="1400" b="0" i="0" u="none" strike="noStrike" cap="none">
           <a:solidFill>
             <a:srgbClr val="000000"/>
           </a:solidFill>
@@ -9407,7 +9657,7 @@
           <a:sym typeface="Arial"/>
         </a:defRPr>
       </a:lvl4pPr>
-      <a:lvl5pPr lvl="4" marR="0" rtl="0" algn="l">
+      <a:lvl5pPr marR="0" lvl="4" algn="l" rtl="0">
         <a:lnSpc>
           <a:spcPct val="100000"/>
         </a:lnSpc>
@@ -9421,7 +9671,7 @@
           <a:srgbClr val="000000"/>
         </a:buClr>
         <a:buFont typeface="Arial"/>
-        <a:defRPr b="0" i="0" sz="1400" u="none" cap="none" strike="noStrike">
+        <a:defRPr sz="1400" b="0" i="0" u="none" strike="noStrike" cap="none">
           <a:solidFill>
             <a:srgbClr val="000000"/>
           </a:solidFill>
@@ -9431,7 +9681,7 @@
           <a:sym typeface="Arial"/>
         </a:defRPr>
       </a:lvl5pPr>
-      <a:lvl6pPr lvl="5" marR="0" rtl="0" algn="l">
+      <a:lvl6pPr marR="0" lvl="5" algn="l" rtl="0">
         <a:lnSpc>
           <a:spcPct val="100000"/>
         </a:lnSpc>
@@ -9445,7 +9695,7 @@
           <a:srgbClr val="000000"/>
         </a:buClr>
         <a:buFont typeface="Arial"/>
-        <a:defRPr b="0" i="0" sz="1400" u="none" cap="none" strike="noStrike">
+        <a:defRPr sz="1400" b="0" i="0" u="none" strike="noStrike" cap="none">
           <a:solidFill>
             <a:srgbClr val="000000"/>
           </a:solidFill>
@@ -9455,7 +9705,7 @@
           <a:sym typeface="Arial"/>
         </a:defRPr>
       </a:lvl6pPr>
-      <a:lvl7pPr lvl="6" marR="0" rtl="0" algn="l">
+      <a:lvl7pPr marR="0" lvl="6" algn="l" rtl="0">
         <a:lnSpc>
           <a:spcPct val="100000"/>
         </a:lnSpc>
@@ -9469,7 +9719,7 @@
           <a:srgbClr val="000000"/>
         </a:buClr>
         <a:buFont typeface="Arial"/>
-        <a:defRPr b="0" i="0" sz="1400" u="none" cap="none" strike="noStrike">
+        <a:defRPr sz="1400" b="0" i="0" u="none" strike="noStrike" cap="none">
           <a:solidFill>
             <a:srgbClr val="000000"/>
           </a:solidFill>
@@ -9479,7 +9729,7 @@
           <a:sym typeface="Arial"/>
         </a:defRPr>
       </a:lvl7pPr>
-      <a:lvl8pPr lvl="7" marR="0" rtl="0" algn="l">
+      <a:lvl8pPr marR="0" lvl="7" algn="l" rtl="0">
         <a:lnSpc>
           <a:spcPct val="100000"/>
         </a:lnSpc>
@@ -9493,7 +9743,7 @@
           <a:srgbClr val="000000"/>
         </a:buClr>
         <a:buFont typeface="Arial"/>
-        <a:defRPr b="0" i="0" sz="1400" u="none" cap="none" strike="noStrike">
+        <a:defRPr sz="1400" b="0" i="0" u="none" strike="noStrike" cap="none">
           <a:solidFill>
             <a:srgbClr val="000000"/>
           </a:solidFill>
@@ -9503,7 +9753,7 @@
           <a:sym typeface="Arial"/>
         </a:defRPr>
       </a:lvl8pPr>
-      <a:lvl9pPr lvl="8" marR="0" rtl="0" algn="l">
+      <a:lvl9pPr marR="0" lvl="8" algn="l" rtl="0">
         <a:lnSpc>
           <a:spcPct val="100000"/>
         </a:lnSpc>
@@ -9517,7 +9767,7 @@
           <a:srgbClr val="000000"/>
         </a:buClr>
         <a:buFont typeface="Arial"/>
-        <a:defRPr b="0" i="0" sz="1400" u="none" cap="none" strike="noStrike">
+        <a:defRPr sz="1400" b="0" i="0" u="none" strike="noStrike" cap="none">
           <a:solidFill>
             <a:srgbClr val="000000"/>
           </a:solidFill>
@@ -9529,7 +9779,7 @@
       </a:lvl9pPr>
     </p:titleStyle>
     <p:bodyStyle>
-      <a:defPPr lvl="0" marR="0" rtl="0" algn="l">
+      <a:defPPr marR="0" lvl="0" algn="l" rtl="0">
         <a:lnSpc>
           <a:spcPct val="100000"/>
         </a:lnSpc>
@@ -9540,7 +9790,7 @@
           <a:spcPts val="0"/>
         </a:spcAft>
       </a:defPPr>
-      <a:lvl1pPr lvl="0" marR="0" rtl="0" algn="l">
+      <a:lvl1pPr marR="0" lvl="0" algn="l" rtl="0">
         <a:lnSpc>
           <a:spcPct val="100000"/>
         </a:lnSpc>
@@ -9554,7 +9804,7 @@
           <a:srgbClr val="000000"/>
         </a:buClr>
         <a:buFont typeface="Arial"/>
-        <a:defRPr b="0" i="0" sz="1400" u="none" cap="none" strike="noStrike">
+        <a:defRPr sz="1400" b="0" i="0" u="none" strike="noStrike" cap="none">
           <a:solidFill>
             <a:srgbClr val="000000"/>
           </a:solidFill>
@@ -9564,7 +9814,7 @@
           <a:sym typeface="Arial"/>
         </a:defRPr>
       </a:lvl1pPr>
-      <a:lvl2pPr lvl="1" marR="0" rtl="0" algn="l">
+      <a:lvl2pPr marR="0" lvl="1" algn="l" rtl="0">
         <a:lnSpc>
           <a:spcPct val="100000"/>
         </a:lnSpc>
@@ -9578,7 +9828,7 @@
           <a:srgbClr val="000000"/>
         </a:buClr>
         <a:buFont typeface="Arial"/>
-        <a:defRPr b="0" i="0" sz="1400" u="none" cap="none" strike="noStrike">
+        <a:defRPr sz="1400" b="0" i="0" u="none" strike="noStrike" cap="none">
           <a:solidFill>
             <a:srgbClr val="000000"/>
           </a:solidFill>
@@ -9588,7 +9838,7 @@
           <a:sym typeface="Arial"/>
         </a:defRPr>
       </a:lvl2pPr>
-      <a:lvl3pPr lvl="2" marR="0" rtl="0" algn="l">
+      <a:lvl3pPr marR="0" lvl="2" algn="l" rtl="0">
         <a:lnSpc>
           <a:spcPct val="100000"/>
         </a:lnSpc>
@@ -9602,7 +9852,7 @@
           <a:srgbClr val="000000"/>
         </a:buClr>
         <a:buFont typeface="Arial"/>
-        <a:defRPr b="0" i="0" sz="1400" u="none" cap="none" strike="noStrike">
+        <a:defRPr sz="1400" b="0" i="0" u="none" strike="noStrike" cap="none">
           <a:solidFill>
             <a:srgbClr val="000000"/>
           </a:solidFill>
@@ -9612,7 +9862,7 @@
           <a:sym typeface="Arial"/>
         </a:defRPr>
       </a:lvl3pPr>
-      <a:lvl4pPr lvl="3" marR="0" rtl="0" algn="l">
+      <a:lvl4pPr marR="0" lvl="3" algn="l" rtl="0">
         <a:lnSpc>
           <a:spcPct val="100000"/>
         </a:lnSpc>
@@ -9626,7 +9876,7 @@
           <a:srgbClr val="000000"/>
         </a:buClr>
         <a:buFont typeface="Arial"/>
-        <a:defRPr b="0" i="0" sz="1400" u="none" cap="none" strike="noStrike">
+        <a:defRPr sz="1400" b="0" i="0" u="none" strike="noStrike" cap="none">
           <a:solidFill>
             <a:srgbClr val="000000"/>
           </a:solidFill>
@@ -9636,7 +9886,7 @@
           <a:sym typeface="Arial"/>
         </a:defRPr>
       </a:lvl4pPr>
-      <a:lvl5pPr lvl="4" marR="0" rtl="0" algn="l">
+      <a:lvl5pPr marR="0" lvl="4" algn="l" rtl="0">
         <a:lnSpc>
           <a:spcPct val="100000"/>
         </a:lnSpc>
@@ -9650,7 +9900,7 @@
           <a:srgbClr val="000000"/>
         </a:buClr>
         <a:buFont typeface="Arial"/>
-        <a:defRPr b="0" i="0" sz="1400" u="none" cap="none" strike="noStrike">
+        <a:defRPr sz="1400" b="0" i="0" u="none" strike="noStrike" cap="none">
           <a:solidFill>
             <a:srgbClr val="000000"/>
           </a:solidFill>
@@ -9660,7 +9910,7 @@
           <a:sym typeface="Arial"/>
         </a:defRPr>
       </a:lvl5pPr>
-      <a:lvl6pPr lvl="5" marR="0" rtl="0" algn="l">
+      <a:lvl6pPr marR="0" lvl="5" algn="l" rtl="0">
         <a:lnSpc>
           <a:spcPct val="100000"/>
         </a:lnSpc>
@@ -9674,7 +9924,7 @@
           <a:srgbClr val="000000"/>
         </a:buClr>
         <a:buFont typeface="Arial"/>
-        <a:defRPr b="0" i="0" sz="1400" u="none" cap="none" strike="noStrike">
+        <a:defRPr sz="1400" b="0" i="0" u="none" strike="noStrike" cap="none">
           <a:solidFill>
             <a:srgbClr val="000000"/>
           </a:solidFill>
@@ -9684,7 +9934,7 @@
           <a:sym typeface="Arial"/>
         </a:defRPr>
       </a:lvl6pPr>
-      <a:lvl7pPr lvl="6" marR="0" rtl="0" algn="l">
+      <a:lvl7pPr marR="0" lvl="6" algn="l" rtl="0">
         <a:lnSpc>
           <a:spcPct val="100000"/>
         </a:lnSpc>
@@ -9698,7 +9948,7 @@
           <a:srgbClr val="000000"/>
         </a:buClr>
         <a:buFont typeface="Arial"/>
-        <a:defRPr b="0" i="0" sz="1400" u="none" cap="none" strike="noStrike">
+        <a:defRPr sz="1400" b="0" i="0" u="none" strike="noStrike" cap="none">
           <a:solidFill>
             <a:srgbClr val="000000"/>
           </a:solidFill>
@@ -9708,7 +9958,7 @@
           <a:sym typeface="Arial"/>
         </a:defRPr>
       </a:lvl7pPr>
-      <a:lvl8pPr lvl="7" marR="0" rtl="0" algn="l">
+      <a:lvl8pPr marR="0" lvl="7" algn="l" rtl="0">
         <a:lnSpc>
           <a:spcPct val="100000"/>
         </a:lnSpc>
@@ -9722,7 +9972,7 @@
           <a:srgbClr val="000000"/>
         </a:buClr>
         <a:buFont typeface="Arial"/>
-        <a:defRPr b="0" i="0" sz="1400" u="none" cap="none" strike="noStrike">
+        <a:defRPr sz="1400" b="0" i="0" u="none" strike="noStrike" cap="none">
           <a:solidFill>
             <a:srgbClr val="000000"/>
           </a:solidFill>
@@ -9732,7 +9982,7 @@
           <a:sym typeface="Arial"/>
         </a:defRPr>
       </a:lvl8pPr>
-      <a:lvl9pPr lvl="8" marR="0" rtl="0" algn="l">
+      <a:lvl9pPr marR="0" lvl="8" algn="l" rtl="0">
         <a:lnSpc>
           <a:spcPct val="100000"/>
         </a:lnSpc>
@@ -9746,7 +9996,7 @@
           <a:srgbClr val="000000"/>
         </a:buClr>
         <a:buFont typeface="Arial"/>
-        <a:defRPr b="0" i="0" sz="1400" u="none" cap="none" strike="noStrike">
+        <a:defRPr sz="1400" b="0" i="0" u="none" strike="noStrike" cap="none">
           <a:solidFill>
             <a:srgbClr val="000000"/>
           </a:solidFill>
@@ -9758,7 +10008,7 @@
       </a:lvl9pPr>
     </p:bodyStyle>
     <p:otherStyle>
-      <a:defPPr lvl="0" marR="0" rtl="0" algn="l">
+      <a:defPPr marR="0" lvl="0" algn="l" rtl="0">
         <a:lnSpc>
           <a:spcPct val="100000"/>
         </a:lnSpc>
@@ -9769,7 +10019,7 @@
           <a:spcPts val="0"/>
         </a:spcAft>
       </a:defPPr>
-      <a:lvl1pPr lvl="0" marR="0" rtl="0" algn="l">
+      <a:lvl1pPr marR="0" lvl="0" algn="l" rtl="0">
         <a:lnSpc>
           <a:spcPct val="100000"/>
         </a:lnSpc>
@@ -9783,7 +10033,7 @@
           <a:srgbClr val="000000"/>
         </a:buClr>
         <a:buFont typeface="Arial"/>
-        <a:defRPr b="0" i="0" sz="1400" u="none" cap="none" strike="noStrike">
+        <a:defRPr sz="1400" b="0" i="0" u="none" strike="noStrike" cap="none">
           <a:solidFill>
             <a:srgbClr val="000000"/>
           </a:solidFill>
@@ -9793,7 +10043,7 @@
           <a:sym typeface="Arial"/>
         </a:defRPr>
       </a:lvl1pPr>
-      <a:lvl2pPr lvl="1" marR="0" rtl="0" algn="l">
+      <a:lvl2pPr marR="0" lvl="1" algn="l" rtl="0">
         <a:lnSpc>
           <a:spcPct val="100000"/>
         </a:lnSpc>
@@ -9807,7 +10057,7 @@
           <a:srgbClr val="000000"/>
         </a:buClr>
         <a:buFont typeface="Arial"/>
-        <a:defRPr b="0" i="0" sz="1400" u="none" cap="none" strike="noStrike">
+        <a:defRPr sz="1400" b="0" i="0" u="none" strike="noStrike" cap="none">
           <a:solidFill>
             <a:srgbClr val="000000"/>
           </a:solidFill>
@@ -9817,7 +10067,7 @@
           <a:sym typeface="Arial"/>
         </a:defRPr>
       </a:lvl2pPr>
-      <a:lvl3pPr lvl="2" marR="0" rtl="0" algn="l">
+      <a:lvl3pPr marR="0" lvl="2" algn="l" rtl="0">
         <a:lnSpc>
           <a:spcPct val="100000"/>
         </a:lnSpc>
@@ -9831,7 +10081,7 @@
           <a:srgbClr val="000000"/>
         </a:buClr>
         <a:buFont typeface="Arial"/>
-        <a:defRPr b="0" i="0" sz="1400" u="none" cap="none" strike="noStrike">
+        <a:defRPr sz="1400" b="0" i="0" u="none" strike="noStrike" cap="none">
           <a:solidFill>
             <a:srgbClr val="000000"/>
           </a:solidFill>
@@ -9841,7 +10091,7 @@
           <a:sym typeface="Arial"/>
         </a:defRPr>
       </a:lvl3pPr>
-      <a:lvl4pPr lvl="3" marR="0" rtl="0" algn="l">
+      <a:lvl4pPr marR="0" lvl="3" algn="l" rtl="0">
         <a:lnSpc>
           <a:spcPct val="100000"/>
         </a:lnSpc>
@@ -9855,7 +10105,7 @@
           <a:srgbClr val="000000"/>
         </a:buClr>
         <a:buFont typeface="Arial"/>
-        <a:defRPr b="0" i="0" sz="1400" u="none" cap="none" strike="noStrike">
+        <a:defRPr sz="1400" b="0" i="0" u="none" strike="noStrike" cap="none">
           <a:solidFill>
             <a:srgbClr val="000000"/>
           </a:solidFill>
@@ -9865,7 +10115,7 @@
           <a:sym typeface="Arial"/>
         </a:defRPr>
       </a:lvl4pPr>
-      <a:lvl5pPr lvl="4" marR="0" rtl="0" algn="l">
+      <a:lvl5pPr marR="0" lvl="4" algn="l" rtl="0">
         <a:lnSpc>
           <a:spcPct val="100000"/>
         </a:lnSpc>
@@ -9879,7 +10129,7 @@
           <a:srgbClr val="000000"/>
         </a:buClr>
         <a:buFont typeface="Arial"/>
-        <a:defRPr b="0" i="0" sz="1400" u="none" cap="none" strike="noStrike">
+        <a:defRPr sz="1400" b="0" i="0" u="none" strike="noStrike" cap="none">
           <a:solidFill>
             <a:srgbClr val="000000"/>
           </a:solidFill>
@@ -9889,7 +10139,7 @@
           <a:sym typeface="Arial"/>
         </a:defRPr>
       </a:lvl5pPr>
-      <a:lvl6pPr lvl="5" marR="0" rtl="0" algn="l">
+      <a:lvl6pPr marR="0" lvl="5" algn="l" rtl="0">
         <a:lnSpc>
           <a:spcPct val="100000"/>
         </a:lnSpc>
@@ -9903,7 +10153,7 @@
           <a:srgbClr val="000000"/>
         </a:buClr>
         <a:buFont typeface="Arial"/>
-        <a:defRPr b="0" i="0" sz="1400" u="none" cap="none" strike="noStrike">
+        <a:defRPr sz="1400" b="0" i="0" u="none" strike="noStrike" cap="none">
           <a:solidFill>
             <a:srgbClr val="000000"/>
           </a:solidFill>
@@ -9913,7 +10163,7 @@
           <a:sym typeface="Arial"/>
         </a:defRPr>
       </a:lvl6pPr>
-      <a:lvl7pPr lvl="6" marR="0" rtl="0" algn="l">
+      <a:lvl7pPr marR="0" lvl="6" algn="l" rtl="0">
         <a:lnSpc>
           <a:spcPct val="100000"/>
         </a:lnSpc>
@@ -9927,7 +10177,7 @@
           <a:srgbClr val="000000"/>
         </a:buClr>
         <a:buFont typeface="Arial"/>
-        <a:defRPr b="0" i="0" sz="1400" u="none" cap="none" strike="noStrike">
+        <a:defRPr sz="1400" b="0" i="0" u="none" strike="noStrike" cap="none">
           <a:solidFill>
             <a:srgbClr val="000000"/>
           </a:solidFill>
@@ -9937,7 +10187,7 @@
           <a:sym typeface="Arial"/>
         </a:defRPr>
       </a:lvl7pPr>
-      <a:lvl8pPr lvl="7" marR="0" rtl="0" algn="l">
+      <a:lvl8pPr marR="0" lvl="7" algn="l" rtl="0">
         <a:lnSpc>
           <a:spcPct val="100000"/>
         </a:lnSpc>
@@ -9951,7 +10201,7 @@
           <a:srgbClr val="000000"/>
         </a:buClr>
         <a:buFont typeface="Arial"/>
-        <a:defRPr b="0" i="0" sz="1400" u="none" cap="none" strike="noStrike">
+        <a:defRPr sz="1400" b="0" i="0" u="none" strike="noStrike" cap="none">
           <a:solidFill>
             <a:srgbClr val="000000"/>
           </a:solidFill>
@@ -9961,7 +10211,7 @@
           <a:sym typeface="Arial"/>
         </a:defRPr>
       </a:lvl8pPr>
-      <a:lvl9pPr lvl="8" marR="0" rtl="0" algn="l">
+      <a:lvl9pPr marR="0" lvl="8" algn="l" rtl="0">
         <a:lnSpc>
           <a:spcPct val="100000"/>
         </a:lnSpc>
@@ -9975,7 +10225,7 @@
           <a:srgbClr val="000000"/>
         </a:buClr>
         <a:buFont typeface="Arial"/>
-        <a:defRPr b="0" i="0" sz="1400" u="none" cap="none" strike="noStrike">
+        <a:defRPr sz="1400" b="0" i="0" u="none" strike="noStrike" cap="none">
           <a:solidFill>
             <a:srgbClr val="000000"/>
           </a:solidFill>
@@ -9991,18 +10241,19 @@
 </file>
 
 <file path=ppt/slideMasters/slideMaster2.xml><?xml version="1.0" encoding="utf-8"?>
-<p:sldMaster xmlns:a="http://schemas.openxmlformats.org/drawingml/2006/main" xmlns:r="http://schemas.openxmlformats.org/officeDocument/2006/relationships" xmlns:mc="http://schemas.openxmlformats.org/markup-compatibility/2006" xmlns:mv="urn:schemas-microsoft-com:mac:vml" xmlns:p="http://schemas.openxmlformats.org/presentationml/2006/main" xmlns:c="http://schemas.openxmlformats.org/drawingml/2006/chart" xmlns:dgm="http://schemas.openxmlformats.org/drawingml/2006/diagram" xmlns:o="urn:schemas-microsoft-com:office:office" xmlns:v="urn:schemas-microsoft-com:vml" xmlns:pvml="urn:schemas-microsoft-com:office:powerpoint" xmlns:com="http://schemas.openxmlformats.org/drawingml/2006/compatibility" xmlns:p14="http://schemas.microsoft.com/office/powerpoint/2010/main" xmlns:p15="http://schemas.microsoft.com/office/powerpoint/2012/main">
+<p:sldMaster xmlns:a="http://schemas.openxmlformats.org/drawingml/2006/main" xmlns:r="http://schemas.openxmlformats.org/officeDocument/2006/relationships" xmlns:p="http://schemas.openxmlformats.org/presentationml/2006/main">
   <p:cSld name="spearmint">
     <p:bg>
       <p:bgPr>
         <a:solidFill>
           <a:schemeClr val="lt1"/>
         </a:solidFill>
+        <a:effectLst/>
       </p:bgPr>
     </p:bg>
     <p:spTree>
       <p:nvGrpSpPr>
-        <p:cNvPr id="50" name="Shape 50"/>
+        <p:cNvPr id="1" name="Shape 50"/>
         <p:cNvGrpSpPr/>
         <p:nvPr/>
       </p:nvGrpSpPr>
@@ -10017,7 +10268,9 @@
       <p:sp>
         <p:nvSpPr>
           <p:cNvPr id="51" name="Shape 51"/>
-          <p:cNvSpPr txBox="1"/>
+          <p:cNvSpPr txBox="1">
+            <a:spLocks noGrp="1"/>
+          </p:cNvSpPr>
           <p:nvPr>
             <p:ph type="title"/>
           </p:nvPr>
@@ -10036,7 +10289,7 @@
           </a:ln>
         </p:spPr>
         <p:txBody>
-          <a:bodyPr anchorCtr="0" anchor="t" bIns="91425" lIns="91425" spcFirstLastPara="1" rIns="91425" wrap="square" tIns="91425"/>
+          <a:bodyPr spcFirstLastPara="1" wrap="square" lIns="91425" tIns="91425" rIns="91425" bIns="91425" anchor="t" anchorCtr="0"/>
           <a:lstStyle>
             <a:lvl1pPr lvl="0" rtl="0">
               <a:spcBef>
@@ -10246,15 +10499,19 @@
               </a:defRPr>
             </a:lvl9pPr>
           </a:lstStyle>
-          <a:p/>
+          <a:p>
+            <a:endParaRPr/>
+          </a:p>
         </p:txBody>
       </p:sp>
       <p:sp>
         <p:nvSpPr>
           <p:cNvPr id="52" name="Shape 52"/>
-          <p:cNvSpPr txBox="1"/>
+          <p:cNvSpPr txBox="1">
+            <a:spLocks noGrp="1"/>
+          </p:cNvSpPr>
           <p:nvPr>
-            <p:ph idx="1" type="body"/>
+            <p:ph type="body" idx="1"/>
           </p:nvPr>
         </p:nvSpPr>
         <p:spPr>
@@ -10271,9 +10528,9 @@
           </a:ln>
         </p:spPr>
         <p:txBody>
-          <a:bodyPr anchorCtr="0" anchor="t" bIns="91425" lIns="91425" spcFirstLastPara="1" rIns="91425" wrap="square" tIns="91425"/>
+          <a:bodyPr spcFirstLastPara="1" wrap="square" lIns="91425" tIns="91425" rIns="91425" bIns="91425" anchor="t" anchorCtr="0"/>
           <a:lstStyle>
-            <a:lvl1pPr indent="-342900" lvl="0" marL="457200" rtl="0">
+            <a:lvl1pPr marL="457200" lvl="0" indent="-342900" rtl="0">
               <a:lnSpc>
                 <a:spcPct val="115000"/>
               </a:lnSpc>
@@ -10299,7 +10556,7 @@
                 <a:sym typeface="Proxima Nova"/>
               </a:defRPr>
             </a:lvl1pPr>
-            <a:lvl2pPr indent="-317500" lvl="1" marL="914400" rtl="0">
+            <a:lvl2pPr marL="914400" lvl="1" indent="-317500" rtl="0">
               <a:lnSpc>
                 <a:spcPct val="115000"/>
               </a:lnSpc>
@@ -10325,7 +10582,7 @@
                 <a:sym typeface="Proxima Nova"/>
               </a:defRPr>
             </a:lvl2pPr>
-            <a:lvl3pPr indent="-317500" lvl="2" marL="1371600" rtl="0">
+            <a:lvl3pPr marL="1371600" lvl="2" indent="-317500" rtl="0">
               <a:lnSpc>
                 <a:spcPct val="115000"/>
               </a:lnSpc>
@@ -10351,7 +10608,7 @@
                 <a:sym typeface="Proxima Nova"/>
               </a:defRPr>
             </a:lvl3pPr>
-            <a:lvl4pPr indent="-317500" lvl="3" marL="1828800" rtl="0">
+            <a:lvl4pPr marL="1828800" lvl="3" indent="-317500" rtl="0">
               <a:lnSpc>
                 <a:spcPct val="115000"/>
               </a:lnSpc>
@@ -10377,7 +10634,7 @@
                 <a:sym typeface="Proxima Nova"/>
               </a:defRPr>
             </a:lvl4pPr>
-            <a:lvl5pPr indent="-317500" lvl="4" marL="2286000" rtl="0">
+            <a:lvl5pPr marL="2286000" lvl="4" indent="-317500" rtl="0">
               <a:lnSpc>
                 <a:spcPct val="115000"/>
               </a:lnSpc>
@@ -10403,7 +10660,7 @@
                 <a:sym typeface="Proxima Nova"/>
               </a:defRPr>
             </a:lvl5pPr>
-            <a:lvl6pPr indent="-317500" lvl="5" marL="2743200" rtl="0">
+            <a:lvl6pPr marL="2743200" lvl="5" indent="-317500" rtl="0">
               <a:lnSpc>
                 <a:spcPct val="115000"/>
               </a:lnSpc>
@@ -10429,7 +10686,7 @@
                 <a:sym typeface="Proxima Nova"/>
               </a:defRPr>
             </a:lvl6pPr>
-            <a:lvl7pPr indent="-317500" lvl="6" marL="3200400" rtl="0">
+            <a:lvl7pPr marL="3200400" lvl="6" indent="-317500" rtl="0">
               <a:lnSpc>
                 <a:spcPct val="115000"/>
               </a:lnSpc>
@@ -10455,7 +10712,7 @@
                 <a:sym typeface="Proxima Nova"/>
               </a:defRPr>
             </a:lvl7pPr>
-            <a:lvl8pPr indent="-317500" lvl="7" marL="3657600" rtl="0">
+            <a:lvl8pPr marL="3657600" lvl="7" indent="-317500" rtl="0">
               <a:lnSpc>
                 <a:spcPct val="115000"/>
               </a:lnSpc>
@@ -10481,7 +10738,7 @@
                 <a:sym typeface="Proxima Nova"/>
               </a:defRPr>
             </a:lvl8pPr>
-            <a:lvl9pPr indent="-317500" lvl="8" marL="4114800" rtl="0">
+            <a:lvl9pPr marL="4114800" lvl="8" indent="-317500" rtl="0">
               <a:lnSpc>
                 <a:spcPct val="115000"/>
               </a:lnSpc>
@@ -10508,15 +10765,19 @@
               </a:defRPr>
             </a:lvl9pPr>
           </a:lstStyle>
-          <a:p/>
+          <a:p>
+            <a:endParaRPr/>
+          </a:p>
         </p:txBody>
       </p:sp>
       <p:sp>
         <p:nvSpPr>
           <p:cNvPr id="53" name="Shape 53"/>
-          <p:cNvSpPr txBox="1"/>
+          <p:cNvSpPr txBox="1">
+            <a:spLocks noGrp="1"/>
+          </p:cNvSpPr>
           <p:nvPr>
-            <p:ph idx="12" type="sldNum"/>
+            <p:ph type="sldNum" idx="12"/>
           </p:nvPr>
         </p:nvSpPr>
         <p:spPr>
@@ -10533,11 +10794,11 @@
           </a:ln>
         </p:spPr>
         <p:txBody>
-          <a:bodyPr anchorCtr="0" anchor="ctr" bIns="91425" lIns="91425" spcFirstLastPara="1" rIns="91425" wrap="square" tIns="91425">
+          <a:bodyPr spcFirstLastPara="1" wrap="square" lIns="91425" tIns="91425" rIns="91425" bIns="91425" anchor="ctr" anchorCtr="0">
             <a:noAutofit/>
           </a:bodyPr>
           <a:lstStyle>
-            <a:lvl1pPr lvl="0" rtl="0" algn="r">
+            <a:lvl1pPr lvl="0" algn="r" rtl="0">
               <a:buNone/>
               <a:defRPr sz="1000">
                 <a:solidFill>
@@ -10549,7 +10810,7 @@
                 <a:sym typeface="Proxima Nova"/>
               </a:defRPr>
             </a:lvl1pPr>
-            <a:lvl2pPr lvl="1" rtl="0" algn="r">
+            <a:lvl2pPr lvl="1" algn="r" rtl="0">
               <a:buNone/>
               <a:defRPr sz="1000">
                 <a:solidFill>
@@ -10561,7 +10822,7 @@
                 <a:sym typeface="Proxima Nova"/>
               </a:defRPr>
             </a:lvl2pPr>
-            <a:lvl3pPr lvl="2" rtl="0" algn="r">
+            <a:lvl3pPr lvl="2" algn="r" rtl="0">
               <a:buNone/>
               <a:defRPr sz="1000">
                 <a:solidFill>
@@ -10573,7 +10834,7 @@
                 <a:sym typeface="Proxima Nova"/>
               </a:defRPr>
             </a:lvl3pPr>
-            <a:lvl4pPr lvl="3" rtl="0" algn="r">
+            <a:lvl4pPr lvl="3" algn="r" rtl="0">
               <a:buNone/>
               <a:defRPr sz="1000">
                 <a:solidFill>
@@ -10585,7 +10846,7 @@
                 <a:sym typeface="Proxima Nova"/>
               </a:defRPr>
             </a:lvl4pPr>
-            <a:lvl5pPr lvl="4" rtl="0" algn="r">
+            <a:lvl5pPr lvl="4" algn="r" rtl="0">
               <a:buNone/>
               <a:defRPr sz="1000">
                 <a:solidFill>
@@ -10597,7 +10858,7 @@
                 <a:sym typeface="Proxima Nova"/>
               </a:defRPr>
             </a:lvl5pPr>
-            <a:lvl6pPr lvl="5" rtl="0" algn="r">
+            <a:lvl6pPr lvl="5" algn="r" rtl="0">
               <a:buNone/>
               <a:defRPr sz="1000">
                 <a:solidFill>
@@ -10609,7 +10870,7 @@
                 <a:sym typeface="Proxima Nova"/>
               </a:defRPr>
             </a:lvl6pPr>
-            <a:lvl7pPr lvl="6" rtl="0" algn="r">
+            <a:lvl7pPr lvl="6" algn="r" rtl="0">
               <a:buNone/>
               <a:defRPr sz="1000">
                 <a:solidFill>
@@ -10621,7 +10882,7 @@
                 <a:sym typeface="Proxima Nova"/>
               </a:defRPr>
             </a:lvl7pPr>
-            <a:lvl8pPr lvl="7" rtl="0" algn="r">
+            <a:lvl8pPr lvl="7" algn="r" rtl="0">
               <a:buNone/>
               <a:defRPr sz="1000">
                 <a:solidFill>
@@ -10633,7 +10894,7 @@
                 <a:sym typeface="Proxima Nova"/>
               </a:defRPr>
             </a:lvl8pPr>
-            <a:lvl9pPr lvl="8" rtl="0" algn="r">
+            <a:lvl9pPr lvl="8" algn="r" rtl="0">
               <a:buNone/>
               <a:defRPr sz="1000">
                 <a:solidFill>
@@ -10647,7 +10908,7 @@
             </a:lvl9pPr>
           </a:lstStyle>
           <a:p>
-            <a:pPr indent="0" lvl="0" marL="0">
+            <a:pPr marL="0" lvl="0" indent="0">
               <a:spcBef>
                 <a:spcPts val="0"/>
               </a:spcBef>
@@ -10658,7 +10919,7 @@
             </a:pPr>
             <a:fld id="{00000000-1234-1234-1234-123412341234}" type="slidenum">
               <a:rPr lang="pt-BR"/>
-              <a:t>‹#›</a:t>
+              <a:t>‹nº›</a:t>
             </a:fld>
             <a:endParaRPr/>
           </a:p>
@@ -10666,7 +10927,7 @@
       </p:sp>
     </p:spTree>
   </p:cSld>
-  <p:clrMap accent1="accent1" accent2="accent2" accent3="accent3" accent4="accent4" accent5="accent5" accent6="accent6" bg1="lt1" bg2="dk2" tx1="dk1" tx2="lt2" folHlink="folHlink" hlink="hlink"/>
+  <p:clrMap bg1="lt1" tx1="dk1" bg2="dk2" tx2="lt2" accent1="accent1" accent2="accent2" accent3="accent3" accent4="accent4" accent5="accent5" accent6="accent6" hlink="hlink" folHlink="folHlink"/>
   <p:sldLayoutIdLst>
     <p:sldLayoutId id="2147483659" r:id="rId1"/>
     <p:sldLayoutId id="2147483660" r:id="rId2"/>
@@ -10680,10 +10941,10 @@
     <p:sldLayoutId id="2147483668" r:id="rId10"/>
     <p:sldLayoutId id="2147483669" r:id="rId11"/>
   </p:sldLayoutIdLst>
-  <p:hf dt="0" ftr="0" hdr="0" sldNum="0"/>
+  <p:hf sldNum="0" hdr="0" ftr="0" dt="0"/>
   <p:txStyles>
     <p:titleStyle>
-      <a:defPPr lvl="0" marR="0" rtl="0" algn="l">
+      <a:defPPr marR="0" lvl="0" algn="l" rtl="0">
         <a:lnSpc>
           <a:spcPct val="100000"/>
         </a:lnSpc>
@@ -10694,7 +10955,7 @@
           <a:spcPts val="0"/>
         </a:spcAft>
       </a:defPPr>
-      <a:lvl1pPr lvl="0" marR="0" rtl="0" algn="l">
+      <a:lvl1pPr marR="0" lvl="0" algn="l" rtl="0">
         <a:lnSpc>
           <a:spcPct val="100000"/>
         </a:lnSpc>
@@ -10708,7 +10969,7 @@
           <a:srgbClr val="000000"/>
         </a:buClr>
         <a:buFont typeface="Arial"/>
-        <a:defRPr b="0" i="0" sz="1400" u="none" cap="none" strike="noStrike">
+        <a:defRPr sz="1400" b="0" i="0" u="none" strike="noStrike" cap="none">
           <a:solidFill>
             <a:srgbClr val="000000"/>
           </a:solidFill>
@@ -10718,7 +10979,7 @@
           <a:sym typeface="Arial"/>
         </a:defRPr>
       </a:lvl1pPr>
-      <a:lvl2pPr lvl="1" marR="0" rtl="0" algn="l">
+      <a:lvl2pPr marR="0" lvl="1" algn="l" rtl="0">
         <a:lnSpc>
           <a:spcPct val="100000"/>
         </a:lnSpc>
@@ -10732,7 +10993,7 @@
           <a:srgbClr val="000000"/>
         </a:buClr>
         <a:buFont typeface="Arial"/>
-        <a:defRPr b="0" i="0" sz="1400" u="none" cap="none" strike="noStrike">
+        <a:defRPr sz="1400" b="0" i="0" u="none" strike="noStrike" cap="none">
           <a:solidFill>
             <a:srgbClr val="000000"/>
           </a:solidFill>
@@ -10742,7 +11003,7 @@
           <a:sym typeface="Arial"/>
         </a:defRPr>
       </a:lvl2pPr>
-      <a:lvl3pPr lvl="2" marR="0" rtl="0" algn="l">
+      <a:lvl3pPr marR="0" lvl="2" algn="l" rtl="0">
         <a:lnSpc>
           <a:spcPct val="100000"/>
         </a:lnSpc>
@@ -10756,7 +11017,7 @@
           <a:srgbClr val="000000"/>
         </a:buClr>
         <a:buFont typeface="Arial"/>
-        <a:defRPr b="0" i="0" sz="1400" u="none" cap="none" strike="noStrike">
+        <a:defRPr sz="1400" b="0" i="0" u="none" strike="noStrike" cap="none">
           <a:solidFill>
             <a:srgbClr val="000000"/>
           </a:solidFill>
@@ -10766,7 +11027,7 @@
           <a:sym typeface="Arial"/>
         </a:defRPr>
       </a:lvl3pPr>
-      <a:lvl4pPr lvl="3" marR="0" rtl="0" algn="l">
+      <a:lvl4pPr marR="0" lvl="3" algn="l" rtl="0">
         <a:lnSpc>
           <a:spcPct val="100000"/>
         </a:lnSpc>
@@ -10780,7 +11041,7 @@
           <a:srgbClr val="000000"/>
         </a:buClr>
         <a:buFont typeface="Arial"/>
-        <a:defRPr b="0" i="0" sz="1400" u="none" cap="none" strike="noStrike">
+        <a:defRPr sz="1400" b="0" i="0" u="none" strike="noStrike" cap="none">
           <a:solidFill>
             <a:srgbClr val="000000"/>
           </a:solidFill>
@@ -10790,7 +11051,7 @@
           <a:sym typeface="Arial"/>
         </a:defRPr>
       </a:lvl4pPr>
-      <a:lvl5pPr lvl="4" marR="0" rtl="0" algn="l">
+      <a:lvl5pPr marR="0" lvl="4" algn="l" rtl="0">
         <a:lnSpc>
           <a:spcPct val="100000"/>
         </a:lnSpc>
@@ -10804,7 +11065,7 @@
           <a:srgbClr val="000000"/>
         </a:buClr>
         <a:buFont typeface="Arial"/>
-        <a:defRPr b="0" i="0" sz="1400" u="none" cap="none" strike="noStrike">
+        <a:defRPr sz="1400" b="0" i="0" u="none" strike="noStrike" cap="none">
           <a:solidFill>
             <a:srgbClr val="000000"/>
           </a:solidFill>
@@ -10814,7 +11075,7 @@
           <a:sym typeface="Arial"/>
         </a:defRPr>
       </a:lvl5pPr>
-      <a:lvl6pPr lvl="5" marR="0" rtl="0" algn="l">
+      <a:lvl6pPr marR="0" lvl="5" algn="l" rtl="0">
         <a:lnSpc>
           <a:spcPct val="100000"/>
         </a:lnSpc>
@@ -10828,7 +11089,7 @@
           <a:srgbClr val="000000"/>
         </a:buClr>
         <a:buFont typeface="Arial"/>
-        <a:defRPr b="0" i="0" sz="1400" u="none" cap="none" strike="noStrike">
+        <a:defRPr sz="1400" b="0" i="0" u="none" strike="noStrike" cap="none">
           <a:solidFill>
             <a:srgbClr val="000000"/>
           </a:solidFill>
@@ -10838,7 +11099,7 @@
           <a:sym typeface="Arial"/>
         </a:defRPr>
       </a:lvl6pPr>
-      <a:lvl7pPr lvl="6" marR="0" rtl="0" algn="l">
+      <a:lvl7pPr marR="0" lvl="6" algn="l" rtl="0">
         <a:lnSpc>
           <a:spcPct val="100000"/>
         </a:lnSpc>
@@ -10852,7 +11113,7 @@
           <a:srgbClr val="000000"/>
         </a:buClr>
         <a:buFont typeface="Arial"/>
-        <a:defRPr b="0" i="0" sz="1400" u="none" cap="none" strike="noStrike">
+        <a:defRPr sz="1400" b="0" i="0" u="none" strike="noStrike" cap="none">
           <a:solidFill>
             <a:srgbClr val="000000"/>
           </a:solidFill>
@@ -10862,7 +11123,7 @@
           <a:sym typeface="Arial"/>
         </a:defRPr>
       </a:lvl7pPr>
-      <a:lvl8pPr lvl="7" marR="0" rtl="0" algn="l">
+      <a:lvl8pPr marR="0" lvl="7" algn="l" rtl="0">
         <a:lnSpc>
           <a:spcPct val="100000"/>
         </a:lnSpc>
@@ -10876,7 +11137,7 @@
           <a:srgbClr val="000000"/>
         </a:buClr>
         <a:buFont typeface="Arial"/>
-        <a:defRPr b="0" i="0" sz="1400" u="none" cap="none" strike="noStrike">
+        <a:defRPr sz="1400" b="0" i="0" u="none" strike="noStrike" cap="none">
           <a:solidFill>
             <a:srgbClr val="000000"/>
           </a:solidFill>
@@ -10886,7 +11147,7 @@
           <a:sym typeface="Arial"/>
         </a:defRPr>
       </a:lvl8pPr>
-      <a:lvl9pPr lvl="8" marR="0" rtl="0" algn="l">
+      <a:lvl9pPr marR="0" lvl="8" algn="l" rtl="0">
         <a:lnSpc>
           <a:spcPct val="100000"/>
         </a:lnSpc>
@@ -10900,7 +11161,7 @@
           <a:srgbClr val="000000"/>
         </a:buClr>
         <a:buFont typeface="Arial"/>
-        <a:defRPr b="0" i="0" sz="1400" u="none" cap="none" strike="noStrike">
+        <a:defRPr sz="1400" b="0" i="0" u="none" strike="noStrike" cap="none">
           <a:solidFill>
             <a:srgbClr val="000000"/>
           </a:solidFill>
@@ -10912,7 +11173,7 @@
       </a:lvl9pPr>
     </p:titleStyle>
     <p:bodyStyle>
-      <a:defPPr lvl="0" marR="0" rtl="0" algn="l">
+      <a:defPPr marR="0" lvl="0" algn="l" rtl="0">
         <a:lnSpc>
           <a:spcPct val="100000"/>
         </a:lnSpc>
@@ -10923,7 +11184,7 @@
           <a:spcPts val="0"/>
         </a:spcAft>
       </a:defPPr>
-      <a:lvl1pPr lvl="0" marR="0" rtl="0" algn="l">
+      <a:lvl1pPr marR="0" lvl="0" algn="l" rtl="0">
         <a:lnSpc>
           <a:spcPct val="100000"/>
         </a:lnSpc>
@@ -10937,7 +11198,7 @@
           <a:srgbClr val="000000"/>
         </a:buClr>
         <a:buFont typeface="Arial"/>
-        <a:defRPr b="0" i="0" sz="1400" u="none" cap="none" strike="noStrike">
+        <a:defRPr sz="1400" b="0" i="0" u="none" strike="noStrike" cap="none">
           <a:solidFill>
             <a:srgbClr val="000000"/>
           </a:solidFill>
@@ -10947,7 +11208,7 @@
           <a:sym typeface="Arial"/>
         </a:defRPr>
       </a:lvl1pPr>
-      <a:lvl2pPr lvl="1" marR="0" rtl="0" algn="l">
+      <a:lvl2pPr marR="0" lvl="1" algn="l" rtl="0">
         <a:lnSpc>
           <a:spcPct val="100000"/>
         </a:lnSpc>
@@ -10961,7 +11222,7 @@
           <a:srgbClr val="000000"/>
         </a:buClr>
         <a:buFont typeface="Arial"/>
-        <a:defRPr b="0" i="0" sz="1400" u="none" cap="none" strike="noStrike">
+        <a:defRPr sz="1400" b="0" i="0" u="none" strike="noStrike" cap="none">
           <a:solidFill>
             <a:srgbClr val="000000"/>
           </a:solidFill>
@@ -10971,7 +11232,7 @@
           <a:sym typeface="Arial"/>
         </a:defRPr>
       </a:lvl2pPr>
-      <a:lvl3pPr lvl="2" marR="0" rtl="0" algn="l">
+      <a:lvl3pPr marR="0" lvl="2" algn="l" rtl="0">
         <a:lnSpc>
           <a:spcPct val="100000"/>
         </a:lnSpc>
@@ -10985,7 +11246,7 @@
           <a:srgbClr val="000000"/>
         </a:buClr>
         <a:buFont typeface="Arial"/>
-        <a:defRPr b="0" i="0" sz="1400" u="none" cap="none" strike="noStrike">
+        <a:defRPr sz="1400" b="0" i="0" u="none" strike="noStrike" cap="none">
           <a:solidFill>
             <a:srgbClr val="000000"/>
           </a:solidFill>
@@ -10995,7 +11256,7 @@
           <a:sym typeface="Arial"/>
         </a:defRPr>
       </a:lvl3pPr>
-      <a:lvl4pPr lvl="3" marR="0" rtl="0" algn="l">
+      <a:lvl4pPr marR="0" lvl="3" algn="l" rtl="0">
         <a:lnSpc>
           <a:spcPct val="100000"/>
         </a:lnSpc>
@@ -11009,7 +11270,7 @@
           <a:srgbClr val="000000"/>
         </a:buClr>
         <a:buFont typeface="Arial"/>
-        <a:defRPr b="0" i="0" sz="1400" u="none" cap="none" strike="noStrike">
+        <a:defRPr sz="1400" b="0" i="0" u="none" strike="noStrike" cap="none">
           <a:solidFill>
             <a:srgbClr val="000000"/>
           </a:solidFill>
@@ -11019,7 +11280,7 @@
           <a:sym typeface="Arial"/>
         </a:defRPr>
       </a:lvl4pPr>
-      <a:lvl5pPr lvl="4" marR="0" rtl="0" algn="l">
+      <a:lvl5pPr marR="0" lvl="4" algn="l" rtl="0">
         <a:lnSpc>
           <a:spcPct val="100000"/>
         </a:lnSpc>
@@ -11033,7 +11294,7 @@
           <a:srgbClr val="000000"/>
         </a:buClr>
         <a:buFont typeface="Arial"/>
-        <a:defRPr b="0" i="0" sz="1400" u="none" cap="none" strike="noStrike">
+        <a:defRPr sz="1400" b="0" i="0" u="none" strike="noStrike" cap="none">
           <a:solidFill>
             <a:srgbClr val="000000"/>
           </a:solidFill>
@@ -11043,7 +11304,7 @@
           <a:sym typeface="Arial"/>
         </a:defRPr>
       </a:lvl5pPr>
-      <a:lvl6pPr lvl="5" marR="0" rtl="0" algn="l">
+      <a:lvl6pPr marR="0" lvl="5" algn="l" rtl="0">
         <a:lnSpc>
           <a:spcPct val="100000"/>
         </a:lnSpc>
@@ -11057,7 +11318,7 @@
           <a:srgbClr val="000000"/>
         </a:buClr>
         <a:buFont typeface="Arial"/>
-        <a:defRPr b="0" i="0" sz="1400" u="none" cap="none" strike="noStrike">
+        <a:defRPr sz="1400" b="0" i="0" u="none" strike="noStrike" cap="none">
           <a:solidFill>
             <a:srgbClr val="000000"/>
           </a:solidFill>
@@ -11067,7 +11328,7 @@
           <a:sym typeface="Arial"/>
         </a:defRPr>
       </a:lvl6pPr>
-      <a:lvl7pPr lvl="6" marR="0" rtl="0" algn="l">
+      <a:lvl7pPr marR="0" lvl="6" algn="l" rtl="0">
         <a:lnSpc>
           <a:spcPct val="100000"/>
         </a:lnSpc>
@@ -11081,7 +11342,7 @@
           <a:srgbClr val="000000"/>
         </a:buClr>
         <a:buFont typeface="Arial"/>
-        <a:defRPr b="0" i="0" sz="1400" u="none" cap="none" strike="noStrike">
+        <a:defRPr sz="1400" b="0" i="0" u="none" strike="noStrike" cap="none">
           <a:solidFill>
             <a:srgbClr val="000000"/>
           </a:solidFill>
@@ -11091,7 +11352,7 @@
           <a:sym typeface="Arial"/>
         </a:defRPr>
       </a:lvl7pPr>
-      <a:lvl8pPr lvl="7" marR="0" rtl="0" algn="l">
+      <a:lvl8pPr marR="0" lvl="7" algn="l" rtl="0">
         <a:lnSpc>
           <a:spcPct val="100000"/>
         </a:lnSpc>
@@ -11105,7 +11366,7 @@
           <a:srgbClr val="000000"/>
         </a:buClr>
         <a:buFont typeface="Arial"/>
-        <a:defRPr b="0" i="0" sz="1400" u="none" cap="none" strike="noStrike">
+        <a:defRPr sz="1400" b="0" i="0" u="none" strike="noStrike" cap="none">
           <a:solidFill>
             <a:srgbClr val="000000"/>
           </a:solidFill>
@@ -11115,7 +11376,7 @@
           <a:sym typeface="Arial"/>
         </a:defRPr>
       </a:lvl8pPr>
-      <a:lvl9pPr lvl="8" marR="0" rtl="0" algn="l">
+      <a:lvl9pPr marR="0" lvl="8" algn="l" rtl="0">
         <a:lnSpc>
           <a:spcPct val="100000"/>
         </a:lnSpc>
@@ -11129,7 +11390,7 @@
           <a:srgbClr val="000000"/>
         </a:buClr>
         <a:buFont typeface="Arial"/>
-        <a:defRPr b="0" i="0" sz="1400" u="none" cap="none" strike="noStrike">
+        <a:defRPr sz="1400" b="0" i="0" u="none" strike="noStrike" cap="none">
           <a:solidFill>
             <a:srgbClr val="000000"/>
           </a:solidFill>
@@ -11141,7 +11402,7 @@
       </a:lvl9pPr>
     </p:bodyStyle>
     <p:otherStyle>
-      <a:defPPr lvl="0" marR="0" rtl="0" algn="l">
+      <a:defPPr marR="0" lvl="0" algn="l" rtl="0">
         <a:lnSpc>
           <a:spcPct val="100000"/>
         </a:lnSpc>
@@ -11152,7 +11413,7 @@
           <a:spcPts val="0"/>
         </a:spcAft>
       </a:defPPr>
-      <a:lvl1pPr lvl="0" marR="0" rtl="0" algn="l">
+      <a:lvl1pPr marR="0" lvl="0" algn="l" rtl="0">
         <a:lnSpc>
           <a:spcPct val="100000"/>
         </a:lnSpc>
@@ -11166,7 +11427,7 @@
           <a:srgbClr val="000000"/>
         </a:buClr>
         <a:buFont typeface="Arial"/>
-        <a:defRPr b="0" i="0" sz="1400" u="none" cap="none" strike="noStrike">
+        <a:defRPr sz="1400" b="0" i="0" u="none" strike="noStrike" cap="none">
           <a:solidFill>
             <a:srgbClr val="000000"/>
           </a:solidFill>
@@ -11176,7 +11437,7 @@
           <a:sym typeface="Arial"/>
         </a:defRPr>
       </a:lvl1pPr>
-      <a:lvl2pPr lvl="1" marR="0" rtl="0" algn="l">
+      <a:lvl2pPr marR="0" lvl="1" algn="l" rtl="0">
         <a:lnSpc>
           <a:spcPct val="100000"/>
         </a:lnSpc>
@@ -11190,7 +11451,7 @@
           <a:srgbClr val="000000"/>
         </a:buClr>
         <a:buFont typeface="Arial"/>
-        <a:defRPr b="0" i="0" sz="1400" u="none" cap="none" strike="noStrike">
+        <a:defRPr sz="1400" b="0" i="0" u="none" strike="noStrike" cap="none">
           <a:solidFill>
             <a:srgbClr val="000000"/>
           </a:solidFill>
@@ -11200,7 +11461,7 @@
           <a:sym typeface="Arial"/>
         </a:defRPr>
       </a:lvl2pPr>
-      <a:lvl3pPr lvl="2" marR="0" rtl="0" algn="l">
+      <a:lvl3pPr marR="0" lvl="2" algn="l" rtl="0">
         <a:lnSpc>
           <a:spcPct val="100000"/>
         </a:lnSpc>
@@ -11214,7 +11475,7 @@
           <a:srgbClr val="000000"/>
         </a:buClr>
         <a:buFont typeface="Arial"/>
-        <a:defRPr b="0" i="0" sz="1400" u="none" cap="none" strike="noStrike">
+        <a:defRPr sz="1400" b="0" i="0" u="none" strike="noStrike" cap="none">
           <a:solidFill>
             <a:srgbClr val="000000"/>
           </a:solidFill>
@@ -11224,7 +11485,7 @@
           <a:sym typeface="Arial"/>
         </a:defRPr>
       </a:lvl3pPr>
-      <a:lvl4pPr lvl="3" marR="0" rtl="0" algn="l">
+      <a:lvl4pPr marR="0" lvl="3" algn="l" rtl="0">
         <a:lnSpc>
           <a:spcPct val="100000"/>
         </a:lnSpc>
@@ -11238,7 +11499,7 @@
           <a:srgbClr val="000000"/>
         </a:buClr>
         <a:buFont typeface="Arial"/>
-        <a:defRPr b="0" i="0" sz="1400" u="none" cap="none" strike="noStrike">
+        <a:defRPr sz="1400" b="0" i="0" u="none" strike="noStrike" cap="none">
           <a:solidFill>
             <a:srgbClr val="000000"/>
           </a:solidFill>
@@ -11248,7 +11509,7 @@
           <a:sym typeface="Arial"/>
         </a:defRPr>
       </a:lvl4pPr>
-      <a:lvl5pPr lvl="4" marR="0" rtl="0" algn="l">
+      <a:lvl5pPr marR="0" lvl="4" algn="l" rtl="0">
         <a:lnSpc>
           <a:spcPct val="100000"/>
         </a:lnSpc>
@@ -11262,7 +11523,7 @@
           <a:srgbClr val="000000"/>
         </a:buClr>
         <a:buFont typeface="Arial"/>
-        <a:defRPr b="0" i="0" sz="1400" u="none" cap="none" strike="noStrike">
+        <a:defRPr sz="1400" b="0" i="0" u="none" strike="noStrike" cap="none">
           <a:solidFill>
             <a:srgbClr val="000000"/>
           </a:solidFill>
@@ -11272,7 +11533,7 @@
           <a:sym typeface="Arial"/>
         </a:defRPr>
       </a:lvl5pPr>
-      <a:lvl6pPr lvl="5" marR="0" rtl="0" algn="l">
+      <a:lvl6pPr marR="0" lvl="5" algn="l" rtl="0">
         <a:lnSpc>
           <a:spcPct val="100000"/>
         </a:lnSpc>
@@ -11286,7 +11547,7 @@
           <a:srgbClr val="000000"/>
         </a:buClr>
         <a:buFont typeface="Arial"/>
-        <a:defRPr b="0" i="0" sz="1400" u="none" cap="none" strike="noStrike">
+        <a:defRPr sz="1400" b="0" i="0" u="none" strike="noStrike" cap="none">
           <a:solidFill>
             <a:srgbClr val="000000"/>
           </a:solidFill>
@@ -11296,7 +11557,7 @@
           <a:sym typeface="Arial"/>
         </a:defRPr>
       </a:lvl6pPr>
-      <a:lvl7pPr lvl="6" marR="0" rtl="0" algn="l">
+      <a:lvl7pPr marR="0" lvl="6" algn="l" rtl="0">
         <a:lnSpc>
           <a:spcPct val="100000"/>
         </a:lnSpc>
@@ -11310,7 +11571,7 @@
           <a:srgbClr val="000000"/>
         </a:buClr>
         <a:buFont typeface="Arial"/>
-        <a:defRPr b="0" i="0" sz="1400" u="none" cap="none" strike="noStrike">
+        <a:defRPr sz="1400" b="0" i="0" u="none" strike="noStrike" cap="none">
           <a:solidFill>
             <a:srgbClr val="000000"/>
           </a:solidFill>
@@ -11320,7 +11581,7 @@
           <a:sym typeface="Arial"/>
         </a:defRPr>
       </a:lvl7pPr>
-      <a:lvl8pPr lvl="7" marR="0" rtl="0" algn="l">
+      <a:lvl8pPr marR="0" lvl="7" algn="l" rtl="0">
         <a:lnSpc>
           <a:spcPct val="100000"/>
         </a:lnSpc>
@@ -11334,7 +11595,7 @@
           <a:srgbClr val="000000"/>
         </a:buClr>
         <a:buFont typeface="Arial"/>
-        <a:defRPr b="0" i="0" sz="1400" u="none" cap="none" strike="noStrike">
+        <a:defRPr sz="1400" b="0" i="0" u="none" strike="noStrike" cap="none">
           <a:solidFill>
             <a:srgbClr val="000000"/>
           </a:solidFill>
@@ -11344,7 +11605,7 @@
           <a:sym typeface="Arial"/>
         </a:defRPr>
       </a:lvl8pPr>
-      <a:lvl9pPr lvl="8" marR="0" rtl="0" algn="l">
+      <a:lvl9pPr marR="0" lvl="8" algn="l" rtl="0">
         <a:lnSpc>
           <a:spcPct val="100000"/>
         </a:lnSpc>
@@ -11358,7 +11619,7 @@
           <a:srgbClr val="000000"/>
         </a:buClr>
         <a:buFont typeface="Arial"/>
-        <a:defRPr b="0" i="0" sz="1400" u="none" cap="none" strike="noStrike">
+        <a:defRPr sz="1400" b="0" i="0" u="none" strike="noStrike" cap="none">
           <a:solidFill>
             <a:srgbClr val="000000"/>
           </a:solidFill>
@@ -11374,11 +11635,11 @@
 </file>
 
 <file path=ppt/slides/slide1.xml><?xml version="1.0" encoding="utf-8"?>
-<p:sld xmlns:a="http://schemas.openxmlformats.org/drawingml/2006/main" xmlns:r="http://schemas.openxmlformats.org/officeDocument/2006/relationships" xmlns:mc="http://schemas.openxmlformats.org/markup-compatibility/2006" xmlns:mv="urn:schemas-microsoft-com:mac:vml" xmlns:p="http://schemas.openxmlformats.org/presentationml/2006/main" xmlns:c="http://schemas.openxmlformats.org/drawingml/2006/chart" xmlns:dgm="http://schemas.openxmlformats.org/drawingml/2006/diagram" xmlns:o="urn:schemas-microsoft-com:office:office" xmlns:v="urn:schemas-microsoft-com:vml" xmlns:pvml="urn:schemas-microsoft-com:office:powerpoint" xmlns:com="http://schemas.openxmlformats.org/drawingml/2006/compatibility" xmlns:p14="http://schemas.microsoft.com/office/powerpoint/2010/main" xmlns:p15="http://schemas.microsoft.com/office/powerpoint/2012/main">
+<p:sld xmlns:a="http://schemas.openxmlformats.org/drawingml/2006/main" xmlns:r="http://schemas.openxmlformats.org/officeDocument/2006/relationships" xmlns:p="http://schemas.openxmlformats.org/presentationml/2006/main">
   <p:cSld>
     <p:spTree>
       <p:nvGrpSpPr>
-        <p:cNvPr id="103" name="Shape 103"/>
+        <p:cNvPr id="1" name="Shape 103"/>
         <p:cNvGrpSpPr/>
         <p:nvPr/>
       </p:nvGrpSpPr>
@@ -11392,7 +11653,7 @@
       </p:grpSpPr>
       <p:pic>
         <p:nvPicPr>
-          <p:cNvPr descr="Nuvem branca em um céu escuro estrelado" id="104" name="Shape 104"/>
+          <p:cNvPr id="104" name="Shape 104" descr="Nuvem branca em um céu escuro estrelado"/>
           <p:cNvPicPr preferRelativeResize="0"/>
           <p:nvPr/>
         </p:nvPicPr>
@@ -11400,7 +11661,7 @@
           <a:blip r:embed="rId3">
             <a:alphaModFix/>
           </a:blip>
-          <a:srcRect b="17067" l="0" r="1719" t="0"/>
+          <a:srcRect r="1719" b="17067"/>
           <a:stretch/>
         </p:blipFill>
         <p:spPr>
@@ -11420,7 +11681,9 @@
       <p:sp>
         <p:nvSpPr>
           <p:cNvPr id="105" name="Shape 105"/>
-          <p:cNvSpPr txBox="1"/>
+          <p:cNvSpPr txBox="1">
+            <a:spLocks noGrp="1"/>
+          </p:cNvSpPr>
           <p:nvPr>
             <p:ph type="ctrTitle"/>
           </p:nvPr>
@@ -11435,12 +11698,12 @@
           </a:prstGeom>
         </p:spPr>
         <p:txBody>
-          <a:bodyPr anchorCtr="0" anchor="b" bIns="91425" lIns="91425" spcFirstLastPara="1" rIns="91425" wrap="square" tIns="91425">
+          <a:bodyPr spcFirstLastPara="1" wrap="square" lIns="91425" tIns="91425" rIns="91425" bIns="91425" anchor="b" anchorCtr="0">
             <a:noAutofit/>
           </a:bodyPr>
           <a:lstStyle/>
           <a:p>
-            <a:pPr indent="0" lvl="0" marL="0" rtl="0">
+            <a:pPr marL="0" lvl="0" indent="0" rtl="0">
               <a:spcBef>
                 <a:spcPts val="0"/>
               </a:spcBef>
@@ -11460,9 +11723,11 @@
       <p:sp>
         <p:nvSpPr>
           <p:cNvPr id="106" name="Shape 106"/>
-          <p:cNvSpPr txBox="1"/>
+          <p:cNvSpPr txBox="1">
+            <a:spLocks noGrp="1"/>
+          </p:cNvSpPr>
           <p:nvPr>
-            <p:ph idx="1" type="subTitle"/>
+            <p:ph type="subTitle" idx="1"/>
           </p:nvPr>
         </p:nvSpPr>
         <p:spPr>
@@ -11475,12 +11740,12 @@
           </a:prstGeom>
         </p:spPr>
         <p:txBody>
-          <a:bodyPr anchorCtr="0" anchor="t" bIns="91425" lIns="91425" spcFirstLastPara="1" rIns="91425" wrap="square" tIns="91425">
+          <a:bodyPr spcFirstLastPara="1" wrap="square" lIns="91425" tIns="91425" rIns="91425" bIns="91425" anchor="t" anchorCtr="0">
             <a:noAutofit/>
           </a:bodyPr>
           <a:lstStyle/>
           <a:p>
-            <a:pPr indent="0" lvl="0" marL="0" rtl="0">
+            <a:pPr marL="0" lvl="0" indent="0" rtl="0">
               <a:spcBef>
                 <a:spcPts val="0"/>
               </a:spcBef>
@@ -11512,14 +11777,14 @@
             <a:avLst/>
           </a:prstGeom>
           <a:noFill/>
-          <a:ln cap="flat" cmpd="sng" w="19050">
+          <a:ln w="19050" cap="flat" cmpd="sng">
             <a:solidFill>
               <a:schemeClr val="lt1"/>
             </a:solidFill>
             <a:prstDash val="solid"/>
             <a:round/>
-            <a:headEnd len="med" w="med" type="none"/>
-            <a:tailEnd len="med" w="med" type="none"/>
+            <a:headEnd type="none" w="med" len="med"/>
+            <a:tailEnd type="none" w="med" len="med"/>
           </a:ln>
         </p:spPr>
       </p:cxnSp>
@@ -11532,11 +11797,11 @@
 </file>
 
 <file path=ppt/slides/slide2.xml><?xml version="1.0" encoding="utf-8"?>
-<p:sld xmlns:a="http://schemas.openxmlformats.org/drawingml/2006/main" xmlns:r="http://schemas.openxmlformats.org/officeDocument/2006/relationships" xmlns:mc="http://schemas.openxmlformats.org/markup-compatibility/2006" xmlns:mv="urn:schemas-microsoft-com:mac:vml" xmlns:p="http://schemas.openxmlformats.org/presentationml/2006/main" xmlns:c="http://schemas.openxmlformats.org/drawingml/2006/chart" xmlns:dgm="http://schemas.openxmlformats.org/drawingml/2006/diagram" xmlns:o="urn:schemas-microsoft-com:office:office" xmlns:v="urn:schemas-microsoft-com:vml" xmlns:pvml="urn:schemas-microsoft-com:office:powerpoint" xmlns:com="http://schemas.openxmlformats.org/drawingml/2006/compatibility" xmlns:p14="http://schemas.microsoft.com/office/powerpoint/2010/main" xmlns:p15="http://schemas.microsoft.com/office/powerpoint/2012/main">
+<p:sld xmlns:a="http://schemas.openxmlformats.org/drawingml/2006/main" xmlns:r="http://schemas.openxmlformats.org/officeDocument/2006/relationships" xmlns:p="http://schemas.openxmlformats.org/presentationml/2006/main">
   <p:cSld>
     <p:spTree>
       <p:nvGrpSpPr>
-        <p:cNvPr id="111" name="Shape 111"/>
+        <p:cNvPr id="1" name="Shape 111"/>
         <p:cNvGrpSpPr/>
         <p:nvPr/>
       </p:nvGrpSpPr>
@@ -11551,7 +11816,9 @@
       <p:sp>
         <p:nvSpPr>
           <p:cNvPr id="112" name="Shape 112"/>
-          <p:cNvSpPr txBox="1"/>
+          <p:cNvSpPr txBox="1">
+            <a:spLocks noGrp="1"/>
+          </p:cNvSpPr>
           <p:nvPr>
             <p:ph type="title"/>
           </p:nvPr>
@@ -11566,12 +11833,12 @@
           </a:prstGeom>
         </p:spPr>
         <p:txBody>
-          <a:bodyPr anchorCtr="0" anchor="t" bIns="91425" lIns="91425" spcFirstLastPara="1" rIns="91425" wrap="square" tIns="91425">
+          <a:bodyPr spcFirstLastPara="1" wrap="square" lIns="91425" tIns="91425" rIns="91425" bIns="91425" anchor="t" anchorCtr="0">
             <a:noAutofit/>
           </a:bodyPr>
           <a:lstStyle/>
           <a:p>
-            <a:pPr indent="0" lvl="0" marL="0">
+            <a:pPr marL="0" lvl="0" indent="0">
               <a:spcBef>
                 <a:spcPts val="0"/>
               </a:spcBef>
@@ -11591,9 +11858,11 @@
       <p:sp>
         <p:nvSpPr>
           <p:cNvPr id="113" name="Shape 113"/>
-          <p:cNvSpPr txBox="1"/>
+          <p:cNvSpPr txBox="1">
+            <a:spLocks noGrp="1"/>
+          </p:cNvSpPr>
           <p:nvPr>
-            <p:ph idx="1" type="body"/>
+            <p:ph type="body" idx="1"/>
           </p:nvPr>
         </p:nvSpPr>
         <p:spPr>
@@ -11606,12 +11875,12 @@
           </a:prstGeom>
         </p:spPr>
         <p:txBody>
-          <a:bodyPr anchorCtr="0" anchor="t" bIns="91425" lIns="91425" spcFirstLastPara="1" rIns="91425" wrap="square" tIns="91425">
+          <a:bodyPr spcFirstLastPara="1" wrap="square" lIns="91425" tIns="91425" rIns="91425" bIns="91425" anchor="t" anchorCtr="0">
             <a:noAutofit/>
           </a:bodyPr>
           <a:lstStyle/>
           <a:p>
-            <a:pPr indent="0" lvl="0" marL="0" rtl="0">
+            <a:pPr marL="0" lvl="0" indent="0" rtl="0">
               <a:spcBef>
                 <a:spcPts val="0"/>
               </a:spcBef>
@@ -11637,11 +11906,11 @@
 </file>
 
 <file path=ppt/slides/slide3.xml><?xml version="1.0" encoding="utf-8"?>
-<p:sld xmlns:a="http://schemas.openxmlformats.org/drawingml/2006/main" xmlns:r="http://schemas.openxmlformats.org/officeDocument/2006/relationships" xmlns:mc="http://schemas.openxmlformats.org/markup-compatibility/2006" xmlns:mv="urn:schemas-microsoft-com:mac:vml" xmlns:p="http://schemas.openxmlformats.org/presentationml/2006/main" xmlns:c="http://schemas.openxmlformats.org/drawingml/2006/chart" xmlns:dgm="http://schemas.openxmlformats.org/drawingml/2006/diagram" xmlns:o="urn:schemas-microsoft-com:office:office" xmlns:v="urn:schemas-microsoft-com:vml" xmlns:pvml="urn:schemas-microsoft-com:office:powerpoint" xmlns:com="http://schemas.openxmlformats.org/drawingml/2006/compatibility" xmlns:p14="http://schemas.microsoft.com/office/powerpoint/2010/main" xmlns:p15="http://schemas.microsoft.com/office/powerpoint/2012/main">
+<p:sld xmlns:a="http://schemas.openxmlformats.org/drawingml/2006/main" xmlns:r="http://schemas.openxmlformats.org/officeDocument/2006/relationships" xmlns:p="http://schemas.openxmlformats.org/presentationml/2006/main">
   <p:cSld>
     <p:spTree>
       <p:nvGrpSpPr>
-        <p:cNvPr id="117" name="Shape 117"/>
+        <p:cNvPr id="1" name="Shape 117"/>
         <p:cNvGrpSpPr/>
         <p:nvPr/>
       </p:nvGrpSpPr>
@@ -11656,7 +11925,9 @@
       <p:sp>
         <p:nvSpPr>
           <p:cNvPr id="118" name="Shape 118"/>
-          <p:cNvSpPr txBox="1"/>
+          <p:cNvSpPr txBox="1">
+            <a:spLocks noGrp="1"/>
+          </p:cNvSpPr>
           <p:nvPr>
             <p:ph type="title"/>
           </p:nvPr>
@@ -11671,12 +11942,12 @@
           </a:prstGeom>
         </p:spPr>
         <p:txBody>
-          <a:bodyPr anchorCtr="0" anchor="t" bIns="91425" lIns="91425" spcFirstLastPara="1" rIns="91425" wrap="square" tIns="91425">
+          <a:bodyPr spcFirstLastPara="1" wrap="square" lIns="91425" tIns="91425" rIns="91425" bIns="91425" anchor="t" anchorCtr="0">
             <a:noAutofit/>
           </a:bodyPr>
           <a:lstStyle/>
           <a:p>
-            <a:pPr indent="0" lvl="0" marL="0" rtl="0">
+            <a:pPr marL="0" lvl="0" indent="0" rtl="0">
               <a:spcBef>
                 <a:spcPts val="0"/>
               </a:spcBef>
@@ -11696,9 +11967,11 @@
       <p:sp>
         <p:nvSpPr>
           <p:cNvPr id="119" name="Shape 119"/>
-          <p:cNvSpPr txBox="1"/>
+          <p:cNvSpPr txBox="1">
+            <a:spLocks noGrp="1"/>
+          </p:cNvSpPr>
           <p:nvPr>
-            <p:ph idx="1" type="body"/>
+            <p:ph type="body" idx="1"/>
           </p:nvPr>
         </p:nvSpPr>
         <p:spPr>
@@ -11711,12 +11984,12 @@
           </a:prstGeom>
         </p:spPr>
         <p:txBody>
-          <a:bodyPr anchorCtr="0" anchor="t" bIns="91425" lIns="91425" spcFirstLastPara="1" rIns="91425" wrap="square" tIns="91425">
+          <a:bodyPr spcFirstLastPara="1" wrap="square" lIns="91425" tIns="91425" rIns="91425" bIns="91425" anchor="t" anchorCtr="0">
             <a:noAutofit/>
           </a:bodyPr>
           <a:lstStyle/>
           <a:p>
-            <a:pPr indent="-381000" lvl="0" marL="457200" rtl="0">
+            <a:pPr marL="457200" lvl="0" indent="-381000" rtl="0">
               <a:spcBef>
                 <a:spcPts val="0"/>
               </a:spcBef>
@@ -11733,7 +12006,7 @@
             <a:endParaRPr sz="2400"/>
           </a:p>
           <a:p>
-            <a:pPr indent="-381000" lvl="0" marL="457200" rtl="0">
+            <a:pPr marL="457200" lvl="0" indent="-381000" rtl="0">
               <a:spcBef>
                 <a:spcPts val="0"/>
               </a:spcBef>
@@ -11750,7 +12023,7 @@
             <a:endParaRPr sz="2400"/>
           </a:p>
           <a:p>
-            <a:pPr indent="-381000" lvl="0" marL="457200" rtl="0">
+            <a:pPr marL="457200" lvl="0" indent="-381000" rtl="0">
               <a:spcBef>
                 <a:spcPts val="0"/>
               </a:spcBef>
@@ -11767,7 +12040,7 @@
             <a:endParaRPr sz="2400"/>
           </a:p>
           <a:p>
-            <a:pPr indent="-381000" lvl="0" marL="457200" rtl="0">
+            <a:pPr marL="457200" lvl="0" indent="-381000" rtl="0">
               <a:spcBef>
                 <a:spcPts val="0"/>
               </a:spcBef>
@@ -11784,7 +12057,7 @@
             <a:endParaRPr sz="2400"/>
           </a:p>
           <a:p>
-            <a:pPr indent="-381000" lvl="0" marL="457200" rtl="0">
+            <a:pPr marL="457200" lvl="0" indent="-381000" rtl="0">
               <a:spcBef>
                 <a:spcPts val="0"/>
               </a:spcBef>
@@ -11801,7 +12074,7 @@
             <a:endParaRPr sz="2400"/>
           </a:p>
           <a:p>
-            <a:pPr indent="-381000" lvl="0" marL="457200" rtl="0">
+            <a:pPr marL="457200" lvl="0" indent="-381000" rtl="0">
               <a:spcBef>
                 <a:spcPts val="0"/>
               </a:spcBef>
@@ -11828,11 +12101,11 @@
 </file>
 
 <file path=ppt/slides/slide4.xml><?xml version="1.0" encoding="utf-8"?>
-<p:sld xmlns:a="http://schemas.openxmlformats.org/drawingml/2006/main" xmlns:r="http://schemas.openxmlformats.org/officeDocument/2006/relationships" xmlns:mc="http://schemas.openxmlformats.org/markup-compatibility/2006" xmlns:mv="urn:schemas-microsoft-com:mac:vml" xmlns:p="http://schemas.openxmlformats.org/presentationml/2006/main" xmlns:c="http://schemas.openxmlformats.org/drawingml/2006/chart" xmlns:dgm="http://schemas.openxmlformats.org/drawingml/2006/diagram" xmlns:o="urn:schemas-microsoft-com:office:office" xmlns:v="urn:schemas-microsoft-com:vml" xmlns:pvml="urn:schemas-microsoft-com:office:powerpoint" xmlns:com="http://schemas.openxmlformats.org/drawingml/2006/compatibility" xmlns:p14="http://schemas.microsoft.com/office/powerpoint/2010/main" xmlns:p15="http://schemas.microsoft.com/office/powerpoint/2012/main">
+<p:sld xmlns:a="http://schemas.openxmlformats.org/drawingml/2006/main" xmlns:r="http://schemas.openxmlformats.org/officeDocument/2006/relationships" xmlns:p="http://schemas.openxmlformats.org/presentationml/2006/main">
   <p:cSld>
     <p:spTree>
       <p:nvGrpSpPr>
-        <p:cNvPr id="123" name="Shape 123"/>
+        <p:cNvPr id="1" name="Shape 123"/>
         <p:cNvGrpSpPr/>
         <p:nvPr/>
       </p:nvGrpSpPr>
@@ -11847,7 +12120,9 @@
       <p:sp>
         <p:nvSpPr>
           <p:cNvPr id="124" name="Shape 124"/>
-          <p:cNvSpPr txBox="1"/>
+          <p:cNvSpPr txBox="1">
+            <a:spLocks noGrp="1"/>
+          </p:cNvSpPr>
           <p:nvPr>
             <p:ph type="title"/>
           </p:nvPr>
@@ -11862,12 +12137,12 @@
           </a:prstGeom>
         </p:spPr>
         <p:txBody>
-          <a:bodyPr anchorCtr="0" anchor="ctr" bIns="91425" lIns="91425" spcFirstLastPara="1" rIns="91425" wrap="square" tIns="91425">
+          <a:bodyPr spcFirstLastPara="1" wrap="square" lIns="91425" tIns="91425" rIns="91425" bIns="91425" anchor="ctr" anchorCtr="0">
             <a:noAutofit/>
           </a:bodyPr>
           <a:lstStyle/>
           <a:p>
-            <a:pPr indent="0" lvl="0" marL="0" rtl="0">
+            <a:pPr marL="0" lvl="0" indent="0" rtl="0">
               <a:spcBef>
                 <a:spcPts val="0"/>
               </a:spcBef>
@@ -11877,10 +12152,10 @@
               <a:buNone/>
             </a:pPr>
             <a:r>
-              <a:rPr b="1" lang="pt-BR"/>
+              <a:rPr lang="pt-BR" b="1"/>
               <a:t>Protótipo</a:t>
             </a:r>
-            <a:endParaRPr b="1" sz="4800"/>
+            <a:endParaRPr sz="4800" b="1"/>
           </a:p>
         </p:txBody>
       </p:sp>
@@ -11893,11 +12168,11 @@
 </file>
 
 <file path=ppt/slides/slide5.xml><?xml version="1.0" encoding="utf-8"?>
-<p:sld xmlns:a="http://schemas.openxmlformats.org/drawingml/2006/main" xmlns:r="http://schemas.openxmlformats.org/officeDocument/2006/relationships" xmlns:mc="http://schemas.openxmlformats.org/markup-compatibility/2006" xmlns:mv="urn:schemas-microsoft-com:mac:vml" xmlns:p="http://schemas.openxmlformats.org/presentationml/2006/main" xmlns:c="http://schemas.openxmlformats.org/drawingml/2006/chart" xmlns:dgm="http://schemas.openxmlformats.org/drawingml/2006/diagram" xmlns:o="urn:schemas-microsoft-com:office:office" xmlns:v="urn:schemas-microsoft-com:vml" xmlns:pvml="urn:schemas-microsoft-com:office:powerpoint" xmlns:com="http://schemas.openxmlformats.org/drawingml/2006/compatibility" xmlns:p14="http://schemas.microsoft.com/office/powerpoint/2010/main" xmlns:p15="http://schemas.microsoft.com/office/powerpoint/2012/main">
+<p:sld xmlns:a="http://schemas.openxmlformats.org/drawingml/2006/main" xmlns:r="http://schemas.openxmlformats.org/officeDocument/2006/relationships" xmlns:p="http://schemas.openxmlformats.org/presentationml/2006/main">
   <p:cSld>
     <p:spTree>
       <p:nvGrpSpPr>
-        <p:cNvPr id="128" name="Shape 128"/>
+        <p:cNvPr id="1" name="Shape 128"/>
         <p:cNvGrpSpPr/>
         <p:nvPr/>
       </p:nvGrpSpPr>
@@ -11912,7 +12187,9 @@
       <p:sp>
         <p:nvSpPr>
           <p:cNvPr id="129" name="Shape 129"/>
-          <p:cNvSpPr txBox="1"/>
+          <p:cNvSpPr txBox="1">
+            <a:spLocks noGrp="1"/>
+          </p:cNvSpPr>
           <p:nvPr>
             <p:ph type="title"/>
           </p:nvPr>
@@ -11927,12 +12204,12 @@
           </a:prstGeom>
         </p:spPr>
         <p:txBody>
-          <a:bodyPr anchorCtr="0" anchor="t" bIns="91425" lIns="91425" spcFirstLastPara="1" rIns="91425" wrap="square" tIns="91425">
+          <a:bodyPr spcFirstLastPara="1" wrap="square" lIns="91425" tIns="91425" rIns="91425" bIns="91425" anchor="t" anchorCtr="0">
             <a:noAutofit/>
           </a:bodyPr>
           <a:lstStyle/>
           <a:p>
-            <a:pPr indent="0" lvl="0" marL="0" rtl="0">
+            <a:pPr marL="0" lvl="0" indent="0" rtl="0">
               <a:spcBef>
                 <a:spcPts val="0"/>
               </a:spcBef>
@@ -11952,9 +12229,11 @@
       <p:sp>
         <p:nvSpPr>
           <p:cNvPr id="130" name="Shape 130"/>
-          <p:cNvSpPr txBox="1"/>
+          <p:cNvSpPr txBox="1">
+            <a:spLocks noGrp="1"/>
+          </p:cNvSpPr>
           <p:nvPr>
-            <p:ph idx="1" type="body"/>
+            <p:ph type="body" idx="1"/>
           </p:nvPr>
         </p:nvSpPr>
         <p:spPr>
@@ -11967,12 +12246,12 @@
           </a:prstGeom>
         </p:spPr>
         <p:txBody>
-          <a:bodyPr anchorCtr="0" anchor="t" bIns="91425" lIns="91425" spcFirstLastPara="1" rIns="91425" wrap="square" tIns="91425">
+          <a:bodyPr spcFirstLastPara="1" wrap="square" lIns="91425" tIns="91425" rIns="91425" bIns="91425" anchor="t" anchorCtr="0">
             <a:noAutofit/>
           </a:bodyPr>
           <a:lstStyle/>
           <a:p>
-            <a:pPr indent="-381000" lvl="0" marL="457200" rtl="0">
+            <a:pPr marL="457200" lvl="0" indent="-381000" rtl="0">
               <a:spcBef>
                 <a:spcPts val="0"/>
               </a:spcBef>
@@ -11982,9 +12261,6 @@
               <a:buSzPts val="2400"/>
               <a:buChar char="-"/>
             </a:pPr>
-            <a:r>
-              <a:t/>
-            </a:r>
             <a:endParaRPr sz="2400"/>
           </a:p>
         </p:txBody>
@@ -12026,11 +12302,11 @@
 </file>
 
 <file path=ppt/slides/slide6.xml><?xml version="1.0" encoding="utf-8"?>
-<p:sld xmlns:a="http://schemas.openxmlformats.org/drawingml/2006/main" xmlns:r="http://schemas.openxmlformats.org/officeDocument/2006/relationships" xmlns:mc="http://schemas.openxmlformats.org/markup-compatibility/2006" xmlns:mv="urn:schemas-microsoft-com:mac:vml" xmlns:p="http://schemas.openxmlformats.org/presentationml/2006/main" xmlns:c="http://schemas.openxmlformats.org/drawingml/2006/chart" xmlns:dgm="http://schemas.openxmlformats.org/drawingml/2006/diagram" xmlns:o="urn:schemas-microsoft-com:office:office" xmlns:v="urn:schemas-microsoft-com:vml" xmlns:pvml="urn:schemas-microsoft-com:office:powerpoint" xmlns:com="http://schemas.openxmlformats.org/drawingml/2006/compatibility" xmlns:p14="http://schemas.microsoft.com/office/powerpoint/2010/main" xmlns:p15="http://schemas.microsoft.com/office/powerpoint/2012/main">
+<p:sld xmlns:a="http://schemas.openxmlformats.org/drawingml/2006/main" xmlns:r="http://schemas.openxmlformats.org/officeDocument/2006/relationships" xmlns:p="http://schemas.openxmlformats.org/presentationml/2006/main">
   <p:cSld>
     <p:spTree>
       <p:nvGrpSpPr>
-        <p:cNvPr id="135" name="Shape 135"/>
+        <p:cNvPr id="1" name="Shape 135"/>
         <p:cNvGrpSpPr/>
         <p:nvPr/>
       </p:nvGrpSpPr>
@@ -12045,7 +12321,9 @@
       <p:sp>
         <p:nvSpPr>
           <p:cNvPr id="136" name="Shape 136"/>
-          <p:cNvSpPr txBox="1"/>
+          <p:cNvSpPr txBox="1">
+            <a:spLocks noGrp="1"/>
+          </p:cNvSpPr>
           <p:nvPr>
             <p:ph type="title"/>
           </p:nvPr>
@@ -12060,12 +12338,12 @@
           </a:prstGeom>
         </p:spPr>
         <p:txBody>
-          <a:bodyPr anchorCtr="0" anchor="t" bIns="91425" lIns="91425" spcFirstLastPara="1" rIns="91425" wrap="square" tIns="91425">
+          <a:bodyPr spcFirstLastPara="1" wrap="square" lIns="91425" tIns="91425" rIns="91425" bIns="91425" anchor="t" anchorCtr="0">
             <a:noAutofit/>
           </a:bodyPr>
           <a:lstStyle/>
           <a:p>
-            <a:pPr indent="0" lvl="0" marL="0" rtl="0">
+            <a:pPr marL="0" lvl="0" indent="0" rtl="0">
               <a:spcBef>
                 <a:spcPts val="0"/>
               </a:spcBef>
@@ -12085,9 +12363,11 @@
       <p:sp>
         <p:nvSpPr>
           <p:cNvPr id="137" name="Shape 137"/>
-          <p:cNvSpPr txBox="1"/>
+          <p:cNvSpPr txBox="1">
+            <a:spLocks noGrp="1"/>
+          </p:cNvSpPr>
           <p:nvPr>
-            <p:ph idx="1" type="body"/>
+            <p:ph type="body" idx="1"/>
           </p:nvPr>
         </p:nvSpPr>
         <p:spPr>
@@ -12100,12 +12380,12 @@
           </a:prstGeom>
         </p:spPr>
         <p:txBody>
-          <a:bodyPr anchorCtr="0" anchor="t" bIns="91425" lIns="91425" spcFirstLastPara="1" rIns="91425" wrap="square" tIns="91425">
+          <a:bodyPr spcFirstLastPara="1" wrap="square" lIns="91425" tIns="91425" rIns="91425" bIns="91425" anchor="t" anchorCtr="0">
             <a:noAutofit/>
           </a:bodyPr>
           <a:lstStyle/>
           <a:p>
-            <a:pPr indent="-381000" lvl="0" marL="457200" rtl="0">
+            <a:pPr marL="457200" lvl="0" indent="-381000" rtl="0">
               <a:spcBef>
                 <a:spcPts val="0"/>
               </a:spcBef>
@@ -12115,9 +12395,6 @@
               <a:buSzPts val="2400"/>
               <a:buChar char="-"/>
             </a:pPr>
-            <a:r>
-              <a:t/>
-            </a:r>
             <a:endParaRPr sz="2400"/>
           </a:p>
         </p:txBody>
@@ -12159,11 +12436,11 @@
 </file>
 
 <file path=ppt/slides/slide7.xml><?xml version="1.0" encoding="utf-8"?>
-<p:sld xmlns:a="http://schemas.openxmlformats.org/drawingml/2006/main" xmlns:r="http://schemas.openxmlformats.org/officeDocument/2006/relationships" xmlns:mc="http://schemas.openxmlformats.org/markup-compatibility/2006" xmlns:mv="urn:schemas-microsoft-com:mac:vml" xmlns:p="http://schemas.openxmlformats.org/presentationml/2006/main" xmlns:c="http://schemas.openxmlformats.org/drawingml/2006/chart" xmlns:dgm="http://schemas.openxmlformats.org/drawingml/2006/diagram" xmlns:o="urn:schemas-microsoft-com:office:office" xmlns:v="urn:schemas-microsoft-com:vml" xmlns:pvml="urn:schemas-microsoft-com:office:powerpoint" xmlns:com="http://schemas.openxmlformats.org/drawingml/2006/compatibility" xmlns:p14="http://schemas.microsoft.com/office/powerpoint/2010/main" xmlns:p15="http://schemas.microsoft.com/office/powerpoint/2012/main">
+<p:sld xmlns:a="http://schemas.openxmlformats.org/drawingml/2006/main" xmlns:r="http://schemas.openxmlformats.org/officeDocument/2006/relationships" xmlns:p="http://schemas.openxmlformats.org/presentationml/2006/main">
   <p:cSld>
     <p:spTree>
       <p:nvGrpSpPr>
-        <p:cNvPr id="142" name="Shape 142"/>
+        <p:cNvPr id="1" name="Shape 142"/>
         <p:cNvGrpSpPr/>
         <p:nvPr/>
       </p:nvGrpSpPr>
@@ -12178,7 +12455,9 @@
       <p:sp>
         <p:nvSpPr>
           <p:cNvPr id="143" name="Shape 143"/>
-          <p:cNvSpPr txBox="1"/>
+          <p:cNvSpPr txBox="1">
+            <a:spLocks noGrp="1"/>
+          </p:cNvSpPr>
           <p:nvPr>
             <p:ph type="title"/>
           </p:nvPr>
@@ -12193,12 +12472,12 @@
           </a:prstGeom>
         </p:spPr>
         <p:txBody>
-          <a:bodyPr anchorCtr="0" anchor="t" bIns="91425" lIns="91425" spcFirstLastPara="1" rIns="91425" wrap="square" tIns="91425">
+          <a:bodyPr spcFirstLastPara="1" wrap="square" lIns="91425" tIns="91425" rIns="91425" bIns="91425" anchor="t" anchorCtr="0">
             <a:noAutofit/>
           </a:bodyPr>
           <a:lstStyle/>
           <a:p>
-            <a:pPr indent="0" lvl="0" marL="0" rtl="0">
+            <a:pPr marL="0" lvl="0" indent="0" rtl="0">
               <a:spcBef>
                 <a:spcPts val="0"/>
               </a:spcBef>
@@ -12218,9 +12497,11 @@
       <p:sp>
         <p:nvSpPr>
           <p:cNvPr id="144" name="Shape 144"/>
-          <p:cNvSpPr txBox="1"/>
+          <p:cNvSpPr txBox="1">
+            <a:spLocks noGrp="1"/>
+          </p:cNvSpPr>
           <p:nvPr>
-            <p:ph idx="1" type="body"/>
+            <p:ph type="body" idx="1"/>
           </p:nvPr>
         </p:nvSpPr>
         <p:spPr>
@@ -12233,12 +12514,12 @@
           </a:prstGeom>
         </p:spPr>
         <p:txBody>
-          <a:bodyPr anchorCtr="0" anchor="t" bIns="91425" lIns="91425" spcFirstLastPara="1" rIns="91425" wrap="square" tIns="91425">
+          <a:bodyPr spcFirstLastPara="1" wrap="square" lIns="91425" tIns="91425" rIns="91425" bIns="91425" anchor="t" anchorCtr="0">
             <a:noAutofit/>
           </a:bodyPr>
           <a:lstStyle/>
           <a:p>
-            <a:pPr indent="-381000" lvl="0" marL="457200" rtl="0">
+            <a:pPr marL="457200" lvl="0" indent="-381000" rtl="0">
               <a:spcBef>
                 <a:spcPts val="0"/>
               </a:spcBef>
@@ -12248,9 +12529,6 @@
               <a:buSzPts val="2400"/>
               <a:buChar char="-"/>
             </a:pPr>
-            <a:r>
-              <a:t/>
-            </a:r>
             <a:endParaRPr sz="2400"/>
           </a:p>
         </p:txBody>
@@ -12292,11 +12570,11 @@
 </file>
 
 <file path=ppt/slides/slide8.xml><?xml version="1.0" encoding="utf-8"?>
-<p:sld xmlns:a="http://schemas.openxmlformats.org/drawingml/2006/main" xmlns:r="http://schemas.openxmlformats.org/officeDocument/2006/relationships" xmlns:mc="http://schemas.openxmlformats.org/markup-compatibility/2006" xmlns:mv="urn:schemas-microsoft-com:mac:vml" xmlns:p="http://schemas.openxmlformats.org/presentationml/2006/main" xmlns:c="http://schemas.openxmlformats.org/drawingml/2006/chart" xmlns:dgm="http://schemas.openxmlformats.org/drawingml/2006/diagram" xmlns:o="urn:schemas-microsoft-com:office:office" xmlns:v="urn:schemas-microsoft-com:vml" xmlns:pvml="urn:schemas-microsoft-com:office:powerpoint" xmlns:com="http://schemas.openxmlformats.org/drawingml/2006/compatibility" xmlns:p14="http://schemas.microsoft.com/office/powerpoint/2010/main" xmlns:p15="http://schemas.microsoft.com/office/powerpoint/2012/main">
+<p:sld xmlns:a="http://schemas.openxmlformats.org/drawingml/2006/main" xmlns:r="http://schemas.openxmlformats.org/officeDocument/2006/relationships" xmlns:p="http://schemas.openxmlformats.org/presentationml/2006/main">
   <p:cSld>
     <p:spTree>
       <p:nvGrpSpPr>
-        <p:cNvPr id="149" name="Shape 149"/>
+        <p:cNvPr id="1" name="Shape 149"/>
         <p:cNvGrpSpPr/>
         <p:nvPr/>
       </p:nvGrpSpPr>
@@ -12311,7 +12589,9 @@
       <p:sp>
         <p:nvSpPr>
           <p:cNvPr id="150" name="Shape 150"/>
-          <p:cNvSpPr txBox="1"/>
+          <p:cNvSpPr txBox="1">
+            <a:spLocks noGrp="1"/>
+          </p:cNvSpPr>
           <p:nvPr>
             <p:ph type="title"/>
           </p:nvPr>
@@ -12326,12 +12606,12 @@
           </a:prstGeom>
         </p:spPr>
         <p:txBody>
-          <a:bodyPr anchorCtr="0" anchor="ctr" bIns="91425" lIns="91425" spcFirstLastPara="1" rIns="91425" wrap="square" tIns="91425">
+          <a:bodyPr spcFirstLastPara="1" wrap="square" lIns="91425" tIns="91425" rIns="91425" bIns="91425" anchor="ctr" anchorCtr="0">
             <a:noAutofit/>
           </a:bodyPr>
           <a:lstStyle/>
           <a:p>
-            <a:pPr indent="0" lvl="0" marL="0" rtl="0">
+            <a:pPr marL="0" lvl="0" indent="0" rtl="0">
               <a:spcBef>
                 <a:spcPts val="0"/>
               </a:spcBef>
@@ -12341,10 +12621,16 @@
               <a:buNone/>
             </a:pPr>
             <a:r>
-              <a:rPr lang="pt-BR" sz="7000"/>
-              <a:t>Dúvidas?</a:t>
+              <a:rPr lang="pt-BR" sz="7000" dirty="0"/>
+              <a:t>Obrigada </a:t>
             </a:r>
-            <a:endParaRPr sz="7000"/>
+            <a:r>
+              <a:rPr lang="pt-BR" sz="7000" dirty="0">
+                <a:sym typeface="Wingdings" panose="05000000000000000000" pitchFamily="2" charset="2"/>
+              </a:rPr>
+              <a:t></a:t>
+            </a:r>
+            <a:endParaRPr sz="7000" dirty="0"/>
           </a:p>
         </p:txBody>
       </p:sp>
@@ -12357,7 +12643,288 @@
 </file>
 
 <file path=ppt/theme/theme1.xml><?xml version="1.0" encoding="utf-8"?>
-<a:theme xmlns:a="http://schemas.openxmlformats.org/drawingml/2006/main" xmlns:r="http://schemas.openxmlformats.org/officeDocument/2006/relationships" name="Spearmint">
+<a:theme xmlns:a="http://schemas.openxmlformats.org/drawingml/2006/main" name="Simple Light">
+  <a:themeElements>
+    <a:clrScheme name="Simple Light">
+      <a:dk1>
+        <a:srgbClr val="000000"/>
+      </a:dk1>
+      <a:lt1>
+        <a:srgbClr val="FFFFFF"/>
+      </a:lt1>
+      <a:dk2>
+        <a:srgbClr val="595959"/>
+      </a:dk2>
+      <a:lt2>
+        <a:srgbClr val="EEEEEE"/>
+      </a:lt2>
+      <a:accent1>
+        <a:srgbClr val="FFAB40"/>
+      </a:accent1>
+      <a:accent2>
+        <a:srgbClr val="212121"/>
+      </a:accent2>
+      <a:accent3>
+        <a:srgbClr val="78909C"/>
+      </a:accent3>
+      <a:accent4>
+        <a:srgbClr val="FFAB40"/>
+      </a:accent4>
+      <a:accent5>
+        <a:srgbClr val="0097A7"/>
+      </a:accent5>
+      <a:accent6>
+        <a:srgbClr val="EEFF41"/>
+      </a:accent6>
+      <a:hlink>
+        <a:srgbClr val="0097A7"/>
+      </a:hlink>
+      <a:folHlink>
+        <a:srgbClr val="0097A7"/>
+      </a:folHlink>
+    </a:clrScheme>
+    <a:fontScheme name="Office">
+      <a:majorFont>
+        <a:latin typeface="Arial"/>
+        <a:ea typeface=""/>
+        <a:cs typeface=""/>
+        <a:font script="Jpan" typeface="ＭＳ Ｐゴシック"/>
+        <a:font script="Hang" typeface="맑은 고딕"/>
+        <a:font script="Hans" typeface="宋体"/>
+        <a:font script="Hant" typeface="新細明體"/>
+        <a:font script="Arab" typeface="Times New Roman"/>
+        <a:font script="Hebr" typeface="Times New Roman"/>
+        <a:font script="Thai" typeface="Angsana New"/>
+        <a:font script="Ethi" typeface="Nyala"/>
+        <a:font script="Beng" typeface="Vrinda"/>
+        <a:font script="Gujr" typeface="Shruti"/>
+        <a:font script="Khmr" typeface="MoolBoran"/>
+        <a:font script="Knda" typeface="Tunga"/>
+        <a:font script="Guru" typeface="Raavi"/>
+        <a:font script="Cans" typeface="Euphemia"/>
+        <a:font script="Cher" typeface="Plantagenet Cherokee"/>
+        <a:font script="Yiii" typeface="Microsoft Yi Baiti"/>
+        <a:font script="Tibt" typeface="Microsoft Himalaya"/>
+        <a:font script="Thaa" typeface="MV Boli"/>
+        <a:font script="Deva" typeface="Mangal"/>
+        <a:font script="Telu" typeface="Gautami"/>
+        <a:font script="Taml" typeface="Latha"/>
+        <a:font script="Syrc" typeface="Estrangelo Edessa"/>
+        <a:font script="Orya" typeface="Kalinga"/>
+        <a:font script="Mlym" typeface="Kartika"/>
+        <a:font script="Laoo" typeface="DokChampa"/>
+        <a:font script="Sinh" typeface="Iskoola Pota"/>
+        <a:font script="Mong" typeface="Mongolian Baiti"/>
+        <a:font script="Viet" typeface="Times New Roman"/>
+        <a:font script="Uigh" typeface="Microsoft Uighur"/>
+        <a:font script="Geor" typeface="Sylfaen"/>
+      </a:majorFont>
+      <a:minorFont>
+        <a:latin typeface="Arial"/>
+        <a:ea typeface=""/>
+        <a:cs typeface=""/>
+        <a:font script="Jpan" typeface="ＭＳ Ｐゴシック"/>
+        <a:font script="Hang" typeface="맑은 고딕"/>
+        <a:font script="Hans" typeface="宋体"/>
+        <a:font script="Hant" typeface="新細明體"/>
+        <a:font script="Arab" typeface="Arial"/>
+        <a:font script="Hebr" typeface="Arial"/>
+        <a:font script="Thai" typeface="Cordia New"/>
+        <a:font script="Ethi" typeface="Nyala"/>
+        <a:font script="Beng" typeface="Vrinda"/>
+        <a:font script="Gujr" typeface="Shruti"/>
+        <a:font script="Khmr" typeface="DaunPenh"/>
+        <a:font script="Knda" typeface="Tunga"/>
+        <a:font script="Guru" typeface="Raavi"/>
+        <a:font script="Cans" typeface="Euphemia"/>
+        <a:font script="Cher" typeface="Plantagenet Cherokee"/>
+        <a:font script="Yiii" typeface="Microsoft Yi Baiti"/>
+        <a:font script="Tibt" typeface="Microsoft Himalaya"/>
+        <a:font script="Thaa" typeface="MV Boli"/>
+        <a:font script="Deva" typeface="Mangal"/>
+        <a:font script="Telu" typeface="Gautami"/>
+        <a:font script="Taml" typeface="Latha"/>
+        <a:font script="Syrc" typeface="Estrangelo Edessa"/>
+        <a:font script="Orya" typeface="Kalinga"/>
+        <a:font script="Mlym" typeface="Kartika"/>
+        <a:font script="Laoo" typeface="DokChampa"/>
+        <a:font script="Sinh" typeface="Iskoola Pota"/>
+        <a:font script="Mong" typeface="Mongolian Baiti"/>
+        <a:font script="Viet" typeface="Arial"/>
+        <a:font script="Uigh" typeface="Microsoft Uighur"/>
+        <a:font script="Geor" typeface="Sylfaen"/>
+      </a:minorFont>
+    </a:fontScheme>
+    <a:fmtScheme name="Office">
+      <a:fillStyleLst>
+        <a:solidFill>
+          <a:schemeClr val="phClr"/>
+        </a:solidFill>
+        <a:gradFill rotWithShape="1">
+          <a:gsLst>
+            <a:gs pos="0">
+              <a:schemeClr val="phClr">
+                <a:tint val="50000"/>
+                <a:satMod val="300000"/>
+              </a:schemeClr>
+            </a:gs>
+            <a:gs pos="35000">
+              <a:schemeClr val="phClr">
+                <a:tint val="37000"/>
+                <a:satMod val="300000"/>
+              </a:schemeClr>
+            </a:gs>
+            <a:gs pos="100000">
+              <a:schemeClr val="phClr">
+                <a:tint val="15000"/>
+                <a:satMod val="350000"/>
+              </a:schemeClr>
+            </a:gs>
+          </a:gsLst>
+          <a:lin ang="16200000" scaled="1"/>
+        </a:gradFill>
+        <a:gradFill rotWithShape="1">
+          <a:gsLst>
+            <a:gs pos="0">
+              <a:schemeClr val="phClr">
+                <a:tint val="100000"/>
+                <a:shade val="100000"/>
+                <a:satMod val="130000"/>
+              </a:schemeClr>
+            </a:gs>
+            <a:gs pos="100000">
+              <a:schemeClr val="phClr">
+                <a:tint val="50000"/>
+                <a:shade val="100000"/>
+                <a:satMod val="350000"/>
+              </a:schemeClr>
+            </a:gs>
+          </a:gsLst>
+          <a:lin ang="16200000" scaled="0"/>
+        </a:gradFill>
+      </a:fillStyleLst>
+      <a:lnStyleLst>
+        <a:ln w="9525" cap="flat" cmpd="sng" algn="ctr">
+          <a:solidFill>
+            <a:schemeClr val="phClr">
+              <a:shade val="95000"/>
+              <a:satMod val="105000"/>
+            </a:schemeClr>
+          </a:solidFill>
+          <a:prstDash val="solid"/>
+        </a:ln>
+        <a:ln w="25400" cap="flat" cmpd="sng" algn="ctr">
+          <a:solidFill>
+            <a:schemeClr val="phClr"/>
+          </a:solidFill>
+          <a:prstDash val="solid"/>
+        </a:ln>
+        <a:ln w="38100" cap="flat" cmpd="sng" algn="ctr">
+          <a:solidFill>
+            <a:schemeClr val="phClr"/>
+          </a:solidFill>
+          <a:prstDash val="solid"/>
+        </a:ln>
+      </a:lnStyleLst>
+      <a:effectStyleLst>
+        <a:effectStyle>
+          <a:effectLst>
+            <a:outerShdw blurRad="40000" dist="20000" dir="5400000" rotWithShape="0">
+              <a:srgbClr val="000000">
+                <a:alpha val="38000"/>
+              </a:srgbClr>
+            </a:outerShdw>
+          </a:effectLst>
+        </a:effectStyle>
+        <a:effectStyle>
+          <a:effectLst>
+            <a:outerShdw blurRad="40000" dist="23000" dir="5400000" rotWithShape="0">
+              <a:srgbClr val="000000">
+                <a:alpha val="35000"/>
+              </a:srgbClr>
+            </a:outerShdw>
+          </a:effectLst>
+        </a:effectStyle>
+        <a:effectStyle>
+          <a:effectLst>
+            <a:outerShdw blurRad="40000" dist="23000" dir="5400000" rotWithShape="0">
+              <a:srgbClr val="000000">
+                <a:alpha val="35000"/>
+              </a:srgbClr>
+            </a:outerShdw>
+          </a:effectLst>
+          <a:scene3d>
+            <a:camera prst="orthographicFront">
+              <a:rot lat="0" lon="0" rev="0"/>
+            </a:camera>
+            <a:lightRig rig="threePt" dir="t">
+              <a:rot lat="0" lon="0" rev="1200000"/>
+            </a:lightRig>
+          </a:scene3d>
+          <a:sp3d>
+            <a:bevelT w="63500" h="25400"/>
+          </a:sp3d>
+        </a:effectStyle>
+      </a:effectStyleLst>
+      <a:bgFillStyleLst>
+        <a:solidFill>
+          <a:schemeClr val="phClr"/>
+        </a:solidFill>
+        <a:gradFill rotWithShape="1">
+          <a:gsLst>
+            <a:gs pos="0">
+              <a:schemeClr val="phClr">
+                <a:tint val="40000"/>
+                <a:satMod val="350000"/>
+              </a:schemeClr>
+            </a:gs>
+            <a:gs pos="40000">
+              <a:schemeClr val="phClr">
+                <a:tint val="45000"/>
+                <a:shade val="99000"/>
+                <a:satMod val="350000"/>
+              </a:schemeClr>
+            </a:gs>
+            <a:gs pos="100000">
+              <a:schemeClr val="phClr">
+                <a:shade val="20000"/>
+                <a:satMod val="255000"/>
+              </a:schemeClr>
+            </a:gs>
+          </a:gsLst>
+          <a:path path="circle">
+            <a:fillToRect l="50000" t="-80000" r="50000" b="180000"/>
+          </a:path>
+        </a:gradFill>
+        <a:gradFill rotWithShape="1">
+          <a:gsLst>
+            <a:gs pos="0">
+              <a:schemeClr val="phClr">
+                <a:tint val="80000"/>
+                <a:satMod val="300000"/>
+              </a:schemeClr>
+            </a:gs>
+            <a:gs pos="100000">
+              <a:schemeClr val="phClr">
+                <a:shade val="30000"/>
+                <a:satMod val="200000"/>
+              </a:schemeClr>
+            </a:gs>
+          </a:gsLst>
+          <a:path path="circle">
+            <a:fillToRect l="50000" t="50000" r="50000" b="50000"/>
+          </a:path>
+        </a:gradFill>
+      </a:bgFillStyleLst>
+    </a:fmtScheme>
+  </a:themeElements>
+  <a:objectDefaults/>
+  <a:extraClrSchemeLst/>
+</a:theme>
+</file>
+
+<file path=ppt/theme/theme2.xml><?xml version="1.0" encoding="utf-8"?>
+<a:theme xmlns:a="http://schemas.openxmlformats.org/drawingml/2006/main" name="Spearmint">
   <a:themeElements>
     <a:clrScheme name="Spearmint">
       <a:dk1>
@@ -12632,11 +13199,13 @@
       </a:bgFillStyleLst>
     </a:fmtScheme>
   </a:themeElements>
+  <a:objectDefaults/>
+  <a:extraClrSchemeLst/>
 </a:theme>
 </file>
 
-<file path=ppt/theme/theme2.xml><?xml version="1.0" encoding="utf-8"?>
-<a:theme xmlns:a="http://schemas.openxmlformats.org/drawingml/2006/main" xmlns:r="http://schemas.openxmlformats.org/officeDocument/2006/relationships">
+<file path=ppt/theme/theme3.xml><?xml version="1.0" encoding="utf-8"?>
+<a:theme xmlns:a="http://schemas.openxmlformats.org/drawingml/2006/main">
   <a:themeElements>
     <a:clrScheme name="Default">
       <a:dk1>
@@ -12911,284 +13480,7 @@
       </a:bgFillStyleLst>
     </a:fmtScheme>
   </a:themeElements>
-</a:theme>
-</file>
-
-<file path=ppt/theme/theme3.xml><?xml version="1.0" encoding="utf-8"?>
-<a:theme xmlns:a="http://schemas.openxmlformats.org/drawingml/2006/main" xmlns:r="http://schemas.openxmlformats.org/officeDocument/2006/relationships" name="Simple Light">
-  <a:themeElements>
-    <a:clrScheme name="Simple Light">
-      <a:dk1>
-        <a:srgbClr val="000000"/>
-      </a:dk1>
-      <a:lt1>
-        <a:srgbClr val="FFFFFF"/>
-      </a:lt1>
-      <a:dk2>
-        <a:srgbClr val="595959"/>
-      </a:dk2>
-      <a:lt2>
-        <a:srgbClr val="EEEEEE"/>
-      </a:lt2>
-      <a:accent1>
-        <a:srgbClr val="FFAB40"/>
-      </a:accent1>
-      <a:accent2>
-        <a:srgbClr val="212121"/>
-      </a:accent2>
-      <a:accent3>
-        <a:srgbClr val="78909C"/>
-      </a:accent3>
-      <a:accent4>
-        <a:srgbClr val="FFAB40"/>
-      </a:accent4>
-      <a:accent5>
-        <a:srgbClr val="0097A7"/>
-      </a:accent5>
-      <a:accent6>
-        <a:srgbClr val="EEFF41"/>
-      </a:accent6>
-      <a:hlink>
-        <a:srgbClr val="0097A7"/>
-      </a:hlink>
-      <a:folHlink>
-        <a:srgbClr val="0097A7"/>
-      </a:folHlink>
-    </a:clrScheme>
-    <a:fontScheme name="Office">
-      <a:majorFont>
-        <a:latin typeface="Arial"/>
-        <a:ea typeface=""/>
-        <a:cs typeface=""/>
-        <a:font script="Jpan" typeface="ＭＳ Ｐゴシック"/>
-        <a:font script="Hang" typeface="맑은 고딕"/>
-        <a:font script="Hans" typeface="宋体"/>
-        <a:font script="Hant" typeface="新細明體"/>
-        <a:font script="Arab" typeface="Times New Roman"/>
-        <a:font script="Hebr" typeface="Times New Roman"/>
-        <a:font script="Thai" typeface="Angsana New"/>
-        <a:font script="Ethi" typeface="Nyala"/>
-        <a:font script="Beng" typeface="Vrinda"/>
-        <a:font script="Gujr" typeface="Shruti"/>
-        <a:font script="Khmr" typeface="MoolBoran"/>
-        <a:font script="Knda" typeface="Tunga"/>
-        <a:font script="Guru" typeface="Raavi"/>
-        <a:font script="Cans" typeface="Euphemia"/>
-        <a:font script="Cher" typeface="Plantagenet Cherokee"/>
-        <a:font script="Yiii" typeface="Microsoft Yi Baiti"/>
-        <a:font script="Tibt" typeface="Microsoft Himalaya"/>
-        <a:font script="Thaa" typeface="MV Boli"/>
-        <a:font script="Deva" typeface="Mangal"/>
-        <a:font script="Telu" typeface="Gautami"/>
-        <a:font script="Taml" typeface="Latha"/>
-        <a:font script="Syrc" typeface="Estrangelo Edessa"/>
-        <a:font script="Orya" typeface="Kalinga"/>
-        <a:font script="Mlym" typeface="Kartika"/>
-        <a:font script="Laoo" typeface="DokChampa"/>
-        <a:font script="Sinh" typeface="Iskoola Pota"/>
-        <a:font script="Mong" typeface="Mongolian Baiti"/>
-        <a:font script="Viet" typeface="Times New Roman"/>
-        <a:font script="Uigh" typeface="Microsoft Uighur"/>
-        <a:font script="Geor" typeface="Sylfaen"/>
-      </a:majorFont>
-      <a:minorFont>
-        <a:latin typeface="Arial"/>
-        <a:ea typeface=""/>
-        <a:cs typeface=""/>
-        <a:font script="Jpan" typeface="ＭＳ Ｐゴシック"/>
-        <a:font script="Hang" typeface="맑은 고딕"/>
-        <a:font script="Hans" typeface="宋体"/>
-        <a:font script="Hant" typeface="新細明體"/>
-        <a:font script="Arab" typeface="Arial"/>
-        <a:font script="Hebr" typeface="Arial"/>
-        <a:font script="Thai" typeface="Cordia New"/>
-        <a:font script="Ethi" typeface="Nyala"/>
-        <a:font script="Beng" typeface="Vrinda"/>
-        <a:font script="Gujr" typeface="Shruti"/>
-        <a:font script="Khmr" typeface="DaunPenh"/>
-        <a:font script="Knda" typeface="Tunga"/>
-        <a:font script="Guru" typeface="Raavi"/>
-        <a:font script="Cans" typeface="Euphemia"/>
-        <a:font script="Cher" typeface="Plantagenet Cherokee"/>
-        <a:font script="Yiii" typeface="Microsoft Yi Baiti"/>
-        <a:font script="Tibt" typeface="Microsoft Himalaya"/>
-        <a:font script="Thaa" typeface="MV Boli"/>
-        <a:font script="Deva" typeface="Mangal"/>
-        <a:font script="Telu" typeface="Gautami"/>
-        <a:font script="Taml" typeface="Latha"/>
-        <a:font script="Syrc" typeface="Estrangelo Edessa"/>
-        <a:font script="Orya" typeface="Kalinga"/>
-        <a:font script="Mlym" typeface="Kartika"/>
-        <a:font script="Laoo" typeface="DokChampa"/>
-        <a:font script="Sinh" typeface="Iskoola Pota"/>
-        <a:font script="Mong" typeface="Mongolian Baiti"/>
-        <a:font script="Viet" typeface="Arial"/>
-        <a:font script="Uigh" typeface="Microsoft Uighur"/>
-        <a:font script="Geor" typeface="Sylfaen"/>
-      </a:minorFont>
-    </a:fontScheme>
-    <a:fmtScheme name="Office">
-      <a:fillStyleLst>
-        <a:solidFill>
-          <a:schemeClr val="phClr"/>
-        </a:solidFill>
-        <a:gradFill rotWithShape="1">
-          <a:gsLst>
-            <a:gs pos="0">
-              <a:schemeClr val="phClr">
-                <a:tint val="50000"/>
-                <a:satMod val="300000"/>
-              </a:schemeClr>
-            </a:gs>
-            <a:gs pos="35000">
-              <a:schemeClr val="phClr">
-                <a:tint val="37000"/>
-                <a:satMod val="300000"/>
-              </a:schemeClr>
-            </a:gs>
-            <a:gs pos="100000">
-              <a:schemeClr val="phClr">
-                <a:tint val="15000"/>
-                <a:satMod val="350000"/>
-              </a:schemeClr>
-            </a:gs>
-          </a:gsLst>
-          <a:lin ang="16200000" scaled="1"/>
-        </a:gradFill>
-        <a:gradFill rotWithShape="1">
-          <a:gsLst>
-            <a:gs pos="0">
-              <a:schemeClr val="phClr">
-                <a:tint val="100000"/>
-                <a:shade val="100000"/>
-                <a:satMod val="130000"/>
-              </a:schemeClr>
-            </a:gs>
-            <a:gs pos="100000">
-              <a:schemeClr val="phClr">
-                <a:tint val="50000"/>
-                <a:shade val="100000"/>
-                <a:satMod val="350000"/>
-              </a:schemeClr>
-            </a:gs>
-          </a:gsLst>
-          <a:lin ang="16200000" scaled="0"/>
-        </a:gradFill>
-      </a:fillStyleLst>
-      <a:lnStyleLst>
-        <a:ln w="9525" cap="flat" cmpd="sng" algn="ctr">
-          <a:solidFill>
-            <a:schemeClr val="phClr">
-              <a:shade val="95000"/>
-              <a:satMod val="105000"/>
-            </a:schemeClr>
-          </a:solidFill>
-          <a:prstDash val="solid"/>
-        </a:ln>
-        <a:ln w="25400" cap="flat" cmpd="sng" algn="ctr">
-          <a:solidFill>
-            <a:schemeClr val="phClr"/>
-          </a:solidFill>
-          <a:prstDash val="solid"/>
-        </a:ln>
-        <a:ln w="38100" cap="flat" cmpd="sng" algn="ctr">
-          <a:solidFill>
-            <a:schemeClr val="phClr"/>
-          </a:solidFill>
-          <a:prstDash val="solid"/>
-        </a:ln>
-      </a:lnStyleLst>
-      <a:effectStyleLst>
-        <a:effectStyle>
-          <a:effectLst>
-            <a:outerShdw blurRad="40000" dist="20000" dir="5400000" rotWithShape="0">
-              <a:srgbClr val="000000">
-                <a:alpha val="38000"/>
-              </a:srgbClr>
-            </a:outerShdw>
-          </a:effectLst>
-        </a:effectStyle>
-        <a:effectStyle>
-          <a:effectLst>
-            <a:outerShdw blurRad="40000" dist="23000" dir="5400000" rotWithShape="0">
-              <a:srgbClr val="000000">
-                <a:alpha val="35000"/>
-              </a:srgbClr>
-            </a:outerShdw>
-          </a:effectLst>
-        </a:effectStyle>
-        <a:effectStyle>
-          <a:effectLst>
-            <a:outerShdw blurRad="40000" dist="23000" dir="5400000" rotWithShape="0">
-              <a:srgbClr val="000000">
-                <a:alpha val="35000"/>
-              </a:srgbClr>
-            </a:outerShdw>
-          </a:effectLst>
-          <a:scene3d>
-            <a:camera prst="orthographicFront">
-              <a:rot lat="0" lon="0" rev="0"/>
-            </a:camera>
-            <a:lightRig rig="threePt" dir="t">
-              <a:rot lat="0" lon="0" rev="1200000"/>
-            </a:lightRig>
-          </a:scene3d>
-          <a:sp3d>
-            <a:bevelT w="63500" h="25400"/>
-          </a:sp3d>
-        </a:effectStyle>
-      </a:effectStyleLst>
-      <a:bgFillStyleLst>
-        <a:solidFill>
-          <a:schemeClr val="phClr"/>
-        </a:solidFill>
-        <a:gradFill rotWithShape="1">
-          <a:gsLst>
-            <a:gs pos="0">
-              <a:schemeClr val="phClr">
-                <a:tint val="40000"/>
-                <a:satMod val="350000"/>
-              </a:schemeClr>
-            </a:gs>
-            <a:gs pos="40000">
-              <a:schemeClr val="phClr">
-                <a:tint val="45000"/>
-                <a:shade val="99000"/>
-                <a:satMod val="350000"/>
-              </a:schemeClr>
-            </a:gs>
-            <a:gs pos="100000">
-              <a:schemeClr val="phClr">
-                <a:shade val="20000"/>
-                <a:satMod val="255000"/>
-              </a:schemeClr>
-            </a:gs>
-          </a:gsLst>
-          <a:path path="circle">
-            <a:fillToRect l="50000" t="-80000" r="50000" b="180000"/>
-          </a:path>
-        </a:gradFill>
-        <a:gradFill rotWithShape="1">
-          <a:gsLst>
-            <a:gs pos="0">
-              <a:schemeClr val="phClr">
-                <a:tint val="80000"/>
-                <a:satMod val="300000"/>
-              </a:schemeClr>
-            </a:gs>
-            <a:gs pos="100000">
-              <a:schemeClr val="phClr">
-                <a:shade val="30000"/>
-                <a:satMod val="200000"/>
-              </a:schemeClr>
-            </a:gs>
-          </a:gsLst>
-          <a:path path="circle">
-            <a:fillToRect l="50000" t="50000" r="50000" b="50000"/>
-          </a:path>
-        </a:gradFill>
-      </a:bgFillStyleLst>
-    </a:fmtScheme>
-  </a:themeElements>
+  <a:objectDefaults/>
+  <a:extraClrSchemeLst/>
 </a:theme>
 </file>